--- a/journalWallFriction/pictures/pdf/reachableSetCircle.pptx
+++ b/journalWallFriction/pictures/pdf/reachableSetCircle.pptx
@@ -104,6 +104,11 @@
       </a:defRPr>
     </a:lvl9pPr>
   </p:defaultTextStyle>
+  <p:extLst>
+    <p:ext uri="{EFAFB233-063F-42B5-8137-9DF3F51BA10A}">
+      <p15:sldGuideLst xmlns:p15="http://schemas.microsoft.com/office/powerpoint/2012/main"/>
+    </p:ext>
+  </p:extLst>
 </p:presentation>
 </file>
 
@@ -149,7 +154,7 @@
           </a:lstStyle>
           <a:p>
             <a:r>
-              <a:rPr lang="en-US" smtClean="0"/>
+              <a:rPr lang="en-US"/>
               <a:t>Click to edit Master title style</a:t>
             </a:r>
             <a:endParaRPr lang="en-US" dirty="0"/>
@@ -214,7 +219,7 @@
           </a:lstStyle>
           <a:p>
             <a:r>
-              <a:rPr lang="en-US" smtClean="0"/>
+              <a:rPr lang="en-US"/>
               <a:t>Click to edit Master subtitle style</a:t>
             </a:r>
             <a:endParaRPr lang="en-US" dirty="0"/>
@@ -238,7 +243,7 @@
           <a:p>
             <a:fld id="{98BB718C-238A-7041-808F-C250553F956E}" type="datetimeFigureOut">
               <a:rPr lang="en-US" smtClean="0"/>
-              <a:t>1/17/18</a:t>
+              <a:t>4/17/18</a:t>
             </a:fld>
             <a:endParaRPr lang="en-US"/>
           </a:p>
@@ -327,7 +332,7 @@
           <a:lstStyle/>
           <a:p>
             <a:r>
-              <a:rPr lang="en-US" smtClean="0"/>
+              <a:rPr lang="en-US"/>
               <a:t>Click to edit Master title style</a:t>
             </a:r>
             <a:endParaRPr lang="en-US" dirty="0"/>
@@ -351,35 +356,35 @@
           <a:p>
             <a:pPr lvl="0"/>
             <a:r>
-              <a:rPr lang="en-US" smtClean="0"/>
+              <a:rPr lang="en-US"/>
               <a:t>Click to edit Master text styles</a:t>
             </a:r>
           </a:p>
           <a:p>
             <a:pPr lvl="1"/>
             <a:r>
-              <a:rPr lang="en-US" smtClean="0"/>
+              <a:rPr lang="en-US"/>
               <a:t>Second level</a:t>
             </a:r>
           </a:p>
           <a:p>
             <a:pPr lvl="2"/>
             <a:r>
-              <a:rPr lang="en-US" smtClean="0"/>
+              <a:rPr lang="en-US"/>
               <a:t>Third level</a:t>
             </a:r>
           </a:p>
           <a:p>
             <a:pPr lvl="3"/>
             <a:r>
-              <a:rPr lang="en-US" smtClean="0"/>
+              <a:rPr lang="en-US"/>
               <a:t>Fourth level</a:t>
             </a:r>
           </a:p>
           <a:p>
             <a:pPr lvl="4"/>
             <a:r>
-              <a:rPr lang="en-US" smtClean="0"/>
+              <a:rPr lang="en-US"/>
               <a:t>Fifth level</a:t>
             </a:r>
             <a:endParaRPr lang="en-US" dirty="0"/>
@@ -403,7 +408,7 @@
           <a:p>
             <a:fld id="{98BB718C-238A-7041-808F-C250553F956E}" type="datetimeFigureOut">
               <a:rPr lang="en-US" smtClean="0"/>
-              <a:t>1/17/18</a:t>
+              <a:t>4/17/18</a:t>
             </a:fld>
             <a:endParaRPr lang="en-US"/>
           </a:p>
@@ -497,7 +502,7 @@
           <a:lstStyle/>
           <a:p>
             <a:r>
-              <a:rPr lang="en-US" smtClean="0"/>
+              <a:rPr lang="en-US"/>
               <a:t>Click to edit Master title style</a:t>
             </a:r>
             <a:endParaRPr lang="en-US" dirty="0"/>
@@ -526,35 +531,35 @@
           <a:p>
             <a:pPr lvl="0"/>
             <a:r>
-              <a:rPr lang="en-US" smtClean="0"/>
+              <a:rPr lang="en-US"/>
               <a:t>Click to edit Master text styles</a:t>
             </a:r>
           </a:p>
           <a:p>
             <a:pPr lvl="1"/>
             <a:r>
-              <a:rPr lang="en-US" smtClean="0"/>
+              <a:rPr lang="en-US"/>
               <a:t>Second level</a:t>
             </a:r>
           </a:p>
           <a:p>
             <a:pPr lvl="2"/>
             <a:r>
-              <a:rPr lang="en-US" smtClean="0"/>
+              <a:rPr lang="en-US"/>
               <a:t>Third level</a:t>
             </a:r>
           </a:p>
           <a:p>
             <a:pPr lvl="3"/>
             <a:r>
-              <a:rPr lang="en-US" smtClean="0"/>
+              <a:rPr lang="en-US"/>
               <a:t>Fourth level</a:t>
             </a:r>
           </a:p>
           <a:p>
             <a:pPr lvl="4"/>
             <a:r>
-              <a:rPr lang="en-US" smtClean="0"/>
+              <a:rPr lang="en-US"/>
               <a:t>Fifth level</a:t>
             </a:r>
             <a:endParaRPr lang="en-US" dirty="0"/>
@@ -578,7 +583,7 @@
           <a:p>
             <a:fld id="{98BB718C-238A-7041-808F-C250553F956E}" type="datetimeFigureOut">
               <a:rPr lang="en-US" smtClean="0"/>
-              <a:t>1/17/18</a:t>
+              <a:t>4/17/18</a:t>
             </a:fld>
             <a:endParaRPr lang="en-US"/>
           </a:p>
@@ -667,7 +672,7 @@
           <a:lstStyle/>
           <a:p>
             <a:r>
-              <a:rPr lang="en-US" smtClean="0"/>
+              <a:rPr lang="en-US"/>
               <a:t>Click to edit Master title style</a:t>
             </a:r>
             <a:endParaRPr lang="en-US" dirty="0"/>
@@ -691,35 +696,35 @@
           <a:p>
             <a:pPr lvl="0"/>
             <a:r>
-              <a:rPr lang="en-US" smtClean="0"/>
+              <a:rPr lang="en-US"/>
               <a:t>Click to edit Master text styles</a:t>
             </a:r>
           </a:p>
           <a:p>
             <a:pPr lvl="1"/>
             <a:r>
-              <a:rPr lang="en-US" smtClean="0"/>
+              <a:rPr lang="en-US"/>
               <a:t>Second level</a:t>
             </a:r>
           </a:p>
           <a:p>
             <a:pPr lvl="2"/>
             <a:r>
-              <a:rPr lang="en-US" smtClean="0"/>
+              <a:rPr lang="en-US"/>
               <a:t>Third level</a:t>
             </a:r>
           </a:p>
           <a:p>
             <a:pPr lvl="3"/>
             <a:r>
-              <a:rPr lang="en-US" smtClean="0"/>
+              <a:rPr lang="en-US"/>
               <a:t>Fourth level</a:t>
             </a:r>
           </a:p>
           <a:p>
             <a:pPr lvl="4"/>
             <a:r>
-              <a:rPr lang="en-US" smtClean="0"/>
+              <a:rPr lang="en-US"/>
               <a:t>Fifth level</a:t>
             </a:r>
             <a:endParaRPr lang="en-US" dirty="0"/>
@@ -743,7 +748,7 @@
           <a:p>
             <a:fld id="{98BB718C-238A-7041-808F-C250553F956E}" type="datetimeFigureOut">
               <a:rPr lang="en-US" smtClean="0"/>
-              <a:t>1/17/18</a:t>
+              <a:t>4/17/18</a:t>
             </a:fld>
             <a:endParaRPr lang="en-US"/>
           </a:p>
@@ -841,7 +846,7 @@
           </a:lstStyle>
           <a:p>
             <a:r>
-              <a:rPr lang="en-US" smtClean="0"/>
+              <a:rPr lang="en-US"/>
               <a:t>Click to edit Master title style</a:t>
             </a:r>
             <a:endParaRPr lang="en-US" dirty="0"/>
@@ -959,7 +964,7 @@
           <a:p>
             <a:pPr lvl="0"/>
             <a:r>
-              <a:rPr lang="en-US" smtClean="0"/>
+              <a:rPr lang="en-US"/>
               <a:t>Click to edit Master text styles</a:t>
             </a:r>
           </a:p>
@@ -982,7 +987,7 @@
           <a:p>
             <a:fld id="{98BB718C-238A-7041-808F-C250553F956E}" type="datetimeFigureOut">
               <a:rPr lang="en-US" smtClean="0"/>
-              <a:t>1/17/18</a:t>
+              <a:t>4/17/18</a:t>
             </a:fld>
             <a:endParaRPr lang="en-US"/>
           </a:p>
@@ -1071,7 +1076,7 @@
           <a:lstStyle/>
           <a:p>
             <a:r>
-              <a:rPr lang="en-US" smtClean="0"/>
+              <a:rPr lang="en-US"/>
               <a:t>Click to edit Master title style</a:t>
             </a:r>
             <a:endParaRPr lang="en-US" dirty="0"/>
@@ -1100,35 +1105,35 @@
           <a:p>
             <a:pPr lvl="0"/>
             <a:r>
-              <a:rPr lang="en-US" smtClean="0"/>
+              <a:rPr lang="en-US"/>
               <a:t>Click to edit Master text styles</a:t>
             </a:r>
           </a:p>
           <a:p>
             <a:pPr lvl="1"/>
             <a:r>
-              <a:rPr lang="en-US" smtClean="0"/>
+              <a:rPr lang="en-US"/>
               <a:t>Second level</a:t>
             </a:r>
           </a:p>
           <a:p>
             <a:pPr lvl="2"/>
             <a:r>
-              <a:rPr lang="en-US" smtClean="0"/>
+              <a:rPr lang="en-US"/>
               <a:t>Third level</a:t>
             </a:r>
           </a:p>
           <a:p>
             <a:pPr lvl="3"/>
             <a:r>
-              <a:rPr lang="en-US" smtClean="0"/>
+              <a:rPr lang="en-US"/>
               <a:t>Fourth level</a:t>
             </a:r>
           </a:p>
           <a:p>
             <a:pPr lvl="4"/>
             <a:r>
-              <a:rPr lang="en-US" smtClean="0"/>
+              <a:rPr lang="en-US"/>
               <a:t>Fifth level</a:t>
             </a:r>
             <a:endParaRPr lang="en-US" dirty="0"/>
@@ -1157,35 +1162,35 @@
           <a:p>
             <a:pPr lvl="0"/>
             <a:r>
-              <a:rPr lang="en-US" smtClean="0"/>
+              <a:rPr lang="en-US"/>
               <a:t>Click to edit Master text styles</a:t>
             </a:r>
           </a:p>
           <a:p>
             <a:pPr lvl="1"/>
             <a:r>
-              <a:rPr lang="en-US" smtClean="0"/>
+              <a:rPr lang="en-US"/>
               <a:t>Second level</a:t>
             </a:r>
           </a:p>
           <a:p>
             <a:pPr lvl="2"/>
             <a:r>
-              <a:rPr lang="en-US" smtClean="0"/>
+              <a:rPr lang="en-US"/>
               <a:t>Third level</a:t>
             </a:r>
           </a:p>
           <a:p>
             <a:pPr lvl="3"/>
             <a:r>
-              <a:rPr lang="en-US" smtClean="0"/>
+              <a:rPr lang="en-US"/>
               <a:t>Fourth level</a:t>
             </a:r>
           </a:p>
           <a:p>
             <a:pPr lvl="4"/>
             <a:r>
-              <a:rPr lang="en-US" smtClean="0"/>
+              <a:rPr lang="en-US"/>
               <a:t>Fifth level</a:t>
             </a:r>
             <a:endParaRPr lang="en-US" dirty="0"/>
@@ -1209,7 +1214,7 @@
           <a:p>
             <a:fld id="{98BB718C-238A-7041-808F-C250553F956E}" type="datetimeFigureOut">
               <a:rPr lang="en-US" smtClean="0"/>
-              <a:t>1/17/18</a:t>
+              <a:t>4/17/18</a:t>
             </a:fld>
             <a:endParaRPr lang="en-US"/>
           </a:p>
@@ -1303,7 +1308,7 @@
           <a:lstStyle/>
           <a:p>
             <a:r>
-              <a:rPr lang="en-US" smtClean="0"/>
+              <a:rPr lang="en-US"/>
               <a:t>Click to edit Master title style</a:t>
             </a:r>
             <a:endParaRPr lang="en-US" dirty="0"/>
@@ -1369,7 +1374,7 @@
           <a:p>
             <a:pPr lvl="0"/>
             <a:r>
-              <a:rPr lang="en-US" smtClean="0"/>
+              <a:rPr lang="en-US"/>
               <a:t>Click to edit Master text styles</a:t>
             </a:r>
           </a:p>
@@ -1397,35 +1402,35 @@
           <a:p>
             <a:pPr lvl="0"/>
             <a:r>
-              <a:rPr lang="en-US" smtClean="0"/>
+              <a:rPr lang="en-US"/>
               <a:t>Click to edit Master text styles</a:t>
             </a:r>
           </a:p>
           <a:p>
             <a:pPr lvl="1"/>
             <a:r>
-              <a:rPr lang="en-US" smtClean="0"/>
+              <a:rPr lang="en-US"/>
               <a:t>Second level</a:t>
             </a:r>
           </a:p>
           <a:p>
             <a:pPr lvl="2"/>
             <a:r>
-              <a:rPr lang="en-US" smtClean="0"/>
+              <a:rPr lang="en-US"/>
               <a:t>Third level</a:t>
             </a:r>
           </a:p>
           <a:p>
             <a:pPr lvl="3"/>
             <a:r>
-              <a:rPr lang="en-US" smtClean="0"/>
+              <a:rPr lang="en-US"/>
               <a:t>Fourth level</a:t>
             </a:r>
           </a:p>
           <a:p>
             <a:pPr lvl="4"/>
             <a:r>
-              <a:rPr lang="en-US" smtClean="0"/>
+              <a:rPr lang="en-US"/>
               <a:t>Fifth level</a:t>
             </a:r>
             <a:endParaRPr lang="en-US" dirty="0"/>
@@ -1491,7 +1496,7 @@
           <a:p>
             <a:pPr lvl="0"/>
             <a:r>
-              <a:rPr lang="en-US" smtClean="0"/>
+              <a:rPr lang="en-US"/>
               <a:t>Click to edit Master text styles</a:t>
             </a:r>
           </a:p>
@@ -1519,35 +1524,35 @@
           <a:p>
             <a:pPr lvl="0"/>
             <a:r>
-              <a:rPr lang="en-US" smtClean="0"/>
+              <a:rPr lang="en-US"/>
               <a:t>Click to edit Master text styles</a:t>
             </a:r>
           </a:p>
           <a:p>
             <a:pPr lvl="1"/>
             <a:r>
-              <a:rPr lang="en-US" smtClean="0"/>
+              <a:rPr lang="en-US"/>
               <a:t>Second level</a:t>
             </a:r>
           </a:p>
           <a:p>
             <a:pPr lvl="2"/>
             <a:r>
-              <a:rPr lang="en-US" smtClean="0"/>
+              <a:rPr lang="en-US"/>
               <a:t>Third level</a:t>
             </a:r>
           </a:p>
           <a:p>
             <a:pPr lvl="3"/>
             <a:r>
-              <a:rPr lang="en-US" smtClean="0"/>
+              <a:rPr lang="en-US"/>
               <a:t>Fourth level</a:t>
             </a:r>
           </a:p>
           <a:p>
             <a:pPr lvl="4"/>
             <a:r>
-              <a:rPr lang="en-US" smtClean="0"/>
+              <a:rPr lang="en-US"/>
               <a:t>Fifth level</a:t>
             </a:r>
             <a:endParaRPr lang="en-US" dirty="0"/>
@@ -1571,7 +1576,7 @@
           <a:p>
             <a:fld id="{98BB718C-238A-7041-808F-C250553F956E}" type="datetimeFigureOut">
               <a:rPr lang="en-US" smtClean="0"/>
-              <a:t>1/17/18</a:t>
+              <a:t>4/17/18</a:t>
             </a:fld>
             <a:endParaRPr lang="en-US"/>
           </a:p>
@@ -1660,7 +1665,7 @@
           <a:lstStyle/>
           <a:p>
             <a:r>
-              <a:rPr lang="en-US" smtClean="0"/>
+              <a:rPr lang="en-US"/>
               <a:t>Click to edit Master title style</a:t>
             </a:r>
             <a:endParaRPr lang="en-US" dirty="0"/>
@@ -1684,7 +1689,7 @@
           <a:p>
             <a:fld id="{98BB718C-238A-7041-808F-C250553F956E}" type="datetimeFigureOut">
               <a:rPr lang="en-US" smtClean="0"/>
-              <a:t>1/17/18</a:t>
+              <a:t>4/17/18</a:t>
             </a:fld>
             <a:endParaRPr lang="en-US"/>
           </a:p>
@@ -1774,7 +1779,7 @@
           <a:p>
             <a:fld id="{98BB718C-238A-7041-808F-C250553F956E}" type="datetimeFigureOut">
               <a:rPr lang="en-US" smtClean="0"/>
-              <a:t>1/17/18</a:t>
+              <a:t>4/17/18</a:t>
             </a:fld>
             <a:endParaRPr lang="en-US"/>
           </a:p>
@@ -1872,7 +1877,7 @@
           </a:lstStyle>
           <a:p>
             <a:r>
-              <a:rPr lang="en-US" smtClean="0"/>
+              <a:rPr lang="en-US"/>
               <a:t>Click to edit Master title style</a:t>
             </a:r>
             <a:endParaRPr lang="en-US" dirty="0"/>
@@ -1929,35 +1934,35 @@
           <a:p>
             <a:pPr lvl="0"/>
             <a:r>
-              <a:rPr lang="en-US" smtClean="0"/>
+              <a:rPr lang="en-US"/>
               <a:t>Click to edit Master text styles</a:t>
             </a:r>
           </a:p>
           <a:p>
             <a:pPr lvl="1"/>
             <a:r>
-              <a:rPr lang="en-US" smtClean="0"/>
+              <a:rPr lang="en-US"/>
               <a:t>Second level</a:t>
             </a:r>
           </a:p>
           <a:p>
             <a:pPr lvl="2"/>
             <a:r>
-              <a:rPr lang="en-US" smtClean="0"/>
+              <a:rPr lang="en-US"/>
               <a:t>Third level</a:t>
             </a:r>
           </a:p>
           <a:p>
             <a:pPr lvl="3"/>
             <a:r>
-              <a:rPr lang="en-US" smtClean="0"/>
+              <a:rPr lang="en-US"/>
               <a:t>Fourth level</a:t>
             </a:r>
           </a:p>
           <a:p>
             <a:pPr lvl="4"/>
             <a:r>
-              <a:rPr lang="en-US" smtClean="0"/>
+              <a:rPr lang="en-US"/>
               <a:t>Fifth level</a:t>
             </a:r>
             <a:endParaRPr lang="en-US" dirty="0"/>
@@ -2023,7 +2028,7 @@
           <a:p>
             <a:pPr lvl="0"/>
             <a:r>
-              <a:rPr lang="en-US" smtClean="0"/>
+              <a:rPr lang="en-US"/>
               <a:t>Click to edit Master text styles</a:t>
             </a:r>
           </a:p>
@@ -2046,7 +2051,7 @@
           <a:p>
             <a:fld id="{98BB718C-238A-7041-808F-C250553F956E}" type="datetimeFigureOut">
               <a:rPr lang="en-US" smtClean="0"/>
-              <a:t>1/17/18</a:t>
+              <a:t>4/17/18</a:t>
             </a:fld>
             <a:endParaRPr lang="en-US"/>
           </a:p>
@@ -2144,7 +2149,7 @@
           </a:lstStyle>
           <a:p>
             <a:r>
-              <a:rPr lang="en-US" smtClean="0"/>
+              <a:rPr lang="en-US"/>
               <a:t>Click to edit Master title style</a:t>
             </a:r>
             <a:endParaRPr lang="en-US" dirty="0"/>
@@ -2209,7 +2214,7 @@
           </a:lstStyle>
           <a:p>
             <a:r>
-              <a:rPr lang="en-US" smtClean="0"/>
+              <a:rPr lang="en-US"/>
               <a:t>Drag picture to placeholder or click icon to add</a:t>
             </a:r>
             <a:endParaRPr lang="en-US" dirty="0"/>
@@ -2275,7 +2280,7 @@
           <a:p>
             <a:pPr lvl="0"/>
             <a:r>
-              <a:rPr lang="en-US" smtClean="0"/>
+              <a:rPr lang="en-US"/>
               <a:t>Click to edit Master text styles</a:t>
             </a:r>
           </a:p>
@@ -2298,7 +2303,7 @@
           <a:p>
             <a:fld id="{98BB718C-238A-7041-808F-C250553F956E}" type="datetimeFigureOut">
               <a:rPr lang="en-US" smtClean="0"/>
-              <a:t>1/17/18</a:t>
+              <a:t>4/17/18</a:t>
             </a:fld>
             <a:endParaRPr lang="en-US"/>
           </a:p>
@@ -2402,7 +2407,7 @@
           <a:lstStyle/>
           <a:p>
             <a:r>
-              <a:rPr lang="en-US" smtClean="0"/>
+              <a:rPr lang="en-US"/>
               <a:t>Click to edit Master title style</a:t>
             </a:r>
             <a:endParaRPr lang="en-US" dirty="0"/>
@@ -2436,35 +2441,35 @@
           <a:p>
             <a:pPr lvl="0"/>
             <a:r>
-              <a:rPr lang="en-US" smtClean="0"/>
+              <a:rPr lang="en-US"/>
               <a:t>Click to edit Master text styles</a:t>
             </a:r>
           </a:p>
           <a:p>
             <a:pPr lvl="1"/>
             <a:r>
-              <a:rPr lang="en-US" smtClean="0"/>
+              <a:rPr lang="en-US"/>
               <a:t>Second level</a:t>
             </a:r>
           </a:p>
           <a:p>
             <a:pPr lvl="2"/>
             <a:r>
-              <a:rPr lang="en-US" smtClean="0"/>
+              <a:rPr lang="en-US"/>
               <a:t>Third level</a:t>
             </a:r>
           </a:p>
           <a:p>
             <a:pPr lvl="3"/>
             <a:r>
-              <a:rPr lang="en-US" smtClean="0"/>
+              <a:rPr lang="en-US"/>
               <a:t>Fourth level</a:t>
             </a:r>
           </a:p>
           <a:p>
             <a:pPr lvl="4"/>
             <a:r>
-              <a:rPr lang="en-US" smtClean="0"/>
+              <a:rPr lang="en-US"/>
               <a:t>Fifth level</a:t>
             </a:r>
             <a:endParaRPr lang="en-US" dirty="0"/>
@@ -2506,7 +2511,7 @@
           <a:p>
             <a:fld id="{98BB718C-238A-7041-808F-C250553F956E}" type="datetimeFigureOut">
               <a:rPr lang="en-US" smtClean="0"/>
-              <a:t>1/17/18</a:t>
+              <a:t>4/17/18</a:t>
             </a:fld>
             <a:endParaRPr lang="en-US"/>
           </a:p>
@@ -2961,28 +2966,28 @@
       </p:sp>
       <p:pic>
         <p:nvPicPr>
-          <p:cNvPr id="12" name="Picture 11"/>
+          <p:cNvPr id="3" name="Picture 2">
+            <a:extLst>
+              <a:ext uri="{FF2B5EF4-FFF2-40B4-BE49-F238E27FC236}">
+                <a16:creationId xmlns:a16="http://schemas.microsoft.com/office/drawing/2014/main" id="{DBC4BDA4-9FED-964C-B2B8-8EC4227B6E5A}"/>
+              </a:ext>
+            </a:extLst>
+          </p:cNvPr>
           <p:cNvPicPr>
             <a:picLocks noChangeAspect="1"/>
           </p:cNvPicPr>
           <p:nvPr/>
         </p:nvPicPr>
         <p:blipFill>
-          <a:blip r:embed="rId2">
-            <a:extLst>
-              <a:ext uri="{28A0092B-C50C-407E-A947-70E740481C1C}">
-                <a14:useLocalDpi xmlns:a14="http://schemas.microsoft.com/office/drawing/2010/main" val="0"/>
-              </a:ext>
-            </a:extLst>
-          </a:blip>
+          <a:blip r:embed="rId2"/>
           <a:stretch>
             <a:fillRect/>
           </a:stretch>
         </p:blipFill>
         <p:spPr>
           <a:xfrm>
-            <a:off x="0" y="0"/>
-            <a:ext cx="8229600" cy="5475890"/>
+            <a:off x="454843" y="-595"/>
+            <a:ext cx="2263643" cy="2297261"/>
           </a:xfrm>
           <a:prstGeom prst="rect">
             <a:avLst/>
@@ -2991,34 +2996,781 @@
       </p:pic>
       <p:pic>
         <p:nvPicPr>
-          <p:cNvPr id="13" name="Picture 12"/>
+          <p:cNvPr id="5" name="Picture 4">
+            <a:extLst>
+              <a:ext uri="{FF2B5EF4-FFF2-40B4-BE49-F238E27FC236}">
+                <a16:creationId xmlns:a16="http://schemas.microsoft.com/office/drawing/2014/main" id="{E347BCCC-9C4A-EB44-85D5-053A96B1BD0F}"/>
+              </a:ext>
+            </a:extLst>
+          </p:cNvPr>
           <p:cNvPicPr>
             <a:picLocks noChangeAspect="1"/>
           </p:cNvPicPr>
           <p:nvPr/>
         </p:nvPicPr>
         <p:blipFill>
-          <a:blip r:embed="rId3">
-            <a:extLst>
-              <a:ext uri="{28A0092B-C50C-407E-A947-70E740481C1C}">
-                <a14:useLocalDpi xmlns:a14="http://schemas.microsoft.com/office/drawing/2010/main" val="0"/>
-              </a:ext>
-            </a:extLst>
-          </a:blip>
+          <a:blip r:embed="rId3"/>
           <a:stretch>
             <a:fillRect/>
           </a:stretch>
         </p:blipFill>
         <p:spPr>
           <a:xfrm>
-            <a:off x="16926" y="0"/>
-            <a:ext cx="2492708" cy="2479589"/>
+            <a:off x="2949145" y="51936"/>
+            <a:ext cx="5295900" cy="5448300"/>
           </a:xfrm>
           <a:prstGeom prst="rect">
             <a:avLst/>
           </a:prstGeom>
         </p:spPr>
       </p:pic>
+      <mc:AlternateContent xmlns:mc="http://schemas.openxmlformats.org/markup-compatibility/2006">
+        <mc:Choice xmlns:a14="http://schemas.microsoft.com/office/drawing/2010/main" Requires="a14">
+          <p:sp>
+            <p:nvSpPr>
+              <p:cNvPr id="6" name="TextBox 5">
+                <a:extLst>
+                  <a:ext uri="{FF2B5EF4-FFF2-40B4-BE49-F238E27FC236}">
+                    <a16:creationId xmlns:a16="http://schemas.microsoft.com/office/drawing/2014/main" id="{F4E0F3FC-C8A9-5449-8403-E9DE5E878C78}"/>
+                  </a:ext>
+                </a:extLst>
+              </p:cNvPr>
+              <p:cNvSpPr txBox="1"/>
+              <p:nvPr/>
+            </p:nvSpPr>
+            <p:spPr>
+              <a:xfrm>
+                <a:off x="121211" y="2216985"/>
+                <a:ext cx="3000333" cy="707886"/>
+              </a:xfrm>
+              <a:prstGeom prst="rect">
+                <a:avLst/>
+              </a:prstGeom>
+              <a:noFill/>
+            </p:spPr>
+            <p:txBody>
+              <a:bodyPr wrap="square" rtlCol="0">
+                <a:spAutoFit/>
+              </a:bodyPr>
+              <a:lstStyle/>
+              <a:p>
+                <a:pPr algn="ctr"/>
+                <a:r>
+                  <a:rPr lang="en-US" sz="2000">
+                    <a:latin typeface="Times" pitchFamily="2" charset="0"/>
+                  </a:rPr>
+                  <a:t>Workspace with </a:t>
+                </a:r>
+                <a:r>
+                  <a:rPr lang="en-US" sz="2000" dirty="0">
+                    <a:latin typeface="Times" pitchFamily="2" charset="0"/>
+                  </a:rPr>
+                  <a:t>the same</a:t>
+                </a:r>
+                <a14:m>
+                  <m:oMath xmlns:m="http://schemas.openxmlformats.org/officeDocument/2006/math">
+                    <m:r>
+                      <a:rPr lang="en-US" sz="2000" i="1">
+                        <a:latin typeface="Cambria Math" panose="02040503050406030204" pitchFamily="18" charset="0"/>
+                        <a:ea typeface="Cambria Math" panose="02040503050406030204" pitchFamily="18" charset="0"/>
+                      </a:rPr>
+                      <m:t> </m:t>
+                    </m:r>
+                  </m:oMath>
+                </a14:m>
+                <a:endParaRPr lang="en-US" sz="2000" i="1" dirty="0">
+                  <a:latin typeface="Cambria Math" panose="02040503050406030204" pitchFamily="18" charset="0"/>
+                  <a:ea typeface="Cambria Math" panose="02040503050406030204" pitchFamily="18" charset="0"/>
+                </a:endParaRPr>
+              </a:p>
+              <a:p>
+                <a:pPr algn="ctr"/>
+                <a14:m>
+                  <m:oMath xmlns:m="http://schemas.openxmlformats.org/officeDocument/2006/math">
+                    <m:r>
+                      <a:rPr lang="en-US" sz="2000" i="1" smtClean="0">
+                        <a:latin typeface="Cambria Math" panose="02040503050406030204" pitchFamily="18" charset="0"/>
+                        <a:ea typeface="Cambria Math" panose="02040503050406030204" pitchFamily="18" charset="0"/>
+                      </a:rPr>
+                      <m:t>∆</m:t>
+                    </m:r>
+                  </m:oMath>
+                </a14:m>
+                <a:r>
+                  <a:rPr lang="en-US" sz="2000" dirty="0">
+                    <a:latin typeface="Times" pitchFamily="2" charset="0"/>
+                  </a:rPr>
+                  <a:t>  configuration</a:t>
+                </a:r>
+              </a:p>
+            </p:txBody>
+          </p:sp>
+        </mc:Choice>
+        <mc:Fallback>
+          <p:sp>
+            <p:nvSpPr>
+              <p:cNvPr id="6" name="TextBox 5">
+                <a:extLst>
+                  <a:ext uri="{FF2B5EF4-FFF2-40B4-BE49-F238E27FC236}">
+                    <a16:creationId xmlns:a16="http://schemas.microsoft.com/office/drawing/2014/main" id="{F4E0F3FC-C8A9-5449-8403-E9DE5E878C78}"/>
+                  </a:ext>
+                </a:extLst>
+              </p:cNvPr>
+              <p:cNvSpPr txBox="1">
+                <a:spLocks noRot="1" noChangeAspect="1" noMove="1" noResize="1" noEditPoints="1" noAdjustHandles="1" noChangeArrowheads="1" noChangeShapeType="1" noTextEdit="1"/>
+              </p:cNvSpPr>
+              <p:nvPr/>
+            </p:nvSpPr>
+            <p:spPr>
+              <a:xfrm>
+                <a:off x="121211" y="2216985"/>
+                <a:ext cx="3000333" cy="707886"/>
+              </a:xfrm>
+              <a:prstGeom prst="rect">
+                <a:avLst/>
+              </a:prstGeom>
+              <a:blipFill>
+                <a:blip r:embed="rId4"/>
+                <a:stretch>
+                  <a:fillRect t="-5357" b="-14286"/>
+                </a:stretch>
+              </a:blipFill>
+            </p:spPr>
+            <p:txBody>
+              <a:bodyPr/>
+              <a:lstStyle/>
+              <a:p>
+                <a:r>
+                  <a:rPr lang="en-US">
+                    <a:noFill/>
+                  </a:rPr>
+                  <a:t> </a:t>
+                </a:r>
+              </a:p>
+            </p:txBody>
+          </p:sp>
+        </mc:Fallback>
+      </mc:AlternateContent>
+      <p:grpSp>
+        <p:nvGrpSpPr>
+          <p:cNvPr id="14" name="Group 13">
+            <a:extLst>
+              <a:ext uri="{FF2B5EF4-FFF2-40B4-BE49-F238E27FC236}">
+                <a16:creationId xmlns:a16="http://schemas.microsoft.com/office/drawing/2014/main" id="{11A79C72-ED41-2145-9693-58456DACEB19}"/>
+              </a:ext>
+            </a:extLst>
+          </p:cNvPr>
+          <p:cNvGrpSpPr/>
+          <p:nvPr/>
+        </p:nvGrpSpPr>
+        <p:grpSpPr>
+          <a:xfrm>
+            <a:off x="454843" y="2883244"/>
+            <a:ext cx="2263643" cy="2326866"/>
+            <a:chOff x="588068" y="2650711"/>
+            <a:chExt cx="2065933" cy="2055060"/>
+          </a:xfrm>
+        </p:grpSpPr>
+        <p:pic>
+          <p:nvPicPr>
+            <p:cNvPr id="13" name="Picture 12"/>
+            <p:cNvPicPr>
+              <a:picLocks noChangeAspect="1"/>
+            </p:cNvPicPr>
+            <p:nvPr/>
+          </p:nvPicPr>
+          <p:blipFill>
+            <a:blip r:embed="rId5">
+              <a:extLst>
+                <a:ext uri="{28A0092B-C50C-407E-A947-70E740481C1C}">
+                  <a14:useLocalDpi xmlns:a14="http://schemas.microsoft.com/office/drawing/2010/main" val="0"/>
+                </a:ext>
+              </a:extLst>
+            </a:blip>
+            <a:stretch>
+              <a:fillRect/>
+            </a:stretch>
+          </p:blipFill>
+          <p:spPr>
+            <a:xfrm>
+              <a:off x="588068" y="2650711"/>
+              <a:ext cx="2065933" cy="2055060"/>
+            </a:xfrm>
+            <a:prstGeom prst="rect">
+              <a:avLst/>
+            </a:prstGeom>
+          </p:spPr>
+        </p:pic>
+        <mc:AlternateContent xmlns:mc="http://schemas.openxmlformats.org/markup-compatibility/2006">
+          <mc:Choice xmlns:a14="http://schemas.microsoft.com/office/drawing/2010/main" Requires="a14">
+            <p:sp>
+              <p:nvSpPr>
+                <p:cNvPr id="7" name="TextBox 6">
+                  <a:extLst>
+                    <a:ext uri="{FF2B5EF4-FFF2-40B4-BE49-F238E27FC236}">
+                      <a16:creationId xmlns:a16="http://schemas.microsoft.com/office/drawing/2014/main" id="{DD2CFD4E-97EE-0141-A62E-D607EFFDD989}"/>
+                    </a:ext>
+                  </a:extLst>
+                </p:cNvPr>
+                <p:cNvSpPr txBox="1"/>
+                <p:nvPr/>
+              </p:nvSpPr>
+              <p:spPr>
+                <a:xfrm>
+                  <a:off x="1548522" y="3844742"/>
+                  <a:ext cx="208387" cy="400110"/>
+                </a:xfrm>
+                <a:prstGeom prst="rect">
+                  <a:avLst/>
+                </a:prstGeom>
+                <a:noFill/>
+              </p:spPr>
+              <p:txBody>
+                <a:bodyPr wrap="square" rtlCol="0">
+                  <a:spAutoFit/>
+                </a:bodyPr>
+                <a:lstStyle/>
+                <a:p>
+                  <a14:m>
+                    <m:oMathPara xmlns:m="http://schemas.openxmlformats.org/officeDocument/2006/math">
+                      <m:oMathParaPr>
+                        <m:jc m:val="centerGroup"/>
+                      </m:oMathParaPr>
+                      <m:oMath xmlns:m="http://schemas.openxmlformats.org/officeDocument/2006/math">
+                        <m:r>
+                          <a:rPr lang="en-US" sz="2000" i="1" smtClean="0">
+                            <a:latin typeface="Cambria Math" panose="02040503050406030204" pitchFamily="18" charset="0"/>
+                            <a:ea typeface="Cambria Math" panose="02040503050406030204" pitchFamily="18" charset="0"/>
+                          </a:rPr>
+                          <m:t>𝛾</m:t>
+                        </m:r>
+                      </m:oMath>
+                    </m:oMathPara>
+                  </a14:m>
+                  <a:endParaRPr lang="en-US" sz="2000" dirty="0"/>
+                </a:p>
+              </p:txBody>
+            </p:sp>
+          </mc:Choice>
+          <mc:Fallback>
+            <p:sp>
+              <p:nvSpPr>
+                <p:cNvPr id="7" name="TextBox 6">
+                  <a:extLst>
+                    <a:ext uri="{FF2B5EF4-FFF2-40B4-BE49-F238E27FC236}">
+                      <a16:creationId xmlns:a16="http://schemas.microsoft.com/office/drawing/2014/main" id="{DD2CFD4E-97EE-0141-A62E-D607EFFDD989}"/>
+                    </a:ext>
+                  </a:extLst>
+                </p:cNvPr>
+                <p:cNvSpPr txBox="1">
+                  <a:spLocks noRot="1" noChangeAspect="1" noMove="1" noResize="1" noEditPoints="1" noAdjustHandles="1" noChangeArrowheads="1" noChangeShapeType="1" noTextEdit="1"/>
+                </p:cNvSpPr>
+                <p:nvPr/>
+              </p:nvSpPr>
+              <p:spPr>
+                <a:xfrm>
+                  <a:off x="1548522" y="3844742"/>
+                  <a:ext cx="208387" cy="400110"/>
+                </a:xfrm>
+                <a:prstGeom prst="rect">
+                  <a:avLst/>
+                </a:prstGeom>
+                <a:blipFill>
+                  <a:blip r:embed="rId6"/>
+                  <a:stretch>
+                    <a:fillRect r="-31579"/>
+                  </a:stretch>
+                </a:blipFill>
+              </p:spPr>
+              <p:txBody>
+                <a:bodyPr/>
+                <a:lstStyle/>
+                <a:p>
+                  <a:r>
+                    <a:rPr lang="en-US">
+                      <a:noFill/>
+                    </a:rPr>
+                    <a:t> </a:t>
+                  </a:r>
+                </a:p>
+              </p:txBody>
+            </p:sp>
+          </mc:Fallback>
+        </mc:AlternateContent>
+      </p:grpSp>
+      <p:sp>
+        <p:nvSpPr>
+          <p:cNvPr id="20" name="Rectangle 19">
+            <a:extLst>
+              <a:ext uri="{FF2B5EF4-FFF2-40B4-BE49-F238E27FC236}">
+                <a16:creationId xmlns:a16="http://schemas.microsoft.com/office/drawing/2014/main" id="{DE744771-6D38-6846-98E0-D9515106980F}"/>
+              </a:ext>
+            </a:extLst>
+          </p:cNvPr>
+          <p:cNvSpPr/>
+          <p:nvPr/>
+        </p:nvSpPr>
+        <p:spPr>
+          <a:xfrm>
+            <a:off x="1440689" y="3850277"/>
+            <a:ext cx="95667" cy="71846"/>
+          </a:xfrm>
+          <a:prstGeom prst="rect">
+            <a:avLst/>
+          </a:prstGeom>
+          <a:ln>
+            <a:noFill/>
+          </a:ln>
+        </p:spPr>
+        <p:style>
+          <a:lnRef idx="2">
+            <a:schemeClr val="accent6"/>
+          </a:lnRef>
+          <a:fillRef idx="1">
+            <a:schemeClr val="lt1"/>
+          </a:fillRef>
+          <a:effectRef idx="0">
+            <a:schemeClr val="accent6"/>
+          </a:effectRef>
+          <a:fontRef idx="minor">
+            <a:schemeClr val="dk1"/>
+          </a:fontRef>
+        </p:style>
+        <p:txBody>
+          <a:bodyPr rtlCol="0" anchor="ctr"/>
+          <a:lstStyle/>
+          <a:p>
+            <a:pPr algn="ctr"/>
+            <a:endParaRPr lang="en-US"/>
+          </a:p>
+        </p:txBody>
+      </p:sp>
+      <p:sp>
+        <p:nvSpPr>
+          <p:cNvPr id="8" name="TextBox 7">
+            <a:extLst>
+              <a:ext uri="{FF2B5EF4-FFF2-40B4-BE49-F238E27FC236}">
+                <a16:creationId xmlns:a16="http://schemas.microsoft.com/office/drawing/2014/main" id="{D227EE79-9879-7545-A3CA-3E67B2731846}"/>
+              </a:ext>
+            </a:extLst>
+          </p:cNvPr>
+          <p:cNvSpPr txBox="1"/>
+          <p:nvPr/>
+        </p:nvSpPr>
+        <p:spPr>
+          <a:xfrm>
+            <a:off x="642551" y="4819135"/>
+            <a:ext cx="1787611" cy="477795"/>
+          </a:xfrm>
+          <a:prstGeom prst="rect">
+            <a:avLst/>
+          </a:prstGeom>
+          <a:noFill/>
+        </p:spPr>
+        <p:txBody>
+          <a:bodyPr wrap="square" rtlCol="0">
+            <a:spAutoFit/>
+          </a:bodyPr>
+          <a:lstStyle/>
+          <a:p>
+            <a:endParaRPr lang="en-US" dirty="0"/>
+          </a:p>
+        </p:txBody>
+      </p:sp>
+      <p:sp>
+        <p:nvSpPr>
+          <p:cNvPr id="16" name="TextBox 15">
+            <a:extLst>
+              <a:ext uri="{FF2B5EF4-FFF2-40B4-BE49-F238E27FC236}">
+                <a16:creationId xmlns:a16="http://schemas.microsoft.com/office/drawing/2014/main" id="{8CFE6608-E14D-2F49-A530-02D95B134024}"/>
+              </a:ext>
+            </a:extLst>
+          </p:cNvPr>
+          <p:cNvSpPr txBox="1"/>
+          <p:nvPr/>
+        </p:nvSpPr>
+        <p:spPr>
+          <a:xfrm>
+            <a:off x="372463" y="5138065"/>
+            <a:ext cx="2949145" cy="400110"/>
+          </a:xfrm>
+          <a:prstGeom prst="rect">
+            <a:avLst/>
+          </a:prstGeom>
+          <a:noFill/>
+        </p:spPr>
+        <p:txBody>
+          <a:bodyPr wrap="square" rtlCol="0">
+            <a:spAutoFit/>
+          </a:bodyPr>
+          <a:lstStyle/>
+          <a:p>
+            <a:pPr algn="ctr"/>
+            <a:r>
+              <a:rPr lang="en-US" sz="2000" dirty="0">
+                <a:latin typeface="Times" pitchFamily="2" charset="0"/>
+              </a:rPr>
+              <a:t>Workspace with notations</a:t>
+            </a:r>
+          </a:p>
+        </p:txBody>
+      </p:sp>
+      <p:cxnSp>
+        <p:nvCxnSpPr>
+          <p:cNvPr id="18" name="Straight Arrow Connector 17">
+            <a:extLst>
+              <a:ext uri="{FF2B5EF4-FFF2-40B4-BE49-F238E27FC236}">
+                <a16:creationId xmlns:a16="http://schemas.microsoft.com/office/drawing/2014/main" id="{F30FE7A0-4446-6E4F-8720-E3D1AF10F0DB}"/>
+              </a:ext>
+            </a:extLst>
+          </p:cNvPr>
+          <p:cNvCxnSpPr/>
+          <p:nvPr/>
+        </p:nvCxnSpPr>
+        <p:spPr>
+          <a:xfrm flipH="1">
+            <a:off x="1326524" y="1524000"/>
+            <a:ext cx="494038" cy="617838"/>
+          </a:xfrm>
+          <a:prstGeom prst="straightConnector1">
+            <a:avLst/>
+          </a:prstGeom>
+          <a:ln w="38100">
+            <a:prstDash val="solid"/>
+            <a:tailEnd type="triangle"/>
+          </a:ln>
+        </p:spPr>
+        <p:style>
+          <a:lnRef idx="1">
+            <a:schemeClr val="accent1"/>
+          </a:lnRef>
+          <a:fillRef idx="0">
+            <a:schemeClr val="accent1"/>
+          </a:fillRef>
+          <a:effectRef idx="0">
+            <a:schemeClr val="accent1"/>
+          </a:effectRef>
+          <a:fontRef idx="minor">
+            <a:schemeClr val="tx1"/>
+          </a:fontRef>
+        </p:style>
+      </p:cxnSp>
+      <p:cxnSp>
+        <p:nvCxnSpPr>
+          <p:cNvPr id="19" name="Straight Arrow Connector 18">
+            <a:extLst>
+              <a:ext uri="{FF2B5EF4-FFF2-40B4-BE49-F238E27FC236}">
+                <a16:creationId xmlns:a16="http://schemas.microsoft.com/office/drawing/2014/main" id="{226E7AB5-AC38-0C49-A97C-50DEDCAB8858}"/>
+              </a:ext>
+            </a:extLst>
+          </p:cNvPr>
+          <p:cNvCxnSpPr/>
+          <p:nvPr/>
+        </p:nvCxnSpPr>
+        <p:spPr>
+          <a:xfrm flipH="1">
+            <a:off x="556287" y="839116"/>
+            <a:ext cx="494038" cy="617838"/>
+          </a:xfrm>
+          <a:prstGeom prst="straightConnector1">
+            <a:avLst/>
+          </a:prstGeom>
+          <a:ln w="38100">
+            <a:prstDash val="solid"/>
+            <a:tailEnd type="triangle"/>
+          </a:ln>
+        </p:spPr>
+        <p:style>
+          <a:lnRef idx="1">
+            <a:schemeClr val="accent1"/>
+          </a:lnRef>
+          <a:fillRef idx="0">
+            <a:schemeClr val="accent1"/>
+          </a:fillRef>
+          <a:effectRef idx="0">
+            <a:schemeClr val="accent1"/>
+          </a:effectRef>
+          <a:fontRef idx="minor">
+            <a:schemeClr val="tx1"/>
+          </a:fontRef>
+        </p:style>
+      </p:cxnSp>
+      <mc:AlternateContent xmlns:mc="http://schemas.openxmlformats.org/markup-compatibility/2006">
+        <mc:Choice xmlns:a14="http://schemas.microsoft.com/office/drawing/2010/main" Requires="a14">
+          <p:sp>
+            <p:nvSpPr>
+              <p:cNvPr id="21" name="TextBox 20">
+                <a:extLst>
+                  <a:ext uri="{FF2B5EF4-FFF2-40B4-BE49-F238E27FC236}">
+                    <a16:creationId xmlns:a16="http://schemas.microsoft.com/office/drawing/2014/main" id="{989D518E-53B8-594D-BBEE-66256154F644}"/>
+                  </a:ext>
+                </a:extLst>
+              </p:cNvPr>
+              <p:cNvSpPr txBox="1"/>
+              <p:nvPr/>
+            </p:nvSpPr>
+            <p:spPr>
+              <a:xfrm>
+                <a:off x="1326524" y="3717243"/>
+                <a:ext cx="228330" cy="453029"/>
+              </a:xfrm>
+              <a:prstGeom prst="rect">
+                <a:avLst/>
+              </a:prstGeom>
+              <a:noFill/>
+            </p:spPr>
+            <p:txBody>
+              <a:bodyPr wrap="square" rtlCol="0">
+                <a:spAutoFit/>
+              </a:bodyPr>
+              <a:lstStyle/>
+              <a:p>
+                <a14:m>
+                  <m:oMathPara xmlns:m="http://schemas.openxmlformats.org/officeDocument/2006/math">
+                    <m:oMathParaPr>
+                      <m:jc m:val="centerGroup"/>
+                    </m:oMathParaPr>
+                    <m:oMath xmlns:m="http://schemas.openxmlformats.org/officeDocument/2006/math">
+                      <m:r>
+                        <a:rPr lang="en-US" sz="2000" i="1" smtClean="0">
+                          <a:latin typeface="Cambria Math" panose="02040503050406030204" pitchFamily="18" charset="0"/>
+                          <a:ea typeface="Cambria Math" panose="02040503050406030204" pitchFamily="18" charset="0"/>
+                        </a:rPr>
+                        <m:t>𝜓</m:t>
+                      </m:r>
+                    </m:oMath>
+                  </m:oMathPara>
+                </a14:m>
+                <a:endParaRPr lang="en-US" sz="2000" dirty="0"/>
+              </a:p>
+            </p:txBody>
+          </p:sp>
+        </mc:Choice>
+        <mc:Fallback>
+          <p:sp>
+            <p:nvSpPr>
+              <p:cNvPr id="21" name="TextBox 20">
+                <a:extLst>
+                  <a:ext uri="{FF2B5EF4-FFF2-40B4-BE49-F238E27FC236}">
+                    <a16:creationId xmlns:a16="http://schemas.microsoft.com/office/drawing/2014/main" id="{989D518E-53B8-594D-BBEE-66256154F644}"/>
+                  </a:ext>
+                </a:extLst>
+              </p:cNvPr>
+              <p:cNvSpPr txBox="1">
+                <a:spLocks noRot="1" noChangeAspect="1" noMove="1" noResize="1" noEditPoints="1" noAdjustHandles="1" noChangeArrowheads="1" noChangeShapeType="1" noTextEdit="1"/>
+              </p:cNvSpPr>
+              <p:nvPr/>
+            </p:nvSpPr>
+            <p:spPr>
+              <a:xfrm>
+                <a:off x="1326524" y="3717243"/>
+                <a:ext cx="228330" cy="453029"/>
+              </a:xfrm>
+              <a:prstGeom prst="rect">
+                <a:avLst/>
+              </a:prstGeom>
+              <a:blipFill>
+                <a:blip r:embed="rId7"/>
+                <a:stretch>
+                  <a:fillRect l="-5263" r="-63158"/>
+                </a:stretch>
+              </a:blipFill>
+            </p:spPr>
+            <p:txBody>
+              <a:bodyPr/>
+              <a:lstStyle/>
+              <a:p>
+                <a:r>
+                  <a:rPr lang="en-US">
+                    <a:noFill/>
+                  </a:rPr>
+                  <a:t> </a:t>
+                </a:r>
+              </a:p>
+            </p:txBody>
+          </p:sp>
+        </mc:Fallback>
+      </mc:AlternateContent>
+      <p:sp>
+        <p:nvSpPr>
+          <p:cNvPr id="22" name="TextBox 21">
+            <a:extLst>
+              <a:ext uri="{FF2B5EF4-FFF2-40B4-BE49-F238E27FC236}">
+                <a16:creationId xmlns:a16="http://schemas.microsoft.com/office/drawing/2014/main" id="{69EB5BE3-B613-3A46-BEA2-102708D6728C}"/>
+              </a:ext>
+            </a:extLst>
+          </p:cNvPr>
+          <p:cNvSpPr txBox="1"/>
+          <p:nvPr/>
+        </p:nvSpPr>
+        <p:spPr>
+          <a:xfrm>
+            <a:off x="6212909" y="653923"/>
+            <a:ext cx="851770" cy="785343"/>
+          </a:xfrm>
+          <a:prstGeom prst="rect">
+            <a:avLst/>
+          </a:prstGeom>
+          <a:noFill/>
+        </p:spPr>
+        <p:txBody>
+          <a:bodyPr wrap="square" rtlCol="0">
+            <a:spAutoFit/>
+          </a:bodyPr>
+          <a:lstStyle/>
+          <a:p>
+            <a:r>
+              <a:rPr lang="en-US" sz="1600" dirty="0">
+                <a:latin typeface="Zapfino" panose="03030300040707070C03" pitchFamily="66" charset="77"/>
+                <a:cs typeface="Times New Roman" panose="02020603050405020304" pitchFamily="18" charset="0"/>
+              </a:rPr>
+              <a:t>l</a:t>
+            </a:r>
+            <a:r>
+              <a:rPr lang="en-US" sz="1600" baseline="-25000" dirty="0">
+                <a:latin typeface="Zapfino" panose="03030300040707070C03" pitchFamily="66" charset="77"/>
+                <a:cs typeface="Times New Roman" panose="02020603050405020304" pitchFamily="18" charset="0"/>
+              </a:rPr>
+              <a:t>1</a:t>
+            </a:r>
+          </a:p>
+        </p:txBody>
+      </p:sp>
+      <p:sp>
+        <p:nvSpPr>
+          <p:cNvPr id="26" name="TextBox 25">
+            <a:extLst>
+              <a:ext uri="{FF2B5EF4-FFF2-40B4-BE49-F238E27FC236}">
+                <a16:creationId xmlns:a16="http://schemas.microsoft.com/office/drawing/2014/main" id="{D90249C8-A288-6441-971E-0F58B2719EE4}"/>
+              </a:ext>
+            </a:extLst>
+          </p:cNvPr>
+          <p:cNvSpPr txBox="1"/>
+          <p:nvPr/>
+        </p:nvSpPr>
+        <p:spPr>
+          <a:xfrm>
+            <a:off x="3584143" y="2996413"/>
+            <a:ext cx="851770" cy="785343"/>
+          </a:xfrm>
+          <a:prstGeom prst="rect">
+            <a:avLst/>
+          </a:prstGeom>
+          <a:noFill/>
+        </p:spPr>
+        <p:txBody>
+          <a:bodyPr wrap="square" rtlCol="0">
+            <a:spAutoFit/>
+          </a:bodyPr>
+          <a:lstStyle/>
+          <a:p>
+            <a:r>
+              <a:rPr lang="en-US" sz="1600" dirty="0">
+                <a:latin typeface="Zapfino" panose="03030300040707070C03" pitchFamily="66" charset="77"/>
+                <a:cs typeface="Times New Roman" panose="02020603050405020304" pitchFamily="18" charset="0"/>
+              </a:rPr>
+              <a:t>l</a:t>
+            </a:r>
+            <a:r>
+              <a:rPr lang="en-US" sz="1600" baseline="-25000" dirty="0">
+                <a:latin typeface="Zapfino" panose="03030300040707070C03" pitchFamily="66" charset="77"/>
+                <a:cs typeface="Times New Roman" panose="02020603050405020304" pitchFamily="18" charset="0"/>
+              </a:rPr>
+              <a:t>4</a:t>
+            </a:r>
+          </a:p>
+        </p:txBody>
+      </p:sp>
+      <p:sp>
+        <p:nvSpPr>
+          <p:cNvPr id="27" name="TextBox 26">
+            <a:extLst>
+              <a:ext uri="{FF2B5EF4-FFF2-40B4-BE49-F238E27FC236}">
+                <a16:creationId xmlns:a16="http://schemas.microsoft.com/office/drawing/2014/main" id="{8E595F3B-3EF5-CD4C-8086-AC48A49F2411}"/>
+              </a:ext>
+            </a:extLst>
+          </p:cNvPr>
+          <p:cNvSpPr txBox="1"/>
+          <p:nvPr/>
+        </p:nvSpPr>
+        <p:spPr>
+          <a:xfrm>
+            <a:off x="5597095" y="3136780"/>
+            <a:ext cx="851770" cy="785343"/>
+          </a:xfrm>
+          <a:prstGeom prst="rect">
+            <a:avLst/>
+          </a:prstGeom>
+          <a:noFill/>
+        </p:spPr>
+        <p:txBody>
+          <a:bodyPr wrap="square" rtlCol="0">
+            <a:spAutoFit/>
+          </a:bodyPr>
+          <a:lstStyle/>
+          <a:p>
+            <a:r>
+              <a:rPr lang="en-US" sz="1600" dirty="0">
+                <a:latin typeface="Zapfino" panose="03030300040707070C03" pitchFamily="66" charset="77"/>
+                <a:cs typeface="Times New Roman" panose="02020603050405020304" pitchFamily="18" charset="0"/>
+              </a:rPr>
+              <a:t>l</a:t>
+            </a:r>
+            <a:r>
+              <a:rPr lang="en-US" sz="1600" baseline="-25000" dirty="0">
+                <a:latin typeface="Zapfino" panose="03030300040707070C03" pitchFamily="66" charset="77"/>
+                <a:cs typeface="Times New Roman" panose="02020603050405020304" pitchFamily="18" charset="0"/>
+              </a:rPr>
+              <a:t>3</a:t>
+            </a:r>
+          </a:p>
+        </p:txBody>
+      </p:sp>
+      <p:sp>
+        <p:nvSpPr>
+          <p:cNvPr id="28" name="TextBox 27">
+            <a:extLst>
+              <a:ext uri="{FF2B5EF4-FFF2-40B4-BE49-F238E27FC236}">
+                <a16:creationId xmlns:a16="http://schemas.microsoft.com/office/drawing/2014/main" id="{B8424CCA-55BF-CE48-AA44-C7E9DAC9F79A}"/>
+              </a:ext>
+            </a:extLst>
+          </p:cNvPr>
+          <p:cNvSpPr txBox="1"/>
+          <p:nvPr/>
+        </p:nvSpPr>
+        <p:spPr>
+          <a:xfrm>
+            <a:off x="6080539" y="2624708"/>
+            <a:ext cx="851770" cy="785343"/>
+          </a:xfrm>
+          <a:prstGeom prst="rect">
+            <a:avLst/>
+          </a:prstGeom>
+          <a:noFill/>
+        </p:spPr>
+        <p:txBody>
+          <a:bodyPr wrap="square" rtlCol="0">
+            <a:spAutoFit/>
+          </a:bodyPr>
+          <a:lstStyle/>
+          <a:p>
+            <a:r>
+              <a:rPr lang="en-US" sz="1600" dirty="0">
+                <a:latin typeface="Zapfino" panose="03030300040707070C03" pitchFamily="66" charset="77"/>
+                <a:cs typeface="Times New Roman" panose="02020603050405020304" pitchFamily="18" charset="0"/>
+              </a:rPr>
+              <a:t>l</a:t>
+            </a:r>
+            <a:r>
+              <a:rPr lang="en-US" sz="1600" baseline="-25000" dirty="0">
+                <a:latin typeface="Zapfino" panose="03030300040707070C03" pitchFamily="66" charset="77"/>
+                <a:cs typeface="Times New Roman" panose="02020603050405020304" pitchFamily="18" charset="0"/>
+              </a:rPr>
+              <a:t>2</a:t>
+            </a:r>
+          </a:p>
+        </p:txBody>
+      </p:sp>
     </p:spTree>
     <p:extLst>
       <p:ext uri="{BB962C8B-B14F-4D97-AF65-F5344CB8AC3E}">

--- a/journalWallFriction/pictures/pdf/reachableSetCircle.pptx
+++ b/journalWallFriction/pictures/pdf/reachableSetCircle.pptx
@@ -3056,16 +3056,10 @@
               <a:p>
                 <a:pPr algn="ctr"/>
                 <a:r>
-                  <a:rPr lang="en-US" sz="2000">
-                    <a:latin typeface="Times" pitchFamily="2" charset="0"/>
-                  </a:rPr>
-                  <a:t>Workspace with </a:t>
-                </a:r>
-                <a:r>
                   <a:rPr lang="en-US" sz="2000" dirty="0">
                     <a:latin typeface="Times" pitchFamily="2" charset="0"/>
                   </a:rPr>
-                  <a:t>the same</a:t>
+                  <a:t>Workspace with the same</a:t>
                 </a:r>
                 <a14:m>
                   <m:oMath xmlns:m="http://schemas.openxmlformats.org/officeDocument/2006/math">
@@ -3511,7 +3505,7 @@
             </p:nvSpPr>
             <p:spPr>
               <a:xfrm>
-                <a:off x="1326524" y="3717243"/>
+                <a:off x="1076189" y="3571485"/>
                 <a:ext cx="228330" cy="453029"/>
               </a:xfrm>
               <a:prstGeom prst="rect">
@@ -3563,7 +3557,7 @@
             </p:nvSpPr>
             <p:spPr>
               <a:xfrm>
-                <a:off x="1326524" y="3717243"/>
+                <a:off x="1076189" y="3571485"/>
                 <a:ext cx="228330" cy="453029"/>
               </a:xfrm>
               <a:prstGeom prst="rect">
@@ -3572,7 +3566,7 @@
               <a:blipFill>
                 <a:blip r:embed="rId7"/>
                 <a:stretch>
-                  <a:fillRect l="-5263" r="-63158"/>
+                  <a:fillRect l="-10526" r="-63158"/>
                 </a:stretch>
               </a:blipFill>
             </p:spPr>
@@ -3768,6 +3762,899 @@
               </a:rPr>
               <a:t>2</a:t>
             </a:r>
+          </a:p>
+        </p:txBody>
+      </p:sp>
+      <p:cxnSp>
+        <p:nvCxnSpPr>
+          <p:cNvPr id="37" name="Straight Arrow Connector 36">
+            <a:extLst>
+              <a:ext uri="{FF2B5EF4-FFF2-40B4-BE49-F238E27FC236}">
+                <a16:creationId xmlns:a16="http://schemas.microsoft.com/office/drawing/2014/main" id="{ACB02D1A-C569-514B-B200-459283121F89}"/>
+              </a:ext>
+            </a:extLst>
+          </p:cNvPr>
+          <p:cNvCxnSpPr>
+            <a:cxnSpLocks/>
+          </p:cNvCxnSpPr>
+          <p:nvPr/>
+        </p:nvCxnSpPr>
+        <p:spPr>
+          <a:xfrm flipH="1">
+            <a:off x="5619561" y="2041721"/>
+            <a:ext cx="160516" cy="529207"/>
+          </a:xfrm>
+          <a:prstGeom prst="straightConnector1">
+            <a:avLst/>
+          </a:prstGeom>
+          <a:ln>
+            <a:solidFill>
+              <a:schemeClr val="tx1"/>
+            </a:solidFill>
+            <a:headEnd type="stealth"/>
+            <a:tailEnd type="stealth"/>
+          </a:ln>
+        </p:spPr>
+        <p:style>
+          <a:lnRef idx="1">
+            <a:schemeClr val="accent1"/>
+          </a:lnRef>
+          <a:fillRef idx="0">
+            <a:schemeClr val="accent1"/>
+          </a:fillRef>
+          <a:effectRef idx="0">
+            <a:schemeClr val="accent1"/>
+          </a:effectRef>
+          <a:fontRef idx="minor">
+            <a:schemeClr val="tx1"/>
+          </a:fontRef>
+        </p:style>
+      </p:cxnSp>
+      <p:cxnSp>
+        <p:nvCxnSpPr>
+          <p:cNvPr id="45" name="Straight Arrow Connector 44">
+            <a:extLst>
+              <a:ext uri="{FF2B5EF4-FFF2-40B4-BE49-F238E27FC236}">
+                <a16:creationId xmlns:a16="http://schemas.microsoft.com/office/drawing/2014/main" id="{B642480C-0660-3945-B51A-86C66144504B}"/>
+              </a:ext>
+            </a:extLst>
+          </p:cNvPr>
+          <p:cNvCxnSpPr>
+            <a:cxnSpLocks/>
+          </p:cNvCxnSpPr>
+          <p:nvPr/>
+        </p:nvCxnSpPr>
+        <p:spPr>
+          <a:xfrm flipH="1">
+            <a:off x="1258337" y="4645025"/>
+            <a:ext cx="148188" cy="452595"/>
+          </a:xfrm>
+          <a:prstGeom prst="straightConnector1">
+            <a:avLst/>
+          </a:prstGeom>
+          <a:ln>
+            <a:solidFill>
+              <a:schemeClr val="tx1"/>
+            </a:solidFill>
+            <a:headEnd type="stealth"/>
+            <a:tailEnd type="stealth"/>
+          </a:ln>
+        </p:spPr>
+        <p:style>
+          <a:lnRef idx="1">
+            <a:schemeClr val="accent1"/>
+          </a:lnRef>
+          <a:fillRef idx="0">
+            <a:schemeClr val="accent1"/>
+          </a:fillRef>
+          <a:effectRef idx="0">
+            <a:schemeClr val="accent1"/>
+          </a:effectRef>
+          <a:fontRef idx="minor">
+            <a:schemeClr val="tx1"/>
+          </a:fontRef>
+        </p:style>
+      </p:cxnSp>
+      <mc:AlternateContent xmlns:mc="http://schemas.openxmlformats.org/markup-compatibility/2006">
+        <mc:Choice xmlns:a14="http://schemas.microsoft.com/office/drawing/2010/main" Requires="a14">
+          <p:sp>
+            <p:nvSpPr>
+              <p:cNvPr id="49" name="TextBox 48">
+                <a:extLst>
+                  <a:ext uri="{FF2B5EF4-FFF2-40B4-BE49-F238E27FC236}">
+                    <a16:creationId xmlns:a16="http://schemas.microsoft.com/office/drawing/2014/main" id="{295B6608-B55F-044C-B976-0AD4BFD71BDA}"/>
+                  </a:ext>
+                </a:extLst>
+              </p:cNvPr>
+              <p:cNvSpPr txBox="1"/>
+              <p:nvPr/>
+            </p:nvSpPr>
+            <p:spPr>
+              <a:xfrm>
+                <a:off x="5338254" y="2092454"/>
+                <a:ext cx="280028" cy="331629"/>
+              </a:xfrm>
+              <a:prstGeom prst="rect">
+                <a:avLst/>
+              </a:prstGeom>
+              <a:noFill/>
+            </p:spPr>
+            <p:txBody>
+              <a:bodyPr wrap="square" rtlCol="0">
+                <a:spAutoFit/>
+              </a:bodyPr>
+              <a:lstStyle/>
+              <a:p>
+                <a14:m>
+                  <m:oMathPara xmlns:m="http://schemas.openxmlformats.org/officeDocument/2006/math">
+                    <m:oMathParaPr>
+                      <m:jc m:val="centerGroup"/>
+                    </m:oMathParaPr>
+                    <m:oMath xmlns:m="http://schemas.openxmlformats.org/officeDocument/2006/math">
+                      <m:sSub>
+                        <m:sSubPr>
+                          <m:ctrlPr>
+                            <a:rPr lang="en-US" b="0" i="1" smtClean="0">
+                              <a:latin typeface="Cambria Math" panose="02040503050406030204" pitchFamily="18" charset="0"/>
+                            </a:rPr>
+                          </m:ctrlPr>
+                        </m:sSubPr>
+                        <m:e>
+                          <m:r>
+                            <a:rPr lang="en-US" b="0" i="1" smtClean="0">
+                              <a:latin typeface="Cambria Math" panose="02040503050406030204" pitchFamily="18" charset="0"/>
+                            </a:rPr>
+                            <m:t>𝑑</m:t>
+                          </m:r>
+                        </m:e>
+                        <m:sub>
+                          <m:r>
+                            <a:rPr lang="en-US" b="0" i="1" smtClean="0">
+                              <a:latin typeface="Cambria Math" panose="02040503050406030204" pitchFamily="18" charset="0"/>
+                              <a:ea typeface="Cambria Math" panose="02040503050406030204" pitchFamily="18" charset="0"/>
+                            </a:rPr>
+                            <m:t>⊥</m:t>
+                          </m:r>
+                        </m:sub>
+                      </m:sSub>
+                    </m:oMath>
+                  </m:oMathPara>
+                </a14:m>
+                <a:endParaRPr lang="en-US" dirty="0"/>
+              </a:p>
+            </p:txBody>
+          </p:sp>
+        </mc:Choice>
+        <mc:Fallback>
+          <p:sp>
+            <p:nvSpPr>
+              <p:cNvPr id="49" name="TextBox 48">
+                <a:extLst>
+                  <a:ext uri="{FF2B5EF4-FFF2-40B4-BE49-F238E27FC236}">
+                    <a16:creationId xmlns:a16="http://schemas.microsoft.com/office/drawing/2014/main" id="{295B6608-B55F-044C-B976-0AD4BFD71BDA}"/>
+                  </a:ext>
+                </a:extLst>
+              </p:cNvPr>
+              <p:cNvSpPr txBox="1">
+                <a:spLocks noRot="1" noChangeAspect="1" noMove="1" noResize="1" noEditPoints="1" noAdjustHandles="1" noChangeArrowheads="1" noChangeShapeType="1" noTextEdit="1"/>
+              </p:cNvSpPr>
+              <p:nvPr/>
+            </p:nvSpPr>
+            <p:spPr>
+              <a:xfrm>
+                <a:off x="5338254" y="2092454"/>
+                <a:ext cx="280028" cy="331629"/>
+              </a:xfrm>
+              <a:prstGeom prst="rect">
+                <a:avLst/>
+              </a:prstGeom>
+              <a:blipFill>
+                <a:blip r:embed="rId8"/>
+                <a:stretch>
+                  <a:fillRect r="-27273"/>
+                </a:stretch>
+              </a:blipFill>
+            </p:spPr>
+            <p:txBody>
+              <a:bodyPr/>
+              <a:lstStyle/>
+              <a:p>
+                <a:r>
+                  <a:rPr lang="en-US">
+                    <a:noFill/>
+                  </a:rPr>
+                  <a:t> </a:t>
+                </a:r>
+              </a:p>
+            </p:txBody>
+          </p:sp>
+        </mc:Fallback>
+      </mc:AlternateContent>
+      <mc:AlternateContent xmlns:mc="http://schemas.openxmlformats.org/markup-compatibility/2006">
+        <mc:Choice xmlns:a14="http://schemas.microsoft.com/office/drawing/2010/main" Requires="a14">
+          <p:sp>
+            <p:nvSpPr>
+              <p:cNvPr id="50" name="TextBox 49">
+                <a:extLst>
+                  <a:ext uri="{FF2B5EF4-FFF2-40B4-BE49-F238E27FC236}">
+                    <a16:creationId xmlns:a16="http://schemas.microsoft.com/office/drawing/2014/main" id="{5368003F-B911-B24E-AF85-D4C32F9EB5E9}"/>
+                  </a:ext>
+                </a:extLst>
+              </p:cNvPr>
+              <p:cNvSpPr txBox="1"/>
+              <p:nvPr/>
+            </p:nvSpPr>
+            <p:spPr>
+              <a:xfrm>
+                <a:off x="1266511" y="4745131"/>
+                <a:ext cx="280028" cy="331629"/>
+              </a:xfrm>
+              <a:prstGeom prst="rect">
+                <a:avLst/>
+              </a:prstGeom>
+              <a:noFill/>
+            </p:spPr>
+            <p:txBody>
+              <a:bodyPr wrap="square" rtlCol="0">
+                <a:spAutoFit/>
+              </a:bodyPr>
+              <a:lstStyle/>
+              <a:p>
+                <a14:m>
+                  <m:oMathPara xmlns:m="http://schemas.openxmlformats.org/officeDocument/2006/math">
+                    <m:oMathParaPr>
+                      <m:jc m:val="centerGroup"/>
+                    </m:oMathParaPr>
+                    <m:oMath xmlns:m="http://schemas.openxmlformats.org/officeDocument/2006/math">
+                      <m:sSub>
+                        <m:sSubPr>
+                          <m:ctrlPr>
+                            <a:rPr lang="en-US" b="0" i="1" smtClean="0">
+                              <a:latin typeface="Cambria Math" panose="02040503050406030204" pitchFamily="18" charset="0"/>
+                            </a:rPr>
+                          </m:ctrlPr>
+                        </m:sSubPr>
+                        <m:e>
+                          <m:r>
+                            <a:rPr lang="en-US" b="0" i="1" smtClean="0">
+                              <a:latin typeface="Cambria Math" panose="02040503050406030204" pitchFamily="18" charset="0"/>
+                            </a:rPr>
+                            <m:t>𝑑</m:t>
+                          </m:r>
+                        </m:e>
+                        <m:sub>
+                          <m:r>
+                            <a:rPr lang="en-US" b="0" i="1" smtClean="0">
+                              <a:latin typeface="Cambria Math" panose="02040503050406030204" pitchFamily="18" charset="0"/>
+                              <a:ea typeface="Cambria Math" panose="02040503050406030204" pitchFamily="18" charset="0"/>
+                            </a:rPr>
+                            <m:t>⊥</m:t>
+                          </m:r>
+                        </m:sub>
+                      </m:sSub>
+                    </m:oMath>
+                  </m:oMathPara>
+                </a14:m>
+                <a:endParaRPr lang="en-US" dirty="0"/>
+              </a:p>
+            </p:txBody>
+          </p:sp>
+        </mc:Choice>
+        <mc:Fallback>
+          <p:sp>
+            <p:nvSpPr>
+              <p:cNvPr id="50" name="TextBox 49">
+                <a:extLst>
+                  <a:ext uri="{FF2B5EF4-FFF2-40B4-BE49-F238E27FC236}">
+                    <a16:creationId xmlns:a16="http://schemas.microsoft.com/office/drawing/2014/main" id="{5368003F-B911-B24E-AF85-D4C32F9EB5E9}"/>
+                  </a:ext>
+                </a:extLst>
+              </p:cNvPr>
+              <p:cNvSpPr txBox="1">
+                <a:spLocks noRot="1" noChangeAspect="1" noMove="1" noResize="1" noEditPoints="1" noAdjustHandles="1" noChangeArrowheads="1" noChangeShapeType="1" noTextEdit="1"/>
+              </p:cNvSpPr>
+              <p:nvPr/>
+            </p:nvSpPr>
+            <p:spPr>
+              <a:xfrm>
+                <a:off x="1266511" y="4745131"/>
+                <a:ext cx="280028" cy="331629"/>
+              </a:xfrm>
+              <a:prstGeom prst="rect">
+                <a:avLst/>
+              </a:prstGeom>
+              <a:blipFill>
+                <a:blip r:embed="rId9"/>
+                <a:stretch>
+                  <a:fillRect r="-21739"/>
+                </a:stretch>
+              </a:blipFill>
+            </p:spPr>
+            <p:txBody>
+              <a:bodyPr/>
+              <a:lstStyle/>
+              <a:p>
+                <a:r>
+                  <a:rPr lang="en-US">
+                    <a:noFill/>
+                  </a:rPr>
+                  <a:t> </a:t>
+                </a:r>
+              </a:p>
+            </p:txBody>
+          </p:sp>
+        </mc:Fallback>
+      </mc:AlternateContent>
+      <p:sp>
+        <p:nvSpPr>
+          <p:cNvPr id="52" name="Oval 51">
+            <a:extLst>
+              <a:ext uri="{FF2B5EF4-FFF2-40B4-BE49-F238E27FC236}">
+                <a16:creationId xmlns:a16="http://schemas.microsoft.com/office/drawing/2014/main" id="{8111E18A-881B-4F47-BEF3-14DF7279AE78}"/>
+              </a:ext>
+            </a:extLst>
+          </p:cNvPr>
+          <p:cNvSpPr/>
+          <p:nvPr/>
+        </p:nvSpPr>
+        <p:spPr>
+          <a:xfrm>
+            <a:off x="5892872" y="1378862"/>
+            <a:ext cx="105101" cy="97910"/>
+          </a:xfrm>
+          <a:prstGeom prst="ellipse">
+            <a:avLst/>
+          </a:prstGeom>
+        </p:spPr>
+        <p:style>
+          <a:lnRef idx="2">
+            <a:schemeClr val="accent1">
+              <a:shade val="50000"/>
+            </a:schemeClr>
+          </a:lnRef>
+          <a:fillRef idx="1">
+            <a:schemeClr val="accent1"/>
+          </a:fillRef>
+          <a:effectRef idx="0">
+            <a:schemeClr val="accent1"/>
+          </a:effectRef>
+          <a:fontRef idx="minor">
+            <a:schemeClr val="lt1"/>
+          </a:fontRef>
+        </p:style>
+        <p:txBody>
+          <a:bodyPr rtlCol="0" anchor="ctr"/>
+          <a:lstStyle/>
+          <a:p>
+            <a:pPr algn="ctr"/>
+            <a:endParaRPr lang="en-US"/>
+          </a:p>
+        </p:txBody>
+      </p:sp>
+      <p:sp>
+        <p:nvSpPr>
+          <p:cNvPr id="53" name="TextBox 52">
+            <a:extLst>
+              <a:ext uri="{FF2B5EF4-FFF2-40B4-BE49-F238E27FC236}">
+                <a16:creationId xmlns:a16="http://schemas.microsoft.com/office/drawing/2014/main" id="{AEE83C40-1CAD-8F4A-9D47-D94764A99B9B}"/>
+              </a:ext>
+            </a:extLst>
+          </p:cNvPr>
+          <p:cNvSpPr txBox="1"/>
+          <p:nvPr/>
+        </p:nvSpPr>
+        <p:spPr>
+          <a:xfrm>
+            <a:off x="5687864" y="1177354"/>
+            <a:ext cx="333539" cy="331629"/>
+          </a:xfrm>
+          <a:prstGeom prst="rect">
+            <a:avLst/>
+          </a:prstGeom>
+          <a:noFill/>
+        </p:spPr>
+        <p:txBody>
+          <a:bodyPr wrap="square" rtlCol="0">
+            <a:spAutoFit/>
+          </a:bodyPr>
+          <a:lstStyle/>
+          <a:p>
+            <a:r>
+              <a:rPr lang="en-US" i="1" dirty="0">
+                <a:latin typeface="Times" pitchFamily="2" charset="0"/>
+              </a:rPr>
+              <a:t>c</a:t>
+            </a:r>
+          </a:p>
+        </p:txBody>
+      </p:sp>
+      <p:cxnSp>
+        <p:nvCxnSpPr>
+          <p:cNvPr id="55" name="Straight Connector 54">
+            <a:extLst>
+              <a:ext uri="{FF2B5EF4-FFF2-40B4-BE49-F238E27FC236}">
+                <a16:creationId xmlns:a16="http://schemas.microsoft.com/office/drawing/2014/main" id="{15DDB010-2584-8C4D-BE60-59FB95A2FF5D}"/>
+              </a:ext>
+            </a:extLst>
+          </p:cNvPr>
+          <p:cNvCxnSpPr>
+            <a:cxnSpLocks/>
+          </p:cNvCxnSpPr>
+          <p:nvPr/>
+        </p:nvCxnSpPr>
+        <p:spPr>
+          <a:xfrm>
+            <a:off x="5997973" y="1426035"/>
+            <a:ext cx="852075" cy="0"/>
+          </a:xfrm>
+          <a:prstGeom prst="line">
+            <a:avLst/>
+          </a:prstGeom>
+        </p:spPr>
+        <p:style>
+          <a:lnRef idx="1">
+            <a:schemeClr val="accent1"/>
+          </a:lnRef>
+          <a:fillRef idx="0">
+            <a:schemeClr val="accent1"/>
+          </a:fillRef>
+          <a:effectRef idx="0">
+            <a:schemeClr val="accent1"/>
+          </a:effectRef>
+          <a:fontRef idx="minor">
+            <a:schemeClr val="tx1"/>
+          </a:fontRef>
+        </p:style>
+      </p:cxnSp>
+      <p:cxnSp>
+        <p:nvCxnSpPr>
+          <p:cNvPr id="57" name="Straight Connector 56">
+            <a:extLst>
+              <a:ext uri="{FF2B5EF4-FFF2-40B4-BE49-F238E27FC236}">
+                <a16:creationId xmlns:a16="http://schemas.microsoft.com/office/drawing/2014/main" id="{8B8D38C2-DD6C-3D4C-B93B-75C6B772EA39}"/>
+              </a:ext>
+            </a:extLst>
+          </p:cNvPr>
+          <p:cNvCxnSpPr>
+            <a:cxnSpLocks/>
+          </p:cNvCxnSpPr>
+          <p:nvPr/>
+        </p:nvCxnSpPr>
+        <p:spPr>
+          <a:xfrm flipH="1">
+            <a:off x="5791624" y="1439266"/>
+            <a:ext cx="150247" cy="531041"/>
+          </a:xfrm>
+          <a:prstGeom prst="line">
+            <a:avLst/>
+          </a:prstGeom>
+        </p:spPr>
+        <p:style>
+          <a:lnRef idx="1">
+            <a:schemeClr val="accent1"/>
+          </a:lnRef>
+          <a:fillRef idx="0">
+            <a:schemeClr val="accent1"/>
+          </a:fillRef>
+          <a:effectRef idx="0">
+            <a:schemeClr val="accent1"/>
+          </a:effectRef>
+          <a:fontRef idx="minor">
+            <a:schemeClr val="tx1"/>
+          </a:fontRef>
+        </p:style>
+      </p:cxnSp>
+      <p:cxnSp>
+        <p:nvCxnSpPr>
+          <p:cNvPr id="63" name="Straight Connector 62">
+            <a:extLst>
+              <a:ext uri="{FF2B5EF4-FFF2-40B4-BE49-F238E27FC236}">
+                <a16:creationId xmlns:a16="http://schemas.microsoft.com/office/drawing/2014/main" id="{A73781A8-B7EC-9D4A-A146-B917B7432533}"/>
+              </a:ext>
+            </a:extLst>
+          </p:cNvPr>
+          <p:cNvCxnSpPr>
+            <a:cxnSpLocks/>
+            <a:stCxn id="52" idx="5"/>
+          </p:cNvCxnSpPr>
+          <p:nvPr/>
+        </p:nvCxnSpPr>
+        <p:spPr>
+          <a:xfrm>
+            <a:off x="5982581" y="1462433"/>
+            <a:ext cx="800751" cy="834233"/>
+          </a:xfrm>
+          <a:prstGeom prst="line">
+            <a:avLst/>
+          </a:prstGeom>
+        </p:spPr>
+        <p:style>
+          <a:lnRef idx="1">
+            <a:schemeClr val="accent1"/>
+          </a:lnRef>
+          <a:fillRef idx="0">
+            <a:schemeClr val="accent1"/>
+          </a:fillRef>
+          <a:effectRef idx="0">
+            <a:schemeClr val="accent1"/>
+          </a:effectRef>
+          <a:fontRef idx="minor">
+            <a:schemeClr val="tx1"/>
+          </a:fontRef>
+        </p:style>
+      </p:cxnSp>
+      <p:cxnSp>
+        <p:nvCxnSpPr>
+          <p:cNvPr id="66" name="Straight Connector 65">
+            <a:extLst>
+              <a:ext uri="{FF2B5EF4-FFF2-40B4-BE49-F238E27FC236}">
+                <a16:creationId xmlns:a16="http://schemas.microsoft.com/office/drawing/2014/main" id="{009B08CD-AFE3-654E-815C-71EA99446190}"/>
+              </a:ext>
+            </a:extLst>
+          </p:cNvPr>
+          <p:cNvCxnSpPr>
+            <a:cxnSpLocks/>
+          </p:cNvCxnSpPr>
+          <p:nvPr/>
+        </p:nvCxnSpPr>
+        <p:spPr>
+          <a:xfrm flipV="1">
+            <a:off x="4802215" y="1440866"/>
+            <a:ext cx="1139446" cy="301772"/>
+          </a:xfrm>
+          <a:prstGeom prst="line">
+            <a:avLst/>
+          </a:prstGeom>
+        </p:spPr>
+        <p:style>
+          <a:lnRef idx="1">
+            <a:schemeClr val="accent1"/>
+          </a:lnRef>
+          <a:fillRef idx="0">
+            <a:schemeClr val="accent1"/>
+          </a:fillRef>
+          <a:effectRef idx="0">
+            <a:schemeClr val="accent1"/>
+          </a:effectRef>
+          <a:fontRef idx="minor">
+            <a:schemeClr val="tx1"/>
+          </a:fontRef>
+        </p:style>
+      </p:cxnSp>
+      <mc:AlternateContent xmlns:mc="http://schemas.openxmlformats.org/markup-compatibility/2006">
+        <mc:Choice xmlns:a14="http://schemas.microsoft.com/office/drawing/2010/main" Requires="a14">
+          <p:sp>
+            <p:nvSpPr>
+              <p:cNvPr id="69" name="TextBox 68">
+                <a:extLst>
+                  <a:ext uri="{FF2B5EF4-FFF2-40B4-BE49-F238E27FC236}">
+                    <a16:creationId xmlns:a16="http://schemas.microsoft.com/office/drawing/2014/main" id="{C3C32A48-F709-DA4C-8F30-049ABD8C76EA}"/>
+                  </a:ext>
+                </a:extLst>
+              </p:cNvPr>
+              <p:cNvSpPr txBox="1"/>
+              <p:nvPr/>
+            </p:nvSpPr>
+            <p:spPr>
+              <a:xfrm>
+                <a:off x="5596690" y="820079"/>
+                <a:ext cx="228330" cy="453029"/>
+              </a:xfrm>
+              <a:prstGeom prst="rect">
+                <a:avLst/>
+              </a:prstGeom>
+              <a:noFill/>
+            </p:spPr>
+            <p:txBody>
+              <a:bodyPr wrap="square" rtlCol="0">
+                <a:spAutoFit/>
+              </a:bodyPr>
+              <a:lstStyle/>
+              <a:p>
+                <a14:m>
+                  <m:oMathPara xmlns:m="http://schemas.openxmlformats.org/officeDocument/2006/math">
+                    <m:oMathParaPr>
+                      <m:jc m:val="centerGroup"/>
+                    </m:oMathParaPr>
+                    <m:oMath xmlns:m="http://schemas.openxmlformats.org/officeDocument/2006/math">
+                      <m:r>
+                        <a:rPr lang="en-US" sz="2000" i="1" smtClean="0">
+                          <a:latin typeface="Cambria Math" panose="02040503050406030204" pitchFamily="18" charset="0"/>
+                          <a:ea typeface="Cambria Math" panose="02040503050406030204" pitchFamily="18" charset="0"/>
+                        </a:rPr>
+                        <m:t>𝜓</m:t>
+                      </m:r>
+                    </m:oMath>
+                  </m:oMathPara>
+                </a14:m>
+                <a:endParaRPr lang="en-US" sz="2000" dirty="0"/>
+              </a:p>
+            </p:txBody>
+          </p:sp>
+        </mc:Choice>
+        <mc:Fallback>
+          <p:sp>
+            <p:nvSpPr>
+              <p:cNvPr id="69" name="TextBox 68">
+                <a:extLst>
+                  <a:ext uri="{FF2B5EF4-FFF2-40B4-BE49-F238E27FC236}">
+                    <a16:creationId xmlns:a16="http://schemas.microsoft.com/office/drawing/2014/main" id="{C3C32A48-F709-DA4C-8F30-049ABD8C76EA}"/>
+                  </a:ext>
+                </a:extLst>
+              </p:cNvPr>
+              <p:cNvSpPr txBox="1">
+                <a:spLocks noRot="1" noChangeAspect="1" noMove="1" noResize="1" noEditPoints="1" noAdjustHandles="1" noChangeArrowheads="1" noChangeShapeType="1" noTextEdit="1"/>
+              </p:cNvSpPr>
+              <p:nvPr/>
+            </p:nvSpPr>
+            <p:spPr>
+              <a:xfrm>
+                <a:off x="5596690" y="820079"/>
+                <a:ext cx="228330" cy="453029"/>
+              </a:xfrm>
+              <a:prstGeom prst="rect">
+                <a:avLst/>
+              </a:prstGeom>
+              <a:blipFill>
+                <a:blip r:embed="rId10"/>
+                <a:stretch>
+                  <a:fillRect l="-10526" r="-63158"/>
+                </a:stretch>
+              </a:blipFill>
+            </p:spPr>
+            <p:txBody>
+              <a:bodyPr/>
+              <a:lstStyle/>
+              <a:p>
+                <a:r>
+                  <a:rPr lang="en-US">
+                    <a:noFill/>
+                  </a:rPr>
+                  <a:t> </a:t>
+                </a:r>
+              </a:p>
+            </p:txBody>
+          </p:sp>
+        </mc:Fallback>
+      </mc:AlternateContent>
+      <mc:AlternateContent xmlns:mc="http://schemas.openxmlformats.org/markup-compatibility/2006">
+        <mc:Choice xmlns:a14="http://schemas.microsoft.com/office/drawing/2010/main" Requires="a14">
+          <p:sp>
+            <p:nvSpPr>
+              <p:cNvPr id="70" name="TextBox 69">
+                <a:extLst>
+                  <a:ext uri="{FF2B5EF4-FFF2-40B4-BE49-F238E27FC236}">
+                    <a16:creationId xmlns:a16="http://schemas.microsoft.com/office/drawing/2014/main" id="{48A12F36-261F-B543-BD31-EC2A14E903A5}"/>
+                  </a:ext>
+                </a:extLst>
+              </p:cNvPr>
+              <p:cNvSpPr txBox="1"/>
+              <p:nvPr/>
+            </p:nvSpPr>
+            <p:spPr>
+              <a:xfrm>
+                <a:off x="5868416" y="1765019"/>
+                <a:ext cx="228330" cy="453029"/>
+              </a:xfrm>
+              <a:prstGeom prst="rect">
+                <a:avLst/>
+              </a:prstGeom>
+              <a:noFill/>
+            </p:spPr>
+            <p:txBody>
+              <a:bodyPr wrap="square" rtlCol="0">
+                <a:spAutoFit/>
+              </a:bodyPr>
+              <a:lstStyle/>
+              <a:p>
+                <a14:m>
+                  <m:oMathPara xmlns:m="http://schemas.openxmlformats.org/officeDocument/2006/math">
+                    <m:oMathParaPr>
+                      <m:jc m:val="centerGroup"/>
+                    </m:oMathParaPr>
+                    <m:oMath xmlns:m="http://schemas.openxmlformats.org/officeDocument/2006/math">
+                      <m:r>
+                        <a:rPr lang="en-US" sz="2000" i="1" smtClean="0">
+                          <a:latin typeface="Cambria Math" panose="02040503050406030204" pitchFamily="18" charset="0"/>
+                          <a:ea typeface="Cambria Math" panose="02040503050406030204" pitchFamily="18" charset="0"/>
+                        </a:rPr>
+                        <m:t>𝛾</m:t>
+                      </m:r>
+                    </m:oMath>
+                  </m:oMathPara>
+                </a14:m>
+                <a:endParaRPr lang="en-US" sz="2000" dirty="0"/>
+              </a:p>
+            </p:txBody>
+          </p:sp>
+        </mc:Choice>
+        <mc:Fallback>
+          <p:sp>
+            <p:nvSpPr>
+              <p:cNvPr id="70" name="TextBox 69">
+                <a:extLst>
+                  <a:ext uri="{FF2B5EF4-FFF2-40B4-BE49-F238E27FC236}">
+                    <a16:creationId xmlns:a16="http://schemas.microsoft.com/office/drawing/2014/main" id="{48A12F36-261F-B543-BD31-EC2A14E903A5}"/>
+                  </a:ext>
+                </a:extLst>
+              </p:cNvPr>
+              <p:cNvSpPr txBox="1">
+                <a:spLocks noRot="1" noChangeAspect="1" noMove="1" noResize="1" noEditPoints="1" noAdjustHandles="1" noChangeArrowheads="1" noChangeShapeType="1" noTextEdit="1"/>
+              </p:cNvSpPr>
+              <p:nvPr/>
+            </p:nvSpPr>
+            <p:spPr>
+              <a:xfrm>
+                <a:off x="5868416" y="1765019"/>
+                <a:ext cx="228330" cy="453029"/>
+              </a:xfrm>
+              <a:prstGeom prst="rect">
+                <a:avLst/>
+              </a:prstGeom>
+              <a:blipFill>
+                <a:blip r:embed="rId11"/>
+                <a:stretch>
+                  <a:fillRect r="-31579"/>
+                </a:stretch>
+              </a:blipFill>
+            </p:spPr>
+            <p:txBody>
+              <a:bodyPr/>
+              <a:lstStyle/>
+              <a:p>
+                <a:r>
+                  <a:rPr lang="en-US">
+                    <a:noFill/>
+                  </a:rPr>
+                  <a:t> </a:t>
+                </a:r>
+              </a:p>
+            </p:txBody>
+          </p:sp>
+        </mc:Fallback>
+      </mc:AlternateContent>
+      <p:sp>
+        <p:nvSpPr>
+          <p:cNvPr id="71" name="TextBox 70">
+            <a:extLst>
+              <a:ext uri="{FF2B5EF4-FFF2-40B4-BE49-F238E27FC236}">
+                <a16:creationId xmlns:a16="http://schemas.microsoft.com/office/drawing/2014/main" id="{D4E66649-814C-7240-867C-7A823EF4A349}"/>
+              </a:ext>
+            </a:extLst>
+          </p:cNvPr>
+          <p:cNvSpPr txBox="1"/>
+          <p:nvPr/>
+        </p:nvSpPr>
+        <p:spPr>
+          <a:xfrm>
+            <a:off x="1406525" y="3794333"/>
+            <a:ext cx="333539" cy="331629"/>
+          </a:xfrm>
+          <a:prstGeom prst="rect">
+            <a:avLst/>
+          </a:prstGeom>
+          <a:noFill/>
+        </p:spPr>
+        <p:txBody>
+          <a:bodyPr wrap="square" rtlCol="0">
+            <a:spAutoFit/>
+          </a:bodyPr>
+          <a:lstStyle/>
+          <a:p>
+            <a:r>
+              <a:rPr lang="en-US" i="1" dirty="0">
+                <a:latin typeface="Times" pitchFamily="2" charset="0"/>
+              </a:rPr>
+              <a:t>c</a:t>
+            </a:r>
+          </a:p>
+        </p:txBody>
+      </p:sp>
+      <p:sp>
+        <p:nvSpPr>
+          <p:cNvPr id="73" name="Arc 72">
+            <a:extLst>
+              <a:ext uri="{FF2B5EF4-FFF2-40B4-BE49-F238E27FC236}">
+                <a16:creationId xmlns:a16="http://schemas.microsoft.com/office/drawing/2014/main" id="{DE76266A-2727-4F43-AA1C-5424F08CAA60}"/>
+              </a:ext>
+            </a:extLst>
+          </p:cNvPr>
+          <p:cNvSpPr/>
+          <p:nvPr/>
+        </p:nvSpPr>
+        <p:spPr>
+          <a:xfrm>
+            <a:off x="5665460" y="1151197"/>
+            <a:ext cx="547449" cy="537141"/>
+          </a:xfrm>
+          <a:prstGeom prst="arc">
+            <a:avLst>
+              <a:gd name="adj1" fmla="val 6118190"/>
+              <a:gd name="adj2" fmla="val 148844"/>
+            </a:avLst>
+          </a:prstGeom>
+          <a:ln>
+            <a:solidFill>
+              <a:schemeClr val="tx1"/>
+            </a:solidFill>
+            <a:headEnd type="stealth"/>
+            <a:tailEnd type="none"/>
+          </a:ln>
+        </p:spPr>
+        <p:style>
+          <a:lnRef idx="1">
+            <a:schemeClr val="accent1"/>
+          </a:lnRef>
+          <a:fillRef idx="0">
+            <a:schemeClr val="accent1"/>
+          </a:fillRef>
+          <a:effectRef idx="0">
+            <a:schemeClr val="accent1"/>
+          </a:effectRef>
+          <a:fontRef idx="minor">
+            <a:schemeClr val="tx1"/>
+          </a:fontRef>
+        </p:style>
+        <p:txBody>
+          <a:bodyPr rtlCol="0" anchor="ctr"/>
+          <a:lstStyle/>
+          <a:p>
+            <a:pPr algn="ctr"/>
+            <a:endParaRPr lang="en-US"/>
+          </a:p>
+        </p:txBody>
+      </p:sp>
+      <p:sp>
+        <p:nvSpPr>
+          <p:cNvPr id="74" name="Arc 73">
+            <a:extLst>
+              <a:ext uri="{FF2B5EF4-FFF2-40B4-BE49-F238E27FC236}">
+                <a16:creationId xmlns:a16="http://schemas.microsoft.com/office/drawing/2014/main" id="{6B405471-BA66-C842-B52B-2BE7BBA3F4F7}"/>
+              </a:ext>
+            </a:extLst>
+          </p:cNvPr>
+          <p:cNvSpPr/>
+          <p:nvPr/>
+        </p:nvSpPr>
+        <p:spPr>
+          <a:xfrm>
+            <a:off x="5455889" y="726570"/>
+            <a:ext cx="1131028" cy="1112390"/>
+          </a:xfrm>
+          <a:prstGeom prst="arc">
+            <a:avLst>
+              <a:gd name="adj1" fmla="val 3724453"/>
+              <a:gd name="adj2" fmla="val 9038017"/>
+            </a:avLst>
+          </a:prstGeom>
+          <a:ln>
+            <a:solidFill>
+              <a:schemeClr val="tx1"/>
+            </a:solidFill>
+            <a:headEnd type="stealth"/>
+            <a:tailEnd type="stealth"/>
+          </a:ln>
+        </p:spPr>
+        <p:style>
+          <a:lnRef idx="1">
+            <a:schemeClr val="accent1"/>
+          </a:lnRef>
+          <a:fillRef idx="0">
+            <a:schemeClr val="accent1"/>
+          </a:fillRef>
+          <a:effectRef idx="0">
+            <a:schemeClr val="accent1"/>
+          </a:effectRef>
+          <a:fontRef idx="minor">
+            <a:schemeClr val="tx1"/>
+          </a:fontRef>
+        </p:style>
+        <p:txBody>
+          <a:bodyPr rtlCol="0" anchor="ctr"/>
+          <a:lstStyle/>
+          <a:p>
+            <a:pPr algn="ctr"/>
+            <a:endParaRPr lang="en-US"/>
           </a:p>
         </p:txBody>
       </p:sp>

--- a/journalWallFriction/pictures/pdf/reachableSetCircle.pptx
+++ b/journalWallFriction/pictures/pdf/reachableSetCircle.pptx
@@ -243,7 +243,7 @@
           <a:p>
             <a:fld id="{98BB718C-238A-7041-808F-C250553F956E}" type="datetimeFigureOut">
               <a:rPr lang="en-US" smtClean="0"/>
-              <a:t>4/17/18</a:t>
+              <a:t>4/24/18</a:t>
             </a:fld>
             <a:endParaRPr lang="en-US"/>
           </a:p>
@@ -408,7 +408,7 @@
           <a:p>
             <a:fld id="{98BB718C-238A-7041-808F-C250553F956E}" type="datetimeFigureOut">
               <a:rPr lang="en-US" smtClean="0"/>
-              <a:t>4/17/18</a:t>
+              <a:t>4/24/18</a:t>
             </a:fld>
             <a:endParaRPr lang="en-US"/>
           </a:p>
@@ -583,7 +583,7 @@
           <a:p>
             <a:fld id="{98BB718C-238A-7041-808F-C250553F956E}" type="datetimeFigureOut">
               <a:rPr lang="en-US" smtClean="0"/>
-              <a:t>4/17/18</a:t>
+              <a:t>4/24/18</a:t>
             </a:fld>
             <a:endParaRPr lang="en-US"/>
           </a:p>
@@ -748,7 +748,7 @@
           <a:p>
             <a:fld id="{98BB718C-238A-7041-808F-C250553F956E}" type="datetimeFigureOut">
               <a:rPr lang="en-US" smtClean="0"/>
-              <a:t>4/17/18</a:t>
+              <a:t>4/24/18</a:t>
             </a:fld>
             <a:endParaRPr lang="en-US"/>
           </a:p>
@@ -987,7 +987,7 @@
           <a:p>
             <a:fld id="{98BB718C-238A-7041-808F-C250553F956E}" type="datetimeFigureOut">
               <a:rPr lang="en-US" smtClean="0"/>
-              <a:t>4/17/18</a:t>
+              <a:t>4/24/18</a:t>
             </a:fld>
             <a:endParaRPr lang="en-US"/>
           </a:p>
@@ -1214,7 +1214,7 @@
           <a:p>
             <a:fld id="{98BB718C-238A-7041-808F-C250553F956E}" type="datetimeFigureOut">
               <a:rPr lang="en-US" smtClean="0"/>
-              <a:t>4/17/18</a:t>
+              <a:t>4/24/18</a:t>
             </a:fld>
             <a:endParaRPr lang="en-US"/>
           </a:p>
@@ -1576,7 +1576,7 @@
           <a:p>
             <a:fld id="{98BB718C-238A-7041-808F-C250553F956E}" type="datetimeFigureOut">
               <a:rPr lang="en-US" smtClean="0"/>
-              <a:t>4/17/18</a:t>
+              <a:t>4/24/18</a:t>
             </a:fld>
             <a:endParaRPr lang="en-US"/>
           </a:p>
@@ -1689,7 +1689,7 @@
           <a:p>
             <a:fld id="{98BB718C-238A-7041-808F-C250553F956E}" type="datetimeFigureOut">
               <a:rPr lang="en-US" smtClean="0"/>
-              <a:t>4/17/18</a:t>
+              <a:t>4/24/18</a:t>
             </a:fld>
             <a:endParaRPr lang="en-US"/>
           </a:p>
@@ -1779,7 +1779,7 @@
           <a:p>
             <a:fld id="{98BB718C-238A-7041-808F-C250553F956E}" type="datetimeFigureOut">
               <a:rPr lang="en-US" smtClean="0"/>
-              <a:t>4/17/18</a:t>
+              <a:t>4/24/18</a:t>
             </a:fld>
             <a:endParaRPr lang="en-US"/>
           </a:p>
@@ -2051,7 +2051,7 @@
           <a:p>
             <a:fld id="{98BB718C-238A-7041-808F-C250553F956E}" type="datetimeFigureOut">
               <a:rPr lang="en-US" smtClean="0"/>
-              <a:t>4/17/18</a:t>
+              <a:t>4/24/18</a:t>
             </a:fld>
             <a:endParaRPr lang="en-US"/>
           </a:p>
@@ -2303,7 +2303,7 @@
           <a:p>
             <a:fld id="{98BB718C-238A-7041-808F-C250553F956E}" type="datetimeFigureOut">
               <a:rPr lang="en-US" smtClean="0"/>
-              <a:t>4/17/18</a:t>
+              <a:t>4/24/18</a:t>
             </a:fld>
             <a:endParaRPr lang="en-US"/>
           </a:p>
@@ -2511,7 +2511,7 @@
           <a:p>
             <a:fld id="{98BB718C-238A-7041-808F-C250553F956E}" type="datetimeFigureOut">
               <a:rPr lang="en-US" smtClean="0"/>
-              <a:t>4/17/18</a:t>
+              <a:t>4/24/18</a:t>
             </a:fld>
             <a:endParaRPr lang="en-US"/>
           </a:p>
@@ -3024,8 +3024,8 @@
           </a:prstGeom>
         </p:spPr>
       </p:pic>
-      <mc:AlternateContent xmlns:mc="http://schemas.openxmlformats.org/markup-compatibility/2006">
-        <mc:Choice xmlns:a14="http://schemas.microsoft.com/office/drawing/2010/main" Requires="a14">
+      <mc:AlternateContent xmlns:mc="http://schemas.openxmlformats.org/markup-compatibility/2006" xmlns:a14="http://schemas.microsoft.com/office/drawing/2010/main">
+        <mc:Choice Requires="a14">
           <p:sp>
             <p:nvSpPr>
               <p:cNvPr id="6" name="TextBox 5">
@@ -3100,7 +3100,7 @@
             </p:txBody>
           </p:sp>
         </mc:Choice>
-        <mc:Fallback>
+        <mc:Fallback xmlns="">
           <p:sp>
             <p:nvSpPr>
               <p:cNvPr id="6" name="TextBox 5">
@@ -3195,8 +3195,8 @@
             </a:prstGeom>
           </p:spPr>
         </p:pic>
-        <mc:AlternateContent xmlns:mc="http://schemas.openxmlformats.org/markup-compatibility/2006">
-          <mc:Choice xmlns:a14="http://schemas.microsoft.com/office/drawing/2010/main" Requires="a14">
+        <mc:AlternateContent xmlns:mc="http://schemas.openxmlformats.org/markup-compatibility/2006" xmlns:a14="http://schemas.microsoft.com/office/drawing/2010/main">
+          <mc:Choice Requires="a14">
             <p:sp>
               <p:nvSpPr>
                 <p:cNvPr id="7" name="TextBox 6">
@@ -3225,6 +3225,7 @@
                 </a:bodyPr>
                 <a:lstStyle/>
                 <a:p>
+                  <a:pPr/>
                   <a14:m>
                     <m:oMathPara xmlns:m="http://schemas.openxmlformats.org/officeDocument/2006/math">
                       <m:oMathParaPr>
@@ -3246,7 +3247,7 @@
               </p:txBody>
             </p:sp>
           </mc:Choice>
-          <mc:Fallback>
+          <mc:Fallback xmlns="">
             <p:sp>
               <p:nvSpPr>
                 <p:cNvPr id="7" name="TextBox 6">
@@ -3489,8 +3490,8 @@
           </a:fontRef>
         </p:style>
       </p:cxnSp>
-      <mc:AlternateContent xmlns:mc="http://schemas.openxmlformats.org/markup-compatibility/2006">
-        <mc:Choice xmlns:a14="http://schemas.microsoft.com/office/drawing/2010/main" Requires="a14">
+      <mc:AlternateContent xmlns:mc="http://schemas.openxmlformats.org/markup-compatibility/2006" xmlns:a14="http://schemas.microsoft.com/office/drawing/2010/main">
+        <mc:Choice Requires="a14">
           <p:sp>
             <p:nvSpPr>
               <p:cNvPr id="21" name="TextBox 20">
@@ -3519,6 +3520,7 @@
               </a:bodyPr>
               <a:lstStyle/>
               <a:p>
+                <a:pPr/>
                 <a14:m>
                   <m:oMathPara xmlns:m="http://schemas.openxmlformats.org/officeDocument/2006/math">
                     <m:oMathParaPr>
@@ -3540,7 +3542,7 @@
             </p:txBody>
           </p:sp>
         </mc:Choice>
-        <mc:Fallback>
+        <mc:Fallback xmlns="">
           <p:sp>
             <p:nvSpPr>
               <p:cNvPr id="21" name="TextBox 20">
@@ -3600,7 +3602,7 @@
         <p:spPr>
           <a:xfrm>
             <a:off x="6212909" y="653923"/>
-            <a:ext cx="851770" cy="785343"/>
+            <a:ext cx="851770" cy="400110"/>
           </a:xfrm>
           <a:prstGeom prst="rect">
             <a:avLst/>
@@ -3614,15 +3616,15 @@
           <a:lstStyle/>
           <a:p>
             <a:r>
-              <a:rPr lang="en-US" sz="1600" dirty="0">
-                <a:latin typeface="Zapfino" panose="03030300040707070C03" pitchFamily="66" charset="77"/>
+              <a:rPr lang="en-US" sz="2000" i="1" dirty="0">
+                <a:latin typeface="Times" pitchFamily="2" charset="0"/>
                 <a:cs typeface="Times New Roman" panose="02020603050405020304" pitchFamily="18" charset="0"/>
               </a:rPr>
               <a:t>l</a:t>
             </a:r>
             <a:r>
-              <a:rPr lang="en-US" sz="1600" baseline="-25000" dirty="0">
-                <a:latin typeface="Zapfino" panose="03030300040707070C03" pitchFamily="66" charset="77"/>
+              <a:rPr lang="en-US" sz="2000" i="1" baseline="-25000" dirty="0">
+                <a:latin typeface="Times" pitchFamily="2" charset="0"/>
                 <a:cs typeface="Times New Roman" panose="02020603050405020304" pitchFamily="18" charset="0"/>
               </a:rPr>
               <a:t>1</a:t>
@@ -3645,7 +3647,7 @@
         <p:spPr>
           <a:xfrm>
             <a:off x="3584143" y="2996413"/>
-            <a:ext cx="851770" cy="785343"/>
+            <a:ext cx="851770" cy="400110"/>
           </a:xfrm>
           <a:prstGeom prst="rect">
             <a:avLst/>
@@ -3659,15 +3661,15 @@
           <a:lstStyle/>
           <a:p>
             <a:r>
-              <a:rPr lang="en-US" sz="1600" dirty="0">
-                <a:latin typeface="Zapfino" panose="03030300040707070C03" pitchFamily="66" charset="77"/>
+              <a:rPr lang="en-US" sz="2000" i="1" dirty="0">
+                <a:latin typeface="Times" pitchFamily="2" charset="0"/>
                 <a:cs typeface="Times New Roman" panose="02020603050405020304" pitchFamily="18" charset="0"/>
               </a:rPr>
               <a:t>l</a:t>
             </a:r>
             <a:r>
-              <a:rPr lang="en-US" sz="1600" baseline="-25000" dirty="0">
-                <a:latin typeface="Zapfino" panose="03030300040707070C03" pitchFamily="66" charset="77"/>
+              <a:rPr lang="en-US" sz="2000" i="1" baseline="-25000" dirty="0">
+                <a:latin typeface="Times" pitchFamily="2" charset="0"/>
                 <a:cs typeface="Times New Roman" panose="02020603050405020304" pitchFamily="18" charset="0"/>
               </a:rPr>
               <a:t>4</a:t>
@@ -3690,7 +3692,7 @@
         <p:spPr>
           <a:xfrm>
             <a:off x="5597095" y="3136780"/>
-            <a:ext cx="851770" cy="785343"/>
+            <a:ext cx="851770" cy="400110"/>
           </a:xfrm>
           <a:prstGeom prst="rect">
             <a:avLst/>
@@ -3704,15 +3706,15 @@
           <a:lstStyle/>
           <a:p>
             <a:r>
-              <a:rPr lang="en-US" sz="1600" dirty="0">
-                <a:latin typeface="Zapfino" panose="03030300040707070C03" pitchFamily="66" charset="77"/>
+              <a:rPr lang="en-US" sz="2000" i="1" dirty="0">
+                <a:latin typeface="Times" pitchFamily="2" charset="0"/>
                 <a:cs typeface="Times New Roman" panose="02020603050405020304" pitchFamily="18" charset="0"/>
               </a:rPr>
               <a:t>l</a:t>
             </a:r>
             <a:r>
-              <a:rPr lang="en-US" sz="1600" baseline="-25000" dirty="0">
-                <a:latin typeface="Zapfino" panose="03030300040707070C03" pitchFamily="66" charset="77"/>
+              <a:rPr lang="en-US" sz="2000" i="1" baseline="-25000" dirty="0">
+                <a:latin typeface="Times" pitchFamily="2" charset="0"/>
                 <a:cs typeface="Times New Roman" panose="02020603050405020304" pitchFamily="18" charset="0"/>
               </a:rPr>
               <a:t>3</a:t>
@@ -3735,7 +3737,7 @@
         <p:spPr>
           <a:xfrm>
             <a:off x="6080539" y="2624708"/>
-            <a:ext cx="851770" cy="785343"/>
+            <a:ext cx="851770" cy="400110"/>
           </a:xfrm>
           <a:prstGeom prst="rect">
             <a:avLst/>
@@ -3749,15 +3751,15 @@
           <a:lstStyle/>
           <a:p>
             <a:r>
-              <a:rPr lang="en-US" sz="1600" dirty="0">
-                <a:latin typeface="Zapfino" panose="03030300040707070C03" pitchFamily="66" charset="77"/>
+              <a:rPr lang="en-US" sz="2000" i="1" dirty="0">
+                <a:latin typeface="Times" pitchFamily="2" charset="0"/>
                 <a:cs typeface="Times New Roman" panose="02020603050405020304" pitchFamily="18" charset="0"/>
               </a:rPr>
               <a:t>l</a:t>
             </a:r>
             <a:r>
-              <a:rPr lang="en-US" sz="1600" baseline="-25000" dirty="0">
-                <a:latin typeface="Zapfino" panose="03030300040707070C03" pitchFamily="66" charset="77"/>
+              <a:rPr lang="en-US" sz="2000" i="1" baseline="-25000" dirty="0">
+                <a:latin typeface="Times" pitchFamily="2" charset="0"/>
                 <a:cs typeface="Times New Roman" panose="02020603050405020304" pitchFamily="18" charset="0"/>
               </a:rPr>
               <a:t>2</a:t>
@@ -3855,8 +3857,8 @@
           </a:fontRef>
         </p:style>
       </p:cxnSp>
-      <mc:AlternateContent xmlns:mc="http://schemas.openxmlformats.org/markup-compatibility/2006">
-        <mc:Choice xmlns:a14="http://schemas.microsoft.com/office/drawing/2010/main" Requires="a14">
+      <mc:AlternateContent xmlns:mc="http://schemas.openxmlformats.org/markup-compatibility/2006" xmlns:a14="http://schemas.microsoft.com/office/drawing/2010/main">
+        <mc:Choice Requires="a14">
           <p:sp>
             <p:nvSpPr>
               <p:cNvPr id="49" name="TextBox 48">
@@ -3885,6 +3887,7 @@
               </a:bodyPr>
               <a:lstStyle/>
               <a:p>
+                <a:pPr/>
                 <a14:m>
                   <m:oMathPara xmlns:m="http://schemas.openxmlformats.org/officeDocument/2006/math">
                     <m:oMathParaPr>
@@ -3925,7 +3928,7 @@
             </p:txBody>
           </p:sp>
         </mc:Choice>
-        <mc:Fallback>
+        <mc:Fallback xmlns="">
           <p:sp>
             <p:nvSpPr>
               <p:cNvPr id="49" name="TextBox 48">
@@ -3970,8 +3973,8 @@
           </p:sp>
         </mc:Fallback>
       </mc:AlternateContent>
-      <mc:AlternateContent xmlns:mc="http://schemas.openxmlformats.org/markup-compatibility/2006">
-        <mc:Choice xmlns:a14="http://schemas.microsoft.com/office/drawing/2010/main" Requires="a14">
+      <mc:AlternateContent xmlns:mc="http://schemas.openxmlformats.org/markup-compatibility/2006" xmlns:a14="http://schemas.microsoft.com/office/drawing/2010/main">
+        <mc:Choice Requires="a14">
           <p:sp>
             <p:nvSpPr>
               <p:cNvPr id="50" name="TextBox 49">
@@ -4000,6 +4003,7 @@
               </a:bodyPr>
               <a:lstStyle/>
               <a:p>
+                <a:pPr/>
                 <a14:m>
                   <m:oMathPara xmlns:m="http://schemas.openxmlformats.org/officeDocument/2006/math">
                     <m:oMathParaPr>
@@ -4040,7 +4044,7 @@
             </p:txBody>
           </p:sp>
         </mc:Choice>
-        <mc:Fallback>
+        <mc:Fallback xmlns="">
           <p:sp>
             <p:nvSpPr>
               <p:cNvPr id="50" name="TextBox 49">
@@ -4321,8 +4325,8 @@
           </a:fontRef>
         </p:style>
       </p:cxnSp>
-      <mc:AlternateContent xmlns:mc="http://schemas.openxmlformats.org/markup-compatibility/2006">
-        <mc:Choice xmlns:a14="http://schemas.microsoft.com/office/drawing/2010/main" Requires="a14">
+      <mc:AlternateContent xmlns:mc="http://schemas.openxmlformats.org/markup-compatibility/2006" xmlns:a14="http://schemas.microsoft.com/office/drawing/2010/main">
+        <mc:Choice Requires="a14">
           <p:sp>
             <p:nvSpPr>
               <p:cNvPr id="69" name="TextBox 68">
@@ -4351,6 +4355,7 @@
               </a:bodyPr>
               <a:lstStyle/>
               <a:p>
+                <a:pPr/>
                 <a14:m>
                   <m:oMathPara xmlns:m="http://schemas.openxmlformats.org/officeDocument/2006/math">
                     <m:oMathParaPr>
@@ -4372,7 +4377,7 @@
             </p:txBody>
           </p:sp>
         </mc:Choice>
-        <mc:Fallback>
+        <mc:Fallback xmlns="">
           <p:sp>
             <p:nvSpPr>
               <p:cNvPr id="69" name="TextBox 68">
@@ -4417,8 +4422,8 @@
           </p:sp>
         </mc:Fallback>
       </mc:AlternateContent>
-      <mc:AlternateContent xmlns:mc="http://schemas.openxmlformats.org/markup-compatibility/2006">
-        <mc:Choice xmlns:a14="http://schemas.microsoft.com/office/drawing/2010/main" Requires="a14">
+      <mc:AlternateContent xmlns:mc="http://schemas.openxmlformats.org/markup-compatibility/2006" xmlns:a14="http://schemas.microsoft.com/office/drawing/2010/main">
+        <mc:Choice Requires="a14">
           <p:sp>
             <p:nvSpPr>
               <p:cNvPr id="70" name="TextBox 69">
@@ -4447,6 +4452,7 @@
               </a:bodyPr>
               <a:lstStyle/>
               <a:p>
+                <a:pPr/>
                 <a14:m>
                   <m:oMathPara xmlns:m="http://schemas.openxmlformats.org/officeDocument/2006/math">
                     <m:oMathParaPr>
@@ -4468,7 +4474,7 @@
             </p:txBody>
           </p:sp>
         </mc:Choice>
-        <mc:Fallback>
+        <mc:Fallback xmlns="">
           <p:sp>
             <p:nvSpPr>
               <p:cNvPr id="70" name="TextBox 69">

--- a/journalWallFriction/pictures/pdf/reachableSetCircle.pptx
+++ b/journalWallFriction/pictures/pdf/reachableSetCircle.pptx
@@ -243,7 +243,7 @@
           <a:p>
             <a:fld id="{98BB718C-238A-7041-808F-C250553F956E}" type="datetimeFigureOut">
               <a:rPr lang="en-US" smtClean="0"/>
-              <a:t>4/24/18</a:t>
+              <a:t>5/1/18</a:t>
             </a:fld>
             <a:endParaRPr lang="en-US"/>
           </a:p>
@@ -408,7 +408,7 @@
           <a:p>
             <a:fld id="{98BB718C-238A-7041-808F-C250553F956E}" type="datetimeFigureOut">
               <a:rPr lang="en-US" smtClean="0"/>
-              <a:t>4/24/18</a:t>
+              <a:t>5/1/18</a:t>
             </a:fld>
             <a:endParaRPr lang="en-US"/>
           </a:p>
@@ -583,7 +583,7 @@
           <a:p>
             <a:fld id="{98BB718C-238A-7041-808F-C250553F956E}" type="datetimeFigureOut">
               <a:rPr lang="en-US" smtClean="0"/>
-              <a:t>4/24/18</a:t>
+              <a:t>5/1/18</a:t>
             </a:fld>
             <a:endParaRPr lang="en-US"/>
           </a:p>
@@ -748,7 +748,7 @@
           <a:p>
             <a:fld id="{98BB718C-238A-7041-808F-C250553F956E}" type="datetimeFigureOut">
               <a:rPr lang="en-US" smtClean="0"/>
-              <a:t>4/24/18</a:t>
+              <a:t>5/1/18</a:t>
             </a:fld>
             <a:endParaRPr lang="en-US"/>
           </a:p>
@@ -987,7 +987,7 @@
           <a:p>
             <a:fld id="{98BB718C-238A-7041-808F-C250553F956E}" type="datetimeFigureOut">
               <a:rPr lang="en-US" smtClean="0"/>
-              <a:t>4/24/18</a:t>
+              <a:t>5/1/18</a:t>
             </a:fld>
             <a:endParaRPr lang="en-US"/>
           </a:p>
@@ -1214,7 +1214,7 @@
           <a:p>
             <a:fld id="{98BB718C-238A-7041-808F-C250553F956E}" type="datetimeFigureOut">
               <a:rPr lang="en-US" smtClean="0"/>
-              <a:t>4/24/18</a:t>
+              <a:t>5/1/18</a:t>
             </a:fld>
             <a:endParaRPr lang="en-US"/>
           </a:p>
@@ -1576,7 +1576,7 @@
           <a:p>
             <a:fld id="{98BB718C-238A-7041-808F-C250553F956E}" type="datetimeFigureOut">
               <a:rPr lang="en-US" smtClean="0"/>
-              <a:t>4/24/18</a:t>
+              <a:t>5/1/18</a:t>
             </a:fld>
             <a:endParaRPr lang="en-US"/>
           </a:p>
@@ -1689,7 +1689,7 @@
           <a:p>
             <a:fld id="{98BB718C-238A-7041-808F-C250553F956E}" type="datetimeFigureOut">
               <a:rPr lang="en-US" smtClean="0"/>
-              <a:t>4/24/18</a:t>
+              <a:t>5/1/18</a:t>
             </a:fld>
             <a:endParaRPr lang="en-US"/>
           </a:p>
@@ -1779,7 +1779,7 @@
           <a:p>
             <a:fld id="{98BB718C-238A-7041-808F-C250553F956E}" type="datetimeFigureOut">
               <a:rPr lang="en-US" smtClean="0"/>
-              <a:t>4/24/18</a:t>
+              <a:t>5/1/18</a:t>
             </a:fld>
             <a:endParaRPr lang="en-US"/>
           </a:p>
@@ -2051,7 +2051,7 @@
           <a:p>
             <a:fld id="{98BB718C-238A-7041-808F-C250553F956E}" type="datetimeFigureOut">
               <a:rPr lang="en-US" smtClean="0"/>
-              <a:t>4/24/18</a:t>
+              <a:t>5/1/18</a:t>
             </a:fld>
             <a:endParaRPr lang="en-US"/>
           </a:p>
@@ -2303,7 +2303,7 @@
           <a:p>
             <a:fld id="{98BB718C-238A-7041-808F-C250553F956E}" type="datetimeFigureOut">
               <a:rPr lang="en-US" smtClean="0"/>
-              <a:t>4/24/18</a:t>
+              <a:t>5/1/18</a:t>
             </a:fld>
             <a:endParaRPr lang="en-US"/>
           </a:p>
@@ -2511,7 +2511,7 @@
           <a:p>
             <a:fld id="{98BB718C-238A-7041-808F-C250553F956E}" type="datetimeFigureOut">
               <a:rPr lang="en-US" smtClean="0"/>
-              <a:t>4/24/18</a:t>
+              <a:t>5/1/18</a:t>
             </a:fld>
             <a:endParaRPr lang="en-US"/>
           </a:p>
@@ -2986,8 +2986,8 @@
         </p:blipFill>
         <p:spPr>
           <a:xfrm>
-            <a:off x="454843" y="-595"/>
-            <a:ext cx="2263643" cy="2297261"/>
+            <a:off x="34890" y="-2392"/>
+            <a:ext cx="2583268" cy="2621633"/>
           </a:xfrm>
           <a:prstGeom prst="rect">
             <a:avLst/>
@@ -3040,8 +3040,8 @@
             </p:nvSpPr>
             <p:spPr>
               <a:xfrm>
-                <a:off x="121211" y="2216985"/>
-                <a:ext cx="3000333" cy="707886"/>
+                <a:off x="2231150" y="-59539"/>
+                <a:ext cx="1931935" cy="1015663"/>
               </a:xfrm>
               <a:prstGeom prst="rect">
                 <a:avLst/>
@@ -3070,17 +3070,6 @@
                       </a:rPr>
                       <m:t> </m:t>
                     </m:r>
-                  </m:oMath>
-                </a14:m>
-                <a:endParaRPr lang="en-US" sz="2000" i="1" dirty="0">
-                  <a:latin typeface="Cambria Math" panose="02040503050406030204" pitchFamily="18" charset="0"/>
-                  <a:ea typeface="Cambria Math" panose="02040503050406030204" pitchFamily="18" charset="0"/>
-                </a:endParaRPr>
-              </a:p>
-              <a:p>
-                <a:pPr algn="ctr"/>
-                <a14:m>
-                  <m:oMath xmlns:m="http://schemas.openxmlformats.org/officeDocument/2006/math">
                     <m:r>
                       <a:rPr lang="en-US" sz="2000" i="1" smtClean="0">
                         <a:latin typeface="Cambria Math" panose="02040503050406030204" pitchFamily="18" charset="0"/>
@@ -3117,8 +3106,8 @@
             </p:nvSpPr>
             <p:spPr>
               <a:xfrm>
-                <a:off x="121211" y="2216985"/>
-                <a:ext cx="3000333" cy="707886"/>
+                <a:off x="2231150" y="-59539"/>
+                <a:ext cx="1931935" cy="1015663"/>
               </a:xfrm>
               <a:prstGeom prst="rect">
                 <a:avLst/>
@@ -3126,7 +3115,7 @@
               <a:blipFill>
                 <a:blip r:embed="rId4"/>
                 <a:stretch>
-                  <a:fillRect t="-5357" b="-14286"/>
+                  <a:fillRect t="-2500" r="-3268" b="-10000"/>
                 </a:stretch>
               </a:blipFill>
             </p:spPr>
@@ -3159,8 +3148,8 @@
         </p:nvGrpSpPr>
         <p:grpSpPr>
           <a:xfrm>
-            <a:off x="454843" y="2883244"/>
-            <a:ext cx="2263643" cy="2326866"/>
+            <a:off x="0" y="2611785"/>
+            <a:ext cx="2636536" cy="2635158"/>
             <a:chOff x="588068" y="2650711"/>
             <a:chExt cx="2065933" cy="2055060"/>
           </a:xfrm>
@@ -3211,7 +3200,7 @@
               </p:nvSpPr>
               <p:spPr>
                 <a:xfrm>
-                  <a:off x="1548522" y="3844742"/>
+                  <a:off x="1580798" y="3883289"/>
                   <a:ext cx="208387" cy="400110"/>
                 </a:xfrm>
                 <a:prstGeom prst="rect">
@@ -3264,7 +3253,7 @@
               </p:nvSpPr>
               <p:spPr>
                 <a:xfrm>
-                  <a:off x="1548522" y="3844742"/>
+                  <a:off x="1580798" y="3883289"/>
                   <a:ext cx="208387" cy="400110"/>
                 </a:xfrm>
                 <a:prstGeom prst="rect">
@@ -3273,7 +3262,7 @@
                 <a:blipFill>
                   <a:blip r:embed="rId6"/>
                   <a:stretch>
-                    <a:fillRect r="-31579"/>
+                    <a:fillRect r="-13636"/>
                   </a:stretch>
                 </a:blipFill>
               </p:spPr>
@@ -3386,7 +3375,7 @@
         </p:nvSpPr>
         <p:spPr>
           <a:xfrm>
-            <a:off x="372463" y="5138065"/>
+            <a:off x="9997" y="5138065"/>
             <a:ext cx="2949145" cy="400110"/>
           </a:xfrm>
           <a:prstGeom prst="rect">
@@ -3419,13 +3408,15 @@
               </a:ext>
             </a:extLst>
           </p:cNvPr>
-          <p:cNvCxnSpPr/>
+          <p:cNvCxnSpPr>
+            <a:cxnSpLocks/>
+          </p:cNvCxnSpPr>
           <p:nvPr/>
         </p:nvCxnSpPr>
         <p:spPr>
           <a:xfrm flipH="1">
-            <a:off x="1326524" y="1524000"/>
-            <a:ext cx="494038" cy="617838"/>
+            <a:off x="988541" y="1762095"/>
+            <a:ext cx="589574" cy="725175"/>
           </a:xfrm>
           <a:prstGeom prst="straightConnector1">
             <a:avLst/>
@@ -3459,13 +3450,15 @@
               </a:ext>
             </a:extLst>
           </p:cNvPr>
-          <p:cNvCxnSpPr/>
+          <p:cNvCxnSpPr>
+            <a:cxnSpLocks/>
+          </p:cNvCxnSpPr>
           <p:nvPr/>
         </p:nvCxnSpPr>
         <p:spPr>
           <a:xfrm flipH="1">
-            <a:off x="556287" y="839116"/>
-            <a:ext cx="494038" cy="617838"/>
+            <a:off x="181326" y="908008"/>
+            <a:ext cx="567950" cy="780330"/>
           </a:xfrm>
           <a:prstGeom prst="straightConnector1">
             <a:avLst/>
@@ -3506,7 +3499,7 @@
             </p:nvSpPr>
             <p:spPr>
               <a:xfrm>
-                <a:off x="1076189" y="3571485"/>
+                <a:off x="882963" y="3390334"/>
                 <a:ext cx="228330" cy="453029"/>
               </a:xfrm>
               <a:prstGeom prst="rect">
@@ -3559,7 +3552,7 @@
             </p:nvSpPr>
             <p:spPr>
               <a:xfrm>
-                <a:off x="1076189" y="3571485"/>
+                <a:off x="882963" y="3390334"/>
                 <a:ext cx="228330" cy="453029"/>
               </a:xfrm>
               <a:prstGeom prst="rect">
@@ -3785,51 +3778,6 @@
           <a:xfrm flipH="1">
             <a:off x="5619561" y="2041721"/>
             <a:ext cx="160516" cy="529207"/>
-          </a:xfrm>
-          <a:prstGeom prst="straightConnector1">
-            <a:avLst/>
-          </a:prstGeom>
-          <a:ln>
-            <a:solidFill>
-              <a:schemeClr val="tx1"/>
-            </a:solidFill>
-            <a:headEnd type="stealth"/>
-            <a:tailEnd type="stealth"/>
-          </a:ln>
-        </p:spPr>
-        <p:style>
-          <a:lnRef idx="1">
-            <a:schemeClr val="accent1"/>
-          </a:lnRef>
-          <a:fillRef idx="0">
-            <a:schemeClr val="accent1"/>
-          </a:fillRef>
-          <a:effectRef idx="0">
-            <a:schemeClr val="accent1"/>
-          </a:effectRef>
-          <a:fontRef idx="minor">
-            <a:schemeClr val="tx1"/>
-          </a:fontRef>
-        </p:style>
-      </p:cxnSp>
-      <p:cxnSp>
-        <p:nvCxnSpPr>
-          <p:cNvPr id="45" name="Straight Arrow Connector 44">
-            <a:extLst>
-              <a:ext uri="{FF2B5EF4-FFF2-40B4-BE49-F238E27FC236}">
-                <a16:creationId xmlns:a16="http://schemas.microsoft.com/office/drawing/2014/main" id="{B642480C-0660-3945-B51A-86C66144504B}"/>
-              </a:ext>
-            </a:extLst>
-          </p:cNvPr>
-          <p:cNvCxnSpPr>
-            <a:cxnSpLocks/>
-          </p:cNvCxnSpPr>
-          <p:nvPr/>
-        </p:nvCxnSpPr>
-        <p:spPr>
-          <a:xfrm flipH="1">
-            <a:off x="1258337" y="4645025"/>
-            <a:ext cx="148188" cy="452595"/>
           </a:xfrm>
           <a:prstGeom prst="straightConnector1">
             <a:avLst/>
@@ -3973,122 +3921,65 @@
           </p:sp>
         </mc:Fallback>
       </mc:AlternateContent>
-      <mc:AlternateContent xmlns:mc="http://schemas.openxmlformats.org/markup-compatibility/2006" xmlns:a14="http://schemas.microsoft.com/office/drawing/2010/main">
-        <mc:Choice Requires="a14">
-          <p:sp>
-            <p:nvSpPr>
-              <p:cNvPr id="50" name="TextBox 49">
-                <a:extLst>
-                  <a:ext uri="{FF2B5EF4-FFF2-40B4-BE49-F238E27FC236}">
-                    <a16:creationId xmlns:a16="http://schemas.microsoft.com/office/drawing/2014/main" id="{5368003F-B911-B24E-AF85-D4C32F9EB5E9}"/>
-                  </a:ext>
-                </a:extLst>
-              </p:cNvPr>
-              <p:cNvSpPr txBox="1"/>
-              <p:nvPr/>
-            </p:nvSpPr>
-            <p:spPr>
-              <a:xfrm>
-                <a:off x="1266511" y="4745131"/>
-                <a:ext cx="280028" cy="331629"/>
-              </a:xfrm>
-              <a:prstGeom prst="rect">
-                <a:avLst/>
-              </a:prstGeom>
-              <a:noFill/>
-            </p:spPr>
-            <p:txBody>
-              <a:bodyPr wrap="square" rtlCol="0">
-                <a:spAutoFit/>
-              </a:bodyPr>
-              <a:lstStyle/>
-              <a:p>
-                <a:pPr/>
-                <a14:m>
-                  <m:oMathPara xmlns:m="http://schemas.openxmlformats.org/officeDocument/2006/math">
-                    <m:oMathParaPr>
-                      <m:jc m:val="centerGroup"/>
-                    </m:oMathParaPr>
-                    <m:oMath xmlns:m="http://schemas.openxmlformats.org/officeDocument/2006/math">
-                      <m:sSub>
-                        <m:sSubPr>
-                          <m:ctrlPr>
-                            <a:rPr lang="en-US" b="0" i="1" smtClean="0">
-                              <a:latin typeface="Cambria Math" panose="02040503050406030204" pitchFamily="18" charset="0"/>
-                            </a:rPr>
-                          </m:ctrlPr>
-                        </m:sSubPr>
-                        <m:e>
-                          <m:r>
-                            <a:rPr lang="en-US" b="0" i="1" smtClean="0">
-                              <a:latin typeface="Cambria Math" panose="02040503050406030204" pitchFamily="18" charset="0"/>
-                            </a:rPr>
-                            <m:t>𝑑</m:t>
-                          </m:r>
-                        </m:e>
-                        <m:sub>
-                          <m:r>
-                            <a:rPr lang="en-US" b="0" i="1" smtClean="0">
-                              <a:latin typeface="Cambria Math" panose="02040503050406030204" pitchFamily="18" charset="0"/>
-                              <a:ea typeface="Cambria Math" panose="02040503050406030204" pitchFamily="18" charset="0"/>
-                            </a:rPr>
-                            <m:t>⊥</m:t>
-                          </m:r>
-                        </m:sub>
-                      </m:sSub>
-                    </m:oMath>
-                  </m:oMathPara>
-                </a14:m>
-                <a:endParaRPr lang="en-US" dirty="0"/>
-              </a:p>
-            </p:txBody>
-          </p:sp>
-        </mc:Choice>
-        <mc:Fallback xmlns="">
-          <p:sp>
-            <p:nvSpPr>
-              <p:cNvPr id="50" name="TextBox 49">
-                <a:extLst>
-                  <a:ext uri="{FF2B5EF4-FFF2-40B4-BE49-F238E27FC236}">
-                    <a16:creationId xmlns:a16="http://schemas.microsoft.com/office/drawing/2014/main" id="{5368003F-B911-B24E-AF85-D4C32F9EB5E9}"/>
-                  </a:ext>
-                </a:extLst>
-              </p:cNvPr>
-              <p:cNvSpPr txBox="1">
-                <a:spLocks noRot="1" noChangeAspect="1" noMove="1" noResize="1" noEditPoints="1" noAdjustHandles="1" noChangeArrowheads="1" noChangeShapeType="1" noTextEdit="1"/>
-              </p:cNvSpPr>
-              <p:nvPr/>
-            </p:nvSpPr>
-            <p:spPr>
-              <a:xfrm>
-                <a:off x="1266511" y="4745131"/>
-                <a:ext cx="280028" cy="331629"/>
-              </a:xfrm>
-              <a:prstGeom prst="rect">
-                <a:avLst/>
-              </a:prstGeom>
-              <a:blipFill>
-                <a:blip r:embed="rId9"/>
-                <a:stretch>
-                  <a:fillRect r="-21739"/>
-                </a:stretch>
-              </a:blipFill>
-            </p:spPr>
-            <p:txBody>
-              <a:bodyPr/>
-              <a:lstStyle/>
-              <a:p>
-                <a:r>
-                  <a:rPr lang="en-US">
-                    <a:noFill/>
-                  </a:rPr>
-                  <a:t> </a:t>
-                </a:r>
-              </a:p>
-            </p:txBody>
-          </p:sp>
-        </mc:Fallback>
-      </mc:AlternateContent>
+      <p:sp>
+        <p:nvSpPr>
+          <p:cNvPr id="11" name="Chord 10">
+            <a:extLst>
+              <a:ext uri="{FF2B5EF4-FFF2-40B4-BE49-F238E27FC236}">
+                <a16:creationId xmlns:a16="http://schemas.microsoft.com/office/drawing/2014/main" id="{D31E04E3-5D95-AA48-A1BE-BBE21F923C24}"/>
+              </a:ext>
+            </a:extLst>
+          </p:cNvPr>
+          <p:cNvSpPr/>
+          <p:nvPr/>
+        </p:nvSpPr>
+        <p:spPr>
+          <a:xfrm>
+            <a:off x="67087" y="2670949"/>
+            <a:ext cx="2485886" cy="2518824"/>
+          </a:xfrm>
+          <a:prstGeom prst="chord">
+            <a:avLst>
+              <a:gd name="adj1" fmla="val 3181303"/>
+              <a:gd name="adj2" fmla="val 9825839"/>
+            </a:avLst>
+          </a:prstGeom>
+          <a:solidFill>
+            <a:srgbClr val="FF0000">
+              <a:alpha val="41000"/>
+            </a:srgbClr>
+          </a:solidFill>
+          <a:ln>
+            <a:solidFill>
+              <a:srgbClr val="FF0000"/>
+            </a:solidFill>
+          </a:ln>
+        </p:spPr>
+        <p:style>
+          <a:lnRef idx="2">
+            <a:schemeClr val="accent1">
+              <a:shade val="50000"/>
+            </a:schemeClr>
+          </a:lnRef>
+          <a:fillRef idx="1">
+            <a:schemeClr val="accent1"/>
+          </a:fillRef>
+          <a:effectRef idx="0">
+            <a:schemeClr val="accent1"/>
+          </a:effectRef>
+          <a:fontRef idx="minor">
+            <a:schemeClr val="lt1"/>
+          </a:fontRef>
+        </p:style>
+        <p:txBody>
+          <a:bodyPr rtlCol="0" anchor="ctr"/>
+          <a:lstStyle/>
+          <a:p>
+            <a:pPr algn="ctr"/>
+            <a:endParaRPr lang="en-US"/>
+          </a:p>
+        </p:txBody>
+      </p:sp>
       <p:sp>
         <p:nvSpPr>
           <p:cNvPr id="52" name="Oval 51">
@@ -4533,7 +4424,7 @@
         </p:nvSpPr>
         <p:spPr>
           <a:xfrm>
-            <a:off x="1406525" y="3794333"/>
+            <a:off x="1199322" y="3648392"/>
             <a:ext cx="333539" cy="331629"/>
           </a:xfrm>
           <a:prstGeom prst="rect">
@@ -4661,6 +4552,397 @@
           <a:p>
             <a:pPr algn="ctr"/>
             <a:endParaRPr lang="en-US"/>
+          </a:p>
+        </p:txBody>
+      </p:sp>
+      <p:cxnSp>
+        <p:nvCxnSpPr>
+          <p:cNvPr id="54" name="Straight Arrow Connector 53">
+            <a:extLst>
+              <a:ext uri="{FF2B5EF4-FFF2-40B4-BE49-F238E27FC236}">
+                <a16:creationId xmlns:a16="http://schemas.microsoft.com/office/drawing/2014/main" id="{7183056C-2600-2D41-88F5-1094EDC98D61}"/>
+              </a:ext>
+            </a:extLst>
+          </p:cNvPr>
+          <p:cNvCxnSpPr>
+            <a:cxnSpLocks/>
+          </p:cNvCxnSpPr>
+          <p:nvPr/>
+        </p:nvCxnSpPr>
+        <p:spPr>
+          <a:xfrm flipH="1">
+            <a:off x="928409" y="4599838"/>
+            <a:ext cx="160516" cy="529207"/>
+          </a:xfrm>
+          <a:prstGeom prst="straightConnector1">
+            <a:avLst/>
+          </a:prstGeom>
+          <a:ln>
+            <a:solidFill>
+              <a:schemeClr val="tx1"/>
+            </a:solidFill>
+            <a:headEnd type="stealth"/>
+            <a:tailEnd type="stealth"/>
+          </a:ln>
+        </p:spPr>
+        <p:style>
+          <a:lnRef idx="1">
+            <a:schemeClr val="accent1"/>
+          </a:lnRef>
+          <a:fillRef idx="0">
+            <a:schemeClr val="accent1"/>
+          </a:fillRef>
+          <a:effectRef idx="0">
+            <a:schemeClr val="accent1"/>
+          </a:effectRef>
+          <a:fontRef idx="minor">
+            <a:schemeClr val="tx1"/>
+          </a:fontRef>
+        </p:style>
+      </p:cxnSp>
+      <p:sp>
+        <p:nvSpPr>
+          <p:cNvPr id="9" name="Rectangle 8">
+            <a:extLst>
+              <a:ext uri="{FF2B5EF4-FFF2-40B4-BE49-F238E27FC236}">
+                <a16:creationId xmlns:a16="http://schemas.microsoft.com/office/drawing/2014/main" id="{F0E52AD6-A98D-4046-8430-E60827B27706}"/>
+              </a:ext>
+            </a:extLst>
+          </p:cNvPr>
+          <p:cNvSpPr/>
+          <p:nvPr/>
+        </p:nvSpPr>
+        <p:spPr>
+          <a:xfrm>
+            <a:off x="1152965" y="3706577"/>
+            <a:ext cx="113953" cy="131903"/>
+          </a:xfrm>
+          <a:prstGeom prst="rect">
+            <a:avLst/>
+          </a:prstGeom>
+          <a:solidFill>
+            <a:schemeClr val="bg1"/>
+          </a:solidFill>
+          <a:ln>
+            <a:noFill/>
+          </a:ln>
+        </p:spPr>
+        <p:style>
+          <a:lnRef idx="2">
+            <a:schemeClr val="accent1">
+              <a:shade val="50000"/>
+            </a:schemeClr>
+          </a:lnRef>
+          <a:fillRef idx="1">
+            <a:schemeClr val="accent1"/>
+          </a:fillRef>
+          <a:effectRef idx="0">
+            <a:schemeClr val="accent1"/>
+          </a:effectRef>
+          <a:fontRef idx="minor">
+            <a:schemeClr val="lt1"/>
+          </a:fontRef>
+        </p:style>
+        <p:txBody>
+          <a:bodyPr rtlCol="0" anchor="ctr"/>
+          <a:lstStyle/>
+          <a:p>
+            <a:pPr algn="ctr"/>
+            <a:endParaRPr lang="en-US"/>
+          </a:p>
+        </p:txBody>
+      </p:sp>
+      <mc:AlternateContent xmlns:mc="http://schemas.openxmlformats.org/markup-compatibility/2006" xmlns:a14="http://schemas.microsoft.com/office/drawing/2010/main">
+        <mc:Choice Requires="a14">
+          <p:sp>
+            <p:nvSpPr>
+              <p:cNvPr id="50" name="TextBox 49">
+                <a:extLst>
+                  <a:ext uri="{FF2B5EF4-FFF2-40B4-BE49-F238E27FC236}">
+                    <a16:creationId xmlns:a16="http://schemas.microsoft.com/office/drawing/2014/main" id="{5368003F-B911-B24E-AF85-D4C32F9EB5E9}"/>
+                  </a:ext>
+                </a:extLst>
+              </p:cNvPr>
+              <p:cNvSpPr txBox="1"/>
+              <p:nvPr/>
+            </p:nvSpPr>
+            <p:spPr>
+              <a:xfrm>
+                <a:off x="965201" y="4749266"/>
+                <a:ext cx="280028" cy="331629"/>
+              </a:xfrm>
+              <a:prstGeom prst="rect">
+                <a:avLst/>
+              </a:prstGeom>
+              <a:noFill/>
+            </p:spPr>
+            <p:txBody>
+              <a:bodyPr wrap="square" rtlCol="0">
+                <a:spAutoFit/>
+              </a:bodyPr>
+              <a:lstStyle/>
+              <a:p>
+                <a:pPr/>
+                <a14:m>
+                  <m:oMathPara xmlns:m="http://schemas.openxmlformats.org/officeDocument/2006/math">
+                    <m:oMathParaPr>
+                      <m:jc m:val="centerGroup"/>
+                    </m:oMathParaPr>
+                    <m:oMath xmlns:m="http://schemas.openxmlformats.org/officeDocument/2006/math">
+                      <m:sSub>
+                        <m:sSubPr>
+                          <m:ctrlPr>
+                            <a:rPr lang="en-US" b="0" i="1" smtClean="0">
+                              <a:latin typeface="Cambria Math" panose="02040503050406030204" pitchFamily="18" charset="0"/>
+                            </a:rPr>
+                          </m:ctrlPr>
+                        </m:sSubPr>
+                        <m:e>
+                          <m:r>
+                            <a:rPr lang="en-US" b="0" i="1" smtClean="0">
+                              <a:latin typeface="Cambria Math" panose="02040503050406030204" pitchFamily="18" charset="0"/>
+                            </a:rPr>
+                            <m:t>𝑑</m:t>
+                          </m:r>
+                        </m:e>
+                        <m:sub>
+                          <m:r>
+                            <a:rPr lang="en-US" b="0" i="1" smtClean="0">
+                              <a:latin typeface="Cambria Math" panose="02040503050406030204" pitchFamily="18" charset="0"/>
+                              <a:ea typeface="Cambria Math" panose="02040503050406030204" pitchFamily="18" charset="0"/>
+                            </a:rPr>
+                            <m:t>⊥</m:t>
+                          </m:r>
+                        </m:sub>
+                      </m:sSub>
+                    </m:oMath>
+                  </m:oMathPara>
+                </a14:m>
+                <a:endParaRPr lang="en-US" dirty="0"/>
+              </a:p>
+            </p:txBody>
+          </p:sp>
+        </mc:Choice>
+        <mc:Fallback xmlns="">
+          <p:sp>
+            <p:nvSpPr>
+              <p:cNvPr id="50" name="TextBox 49">
+                <a:extLst>
+                  <a:ext uri="{FF2B5EF4-FFF2-40B4-BE49-F238E27FC236}">
+                    <a16:creationId xmlns:a16="http://schemas.microsoft.com/office/drawing/2014/main" id="{5368003F-B911-B24E-AF85-D4C32F9EB5E9}"/>
+                  </a:ext>
+                </a:extLst>
+              </p:cNvPr>
+              <p:cNvSpPr txBox="1">
+                <a:spLocks noRot="1" noChangeAspect="1" noMove="1" noResize="1" noEditPoints="1" noAdjustHandles="1" noChangeArrowheads="1" noChangeShapeType="1" noTextEdit="1"/>
+              </p:cNvSpPr>
+              <p:nvPr/>
+            </p:nvSpPr>
+            <p:spPr>
+              <a:xfrm>
+                <a:off x="965201" y="4749266"/>
+                <a:ext cx="280028" cy="331629"/>
+              </a:xfrm>
+              <a:prstGeom prst="rect">
+                <a:avLst/>
+              </a:prstGeom>
+              <a:blipFill>
+                <a:blip r:embed="rId12"/>
+                <a:stretch>
+                  <a:fillRect r="-26087"/>
+                </a:stretch>
+              </a:blipFill>
+            </p:spPr>
+            <p:txBody>
+              <a:bodyPr/>
+              <a:lstStyle/>
+              <a:p>
+                <a:r>
+                  <a:rPr lang="en-US">
+                    <a:noFill/>
+                  </a:rPr>
+                  <a:t> </a:t>
+                </a:r>
+              </a:p>
+            </p:txBody>
+          </p:sp>
+        </mc:Fallback>
+      </mc:AlternateContent>
+      <p:sp>
+        <p:nvSpPr>
+          <p:cNvPr id="2" name="Oval 1">
+            <a:extLst>
+              <a:ext uri="{FF2B5EF4-FFF2-40B4-BE49-F238E27FC236}">
+                <a16:creationId xmlns:a16="http://schemas.microsoft.com/office/drawing/2014/main" id="{684D3EB0-1EC2-3347-B4E1-9C76B86B0778}"/>
+              </a:ext>
+            </a:extLst>
+          </p:cNvPr>
+          <p:cNvSpPr/>
+          <p:nvPr/>
+        </p:nvSpPr>
+        <p:spPr>
+          <a:xfrm>
+            <a:off x="6212909" y="2487270"/>
+            <a:ext cx="130226" cy="131971"/>
+          </a:xfrm>
+          <a:prstGeom prst="ellipse">
+            <a:avLst/>
+          </a:prstGeom>
+          <a:solidFill>
+            <a:srgbClr val="8B72E4"/>
+          </a:solidFill>
+          <a:ln>
+            <a:noFill/>
+          </a:ln>
+        </p:spPr>
+        <p:style>
+          <a:lnRef idx="2">
+            <a:schemeClr val="accent1">
+              <a:shade val="50000"/>
+            </a:schemeClr>
+          </a:lnRef>
+          <a:fillRef idx="1">
+            <a:schemeClr val="accent1"/>
+          </a:fillRef>
+          <a:effectRef idx="0">
+            <a:schemeClr val="accent1"/>
+          </a:effectRef>
+          <a:fontRef idx="minor">
+            <a:schemeClr val="lt1"/>
+          </a:fontRef>
+        </p:style>
+        <p:txBody>
+          <a:bodyPr rtlCol="0" anchor="ctr"/>
+          <a:lstStyle/>
+          <a:p>
+            <a:pPr algn="ctr"/>
+            <a:endParaRPr lang="en-US"/>
+          </a:p>
+        </p:txBody>
+      </p:sp>
+      <p:sp>
+        <p:nvSpPr>
+          <p:cNvPr id="4" name="TextBox 3">
+            <a:extLst>
+              <a:ext uri="{FF2B5EF4-FFF2-40B4-BE49-F238E27FC236}">
+                <a16:creationId xmlns:a16="http://schemas.microsoft.com/office/drawing/2014/main" id="{477C822B-8D0B-3E4D-ACF9-75214C231241}"/>
+              </a:ext>
+            </a:extLst>
+          </p:cNvPr>
+          <p:cNvSpPr txBox="1"/>
+          <p:nvPr/>
+        </p:nvSpPr>
+        <p:spPr>
+          <a:xfrm>
+            <a:off x="6138767" y="2333465"/>
+            <a:ext cx="260670" cy="400110"/>
+          </a:xfrm>
+          <a:prstGeom prst="rect">
+            <a:avLst/>
+          </a:prstGeom>
+          <a:noFill/>
+        </p:spPr>
+        <p:txBody>
+          <a:bodyPr wrap="square" rtlCol="0">
+            <a:spAutoFit/>
+          </a:bodyPr>
+          <a:lstStyle/>
+          <a:p>
+            <a:r>
+              <a:rPr lang="en-US" sz="2000" i="1" dirty="0">
+                <a:latin typeface="Times" pitchFamily="2" charset="0"/>
+              </a:rPr>
+              <a:t>g</a:t>
+            </a:r>
+          </a:p>
+        </p:txBody>
+      </p:sp>
+      <p:sp>
+        <p:nvSpPr>
+          <p:cNvPr id="12" name="Oval 11">
+            <a:extLst>
+              <a:ext uri="{FF2B5EF4-FFF2-40B4-BE49-F238E27FC236}">
+                <a16:creationId xmlns:a16="http://schemas.microsoft.com/office/drawing/2014/main" id="{2C692EF9-7481-EB4E-9378-AD84075B813D}"/>
+              </a:ext>
+            </a:extLst>
+          </p:cNvPr>
+          <p:cNvSpPr/>
+          <p:nvPr/>
+        </p:nvSpPr>
+        <p:spPr>
+          <a:xfrm>
+            <a:off x="5041557" y="1439266"/>
+            <a:ext cx="113845" cy="158875"/>
+          </a:xfrm>
+          <a:prstGeom prst="ellipse">
+            <a:avLst/>
+          </a:prstGeom>
+          <a:solidFill>
+            <a:srgbClr val="7F7FFE"/>
+          </a:solidFill>
+          <a:ln>
+            <a:noFill/>
+          </a:ln>
+        </p:spPr>
+        <p:style>
+          <a:lnRef idx="2">
+            <a:schemeClr val="accent1">
+              <a:shade val="50000"/>
+            </a:schemeClr>
+          </a:lnRef>
+          <a:fillRef idx="1">
+            <a:schemeClr val="accent1"/>
+          </a:fillRef>
+          <a:effectRef idx="0">
+            <a:schemeClr val="accent1"/>
+          </a:effectRef>
+          <a:fontRef idx="minor">
+            <a:schemeClr val="lt1"/>
+          </a:fontRef>
+        </p:style>
+        <p:txBody>
+          <a:bodyPr rtlCol="0" anchor="ctr"/>
+          <a:lstStyle/>
+          <a:p>
+            <a:pPr algn="ctr"/>
+            <a:endParaRPr lang="en-US"/>
+          </a:p>
+        </p:txBody>
+      </p:sp>
+      <p:sp>
+        <p:nvSpPr>
+          <p:cNvPr id="15" name="TextBox 14">
+            <a:extLst>
+              <a:ext uri="{FF2B5EF4-FFF2-40B4-BE49-F238E27FC236}">
+                <a16:creationId xmlns:a16="http://schemas.microsoft.com/office/drawing/2014/main" id="{0B54FC28-14F2-5145-8292-065BA8FA1621}"/>
+              </a:ext>
+            </a:extLst>
+          </p:cNvPr>
+          <p:cNvSpPr txBox="1"/>
+          <p:nvPr/>
+        </p:nvSpPr>
+        <p:spPr>
+          <a:xfrm>
+            <a:off x="4987146" y="1310957"/>
+            <a:ext cx="189470" cy="400110"/>
+          </a:xfrm>
+          <a:prstGeom prst="rect">
+            <a:avLst/>
+          </a:prstGeom>
+          <a:noFill/>
+        </p:spPr>
+        <p:txBody>
+          <a:bodyPr wrap="square" rtlCol="0">
+            <a:spAutoFit/>
+          </a:bodyPr>
+          <a:lstStyle/>
+          <a:p>
+            <a:r>
+              <a:rPr lang="en-US" sz="2000" i="1" dirty="0">
+                <a:latin typeface="Times" pitchFamily="2" charset="0"/>
+              </a:rPr>
+              <a:t>s</a:t>
+            </a:r>
           </a:p>
         </p:txBody>
       </p:sp>

--- a/journalWallFriction/pictures/pdf/reachableSetCircle.pptx
+++ b/journalWallFriction/pictures/pdf/reachableSetCircle.pptx
@@ -4946,6 +4946,343 @@
           </a:p>
         </p:txBody>
       </p:sp>
+      <p:sp>
+        <p:nvSpPr>
+          <p:cNvPr id="17" name="Chord 16">
+            <a:extLst>
+              <a:ext uri="{FF2B5EF4-FFF2-40B4-BE49-F238E27FC236}">
+                <a16:creationId xmlns:a16="http://schemas.microsoft.com/office/drawing/2014/main" id="{4E5A8793-E847-244E-9875-491D02A2E7A7}"/>
+              </a:ext>
+            </a:extLst>
+          </p:cNvPr>
+          <p:cNvSpPr/>
+          <p:nvPr/>
+        </p:nvSpPr>
+        <p:spPr>
+          <a:xfrm>
+            <a:off x="165331" y="148281"/>
+            <a:ext cx="2356729" cy="2356413"/>
+          </a:xfrm>
+          <a:prstGeom prst="chord">
+            <a:avLst>
+              <a:gd name="adj1" fmla="val 13627429"/>
+              <a:gd name="adj2" fmla="val 20666529"/>
+            </a:avLst>
+          </a:prstGeom>
+          <a:solidFill>
+            <a:schemeClr val="bg1"/>
+          </a:solidFill>
+          <a:ln>
+            <a:solidFill>
+              <a:schemeClr val="bg1"/>
+            </a:solidFill>
+          </a:ln>
+        </p:spPr>
+        <p:style>
+          <a:lnRef idx="2">
+            <a:schemeClr val="accent1">
+              <a:shade val="50000"/>
+            </a:schemeClr>
+          </a:lnRef>
+          <a:fillRef idx="1">
+            <a:schemeClr val="accent1"/>
+          </a:fillRef>
+          <a:effectRef idx="0">
+            <a:schemeClr val="accent1"/>
+          </a:effectRef>
+          <a:fontRef idx="minor">
+            <a:schemeClr val="lt1"/>
+          </a:fontRef>
+        </p:style>
+        <p:txBody>
+          <a:bodyPr rtlCol="0" anchor="ctr"/>
+          <a:lstStyle/>
+          <a:p>
+            <a:pPr algn="ctr"/>
+            <a:endParaRPr lang="en-US"/>
+          </a:p>
+        </p:txBody>
+      </p:sp>
+      <p:sp>
+        <p:nvSpPr>
+          <p:cNvPr id="41" name="Chord 40">
+            <a:extLst>
+              <a:ext uri="{FF2B5EF4-FFF2-40B4-BE49-F238E27FC236}">
+                <a16:creationId xmlns:a16="http://schemas.microsoft.com/office/drawing/2014/main" id="{1AF47EF5-6357-3246-A7A1-1B85B3D54A92}"/>
+              </a:ext>
+            </a:extLst>
+          </p:cNvPr>
+          <p:cNvSpPr/>
+          <p:nvPr/>
+        </p:nvSpPr>
+        <p:spPr>
+          <a:xfrm>
+            <a:off x="142883" y="171547"/>
+            <a:ext cx="2356729" cy="2356413"/>
+          </a:xfrm>
+          <a:prstGeom prst="chord">
+            <a:avLst>
+              <a:gd name="adj1" fmla="val 6681056"/>
+              <a:gd name="adj2" fmla="val 9801724"/>
+            </a:avLst>
+          </a:prstGeom>
+          <a:solidFill>
+            <a:schemeClr val="bg1"/>
+          </a:solidFill>
+          <a:ln>
+            <a:solidFill>
+              <a:schemeClr val="bg1"/>
+            </a:solidFill>
+          </a:ln>
+        </p:spPr>
+        <p:style>
+          <a:lnRef idx="2">
+            <a:schemeClr val="accent1">
+              <a:shade val="50000"/>
+            </a:schemeClr>
+          </a:lnRef>
+          <a:fillRef idx="1">
+            <a:schemeClr val="accent1"/>
+          </a:fillRef>
+          <a:effectRef idx="0">
+            <a:schemeClr val="accent1"/>
+          </a:effectRef>
+          <a:fontRef idx="minor">
+            <a:schemeClr val="lt1"/>
+          </a:fontRef>
+        </p:style>
+        <p:txBody>
+          <a:bodyPr rtlCol="0" anchor="ctr"/>
+          <a:lstStyle/>
+          <a:p>
+            <a:pPr algn="ctr"/>
+            <a:endParaRPr lang="en-US"/>
+          </a:p>
+        </p:txBody>
+      </p:sp>
+      <p:sp>
+        <p:nvSpPr>
+          <p:cNvPr id="42" name="Chord 41">
+            <a:extLst>
+              <a:ext uri="{FF2B5EF4-FFF2-40B4-BE49-F238E27FC236}">
+                <a16:creationId xmlns:a16="http://schemas.microsoft.com/office/drawing/2014/main" id="{4D590503-FB7D-7E43-B4EE-B79662F7DB38}"/>
+              </a:ext>
+            </a:extLst>
+          </p:cNvPr>
+          <p:cNvSpPr/>
+          <p:nvPr/>
+        </p:nvSpPr>
+        <p:spPr>
+          <a:xfrm>
+            <a:off x="148260" y="150774"/>
+            <a:ext cx="2356729" cy="2356413"/>
+          </a:xfrm>
+          <a:prstGeom prst="chord">
+            <a:avLst>
+              <a:gd name="adj1" fmla="val 2561802"/>
+              <a:gd name="adj2" fmla="val 6186821"/>
+            </a:avLst>
+          </a:prstGeom>
+          <a:solidFill>
+            <a:schemeClr val="bg1"/>
+          </a:solidFill>
+          <a:ln>
+            <a:solidFill>
+              <a:schemeClr val="bg1"/>
+            </a:solidFill>
+          </a:ln>
+        </p:spPr>
+        <p:style>
+          <a:lnRef idx="2">
+            <a:schemeClr val="accent1">
+              <a:shade val="50000"/>
+            </a:schemeClr>
+          </a:lnRef>
+          <a:fillRef idx="1">
+            <a:schemeClr val="accent1"/>
+          </a:fillRef>
+          <a:effectRef idx="0">
+            <a:schemeClr val="accent1"/>
+          </a:effectRef>
+          <a:fontRef idx="minor">
+            <a:schemeClr val="lt1"/>
+          </a:fontRef>
+        </p:style>
+        <p:txBody>
+          <a:bodyPr rtlCol="0" anchor="ctr"/>
+          <a:lstStyle/>
+          <a:p>
+            <a:pPr algn="ctr"/>
+            <a:endParaRPr lang="en-US"/>
+          </a:p>
+        </p:txBody>
+      </p:sp>
+      <p:sp>
+        <p:nvSpPr>
+          <p:cNvPr id="23" name="Triangle 22">
+            <a:extLst>
+              <a:ext uri="{FF2B5EF4-FFF2-40B4-BE49-F238E27FC236}">
+                <a16:creationId xmlns:a16="http://schemas.microsoft.com/office/drawing/2014/main" id="{10EE0FED-5C6A-604D-8A78-FA39A713373A}"/>
+              </a:ext>
+            </a:extLst>
+          </p:cNvPr>
+          <p:cNvSpPr/>
+          <p:nvPr/>
+        </p:nvSpPr>
+        <p:spPr>
+          <a:xfrm rot="20746103">
+            <a:off x="1024639" y="1967807"/>
+            <a:ext cx="1048971" cy="370871"/>
+          </a:xfrm>
+          <a:prstGeom prst="triangle">
+            <a:avLst>
+              <a:gd name="adj" fmla="val 41973"/>
+            </a:avLst>
+          </a:prstGeom>
+          <a:solidFill>
+            <a:schemeClr val="bg1"/>
+          </a:solidFill>
+          <a:ln>
+            <a:solidFill>
+              <a:schemeClr val="bg1"/>
+            </a:solidFill>
+          </a:ln>
+        </p:spPr>
+        <p:style>
+          <a:lnRef idx="2">
+            <a:schemeClr val="accent1">
+              <a:shade val="50000"/>
+            </a:schemeClr>
+          </a:lnRef>
+          <a:fillRef idx="1">
+            <a:schemeClr val="accent1"/>
+          </a:fillRef>
+          <a:effectRef idx="0">
+            <a:schemeClr val="accent1"/>
+          </a:effectRef>
+          <a:fontRef idx="minor">
+            <a:schemeClr val="lt1"/>
+          </a:fontRef>
+        </p:style>
+        <p:txBody>
+          <a:bodyPr rtlCol="0" anchor="ctr"/>
+          <a:lstStyle/>
+          <a:p>
+            <a:pPr algn="ctr"/>
+            <a:endParaRPr lang="en-US"/>
+          </a:p>
+        </p:txBody>
+      </p:sp>
+      <p:sp>
+        <p:nvSpPr>
+          <p:cNvPr id="44" name="Triangle 43">
+            <a:extLst>
+              <a:ext uri="{FF2B5EF4-FFF2-40B4-BE49-F238E27FC236}">
+                <a16:creationId xmlns:a16="http://schemas.microsoft.com/office/drawing/2014/main" id="{29EA01A1-CFCD-5041-80DC-0CD69CCE84D7}"/>
+              </a:ext>
+            </a:extLst>
+          </p:cNvPr>
+          <p:cNvSpPr/>
+          <p:nvPr/>
+        </p:nvSpPr>
+        <p:spPr>
+          <a:xfrm rot="10800000">
+            <a:off x="338086" y="1729528"/>
+            <a:ext cx="1238320" cy="643858"/>
+          </a:xfrm>
+          <a:prstGeom prst="triangle">
+            <a:avLst>
+              <a:gd name="adj" fmla="val 44165"/>
+            </a:avLst>
+          </a:prstGeom>
+          <a:solidFill>
+            <a:schemeClr val="bg1"/>
+          </a:solidFill>
+          <a:ln>
+            <a:solidFill>
+              <a:schemeClr val="bg1"/>
+            </a:solidFill>
+          </a:ln>
+        </p:spPr>
+        <p:style>
+          <a:lnRef idx="2">
+            <a:schemeClr val="accent1">
+              <a:shade val="50000"/>
+            </a:schemeClr>
+          </a:lnRef>
+          <a:fillRef idx="1">
+            <a:schemeClr val="accent1"/>
+          </a:fillRef>
+          <a:effectRef idx="0">
+            <a:schemeClr val="accent1"/>
+          </a:effectRef>
+          <a:fontRef idx="minor">
+            <a:schemeClr val="lt1"/>
+          </a:fontRef>
+        </p:style>
+        <p:txBody>
+          <a:bodyPr rtlCol="0" anchor="ctr"/>
+          <a:lstStyle/>
+          <a:p>
+            <a:pPr algn="ctr"/>
+            <a:endParaRPr lang="en-US"/>
+          </a:p>
+        </p:txBody>
+      </p:sp>
+      <p:sp>
+        <p:nvSpPr>
+          <p:cNvPr id="24" name="Rectangle 23">
+            <a:extLst>
+              <a:ext uri="{FF2B5EF4-FFF2-40B4-BE49-F238E27FC236}">
+                <a16:creationId xmlns:a16="http://schemas.microsoft.com/office/drawing/2014/main" id="{2581C20E-93C2-AD49-B4C7-D5EDE63DA2F5}"/>
+              </a:ext>
+            </a:extLst>
+          </p:cNvPr>
+          <p:cNvSpPr/>
+          <p:nvPr/>
+        </p:nvSpPr>
+        <p:spPr>
+          <a:xfrm rot="18937030">
+            <a:off x="525461" y="1521462"/>
+            <a:ext cx="208619" cy="1002577"/>
+          </a:xfrm>
+          <a:prstGeom prst="rect">
+            <a:avLst/>
+          </a:prstGeom>
+          <a:solidFill>
+            <a:schemeClr val="bg1"/>
+          </a:solidFill>
+          <a:ln>
+            <a:solidFill>
+              <a:schemeClr val="bg1"/>
+            </a:solidFill>
+          </a:ln>
+        </p:spPr>
+        <p:style>
+          <a:lnRef idx="2">
+            <a:schemeClr val="accent1">
+              <a:shade val="50000"/>
+            </a:schemeClr>
+          </a:lnRef>
+          <a:fillRef idx="1">
+            <a:schemeClr val="accent1"/>
+          </a:fillRef>
+          <a:effectRef idx="0">
+            <a:schemeClr val="accent1"/>
+          </a:effectRef>
+          <a:fontRef idx="minor">
+            <a:schemeClr val="lt1"/>
+          </a:fontRef>
+        </p:style>
+        <p:txBody>
+          <a:bodyPr rtlCol="0" anchor="ctr"/>
+          <a:lstStyle/>
+          <a:p>
+            <a:pPr algn="ctr"/>
+            <a:endParaRPr lang="en-US"/>
+          </a:p>
+        </p:txBody>
+      </p:sp>
     </p:spTree>
     <p:extLst>
       <p:ext uri="{BB962C8B-B14F-4D97-AF65-F5344CB8AC3E}">

--- a/journalWallFriction/pictures/pdf/reachableSetCircle.pptx
+++ b/journalWallFriction/pictures/pdf/reachableSetCircle.pptx
@@ -243,7 +243,7 @@
           <a:p>
             <a:fld id="{98BB718C-238A-7041-808F-C250553F956E}" type="datetimeFigureOut">
               <a:rPr lang="en-US" smtClean="0"/>
-              <a:t>5/1/18</a:t>
+              <a:t>5/17/18</a:t>
             </a:fld>
             <a:endParaRPr lang="en-US"/>
           </a:p>
@@ -408,7 +408,7 @@
           <a:p>
             <a:fld id="{98BB718C-238A-7041-808F-C250553F956E}" type="datetimeFigureOut">
               <a:rPr lang="en-US" smtClean="0"/>
-              <a:t>5/1/18</a:t>
+              <a:t>5/17/18</a:t>
             </a:fld>
             <a:endParaRPr lang="en-US"/>
           </a:p>
@@ -583,7 +583,7 @@
           <a:p>
             <a:fld id="{98BB718C-238A-7041-808F-C250553F956E}" type="datetimeFigureOut">
               <a:rPr lang="en-US" smtClean="0"/>
-              <a:t>5/1/18</a:t>
+              <a:t>5/17/18</a:t>
             </a:fld>
             <a:endParaRPr lang="en-US"/>
           </a:p>
@@ -748,7 +748,7 @@
           <a:p>
             <a:fld id="{98BB718C-238A-7041-808F-C250553F956E}" type="datetimeFigureOut">
               <a:rPr lang="en-US" smtClean="0"/>
-              <a:t>5/1/18</a:t>
+              <a:t>5/17/18</a:t>
             </a:fld>
             <a:endParaRPr lang="en-US"/>
           </a:p>
@@ -987,7 +987,7 @@
           <a:p>
             <a:fld id="{98BB718C-238A-7041-808F-C250553F956E}" type="datetimeFigureOut">
               <a:rPr lang="en-US" smtClean="0"/>
-              <a:t>5/1/18</a:t>
+              <a:t>5/17/18</a:t>
             </a:fld>
             <a:endParaRPr lang="en-US"/>
           </a:p>
@@ -1214,7 +1214,7 @@
           <a:p>
             <a:fld id="{98BB718C-238A-7041-808F-C250553F956E}" type="datetimeFigureOut">
               <a:rPr lang="en-US" smtClean="0"/>
-              <a:t>5/1/18</a:t>
+              <a:t>5/17/18</a:t>
             </a:fld>
             <a:endParaRPr lang="en-US"/>
           </a:p>
@@ -1576,7 +1576,7 @@
           <a:p>
             <a:fld id="{98BB718C-238A-7041-808F-C250553F956E}" type="datetimeFigureOut">
               <a:rPr lang="en-US" smtClean="0"/>
-              <a:t>5/1/18</a:t>
+              <a:t>5/17/18</a:t>
             </a:fld>
             <a:endParaRPr lang="en-US"/>
           </a:p>
@@ -1689,7 +1689,7 @@
           <a:p>
             <a:fld id="{98BB718C-238A-7041-808F-C250553F956E}" type="datetimeFigureOut">
               <a:rPr lang="en-US" smtClean="0"/>
-              <a:t>5/1/18</a:t>
+              <a:t>5/17/18</a:t>
             </a:fld>
             <a:endParaRPr lang="en-US"/>
           </a:p>
@@ -1779,7 +1779,7 @@
           <a:p>
             <a:fld id="{98BB718C-238A-7041-808F-C250553F956E}" type="datetimeFigureOut">
               <a:rPr lang="en-US" smtClean="0"/>
-              <a:t>5/1/18</a:t>
+              <a:t>5/17/18</a:t>
             </a:fld>
             <a:endParaRPr lang="en-US"/>
           </a:p>
@@ -2051,7 +2051,7 @@
           <a:p>
             <a:fld id="{98BB718C-238A-7041-808F-C250553F956E}" type="datetimeFigureOut">
               <a:rPr lang="en-US" smtClean="0"/>
-              <a:t>5/1/18</a:t>
+              <a:t>5/17/18</a:t>
             </a:fld>
             <a:endParaRPr lang="en-US"/>
           </a:p>
@@ -2303,7 +2303,7 @@
           <a:p>
             <a:fld id="{98BB718C-238A-7041-808F-C250553F956E}" type="datetimeFigureOut">
               <a:rPr lang="en-US" smtClean="0"/>
-              <a:t>5/1/18</a:t>
+              <a:t>5/17/18</a:t>
             </a:fld>
             <a:endParaRPr lang="en-US"/>
           </a:p>
@@ -2511,7 +2511,7 @@
           <a:p>
             <a:fld id="{98BB718C-238A-7041-808F-C250553F956E}" type="datetimeFigureOut">
               <a:rPr lang="en-US" smtClean="0"/>
-              <a:t>5/1/18</a:t>
+              <a:t>5/17/18</a:t>
             </a:fld>
             <a:endParaRPr lang="en-US"/>
           </a:p>
@@ -3399,90 +3399,6 @@
           </a:p>
         </p:txBody>
       </p:sp>
-      <p:cxnSp>
-        <p:nvCxnSpPr>
-          <p:cNvPr id="18" name="Straight Arrow Connector 17">
-            <a:extLst>
-              <a:ext uri="{FF2B5EF4-FFF2-40B4-BE49-F238E27FC236}">
-                <a16:creationId xmlns:a16="http://schemas.microsoft.com/office/drawing/2014/main" id="{F30FE7A0-4446-6E4F-8720-E3D1AF10F0DB}"/>
-              </a:ext>
-            </a:extLst>
-          </p:cNvPr>
-          <p:cNvCxnSpPr>
-            <a:cxnSpLocks/>
-          </p:cNvCxnSpPr>
-          <p:nvPr/>
-        </p:nvCxnSpPr>
-        <p:spPr>
-          <a:xfrm flipH="1">
-            <a:off x="988541" y="1762095"/>
-            <a:ext cx="589574" cy="725175"/>
-          </a:xfrm>
-          <a:prstGeom prst="straightConnector1">
-            <a:avLst/>
-          </a:prstGeom>
-          <a:ln w="38100">
-            <a:prstDash val="solid"/>
-            <a:tailEnd type="triangle"/>
-          </a:ln>
-        </p:spPr>
-        <p:style>
-          <a:lnRef idx="1">
-            <a:schemeClr val="accent1"/>
-          </a:lnRef>
-          <a:fillRef idx="0">
-            <a:schemeClr val="accent1"/>
-          </a:fillRef>
-          <a:effectRef idx="0">
-            <a:schemeClr val="accent1"/>
-          </a:effectRef>
-          <a:fontRef idx="minor">
-            <a:schemeClr val="tx1"/>
-          </a:fontRef>
-        </p:style>
-      </p:cxnSp>
-      <p:cxnSp>
-        <p:nvCxnSpPr>
-          <p:cNvPr id="19" name="Straight Arrow Connector 18">
-            <a:extLst>
-              <a:ext uri="{FF2B5EF4-FFF2-40B4-BE49-F238E27FC236}">
-                <a16:creationId xmlns:a16="http://schemas.microsoft.com/office/drawing/2014/main" id="{226E7AB5-AC38-0C49-A97C-50DEDCAB8858}"/>
-              </a:ext>
-            </a:extLst>
-          </p:cNvPr>
-          <p:cNvCxnSpPr>
-            <a:cxnSpLocks/>
-          </p:cNvCxnSpPr>
-          <p:nvPr/>
-        </p:nvCxnSpPr>
-        <p:spPr>
-          <a:xfrm flipH="1">
-            <a:off x="181326" y="908008"/>
-            <a:ext cx="567950" cy="780330"/>
-          </a:xfrm>
-          <a:prstGeom prst="straightConnector1">
-            <a:avLst/>
-          </a:prstGeom>
-          <a:ln w="38100">
-            <a:prstDash val="solid"/>
-            <a:tailEnd type="triangle"/>
-          </a:ln>
-        </p:spPr>
-        <p:style>
-          <a:lnRef idx="1">
-            <a:schemeClr val="accent1"/>
-          </a:lnRef>
-          <a:fillRef idx="0">
-            <a:schemeClr val="accent1"/>
-          </a:fillRef>
-          <a:effectRef idx="0">
-            <a:schemeClr val="accent1"/>
-          </a:effectRef>
-          <a:fontRef idx="minor">
-            <a:schemeClr val="tx1"/>
-          </a:fontRef>
-        </p:style>
-      </p:cxnSp>
       <mc:AlternateContent xmlns:mc="http://schemas.openxmlformats.org/markup-compatibility/2006" xmlns:a14="http://schemas.microsoft.com/office/drawing/2010/main">
         <mc:Choice Requires="a14">
           <p:sp>
@@ -5022,7 +4938,7 @@
           </a:xfrm>
           <a:prstGeom prst="chord">
             <a:avLst>
-              <a:gd name="adj1" fmla="val 6681056"/>
+              <a:gd name="adj1" fmla="val 6493538"/>
               <a:gd name="adj2" fmla="val 9801724"/>
             </a:avLst>
           </a:prstGeom>
@@ -5175,10 +5091,10 @@
       </p:sp>
       <p:sp>
         <p:nvSpPr>
-          <p:cNvPr id="44" name="Triangle 43">
+          <p:cNvPr id="25" name="Rectangle 24">
             <a:extLst>
               <a:ext uri="{FF2B5EF4-FFF2-40B4-BE49-F238E27FC236}">
-                <a16:creationId xmlns:a16="http://schemas.microsoft.com/office/drawing/2014/main" id="{29EA01A1-CFCD-5041-80DC-0CD69CCE84D7}"/>
+                <a16:creationId xmlns:a16="http://schemas.microsoft.com/office/drawing/2014/main" id="{6466C395-F79D-A54B-9A85-5CCD8AE0DFA9}"/>
               </a:ext>
             </a:extLst>
           </p:cNvPr>
@@ -5186,14 +5102,12 @@
           <p:nvPr/>
         </p:nvSpPr>
         <p:spPr>
-          <a:xfrm rot="10800000">
-            <a:off x="338086" y="1729528"/>
-            <a:ext cx="1238320" cy="643858"/>
-          </a:xfrm>
-          <a:prstGeom prst="triangle">
-            <a:avLst>
-              <a:gd name="adj" fmla="val 44165"/>
-            </a:avLst>
+          <a:xfrm rot="2658444">
+            <a:off x="149816" y="1774180"/>
+            <a:ext cx="1159993" cy="379251"/>
+          </a:xfrm>
+          <a:prstGeom prst="rect">
+            <a:avLst/>
           </a:prstGeom>
           <a:solidFill>
             <a:schemeClr val="bg1"/>
@@ -5231,10 +5145,10 @@
       </p:sp>
       <p:sp>
         <p:nvSpPr>
-          <p:cNvPr id="24" name="Rectangle 23">
+          <p:cNvPr id="47" name="Rectangle 46">
             <a:extLst>
               <a:ext uri="{FF2B5EF4-FFF2-40B4-BE49-F238E27FC236}">
-                <a16:creationId xmlns:a16="http://schemas.microsoft.com/office/drawing/2014/main" id="{2581C20E-93C2-AD49-B4C7-D5EDE63DA2F5}"/>
+                <a16:creationId xmlns:a16="http://schemas.microsoft.com/office/drawing/2014/main" id="{DDE4FA24-6C03-A944-BA7E-47E1812B8B30}"/>
               </a:ext>
             </a:extLst>
           </p:cNvPr>
@@ -5242,9 +5156,9 @@
           <p:nvPr/>
         </p:nvSpPr>
         <p:spPr>
-          <a:xfrm rot="18937030">
-            <a:off x="525461" y="1521462"/>
-            <a:ext cx="208619" cy="1002577"/>
+          <a:xfrm rot="2658444">
+            <a:off x="835076" y="1856515"/>
+            <a:ext cx="867468" cy="379251"/>
           </a:xfrm>
           <a:prstGeom prst="rect">
             <a:avLst/>
@@ -5283,6 +5197,84 @@
           </a:p>
         </p:txBody>
       </p:sp>
+      <p:cxnSp>
+        <p:nvCxnSpPr>
+          <p:cNvPr id="30" name="Straight Arrow Connector 29">
+            <a:extLst>
+              <a:ext uri="{FF2B5EF4-FFF2-40B4-BE49-F238E27FC236}">
+                <a16:creationId xmlns:a16="http://schemas.microsoft.com/office/drawing/2014/main" id="{43918408-01F9-5F40-90A9-329780EE4C44}"/>
+              </a:ext>
+            </a:extLst>
+          </p:cNvPr>
+          <p:cNvCxnSpPr/>
+          <p:nvPr/>
+        </p:nvCxnSpPr>
+        <p:spPr>
+          <a:xfrm flipH="1">
+            <a:off x="995147" y="1765019"/>
+            <a:ext cx="602994" cy="739616"/>
+          </a:xfrm>
+          <a:prstGeom prst="straightConnector1">
+            <a:avLst/>
+          </a:prstGeom>
+          <a:ln w="38100" cmpd="sng">
+            <a:tailEnd type="triangle"/>
+          </a:ln>
+        </p:spPr>
+        <p:style>
+          <a:lnRef idx="1">
+            <a:schemeClr val="accent1"/>
+          </a:lnRef>
+          <a:fillRef idx="0">
+            <a:schemeClr val="accent1"/>
+          </a:fillRef>
+          <a:effectRef idx="0">
+            <a:schemeClr val="accent1"/>
+          </a:effectRef>
+          <a:fontRef idx="minor">
+            <a:schemeClr val="tx1"/>
+          </a:fontRef>
+        </p:style>
+      </p:cxnSp>
+      <p:cxnSp>
+        <p:nvCxnSpPr>
+          <p:cNvPr id="51" name="Straight Arrow Connector 50">
+            <a:extLst>
+              <a:ext uri="{FF2B5EF4-FFF2-40B4-BE49-F238E27FC236}">
+                <a16:creationId xmlns:a16="http://schemas.microsoft.com/office/drawing/2014/main" id="{871CAC91-E7A4-9343-B7EF-42E50D12C55D}"/>
+              </a:ext>
+            </a:extLst>
+          </p:cNvPr>
+          <p:cNvCxnSpPr/>
+          <p:nvPr/>
+        </p:nvCxnSpPr>
+        <p:spPr>
+          <a:xfrm flipH="1">
+            <a:off x="137348" y="942054"/>
+            <a:ext cx="602994" cy="739616"/>
+          </a:xfrm>
+          <a:prstGeom prst="straightConnector1">
+            <a:avLst/>
+          </a:prstGeom>
+          <a:ln w="38100" cmpd="sng">
+            <a:tailEnd type="triangle"/>
+          </a:ln>
+        </p:spPr>
+        <p:style>
+          <a:lnRef idx="1">
+            <a:schemeClr val="accent1"/>
+          </a:lnRef>
+          <a:fillRef idx="0">
+            <a:schemeClr val="accent1"/>
+          </a:fillRef>
+          <a:effectRef idx="0">
+            <a:schemeClr val="accent1"/>
+          </a:effectRef>
+          <a:fontRef idx="minor">
+            <a:schemeClr val="tx1"/>
+          </a:fontRef>
+        </p:style>
+      </p:cxnSp>
     </p:spTree>
     <p:extLst>
       <p:ext uri="{BB962C8B-B14F-4D97-AF65-F5344CB8AC3E}">

--- a/journalWallFriction/pictures/pdf/reachableSetCircle.pptx
+++ b/journalWallFriction/pictures/pdf/reachableSetCircle.pptx
@@ -243,7 +243,7 @@
           <a:p>
             <a:fld id="{98BB718C-238A-7041-808F-C250553F956E}" type="datetimeFigureOut">
               <a:rPr lang="en-US" smtClean="0"/>
-              <a:t>5/17/18</a:t>
+              <a:t>5/20/18</a:t>
             </a:fld>
             <a:endParaRPr lang="en-US"/>
           </a:p>
@@ -408,7 +408,7 @@
           <a:p>
             <a:fld id="{98BB718C-238A-7041-808F-C250553F956E}" type="datetimeFigureOut">
               <a:rPr lang="en-US" smtClean="0"/>
-              <a:t>5/17/18</a:t>
+              <a:t>5/20/18</a:t>
             </a:fld>
             <a:endParaRPr lang="en-US"/>
           </a:p>
@@ -583,7 +583,7 @@
           <a:p>
             <a:fld id="{98BB718C-238A-7041-808F-C250553F956E}" type="datetimeFigureOut">
               <a:rPr lang="en-US" smtClean="0"/>
-              <a:t>5/17/18</a:t>
+              <a:t>5/20/18</a:t>
             </a:fld>
             <a:endParaRPr lang="en-US"/>
           </a:p>
@@ -748,7 +748,7 @@
           <a:p>
             <a:fld id="{98BB718C-238A-7041-808F-C250553F956E}" type="datetimeFigureOut">
               <a:rPr lang="en-US" smtClean="0"/>
-              <a:t>5/17/18</a:t>
+              <a:t>5/20/18</a:t>
             </a:fld>
             <a:endParaRPr lang="en-US"/>
           </a:p>
@@ -987,7 +987,7 @@
           <a:p>
             <a:fld id="{98BB718C-238A-7041-808F-C250553F956E}" type="datetimeFigureOut">
               <a:rPr lang="en-US" smtClean="0"/>
-              <a:t>5/17/18</a:t>
+              <a:t>5/20/18</a:t>
             </a:fld>
             <a:endParaRPr lang="en-US"/>
           </a:p>
@@ -1214,7 +1214,7 @@
           <a:p>
             <a:fld id="{98BB718C-238A-7041-808F-C250553F956E}" type="datetimeFigureOut">
               <a:rPr lang="en-US" smtClean="0"/>
-              <a:t>5/17/18</a:t>
+              <a:t>5/20/18</a:t>
             </a:fld>
             <a:endParaRPr lang="en-US"/>
           </a:p>
@@ -1576,7 +1576,7 @@
           <a:p>
             <a:fld id="{98BB718C-238A-7041-808F-C250553F956E}" type="datetimeFigureOut">
               <a:rPr lang="en-US" smtClean="0"/>
-              <a:t>5/17/18</a:t>
+              <a:t>5/20/18</a:t>
             </a:fld>
             <a:endParaRPr lang="en-US"/>
           </a:p>
@@ -1689,7 +1689,7 @@
           <a:p>
             <a:fld id="{98BB718C-238A-7041-808F-C250553F956E}" type="datetimeFigureOut">
               <a:rPr lang="en-US" smtClean="0"/>
-              <a:t>5/17/18</a:t>
+              <a:t>5/20/18</a:t>
             </a:fld>
             <a:endParaRPr lang="en-US"/>
           </a:p>
@@ -1779,7 +1779,7 @@
           <a:p>
             <a:fld id="{98BB718C-238A-7041-808F-C250553F956E}" type="datetimeFigureOut">
               <a:rPr lang="en-US" smtClean="0"/>
-              <a:t>5/17/18</a:t>
+              <a:t>5/20/18</a:t>
             </a:fld>
             <a:endParaRPr lang="en-US"/>
           </a:p>
@@ -2051,7 +2051,7 @@
           <a:p>
             <a:fld id="{98BB718C-238A-7041-808F-C250553F956E}" type="datetimeFigureOut">
               <a:rPr lang="en-US" smtClean="0"/>
-              <a:t>5/17/18</a:t>
+              <a:t>5/20/18</a:t>
             </a:fld>
             <a:endParaRPr lang="en-US"/>
           </a:p>
@@ -2303,7 +2303,7 @@
           <a:p>
             <a:fld id="{98BB718C-238A-7041-808F-C250553F956E}" type="datetimeFigureOut">
               <a:rPr lang="en-US" smtClean="0"/>
-              <a:t>5/17/18</a:t>
+              <a:t>5/20/18</a:t>
             </a:fld>
             <a:endParaRPr lang="en-US"/>
           </a:p>
@@ -2511,7 +2511,7 @@
           <a:p>
             <a:fld id="{98BB718C-238A-7041-808F-C250553F956E}" type="datetimeFigureOut">
               <a:rPr lang="en-US" smtClean="0"/>
-              <a:t>5/17/18</a:t>
+              <a:t>5/20/18</a:t>
             </a:fld>
             <a:endParaRPr lang="en-US"/>
           </a:p>
@@ -3376,7 +3376,7 @@
         <p:spPr>
           <a:xfrm>
             <a:off x="9997" y="5138065"/>
-            <a:ext cx="2949145" cy="400110"/>
+            <a:ext cx="3145522" cy="400110"/>
           </a:xfrm>
           <a:prstGeom prst="rect">
             <a:avLst/>
@@ -3394,7 +3394,7 @@
               <a:rPr lang="en-US" sz="2000" dirty="0">
                 <a:latin typeface="Times" pitchFamily="2" charset="0"/>
               </a:rPr>
-              <a:t>Workspace with notations</a:t>
+              <a:t>Workspace with annotations</a:t>
             </a:r>
           </a:p>
         </p:txBody>

--- a/journalWallFriction/pictures/pdf/reachableSetCircle.pptx
+++ b/journalWallFriction/pictures/pdf/reachableSetCircle.pptx
@@ -2,12 +2,12 @@
 <file path=ppt/presentation.xml><?xml version="1.0" encoding="utf-8"?>
 <p:presentation xmlns:a="http://schemas.openxmlformats.org/drawingml/2006/main" xmlns:r="http://schemas.openxmlformats.org/officeDocument/2006/relationships" xmlns:p="http://schemas.openxmlformats.org/presentationml/2006/main" saveSubsetFonts="1" autoCompressPictures="0">
   <p:sldMasterIdLst>
-    <p:sldMasterId id="2147483672" r:id="rId1"/>
+    <p:sldMasterId id="2147483696" r:id="rId1"/>
   </p:sldMasterIdLst>
   <p:sldIdLst>
     <p:sldId id="256" r:id="rId2"/>
   </p:sldIdLst>
-  <p:sldSz cx="8229600" cy="5486400"/>
+  <p:sldSz cx="8229600" cy="9144000"/>
   <p:notesSz cx="6858000" cy="9144000"/>
   <p:defaultTextStyle>
     <a:defPPr>
@@ -141,15 +141,15 @@
         </p:nvSpPr>
         <p:spPr>
           <a:xfrm>
-            <a:off x="617220" y="897890"/>
-            <a:ext cx="6995160" cy="1910080"/>
+            <a:off x="617220" y="1496484"/>
+            <a:ext cx="6995160" cy="3183467"/>
           </a:xfrm>
         </p:spPr>
         <p:txBody>
           <a:bodyPr anchor="b"/>
           <a:lstStyle>
             <a:lvl1pPr algn="ctr">
-              <a:defRPr sz="4800"/>
+              <a:defRPr sz="5400"/>
             </a:lvl1pPr>
           </a:lstStyle>
           <a:p>
@@ -173,8 +173,8 @@
         </p:nvSpPr>
         <p:spPr>
           <a:xfrm>
-            <a:off x="1028700" y="2881630"/>
-            <a:ext cx="6172200" cy="1324610"/>
+            <a:off x="1028700" y="4802717"/>
+            <a:ext cx="6172200" cy="2207683"/>
           </a:xfrm>
         </p:spPr>
         <p:txBody>
@@ -182,39 +182,39 @@
           <a:lstStyle>
             <a:lvl1pPr marL="0" indent="0" algn="ctr">
               <a:buNone/>
-              <a:defRPr sz="1920"/>
+              <a:defRPr sz="2160"/>
             </a:lvl1pPr>
-            <a:lvl2pPr marL="365760" indent="0" algn="ctr">
+            <a:lvl2pPr marL="411480" indent="0" algn="ctr">
               <a:buNone/>
-              <a:defRPr sz="1600"/>
+              <a:defRPr sz="1800"/>
             </a:lvl2pPr>
-            <a:lvl3pPr marL="731520" indent="0" algn="ctr">
+            <a:lvl3pPr marL="822960" indent="0" algn="ctr">
+              <a:buNone/>
+              <a:defRPr sz="1620"/>
+            </a:lvl3pPr>
+            <a:lvl4pPr marL="1234440" indent="0" algn="ctr">
               <a:buNone/>
               <a:defRPr sz="1440"/>
-            </a:lvl3pPr>
-            <a:lvl4pPr marL="1097280" indent="0" algn="ctr">
+            </a:lvl4pPr>
+            <a:lvl5pPr marL="1645920" indent="0" algn="ctr">
               <a:buNone/>
-              <a:defRPr sz="1280"/>
-            </a:lvl4pPr>
-            <a:lvl5pPr marL="1463040" indent="0" algn="ctr">
+              <a:defRPr sz="1440"/>
+            </a:lvl5pPr>
+            <a:lvl6pPr marL="2057400" indent="0" algn="ctr">
               <a:buNone/>
-              <a:defRPr sz="1280"/>
-            </a:lvl5pPr>
-            <a:lvl6pPr marL="1828800" indent="0" algn="ctr">
+              <a:defRPr sz="1440"/>
+            </a:lvl6pPr>
+            <a:lvl7pPr marL="2468880" indent="0" algn="ctr">
               <a:buNone/>
-              <a:defRPr sz="1280"/>
-            </a:lvl6pPr>
-            <a:lvl7pPr marL="2194560" indent="0" algn="ctr">
+              <a:defRPr sz="1440"/>
+            </a:lvl7pPr>
+            <a:lvl8pPr marL="2880360" indent="0" algn="ctr">
               <a:buNone/>
-              <a:defRPr sz="1280"/>
-            </a:lvl7pPr>
-            <a:lvl8pPr marL="2560320" indent="0" algn="ctr">
+              <a:defRPr sz="1440"/>
+            </a:lvl8pPr>
+            <a:lvl9pPr marL="3291840" indent="0" algn="ctr">
               <a:buNone/>
-              <a:defRPr sz="1280"/>
-            </a:lvl8pPr>
-            <a:lvl9pPr marL="2926080" indent="0" algn="ctr">
-              <a:buNone/>
-              <a:defRPr sz="1280"/>
+              <a:defRPr sz="1440"/>
             </a:lvl9pPr>
           </a:lstStyle>
           <a:p>
@@ -243,7 +243,7 @@
           <a:p>
             <a:fld id="{98BB718C-238A-7041-808F-C250553F956E}" type="datetimeFigureOut">
               <a:rPr lang="en-US" smtClean="0"/>
-              <a:t>5/20/18</a:t>
+              <a:t>5/29/18</a:t>
             </a:fld>
             <a:endParaRPr lang="en-US"/>
           </a:p>
@@ -292,6 +292,11 @@
         </p:txBody>
       </p:sp>
     </p:spTree>
+    <p:extLst>
+      <p:ext uri="{BB962C8B-B14F-4D97-AF65-F5344CB8AC3E}">
+        <p14:creationId xmlns:p14="http://schemas.microsoft.com/office/powerpoint/2010/main" val="1492054591"/>
+      </p:ext>
+    </p:extLst>
   </p:cSld>
   <p:clrMapOvr>
     <a:masterClrMapping/>
@@ -357,7 +362,7 @@
             <a:pPr lvl="0"/>
             <a:r>
               <a:rPr lang="en-US"/>
-              <a:t>Click to edit Master text styles</a:t>
+              <a:t>Edit Master text styles</a:t>
             </a:r>
           </a:p>
           <a:p>
@@ -408,7 +413,7 @@
           <a:p>
             <a:fld id="{98BB718C-238A-7041-808F-C250553F956E}" type="datetimeFigureOut">
               <a:rPr lang="en-US" smtClean="0"/>
-              <a:t>5/20/18</a:t>
+              <a:t>5/29/18</a:t>
             </a:fld>
             <a:endParaRPr lang="en-US"/>
           </a:p>
@@ -457,6 +462,11 @@
         </p:txBody>
       </p:sp>
     </p:spTree>
+    <p:extLst>
+      <p:ext uri="{BB962C8B-B14F-4D97-AF65-F5344CB8AC3E}">
+        <p14:creationId xmlns:p14="http://schemas.microsoft.com/office/powerpoint/2010/main" val="1057308176"/>
+      </p:ext>
+    </p:extLst>
   </p:cSld>
   <p:clrMapOvr>
     <a:masterClrMapping/>
@@ -493,8 +503,8 @@
         </p:nvSpPr>
         <p:spPr>
           <a:xfrm>
-            <a:off x="5889308" y="292100"/>
-            <a:ext cx="1774508" cy="4649470"/>
+            <a:off x="5889308" y="486834"/>
+            <a:ext cx="1774508" cy="7749117"/>
           </a:xfrm>
         </p:spPr>
         <p:txBody>
@@ -521,8 +531,8 @@
         </p:nvSpPr>
         <p:spPr>
           <a:xfrm>
-            <a:off x="565785" y="292100"/>
-            <a:ext cx="5220653" cy="4649470"/>
+            <a:off x="565785" y="486834"/>
+            <a:ext cx="5220653" cy="7749117"/>
           </a:xfrm>
         </p:spPr>
         <p:txBody>
@@ -532,7 +542,7 @@
             <a:pPr lvl="0"/>
             <a:r>
               <a:rPr lang="en-US"/>
-              <a:t>Click to edit Master text styles</a:t>
+              <a:t>Edit Master text styles</a:t>
             </a:r>
           </a:p>
           <a:p>
@@ -583,7 +593,7 @@
           <a:p>
             <a:fld id="{98BB718C-238A-7041-808F-C250553F956E}" type="datetimeFigureOut">
               <a:rPr lang="en-US" smtClean="0"/>
-              <a:t>5/20/18</a:t>
+              <a:t>5/29/18</a:t>
             </a:fld>
             <a:endParaRPr lang="en-US"/>
           </a:p>
@@ -632,6 +642,11 @@
         </p:txBody>
       </p:sp>
     </p:spTree>
+    <p:extLst>
+      <p:ext uri="{BB962C8B-B14F-4D97-AF65-F5344CB8AC3E}">
+        <p14:creationId xmlns:p14="http://schemas.microsoft.com/office/powerpoint/2010/main" val="508457538"/>
+      </p:ext>
+    </p:extLst>
   </p:cSld>
   <p:clrMapOvr>
     <a:masterClrMapping/>
@@ -697,7 +712,7 @@
             <a:pPr lvl="0"/>
             <a:r>
               <a:rPr lang="en-US"/>
-              <a:t>Click to edit Master text styles</a:t>
+              <a:t>Edit Master text styles</a:t>
             </a:r>
           </a:p>
           <a:p>
@@ -748,7 +763,7 @@
           <a:p>
             <a:fld id="{98BB718C-238A-7041-808F-C250553F956E}" type="datetimeFigureOut">
               <a:rPr lang="en-US" smtClean="0"/>
-              <a:t>5/20/18</a:t>
+              <a:t>5/29/18</a:t>
             </a:fld>
             <a:endParaRPr lang="en-US"/>
           </a:p>
@@ -797,6 +812,11 @@
         </p:txBody>
       </p:sp>
     </p:spTree>
+    <p:extLst>
+      <p:ext uri="{BB962C8B-B14F-4D97-AF65-F5344CB8AC3E}">
+        <p14:creationId xmlns:p14="http://schemas.microsoft.com/office/powerpoint/2010/main" val="1388793324"/>
+      </p:ext>
+    </p:extLst>
   </p:cSld>
   <p:clrMapOvr>
     <a:masterClrMapping/>
@@ -833,15 +853,15 @@
         </p:nvSpPr>
         <p:spPr>
           <a:xfrm>
-            <a:off x="561499" y="1367791"/>
-            <a:ext cx="7098030" cy="2282190"/>
+            <a:off x="561499" y="2279653"/>
+            <a:ext cx="7098030" cy="3803649"/>
           </a:xfrm>
         </p:spPr>
         <p:txBody>
           <a:bodyPr anchor="b"/>
           <a:lstStyle>
             <a:lvl1pPr>
-              <a:defRPr sz="4800"/>
+              <a:defRPr sz="5400"/>
             </a:lvl1pPr>
           </a:lstStyle>
           <a:p>
@@ -865,8 +885,8 @@
         </p:nvSpPr>
         <p:spPr>
           <a:xfrm>
-            <a:off x="561499" y="3671571"/>
-            <a:ext cx="7098030" cy="1200150"/>
+            <a:off x="561499" y="6119286"/>
+            <a:ext cx="7098030" cy="2000249"/>
           </a:xfrm>
         </p:spPr>
         <p:txBody>
@@ -874,15 +894,15 @@
           <a:lstStyle>
             <a:lvl1pPr marL="0" indent="0">
               <a:buNone/>
-              <a:defRPr sz="1920">
+              <a:defRPr sz="2160">
                 <a:solidFill>
                   <a:schemeClr val="tx1"/>
                 </a:solidFill>
               </a:defRPr>
             </a:lvl1pPr>
-            <a:lvl2pPr marL="365760" indent="0">
+            <a:lvl2pPr marL="411480" indent="0">
               <a:buNone/>
-              <a:defRPr sz="1600">
+              <a:defRPr sz="1800">
                 <a:solidFill>
                   <a:schemeClr val="tx1">
                     <a:tint val="75000"/>
@@ -890,7 +910,17 @@
                 </a:solidFill>
               </a:defRPr>
             </a:lvl2pPr>
-            <a:lvl3pPr marL="731520" indent="0">
+            <a:lvl3pPr marL="822960" indent="0">
+              <a:buNone/>
+              <a:defRPr sz="1620">
+                <a:solidFill>
+                  <a:schemeClr val="tx1">
+                    <a:tint val="75000"/>
+                  </a:schemeClr>
+                </a:solidFill>
+              </a:defRPr>
+            </a:lvl3pPr>
+            <a:lvl4pPr marL="1234440" indent="0">
               <a:buNone/>
               <a:defRPr sz="1440">
                 <a:solidFill>
@@ -899,20 +929,10 @@
                   </a:schemeClr>
                 </a:solidFill>
               </a:defRPr>
-            </a:lvl3pPr>
-            <a:lvl4pPr marL="1097280" indent="0">
+            </a:lvl4pPr>
+            <a:lvl5pPr marL="1645920" indent="0">
               <a:buNone/>
-              <a:defRPr sz="1280">
-                <a:solidFill>
-                  <a:schemeClr val="tx1">
-                    <a:tint val="75000"/>
-                  </a:schemeClr>
-                </a:solidFill>
-              </a:defRPr>
-            </a:lvl4pPr>
-            <a:lvl5pPr marL="1463040" indent="0">
-              <a:buNone/>
-              <a:defRPr sz="1280">
+              <a:defRPr sz="1440">
                 <a:solidFill>
                   <a:schemeClr val="tx1">
                     <a:tint val="75000"/>
@@ -920,9 +940,9 @@
                 </a:solidFill>
               </a:defRPr>
             </a:lvl5pPr>
-            <a:lvl6pPr marL="1828800" indent="0">
+            <a:lvl6pPr marL="2057400" indent="0">
               <a:buNone/>
-              <a:defRPr sz="1280">
+              <a:defRPr sz="1440">
                 <a:solidFill>
                   <a:schemeClr val="tx1">
                     <a:tint val="75000"/>
@@ -930,9 +950,9 @@
                 </a:solidFill>
               </a:defRPr>
             </a:lvl6pPr>
-            <a:lvl7pPr marL="2194560" indent="0">
+            <a:lvl7pPr marL="2468880" indent="0">
               <a:buNone/>
-              <a:defRPr sz="1280">
+              <a:defRPr sz="1440">
                 <a:solidFill>
                   <a:schemeClr val="tx1">
                     <a:tint val="75000"/>
@@ -940,9 +960,9 @@
                 </a:solidFill>
               </a:defRPr>
             </a:lvl7pPr>
-            <a:lvl8pPr marL="2560320" indent="0">
+            <a:lvl8pPr marL="2880360" indent="0">
               <a:buNone/>
-              <a:defRPr sz="1280">
+              <a:defRPr sz="1440">
                 <a:solidFill>
                   <a:schemeClr val="tx1">
                     <a:tint val="75000"/>
@@ -950,9 +970,9 @@
                 </a:solidFill>
               </a:defRPr>
             </a:lvl8pPr>
-            <a:lvl9pPr marL="2926080" indent="0">
+            <a:lvl9pPr marL="3291840" indent="0">
               <a:buNone/>
-              <a:defRPr sz="1280">
+              <a:defRPr sz="1440">
                 <a:solidFill>
                   <a:schemeClr val="tx1">
                     <a:tint val="75000"/>
@@ -965,7 +985,7 @@
             <a:pPr lvl="0"/>
             <a:r>
               <a:rPr lang="en-US"/>
-              <a:t>Click to edit Master text styles</a:t>
+              <a:t>Edit Master text styles</a:t>
             </a:r>
           </a:p>
         </p:txBody>
@@ -987,7 +1007,7 @@
           <a:p>
             <a:fld id="{98BB718C-238A-7041-808F-C250553F956E}" type="datetimeFigureOut">
               <a:rPr lang="en-US" smtClean="0"/>
-              <a:t>5/20/18</a:t>
+              <a:t>5/29/18</a:t>
             </a:fld>
             <a:endParaRPr lang="en-US"/>
           </a:p>
@@ -1036,6 +1056,11 @@
         </p:txBody>
       </p:sp>
     </p:spTree>
+    <p:extLst>
+      <p:ext uri="{BB962C8B-B14F-4D97-AF65-F5344CB8AC3E}">
+        <p14:creationId xmlns:p14="http://schemas.microsoft.com/office/powerpoint/2010/main" val="2611948553"/>
+      </p:ext>
+    </p:extLst>
   </p:cSld>
   <p:clrMapOvr>
     <a:masterClrMapping/>
@@ -1095,8 +1120,8 @@
         </p:nvSpPr>
         <p:spPr>
           <a:xfrm>
-            <a:off x="565785" y="1460500"/>
-            <a:ext cx="3497580" cy="3481070"/>
+            <a:off x="565785" y="2434167"/>
+            <a:ext cx="3497580" cy="5801784"/>
           </a:xfrm>
         </p:spPr>
         <p:txBody>
@@ -1106,7 +1131,7 @@
             <a:pPr lvl="0"/>
             <a:r>
               <a:rPr lang="en-US"/>
-              <a:t>Click to edit Master text styles</a:t>
+              <a:t>Edit Master text styles</a:t>
             </a:r>
           </a:p>
           <a:p>
@@ -1152,8 +1177,8 @@
         </p:nvSpPr>
         <p:spPr>
           <a:xfrm>
-            <a:off x="4166235" y="1460500"/>
-            <a:ext cx="3497580" cy="3481070"/>
+            <a:off x="4166235" y="2434167"/>
+            <a:ext cx="3497580" cy="5801784"/>
           </a:xfrm>
         </p:spPr>
         <p:txBody>
@@ -1163,7 +1188,7 @@
             <a:pPr lvl="0"/>
             <a:r>
               <a:rPr lang="en-US"/>
-              <a:t>Click to edit Master text styles</a:t>
+              <a:t>Edit Master text styles</a:t>
             </a:r>
           </a:p>
           <a:p>
@@ -1214,7 +1239,7 @@
           <a:p>
             <a:fld id="{98BB718C-238A-7041-808F-C250553F956E}" type="datetimeFigureOut">
               <a:rPr lang="en-US" smtClean="0"/>
-              <a:t>5/20/18</a:t>
+              <a:t>5/29/18</a:t>
             </a:fld>
             <a:endParaRPr lang="en-US"/>
           </a:p>
@@ -1263,6 +1288,11 @@
         </p:txBody>
       </p:sp>
     </p:spTree>
+    <p:extLst>
+      <p:ext uri="{BB962C8B-B14F-4D97-AF65-F5344CB8AC3E}">
+        <p14:creationId xmlns:p14="http://schemas.microsoft.com/office/powerpoint/2010/main" val="2630005195"/>
+      </p:ext>
+    </p:extLst>
   </p:cSld>
   <p:clrMapOvr>
     <a:masterClrMapping/>
@@ -1299,8 +1329,8 @@
         </p:nvSpPr>
         <p:spPr>
           <a:xfrm>
-            <a:off x="566857" y="292101"/>
-            <a:ext cx="7098030" cy="1060450"/>
+            <a:off x="566857" y="486836"/>
+            <a:ext cx="7098030" cy="1767417"/>
           </a:xfrm>
         </p:spPr>
         <p:txBody>
@@ -1327,8 +1357,8 @@
         </p:nvSpPr>
         <p:spPr>
           <a:xfrm>
-            <a:off x="566858" y="1344930"/>
-            <a:ext cx="3481506" cy="659130"/>
+            <a:off x="566858" y="2241551"/>
+            <a:ext cx="3481506" cy="1098549"/>
           </a:xfrm>
         </p:spPr>
         <p:txBody>
@@ -1336,46 +1366,46 @@
           <a:lstStyle>
             <a:lvl1pPr marL="0" indent="0">
               <a:buNone/>
-              <a:defRPr sz="1920" b="1"/>
+              <a:defRPr sz="2160" b="1"/>
             </a:lvl1pPr>
-            <a:lvl2pPr marL="365760" indent="0">
+            <a:lvl2pPr marL="411480" indent="0">
               <a:buNone/>
-              <a:defRPr sz="1600" b="1"/>
+              <a:defRPr sz="1800" b="1"/>
             </a:lvl2pPr>
-            <a:lvl3pPr marL="731520" indent="0">
+            <a:lvl3pPr marL="822960" indent="0">
+              <a:buNone/>
+              <a:defRPr sz="1620" b="1"/>
+            </a:lvl3pPr>
+            <a:lvl4pPr marL="1234440" indent="0">
               <a:buNone/>
               <a:defRPr sz="1440" b="1"/>
-            </a:lvl3pPr>
-            <a:lvl4pPr marL="1097280" indent="0">
+            </a:lvl4pPr>
+            <a:lvl5pPr marL="1645920" indent="0">
               <a:buNone/>
-              <a:defRPr sz="1280" b="1"/>
-            </a:lvl4pPr>
-            <a:lvl5pPr marL="1463040" indent="0">
+              <a:defRPr sz="1440" b="1"/>
+            </a:lvl5pPr>
+            <a:lvl6pPr marL="2057400" indent="0">
               <a:buNone/>
-              <a:defRPr sz="1280" b="1"/>
-            </a:lvl5pPr>
-            <a:lvl6pPr marL="1828800" indent="0">
+              <a:defRPr sz="1440" b="1"/>
+            </a:lvl6pPr>
+            <a:lvl7pPr marL="2468880" indent="0">
               <a:buNone/>
-              <a:defRPr sz="1280" b="1"/>
-            </a:lvl6pPr>
-            <a:lvl7pPr marL="2194560" indent="0">
+              <a:defRPr sz="1440" b="1"/>
+            </a:lvl7pPr>
+            <a:lvl8pPr marL="2880360" indent="0">
               <a:buNone/>
-              <a:defRPr sz="1280" b="1"/>
-            </a:lvl7pPr>
-            <a:lvl8pPr marL="2560320" indent="0">
+              <a:defRPr sz="1440" b="1"/>
+            </a:lvl8pPr>
+            <a:lvl9pPr marL="3291840" indent="0">
               <a:buNone/>
-              <a:defRPr sz="1280" b="1"/>
-            </a:lvl8pPr>
-            <a:lvl9pPr marL="2926080" indent="0">
-              <a:buNone/>
-              <a:defRPr sz="1280" b="1"/>
+              <a:defRPr sz="1440" b="1"/>
             </a:lvl9pPr>
           </a:lstStyle>
           <a:p>
             <a:pPr lvl="0"/>
             <a:r>
               <a:rPr lang="en-US"/>
-              <a:t>Click to edit Master text styles</a:t>
+              <a:t>Edit Master text styles</a:t>
             </a:r>
           </a:p>
         </p:txBody>
@@ -1392,8 +1422,8 @@
         </p:nvSpPr>
         <p:spPr>
           <a:xfrm>
-            <a:off x="566858" y="2004060"/>
-            <a:ext cx="3481506" cy="2947670"/>
+            <a:off x="566858" y="3340100"/>
+            <a:ext cx="3481506" cy="4912784"/>
           </a:xfrm>
         </p:spPr>
         <p:txBody>
@@ -1403,7 +1433,7 @@
             <a:pPr lvl="0"/>
             <a:r>
               <a:rPr lang="en-US"/>
-              <a:t>Click to edit Master text styles</a:t>
+              <a:t>Edit Master text styles</a:t>
             </a:r>
           </a:p>
           <a:p>
@@ -1449,8 +1479,8 @@
         </p:nvSpPr>
         <p:spPr>
           <a:xfrm>
-            <a:off x="4166235" y="1344930"/>
-            <a:ext cx="3498652" cy="659130"/>
+            <a:off x="4166235" y="2241551"/>
+            <a:ext cx="3498652" cy="1098549"/>
           </a:xfrm>
         </p:spPr>
         <p:txBody>
@@ -1458,46 +1488,46 @@
           <a:lstStyle>
             <a:lvl1pPr marL="0" indent="0">
               <a:buNone/>
-              <a:defRPr sz="1920" b="1"/>
+              <a:defRPr sz="2160" b="1"/>
             </a:lvl1pPr>
-            <a:lvl2pPr marL="365760" indent="0">
+            <a:lvl2pPr marL="411480" indent="0">
               <a:buNone/>
-              <a:defRPr sz="1600" b="1"/>
+              <a:defRPr sz="1800" b="1"/>
             </a:lvl2pPr>
-            <a:lvl3pPr marL="731520" indent="0">
+            <a:lvl3pPr marL="822960" indent="0">
+              <a:buNone/>
+              <a:defRPr sz="1620" b="1"/>
+            </a:lvl3pPr>
+            <a:lvl4pPr marL="1234440" indent="0">
               <a:buNone/>
               <a:defRPr sz="1440" b="1"/>
-            </a:lvl3pPr>
-            <a:lvl4pPr marL="1097280" indent="0">
+            </a:lvl4pPr>
+            <a:lvl5pPr marL="1645920" indent="0">
               <a:buNone/>
-              <a:defRPr sz="1280" b="1"/>
-            </a:lvl4pPr>
-            <a:lvl5pPr marL="1463040" indent="0">
+              <a:defRPr sz="1440" b="1"/>
+            </a:lvl5pPr>
+            <a:lvl6pPr marL="2057400" indent="0">
               <a:buNone/>
-              <a:defRPr sz="1280" b="1"/>
-            </a:lvl5pPr>
-            <a:lvl6pPr marL="1828800" indent="0">
+              <a:defRPr sz="1440" b="1"/>
+            </a:lvl6pPr>
+            <a:lvl7pPr marL="2468880" indent="0">
               <a:buNone/>
-              <a:defRPr sz="1280" b="1"/>
-            </a:lvl6pPr>
-            <a:lvl7pPr marL="2194560" indent="0">
+              <a:defRPr sz="1440" b="1"/>
+            </a:lvl7pPr>
+            <a:lvl8pPr marL="2880360" indent="0">
               <a:buNone/>
-              <a:defRPr sz="1280" b="1"/>
-            </a:lvl7pPr>
-            <a:lvl8pPr marL="2560320" indent="0">
+              <a:defRPr sz="1440" b="1"/>
+            </a:lvl8pPr>
+            <a:lvl9pPr marL="3291840" indent="0">
               <a:buNone/>
-              <a:defRPr sz="1280" b="1"/>
-            </a:lvl8pPr>
-            <a:lvl9pPr marL="2926080" indent="0">
-              <a:buNone/>
-              <a:defRPr sz="1280" b="1"/>
+              <a:defRPr sz="1440" b="1"/>
             </a:lvl9pPr>
           </a:lstStyle>
           <a:p>
             <a:pPr lvl="0"/>
             <a:r>
               <a:rPr lang="en-US"/>
-              <a:t>Click to edit Master text styles</a:t>
+              <a:t>Edit Master text styles</a:t>
             </a:r>
           </a:p>
         </p:txBody>
@@ -1514,8 +1544,8 @@
         </p:nvSpPr>
         <p:spPr>
           <a:xfrm>
-            <a:off x="4166235" y="2004060"/>
-            <a:ext cx="3498652" cy="2947670"/>
+            <a:off x="4166235" y="3340100"/>
+            <a:ext cx="3498652" cy="4912784"/>
           </a:xfrm>
         </p:spPr>
         <p:txBody>
@@ -1525,7 +1555,7 @@
             <a:pPr lvl="0"/>
             <a:r>
               <a:rPr lang="en-US"/>
-              <a:t>Click to edit Master text styles</a:t>
+              <a:t>Edit Master text styles</a:t>
             </a:r>
           </a:p>
           <a:p>
@@ -1576,7 +1606,7 @@
           <a:p>
             <a:fld id="{98BB718C-238A-7041-808F-C250553F956E}" type="datetimeFigureOut">
               <a:rPr lang="en-US" smtClean="0"/>
-              <a:t>5/20/18</a:t>
+              <a:t>5/29/18</a:t>
             </a:fld>
             <a:endParaRPr lang="en-US"/>
           </a:p>
@@ -1625,6 +1655,11 @@
         </p:txBody>
       </p:sp>
     </p:spTree>
+    <p:extLst>
+      <p:ext uri="{BB962C8B-B14F-4D97-AF65-F5344CB8AC3E}">
+        <p14:creationId xmlns:p14="http://schemas.microsoft.com/office/powerpoint/2010/main" val="3094517905"/>
+      </p:ext>
+    </p:extLst>
   </p:cSld>
   <p:clrMapOvr>
     <a:masterClrMapping/>
@@ -1689,7 +1724,7 @@
           <a:p>
             <a:fld id="{98BB718C-238A-7041-808F-C250553F956E}" type="datetimeFigureOut">
               <a:rPr lang="en-US" smtClean="0"/>
-              <a:t>5/20/18</a:t>
+              <a:t>5/29/18</a:t>
             </a:fld>
             <a:endParaRPr lang="en-US"/>
           </a:p>
@@ -1738,6 +1773,11 @@
         </p:txBody>
       </p:sp>
     </p:spTree>
+    <p:extLst>
+      <p:ext uri="{BB962C8B-B14F-4D97-AF65-F5344CB8AC3E}">
+        <p14:creationId xmlns:p14="http://schemas.microsoft.com/office/powerpoint/2010/main" val="2800398825"/>
+      </p:ext>
+    </p:extLst>
   </p:cSld>
   <p:clrMapOvr>
     <a:masterClrMapping/>
@@ -1779,7 +1819,7 @@
           <a:p>
             <a:fld id="{98BB718C-238A-7041-808F-C250553F956E}" type="datetimeFigureOut">
               <a:rPr lang="en-US" smtClean="0"/>
-              <a:t>5/20/18</a:t>
+              <a:t>5/29/18</a:t>
             </a:fld>
             <a:endParaRPr lang="en-US"/>
           </a:p>
@@ -1828,6 +1868,11 @@
         </p:txBody>
       </p:sp>
     </p:spTree>
+    <p:extLst>
+      <p:ext uri="{BB962C8B-B14F-4D97-AF65-F5344CB8AC3E}">
+        <p14:creationId xmlns:p14="http://schemas.microsoft.com/office/powerpoint/2010/main" val="7391834"/>
+      </p:ext>
+    </p:extLst>
   </p:cSld>
   <p:clrMapOvr>
     <a:masterClrMapping/>
@@ -1864,15 +1909,15 @@
         </p:nvSpPr>
         <p:spPr>
           <a:xfrm>
-            <a:off x="566857" y="365760"/>
-            <a:ext cx="2654260" cy="1280160"/>
+            <a:off x="566857" y="609600"/>
+            <a:ext cx="2654260" cy="2133600"/>
           </a:xfrm>
         </p:spPr>
         <p:txBody>
           <a:bodyPr anchor="b"/>
           <a:lstStyle>
             <a:lvl1pPr>
-              <a:defRPr sz="2560"/>
+              <a:defRPr sz="2880"/>
             </a:lvl1pPr>
           </a:lstStyle>
           <a:p>
@@ -1896,46 +1941,46 @@
         </p:nvSpPr>
         <p:spPr>
           <a:xfrm>
-            <a:off x="3498652" y="789941"/>
-            <a:ext cx="4166235" cy="3898900"/>
+            <a:off x="3498652" y="1316569"/>
+            <a:ext cx="4166235" cy="6498167"/>
           </a:xfrm>
         </p:spPr>
         <p:txBody>
           <a:bodyPr/>
           <a:lstStyle>
             <a:lvl1pPr>
-              <a:defRPr sz="2560"/>
+              <a:defRPr sz="2880"/>
             </a:lvl1pPr>
             <a:lvl2pPr>
-              <a:defRPr sz="2240"/>
+              <a:defRPr sz="2520"/>
             </a:lvl2pPr>
             <a:lvl3pPr>
-              <a:defRPr sz="1920"/>
+              <a:defRPr sz="2160"/>
             </a:lvl3pPr>
             <a:lvl4pPr>
-              <a:defRPr sz="1600"/>
+              <a:defRPr sz="1800"/>
             </a:lvl4pPr>
             <a:lvl5pPr>
-              <a:defRPr sz="1600"/>
+              <a:defRPr sz="1800"/>
             </a:lvl5pPr>
             <a:lvl6pPr>
-              <a:defRPr sz="1600"/>
+              <a:defRPr sz="1800"/>
             </a:lvl6pPr>
             <a:lvl7pPr>
-              <a:defRPr sz="1600"/>
+              <a:defRPr sz="1800"/>
             </a:lvl7pPr>
             <a:lvl8pPr>
-              <a:defRPr sz="1600"/>
+              <a:defRPr sz="1800"/>
             </a:lvl8pPr>
             <a:lvl9pPr>
-              <a:defRPr sz="1600"/>
+              <a:defRPr sz="1800"/>
             </a:lvl9pPr>
           </a:lstStyle>
           <a:p>
             <a:pPr lvl="0"/>
             <a:r>
               <a:rPr lang="en-US"/>
-              <a:t>Click to edit Master text styles</a:t>
+              <a:t>Edit Master text styles</a:t>
             </a:r>
           </a:p>
           <a:p>
@@ -1981,8 +2026,8 @@
         </p:nvSpPr>
         <p:spPr>
           <a:xfrm>
-            <a:off x="566857" y="1645920"/>
-            <a:ext cx="2654260" cy="3049270"/>
+            <a:off x="566857" y="2743200"/>
+            <a:ext cx="2654260" cy="5082117"/>
           </a:xfrm>
         </p:spPr>
         <p:txBody>
@@ -1990,46 +2035,46 @@
           <a:lstStyle>
             <a:lvl1pPr marL="0" indent="0">
               <a:buNone/>
-              <a:defRPr sz="1280"/>
+              <a:defRPr sz="1440"/>
             </a:lvl1pPr>
-            <a:lvl2pPr marL="365760" indent="0">
+            <a:lvl2pPr marL="411480" indent="0">
               <a:buNone/>
-              <a:defRPr sz="1120"/>
+              <a:defRPr sz="1260"/>
             </a:lvl2pPr>
-            <a:lvl3pPr marL="731520" indent="0">
+            <a:lvl3pPr marL="822960" indent="0">
               <a:buNone/>
-              <a:defRPr sz="960"/>
+              <a:defRPr sz="1080"/>
             </a:lvl3pPr>
-            <a:lvl4pPr marL="1097280" indent="0">
+            <a:lvl4pPr marL="1234440" indent="0">
               <a:buNone/>
-              <a:defRPr sz="800"/>
+              <a:defRPr sz="900"/>
             </a:lvl4pPr>
-            <a:lvl5pPr marL="1463040" indent="0">
+            <a:lvl5pPr marL="1645920" indent="0">
               <a:buNone/>
-              <a:defRPr sz="800"/>
+              <a:defRPr sz="900"/>
             </a:lvl5pPr>
-            <a:lvl6pPr marL="1828800" indent="0">
+            <a:lvl6pPr marL="2057400" indent="0">
               <a:buNone/>
-              <a:defRPr sz="800"/>
+              <a:defRPr sz="900"/>
             </a:lvl6pPr>
-            <a:lvl7pPr marL="2194560" indent="0">
+            <a:lvl7pPr marL="2468880" indent="0">
               <a:buNone/>
-              <a:defRPr sz="800"/>
+              <a:defRPr sz="900"/>
             </a:lvl7pPr>
-            <a:lvl8pPr marL="2560320" indent="0">
+            <a:lvl8pPr marL="2880360" indent="0">
               <a:buNone/>
-              <a:defRPr sz="800"/>
+              <a:defRPr sz="900"/>
             </a:lvl8pPr>
-            <a:lvl9pPr marL="2926080" indent="0">
+            <a:lvl9pPr marL="3291840" indent="0">
               <a:buNone/>
-              <a:defRPr sz="800"/>
+              <a:defRPr sz="900"/>
             </a:lvl9pPr>
           </a:lstStyle>
           <a:p>
             <a:pPr lvl="0"/>
             <a:r>
               <a:rPr lang="en-US"/>
-              <a:t>Click to edit Master text styles</a:t>
+              <a:t>Edit Master text styles</a:t>
             </a:r>
           </a:p>
         </p:txBody>
@@ -2051,7 +2096,7 @@
           <a:p>
             <a:fld id="{98BB718C-238A-7041-808F-C250553F956E}" type="datetimeFigureOut">
               <a:rPr lang="en-US" smtClean="0"/>
-              <a:t>5/20/18</a:t>
+              <a:t>5/29/18</a:t>
             </a:fld>
             <a:endParaRPr lang="en-US"/>
           </a:p>
@@ -2100,6 +2145,11 @@
         </p:txBody>
       </p:sp>
     </p:spTree>
+    <p:extLst>
+      <p:ext uri="{BB962C8B-B14F-4D97-AF65-F5344CB8AC3E}">
+        <p14:creationId xmlns:p14="http://schemas.microsoft.com/office/powerpoint/2010/main" val="1953670118"/>
+      </p:ext>
+    </p:extLst>
   </p:cSld>
   <p:clrMapOvr>
     <a:masterClrMapping/>
@@ -2136,15 +2186,15 @@
         </p:nvSpPr>
         <p:spPr>
           <a:xfrm>
-            <a:off x="566857" y="365760"/>
-            <a:ext cx="2654260" cy="1280160"/>
+            <a:off x="566857" y="609600"/>
+            <a:ext cx="2654260" cy="2133600"/>
           </a:xfrm>
         </p:spPr>
         <p:txBody>
           <a:bodyPr anchor="b"/>
           <a:lstStyle>
             <a:lvl1pPr>
-              <a:defRPr sz="2560"/>
+              <a:defRPr sz="2880"/>
             </a:lvl1pPr>
           </a:lstStyle>
           <a:p>
@@ -2168,8 +2218,8 @@
         </p:nvSpPr>
         <p:spPr>
           <a:xfrm>
-            <a:off x="3498652" y="789941"/>
-            <a:ext cx="4166235" cy="3898900"/>
+            <a:off x="3498652" y="1316569"/>
+            <a:ext cx="4166235" cy="6498167"/>
           </a:xfrm>
         </p:spPr>
         <p:txBody>
@@ -2177,45 +2227,45 @@
           <a:lstStyle>
             <a:lvl1pPr marL="0" indent="0">
               <a:buNone/>
-              <a:defRPr sz="2560"/>
+              <a:defRPr sz="2880"/>
             </a:lvl1pPr>
-            <a:lvl2pPr marL="365760" indent="0">
+            <a:lvl2pPr marL="411480" indent="0">
               <a:buNone/>
-              <a:defRPr sz="2240"/>
+              <a:defRPr sz="2520"/>
             </a:lvl2pPr>
-            <a:lvl3pPr marL="731520" indent="0">
+            <a:lvl3pPr marL="822960" indent="0">
               <a:buNone/>
-              <a:defRPr sz="1920"/>
+              <a:defRPr sz="2160"/>
             </a:lvl3pPr>
-            <a:lvl4pPr marL="1097280" indent="0">
+            <a:lvl4pPr marL="1234440" indent="0">
               <a:buNone/>
-              <a:defRPr sz="1600"/>
+              <a:defRPr sz="1800"/>
             </a:lvl4pPr>
-            <a:lvl5pPr marL="1463040" indent="0">
+            <a:lvl5pPr marL="1645920" indent="0">
               <a:buNone/>
-              <a:defRPr sz="1600"/>
+              <a:defRPr sz="1800"/>
             </a:lvl5pPr>
-            <a:lvl6pPr marL="1828800" indent="0">
+            <a:lvl6pPr marL="2057400" indent="0">
               <a:buNone/>
-              <a:defRPr sz="1600"/>
+              <a:defRPr sz="1800"/>
             </a:lvl6pPr>
-            <a:lvl7pPr marL="2194560" indent="0">
+            <a:lvl7pPr marL="2468880" indent="0">
               <a:buNone/>
-              <a:defRPr sz="1600"/>
+              <a:defRPr sz="1800"/>
             </a:lvl7pPr>
-            <a:lvl8pPr marL="2560320" indent="0">
+            <a:lvl8pPr marL="2880360" indent="0">
               <a:buNone/>
-              <a:defRPr sz="1600"/>
+              <a:defRPr sz="1800"/>
             </a:lvl8pPr>
-            <a:lvl9pPr marL="2926080" indent="0">
+            <a:lvl9pPr marL="3291840" indent="0">
               <a:buNone/>
-              <a:defRPr sz="1600"/>
+              <a:defRPr sz="1800"/>
             </a:lvl9pPr>
           </a:lstStyle>
           <a:p>
             <a:r>
               <a:rPr lang="en-US"/>
-              <a:t>Drag picture to placeholder or click icon to add</a:t>
+              <a:t>Click icon to add picture</a:t>
             </a:r>
             <a:endParaRPr lang="en-US" dirty="0"/>
           </a:p>
@@ -2233,8 +2283,8 @@
         </p:nvSpPr>
         <p:spPr>
           <a:xfrm>
-            <a:off x="566857" y="1645920"/>
-            <a:ext cx="2654260" cy="3049270"/>
+            <a:off x="566857" y="2743200"/>
+            <a:ext cx="2654260" cy="5082117"/>
           </a:xfrm>
         </p:spPr>
         <p:txBody>
@@ -2242,46 +2292,46 @@
           <a:lstStyle>
             <a:lvl1pPr marL="0" indent="0">
               <a:buNone/>
-              <a:defRPr sz="1280"/>
+              <a:defRPr sz="1440"/>
             </a:lvl1pPr>
-            <a:lvl2pPr marL="365760" indent="0">
+            <a:lvl2pPr marL="411480" indent="0">
               <a:buNone/>
-              <a:defRPr sz="1120"/>
+              <a:defRPr sz="1260"/>
             </a:lvl2pPr>
-            <a:lvl3pPr marL="731520" indent="0">
+            <a:lvl3pPr marL="822960" indent="0">
               <a:buNone/>
-              <a:defRPr sz="960"/>
+              <a:defRPr sz="1080"/>
             </a:lvl3pPr>
-            <a:lvl4pPr marL="1097280" indent="0">
+            <a:lvl4pPr marL="1234440" indent="0">
               <a:buNone/>
-              <a:defRPr sz="800"/>
+              <a:defRPr sz="900"/>
             </a:lvl4pPr>
-            <a:lvl5pPr marL="1463040" indent="0">
+            <a:lvl5pPr marL="1645920" indent="0">
               <a:buNone/>
-              <a:defRPr sz="800"/>
+              <a:defRPr sz="900"/>
             </a:lvl5pPr>
-            <a:lvl6pPr marL="1828800" indent="0">
+            <a:lvl6pPr marL="2057400" indent="0">
               <a:buNone/>
-              <a:defRPr sz="800"/>
+              <a:defRPr sz="900"/>
             </a:lvl6pPr>
-            <a:lvl7pPr marL="2194560" indent="0">
+            <a:lvl7pPr marL="2468880" indent="0">
               <a:buNone/>
-              <a:defRPr sz="800"/>
+              <a:defRPr sz="900"/>
             </a:lvl7pPr>
-            <a:lvl8pPr marL="2560320" indent="0">
+            <a:lvl8pPr marL="2880360" indent="0">
               <a:buNone/>
-              <a:defRPr sz="800"/>
+              <a:defRPr sz="900"/>
             </a:lvl8pPr>
-            <a:lvl9pPr marL="2926080" indent="0">
+            <a:lvl9pPr marL="3291840" indent="0">
               <a:buNone/>
-              <a:defRPr sz="800"/>
+              <a:defRPr sz="900"/>
             </a:lvl9pPr>
           </a:lstStyle>
           <a:p>
             <a:pPr lvl="0"/>
             <a:r>
               <a:rPr lang="en-US"/>
-              <a:t>Click to edit Master text styles</a:t>
+              <a:t>Edit Master text styles</a:t>
             </a:r>
           </a:p>
         </p:txBody>
@@ -2303,7 +2353,7 @@
           <a:p>
             <a:fld id="{98BB718C-238A-7041-808F-C250553F956E}" type="datetimeFigureOut">
               <a:rPr lang="en-US" smtClean="0"/>
-              <a:t>5/20/18</a:t>
+              <a:t>5/29/18</a:t>
             </a:fld>
             <a:endParaRPr lang="en-US"/>
           </a:p>
@@ -2352,6 +2402,11 @@
         </p:txBody>
       </p:sp>
     </p:spTree>
+    <p:extLst>
+      <p:ext uri="{BB962C8B-B14F-4D97-AF65-F5344CB8AC3E}">
+        <p14:creationId xmlns:p14="http://schemas.microsoft.com/office/powerpoint/2010/main" val="539852731"/>
+      </p:ext>
+    </p:extLst>
   </p:cSld>
   <p:clrMapOvr>
     <a:masterClrMapping/>
@@ -2393,8 +2448,8 @@
         </p:nvSpPr>
         <p:spPr>
           <a:xfrm>
-            <a:off x="565785" y="292101"/>
-            <a:ext cx="7098030" cy="1060450"/>
+            <a:off x="565785" y="486836"/>
+            <a:ext cx="7098030" cy="1767417"/>
           </a:xfrm>
           <a:prstGeom prst="rect">
             <a:avLst/>
@@ -2426,8 +2481,8 @@
         </p:nvSpPr>
         <p:spPr>
           <a:xfrm>
-            <a:off x="565785" y="1460500"/>
-            <a:ext cx="7098030" cy="3481070"/>
+            <a:off x="565785" y="2434167"/>
+            <a:ext cx="7098030" cy="5801784"/>
           </a:xfrm>
           <a:prstGeom prst="rect">
             <a:avLst/>
@@ -2442,7 +2497,7 @@
             <a:pPr lvl="0"/>
             <a:r>
               <a:rPr lang="en-US"/>
-              <a:t>Click to edit Master text styles</a:t>
+              <a:t>Edit Master text styles</a:t>
             </a:r>
           </a:p>
           <a:p>
@@ -2488,8 +2543,8 @@
         </p:nvSpPr>
         <p:spPr>
           <a:xfrm>
-            <a:off x="565785" y="5085081"/>
-            <a:ext cx="1851660" cy="292100"/>
+            <a:off x="565785" y="8475136"/>
+            <a:ext cx="1851660" cy="486833"/>
           </a:xfrm>
           <a:prstGeom prst="rect">
             <a:avLst/>
@@ -2499,7 +2554,7 @@
           <a:bodyPr vert="horz" lIns="91440" tIns="45720" rIns="91440" bIns="45720" rtlCol="0" anchor="ctr"/>
           <a:lstStyle>
             <a:lvl1pPr algn="l">
-              <a:defRPr sz="960">
+              <a:defRPr sz="1080">
                 <a:solidFill>
                   <a:schemeClr val="tx1">
                     <a:tint val="75000"/>
@@ -2511,7 +2566,7 @@
           <a:p>
             <a:fld id="{98BB718C-238A-7041-808F-C250553F956E}" type="datetimeFigureOut">
               <a:rPr lang="en-US" smtClean="0"/>
-              <a:t>5/20/18</a:t>
+              <a:t>5/29/18</a:t>
             </a:fld>
             <a:endParaRPr lang="en-US"/>
           </a:p>
@@ -2529,8 +2584,8 @@
         </p:nvSpPr>
         <p:spPr>
           <a:xfrm>
-            <a:off x="2726055" y="5085081"/>
-            <a:ext cx="2777490" cy="292100"/>
+            <a:off x="2726055" y="8475136"/>
+            <a:ext cx="2777490" cy="486833"/>
           </a:xfrm>
           <a:prstGeom prst="rect">
             <a:avLst/>
@@ -2540,7 +2595,7 @@
           <a:bodyPr vert="horz" lIns="91440" tIns="45720" rIns="91440" bIns="45720" rtlCol="0" anchor="ctr"/>
           <a:lstStyle>
             <a:lvl1pPr algn="ctr">
-              <a:defRPr sz="960">
+              <a:defRPr sz="1080">
                 <a:solidFill>
                   <a:schemeClr val="tx1">
                     <a:tint val="75000"/>
@@ -2566,8 +2621,8 @@
         </p:nvSpPr>
         <p:spPr>
           <a:xfrm>
-            <a:off x="5812155" y="5085081"/>
-            <a:ext cx="1851660" cy="292100"/>
+            <a:off x="5812155" y="8475136"/>
+            <a:ext cx="1851660" cy="486833"/>
           </a:xfrm>
           <a:prstGeom prst="rect">
             <a:avLst/>
@@ -2577,7 +2632,7 @@
           <a:bodyPr vert="horz" lIns="91440" tIns="45720" rIns="91440" bIns="45720" rtlCol="0" anchor="ctr"/>
           <a:lstStyle>
             <a:lvl1pPr algn="r">
-              <a:defRPr sz="960">
+              <a:defRPr sz="1080">
                 <a:solidFill>
                   <a:schemeClr val="tx1">
                     <a:tint val="75000"/>
@@ -2598,27 +2653,27 @@
     </p:spTree>
     <p:extLst>
       <p:ext uri="{BB962C8B-B14F-4D97-AF65-F5344CB8AC3E}">
-        <p14:creationId xmlns:p14="http://schemas.microsoft.com/office/powerpoint/2010/main" val="100596397"/>
+        <p14:creationId xmlns:p14="http://schemas.microsoft.com/office/powerpoint/2010/main" val="1592207079"/>
       </p:ext>
     </p:extLst>
   </p:cSld>
   <p:clrMap bg1="lt1" tx1="dk1" bg2="lt2" tx2="dk2" accent1="accent1" accent2="accent2" accent3="accent3" accent4="accent4" accent5="accent5" accent6="accent6" hlink="hlink" folHlink="folHlink"/>
   <p:sldLayoutIdLst>
-    <p:sldLayoutId id="2147483673" r:id="rId1"/>
-    <p:sldLayoutId id="2147483674" r:id="rId2"/>
-    <p:sldLayoutId id="2147483675" r:id="rId3"/>
-    <p:sldLayoutId id="2147483676" r:id="rId4"/>
-    <p:sldLayoutId id="2147483677" r:id="rId5"/>
-    <p:sldLayoutId id="2147483678" r:id="rId6"/>
-    <p:sldLayoutId id="2147483679" r:id="rId7"/>
-    <p:sldLayoutId id="2147483680" r:id="rId8"/>
-    <p:sldLayoutId id="2147483681" r:id="rId9"/>
-    <p:sldLayoutId id="2147483682" r:id="rId10"/>
-    <p:sldLayoutId id="2147483683" r:id="rId11"/>
+    <p:sldLayoutId id="2147483697" r:id="rId1"/>
+    <p:sldLayoutId id="2147483698" r:id="rId2"/>
+    <p:sldLayoutId id="2147483699" r:id="rId3"/>
+    <p:sldLayoutId id="2147483700" r:id="rId4"/>
+    <p:sldLayoutId id="2147483701" r:id="rId5"/>
+    <p:sldLayoutId id="2147483702" r:id="rId6"/>
+    <p:sldLayoutId id="2147483703" r:id="rId7"/>
+    <p:sldLayoutId id="2147483704" r:id="rId8"/>
+    <p:sldLayoutId id="2147483705" r:id="rId9"/>
+    <p:sldLayoutId id="2147483706" r:id="rId10"/>
+    <p:sldLayoutId id="2147483707" r:id="rId11"/>
   </p:sldLayoutIdLst>
   <p:txStyles>
     <p:titleStyle>
-      <a:lvl1pPr algn="l" defTabSz="731520" rtl="0" eaLnBrk="1" latinLnBrk="0" hangingPunct="1">
+      <a:lvl1pPr algn="l" defTabSz="822960" rtl="0" eaLnBrk="1" latinLnBrk="0" hangingPunct="1">
         <a:lnSpc>
           <a:spcPct val="90000"/>
         </a:lnSpc>
@@ -2626,7 +2681,7 @@
           <a:spcPct val="0"/>
         </a:spcBef>
         <a:buNone/>
-        <a:defRPr sz="3520" kern="1200">
+        <a:defRPr sz="3960" kern="1200">
           <a:solidFill>
             <a:schemeClr val="tx1"/>
           </a:solidFill>
@@ -2637,16 +2692,16 @@
       </a:lvl1pPr>
     </p:titleStyle>
     <p:bodyStyle>
-      <a:lvl1pPr marL="182880" indent="-182880" algn="l" defTabSz="731520" rtl="0" eaLnBrk="1" latinLnBrk="0" hangingPunct="1">
+      <a:lvl1pPr marL="205740" indent="-205740" algn="l" defTabSz="822960" rtl="0" eaLnBrk="1" latinLnBrk="0" hangingPunct="1">
         <a:lnSpc>
           <a:spcPct val="90000"/>
         </a:lnSpc>
         <a:spcBef>
-          <a:spcPts val="800"/>
+          <a:spcPts val="900"/>
         </a:spcBef>
         <a:buFont typeface="Arial" panose="020B0604020202020204" pitchFamily="34" charset="0"/>
         <a:buChar char="•"/>
-        <a:defRPr sz="2240" kern="1200">
+        <a:defRPr sz="2520" kern="1200">
           <a:solidFill>
             <a:schemeClr val="tx1"/>
           </a:solidFill>
@@ -2655,16 +2710,16 @@
           <a:cs typeface="+mn-cs"/>
         </a:defRPr>
       </a:lvl1pPr>
-      <a:lvl2pPr marL="548640" indent="-182880" algn="l" defTabSz="731520" rtl="0" eaLnBrk="1" latinLnBrk="0" hangingPunct="1">
+      <a:lvl2pPr marL="617220" indent="-205740" algn="l" defTabSz="822960" rtl="0" eaLnBrk="1" latinLnBrk="0" hangingPunct="1">
         <a:lnSpc>
           <a:spcPct val="90000"/>
         </a:lnSpc>
         <a:spcBef>
-          <a:spcPts val="400"/>
+          <a:spcPts val="450"/>
         </a:spcBef>
         <a:buFont typeface="Arial" panose="020B0604020202020204" pitchFamily="34" charset="0"/>
         <a:buChar char="•"/>
-        <a:defRPr sz="1920" kern="1200">
+        <a:defRPr sz="2160" kern="1200">
           <a:solidFill>
             <a:schemeClr val="tx1"/>
           </a:solidFill>
@@ -2673,16 +2728,16 @@
           <a:cs typeface="+mn-cs"/>
         </a:defRPr>
       </a:lvl2pPr>
-      <a:lvl3pPr marL="914400" indent="-182880" algn="l" defTabSz="731520" rtl="0" eaLnBrk="1" latinLnBrk="0" hangingPunct="1">
+      <a:lvl3pPr marL="1028700" indent="-205740" algn="l" defTabSz="822960" rtl="0" eaLnBrk="1" latinLnBrk="0" hangingPunct="1">
         <a:lnSpc>
           <a:spcPct val="90000"/>
         </a:lnSpc>
         <a:spcBef>
-          <a:spcPts val="400"/>
+          <a:spcPts val="450"/>
         </a:spcBef>
         <a:buFont typeface="Arial" panose="020B0604020202020204" pitchFamily="34" charset="0"/>
         <a:buChar char="•"/>
-        <a:defRPr sz="1600" kern="1200">
+        <a:defRPr sz="1800" kern="1200">
           <a:solidFill>
             <a:schemeClr val="tx1"/>
           </a:solidFill>
@@ -2691,16 +2746,16 @@
           <a:cs typeface="+mn-cs"/>
         </a:defRPr>
       </a:lvl3pPr>
-      <a:lvl4pPr marL="1280160" indent="-182880" algn="l" defTabSz="731520" rtl="0" eaLnBrk="1" latinLnBrk="0" hangingPunct="1">
+      <a:lvl4pPr marL="1440180" indent="-205740" algn="l" defTabSz="822960" rtl="0" eaLnBrk="1" latinLnBrk="0" hangingPunct="1">
         <a:lnSpc>
           <a:spcPct val="90000"/>
         </a:lnSpc>
         <a:spcBef>
-          <a:spcPts val="400"/>
+          <a:spcPts val="450"/>
         </a:spcBef>
         <a:buFont typeface="Arial" panose="020B0604020202020204" pitchFamily="34" charset="0"/>
         <a:buChar char="•"/>
-        <a:defRPr sz="1440" kern="1200">
+        <a:defRPr sz="1620" kern="1200">
           <a:solidFill>
             <a:schemeClr val="tx1"/>
           </a:solidFill>
@@ -2709,16 +2764,16 @@
           <a:cs typeface="+mn-cs"/>
         </a:defRPr>
       </a:lvl4pPr>
-      <a:lvl5pPr marL="1645920" indent="-182880" algn="l" defTabSz="731520" rtl="0" eaLnBrk="1" latinLnBrk="0" hangingPunct="1">
+      <a:lvl5pPr marL="1851660" indent="-205740" algn="l" defTabSz="822960" rtl="0" eaLnBrk="1" latinLnBrk="0" hangingPunct="1">
         <a:lnSpc>
           <a:spcPct val="90000"/>
         </a:lnSpc>
         <a:spcBef>
-          <a:spcPts val="400"/>
+          <a:spcPts val="450"/>
         </a:spcBef>
         <a:buFont typeface="Arial" panose="020B0604020202020204" pitchFamily="34" charset="0"/>
         <a:buChar char="•"/>
-        <a:defRPr sz="1440" kern="1200">
+        <a:defRPr sz="1620" kern="1200">
           <a:solidFill>
             <a:schemeClr val="tx1"/>
           </a:solidFill>
@@ -2727,16 +2782,16 @@
           <a:cs typeface="+mn-cs"/>
         </a:defRPr>
       </a:lvl5pPr>
-      <a:lvl6pPr marL="2011680" indent="-182880" algn="l" defTabSz="731520" rtl="0" eaLnBrk="1" latinLnBrk="0" hangingPunct="1">
+      <a:lvl6pPr marL="2263140" indent="-205740" algn="l" defTabSz="822960" rtl="0" eaLnBrk="1" latinLnBrk="0" hangingPunct="1">
         <a:lnSpc>
           <a:spcPct val="90000"/>
         </a:lnSpc>
         <a:spcBef>
-          <a:spcPts val="400"/>
+          <a:spcPts val="450"/>
         </a:spcBef>
         <a:buFont typeface="Arial" panose="020B0604020202020204" pitchFamily="34" charset="0"/>
         <a:buChar char="•"/>
-        <a:defRPr sz="1440" kern="1200">
+        <a:defRPr sz="1620" kern="1200">
           <a:solidFill>
             <a:schemeClr val="tx1"/>
           </a:solidFill>
@@ -2745,16 +2800,16 @@
           <a:cs typeface="+mn-cs"/>
         </a:defRPr>
       </a:lvl6pPr>
-      <a:lvl7pPr marL="2377440" indent="-182880" algn="l" defTabSz="731520" rtl="0" eaLnBrk="1" latinLnBrk="0" hangingPunct="1">
+      <a:lvl7pPr marL="2674620" indent="-205740" algn="l" defTabSz="822960" rtl="0" eaLnBrk="1" latinLnBrk="0" hangingPunct="1">
         <a:lnSpc>
           <a:spcPct val="90000"/>
         </a:lnSpc>
         <a:spcBef>
-          <a:spcPts val="400"/>
+          <a:spcPts val="450"/>
         </a:spcBef>
         <a:buFont typeface="Arial" panose="020B0604020202020204" pitchFamily="34" charset="0"/>
         <a:buChar char="•"/>
-        <a:defRPr sz="1440" kern="1200">
+        <a:defRPr sz="1620" kern="1200">
           <a:solidFill>
             <a:schemeClr val="tx1"/>
           </a:solidFill>
@@ -2763,16 +2818,16 @@
           <a:cs typeface="+mn-cs"/>
         </a:defRPr>
       </a:lvl7pPr>
-      <a:lvl8pPr marL="2743200" indent="-182880" algn="l" defTabSz="731520" rtl="0" eaLnBrk="1" latinLnBrk="0" hangingPunct="1">
+      <a:lvl8pPr marL="3086100" indent="-205740" algn="l" defTabSz="822960" rtl="0" eaLnBrk="1" latinLnBrk="0" hangingPunct="1">
         <a:lnSpc>
           <a:spcPct val="90000"/>
         </a:lnSpc>
         <a:spcBef>
-          <a:spcPts val="400"/>
+          <a:spcPts val="450"/>
         </a:spcBef>
         <a:buFont typeface="Arial" panose="020B0604020202020204" pitchFamily="34" charset="0"/>
         <a:buChar char="•"/>
-        <a:defRPr sz="1440" kern="1200">
+        <a:defRPr sz="1620" kern="1200">
           <a:solidFill>
             <a:schemeClr val="tx1"/>
           </a:solidFill>
@@ -2781,16 +2836,16 @@
           <a:cs typeface="+mn-cs"/>
         </a:defRPr>
       </a:lvl8pPr>
-      <a:lvl9pPr marL="3108960" indent="-182880" algn="l" defTabSz="731520" rtl="0" eaLnBrk="1" latinLnBrk="0" hangingPunct="1">
+      <a:lvl9pPr marL="3497580" indent="-205740" algn="l" defTabSz="822960" rtl="0" eaLnBrk="1" latinLnBrk="0" hangingPunct="1">
         <a:lnSpc>
           <a:spcPct val="90000"/>
         </a:lnSpc>
         <a:spcBef>
-          <a:spcPts val="400"/>
+          <a:spcPts val="450"/>
         </a:spcBef>
         <a:buFont typeface="Arial" panose="020B0604020202020204" pitchFamily="34" charset="0"/>
         <a:buChar char="•"/>
-        <a:defRPr sz="1440" kern="1200">
+        <a:defRPr sz="1620" kern="1200">
           <a:solidFill>
             <a:schemeClr val="tx1"/>
           </a:solidFill>
@@ -2804,8 +2859,8 @@
       <a:defPPr>
         <a:defRPr lang="en-US"/>
       </a:defPPr>
-      <a:lvl1pPr marL="0" algn="l" defTabSz="731520" rtl="0" eaLnBrk="1" latinLnBrk="0" hangingPunct="1">
-        <a:defRPr sz="1440" kern="1200">
+      <a:lvl1pPr marL="0" algn="l" defTabSz="822960" rtl="0" eaLnBrk="1" latinLnBrk="0" hangingPunct="1">
+        <a:defRPr sz="1620" kern="1200">
           <a:solidFill>
             <a:schemeClr val="tx1"/>
           </a:solidFill>
@@ -2814,8 +2869,8 @@
           <a:cs typeface="+mn-cs"/>
         </a:defRPr>
       </a:lvl1pPr>
-      <a:lvl2pPr marL="365760" algn="l" defTabSz="731520" rtl="0" eaLnBrk="1" latinLnBrk="0" hangingPunct="1">
-        <a:defRPr sz="1440" kern="1200">
+      <a:lvl2pPr marL="411480" algn="l" defTabSz="822960" rtl="0" eaLnBrk="1" latinLnBrk="0" hangingPunct="1">
+        <a:defRPr sz="1620" kern="1200">
           <a:solidFill>
             <a:schemeClr val="tx1"/>
           </a:solidFill>
@@ -2824,8 +2879,8 @@
           <a:cs typeface="+mn-cs"/>
         </a:defRPr>
       </a:lvl2pPr>
-      <a:lvl3pPr marL="731520" algn="l" defTabSz="731520" rtl="0" eaLnBrk="1" latinLnBrk="0" hangingPunct="1">
-        <a:defRPr sz="1440" kern="1200">
+      <a:lvl3pPr marL="822960" algn="l" defTabSz="822960" rtl="0" eaLnBrk="1" latinLnBrk="0" hangingPunct="1">
+        <a:defRPr sz="1620" kern="1200">
           <a:solidFill>
             <a:schemeClr val="tx1"/>
           </a:solidFill>
@@ -2834,8 +2889,8 @@
           <a:cs typeface="+mn-cs"/>
         </a:defRPr>
       </a:lvl3pPr>
-      <a:lvl4pPr marL="1097280" algn="l" defTabSz="731520" rtl="0" eaLnBrk="1" latinLnBrk="0" hangingPunct="1">
-        <a:defRPr sz="1440" kern="1200">
+      <a:lvl4pPr marL="1234440" algn="l" defTabSz="822960" rtl="0" eaLnBrk="1" latinLnBrk="0" hangingPunct="1">
+        <a:defRPr sz="1620" kern="1200">
           <a:solidFill>
             <a:schemeClr val="tx1"/>
           </a:solidFill>
@@ -2844,8 +2899,8 @@
           <a:cs typeface="+mn-cs"/>
         </a:defRPr>
       </a:lvl4pPr>
-      <a:lvl5pPr marL="1463040" algn="l" defTabSz="731520" rtl="0" eaLnBrk="1" latinLnBrk="0" hangingPunct="1">
-        <a:defRPr sz="1440" kern="1200">
+      <a:lvl5pPr marL="1645920" algn="l" defTabSz="822960" rtl="0" eaLnBrk="1" latinLnBrk="0" hangingPunct="1">
+        <a:defRPr sz="1620" kern="1200">
           <a:solidFill>
             <a:schemeClr val="tx1"/>
           </a:solidFill>
@@ -2854,8 +2909,8 @@
           <a:cs typeface="+mn-cs"/>
         </a:defRPr>
       </a:lvl5pPr>
-      <a:lvl6pPr marL="1828800" algn="l" defTabSz="731520" rtl="0" eaLnBrk="1" latinLnBrk="0" hangingPunct="1">
-        <a:defRPr sz="1440" kern="1200">
+      <a:lvl6pPr marL="2057400" algn="l" defTabSz="822960" rtl="0" eaLnBrk="1" latinLnBrk="0" hangingPunct="1">
+        <a:defRPr sz="1620" kern="1200">
           <a:solidFill>
             <a:schemeClr val="tx1"/>
           </a:solidFill>
@@ -2864,8 +2919,8 @@
           <a:cs typeface="+mn-cs"/>
         </a:defRPr>
       </a:lvl6pPr>
-      <a:lvl7pPr marL="2194560" algn="l" defTabSz="731520" rtl="0" eaLnBrk="1" latinLnBrk="0" hangingPunct="1">
-        <a:defRPr sz="1440" kern="1200">
+      <a:lvl7pPr marL="2468880" algn="l" defTabSz="822960" rtl="0" eaLnBrk="1" latinLnBrk="0" hangingPunct="1">
+        <a:defRPr sz="1620" kern="1200">
           <a:solidFill>
             <a:schemeClr val="tx1"/>
           </a:solidFill>
@@ -2874,8 +2929,8 @@
           <a:cs typeface="+mn-cs"/>
         </a:defRPr>
       </a:lvl7pPr>
-      <a:lvl8pPr marL="2560320" algn="l" defTabSz="731520" rtl="0" eaLnBrk="1" latinLnBrk="0" hangingPunct="1">
-        <a:defRPr sz="1440" kern="1200">
+      <a:lvl8pPr marL="2880360" algn="l" defTabSz="822960" rtl="0" eaLnBrk="1" latinLnBrk="0" hangingPunct="1">
+        <a:defRPr sz="1620" kern="1200">
           <a:solidFill>
             <a:schemeClr val="tx1"/>
           </a:solidFill>
@@ -2884,8 +2939,8 @@
           <a:cs typeface="+mn-cs"/>
         </a:defRPr>
       </a:lvl8pPr>
-      <a:lvl9pPr marL="2926080" algn="l" defTabSz="731520" rtl="0" eaLnBrk="1" latinLnBrk="0" hangingPunct="1">
-        <a:defRPr sz="1440" kern="1200">
+      <a:lvl9pPr marL="3291840" algn="l" defTabSz="822960" rtl="0" eaLnBrk="1" latinLnBrk="0" hangingPunct="1">
+        <a:defRPr sz="1620" kern="1200">
           <a:solidFill>
             <a:schemeClr val="tx1"/>
           </a:solidFill>
@@ -2916,60 +2971,12 @@
           <a:chExt cx="0" cy="0"/>
         </a:xfrm>
       </p:grpSpPr>
-      <p:sp>
-        <p:nvSpPr>
-          <p:cNvPr id="10" name="Rectangle 9"/>
-          <p:cNvSpPr/>
-          <p:nvPr/>
-        </p:nvSpPr>
-        <p:spPr>
-          <a:xfrm>
-            <a:off x="2520776" y="107091"/>
-            <a:ext cx="428369" cy="304800"/>
-          </a:xfrm>
-          <a:prstGeom prst="rect">
-            <a:avLst/>
-          </a:prstGeom>
-          <a:solidFill>
-            <a:schemeClr val="bg1"/>
-          </a:solidFill>
-          <a:ln>
-            <a:solidFill>
-              <a:schemeClr val="bg1"/>
-            </a:solidFill>
-          </a:ln>
-        </p:spPr>
-        <p:style>
-          <a:lnRef idx="2">
-            <a:schemeClr val="accent1">
-              <a:shade val="50000"/>
-            </a:schemeClr>
-          </a:lnRef>
-          <a:fillRef idx="1">
-            <a:schemeClr val="accent1"/>
-          </a:fillRef>
-          <a:effectRef idx="0">
-            <a:schemeClr val="accent1"/>
-          </a:effectRef>
-          <a:fontRef idx="minor">
-            <a:schemeClr val="lt1"/>
-          </a:fontRef>
-        </p:style>
-        <p:txBody>
-          <a:bodyPr rtlCol="0" anchor="ctr"/>
-          <a:lstStyle/>
-          <a:p>
-            <a:pPr algn="ctr"/>
-            <a:endParaRPr lang="en-US"/>
-          </a:p>
-        </p:txBody>
-      </p:sp>
       <p:pic>
         <p:nvPicPr>
-          <p:cNvPr id="3" name="Picture 2">
+          <p:cNvPr id="123" name="Picture 122">
             <a:extLst>
               <a:ext uri="{FF2B5EF4-FFF2-40B4-BE49-F238E27FC236}">
-                <a16:creationId xmlns:a16="http://schemas.microsoft.com/office/drawing/2014/main" id="{DBC4BDA4-9FED-964C-B2B8-8EC4227B6E5A}"/>
+                <a16:creationId xmlns:a16="http://schemas.microsoft.com/office/drawing/2014/main" id="{77CECB3A-DB05-7042-9A5F-5003EE35CBB7}"/>
               </a:ext>
             </a:extLst>
           </p:cNvPr>
@@ -2986,36 +2993,6 @@
         </p:blipFill>
         <p:spPr>
           <a:xfrm>
-            <a:off x="34890" y="-2392"/>
-            <a:ext cx="2583268" cy="2621633"/>
-          </a:xfrm>
-          <a:prstGeom prst="rect">
-            <a:avLst/>
-          </a:prstGeom>
-        </p:spPr>
-      </p:pic>
-      <p:pic>
-        <p:nvPicPr>
-          <p:cNvPr id="5" name="Picture 4">
-            <a:extLst>
-              <a:ext uri="{FF2B5EF4-FFF2-40B4-BE49-F238E27FC236}">
-                <a16:creationId xmlns:a16="http://schemas.microsoft.com/office/drawing/2014/main" id="{E347BCCC-9C4A-EB44-85D5-053A96B1BD0F}"/>
-              </a:ext>
-            </a:extLst>
-          </p:cNvPr>
-          <p:cNvPicPr>
-            <a:picLocks noChangeAspect="1"/>
-          </p:cNvPicPr>
-          <p:nvPr/>
-        </p:nvPicPr>
-        <p:blipFill>
-          <a:blip r:embed="rId3"/>
-          <a:stretch>
-            <a:fillRect/>
-          </a:stretch>
-        </p:blipFill>
-        <p:spPr>
-          <a:xfrm>
             <a:off x="2949145" y="51936"/>
             <a:ext cx="5295900" cy="5448300"/>
           </a:xfrm>
@@ -3024,14 +3001,14 @@
           </a:prstGeom>
         </p:spPr>
       </p:pic>
-      <mc:AlternateContent xmlns:mc="http://schemas.openxmlformats.org/markup-compatibility/2006" xmlns:a14="http://schemas.microsoft.com/office/drawing/2010/main">
-        <mc:Choice Requires="a14">
+      <mc:AlternateContent xmlns:mc="http://schemas.openxmlformats.org/markup-compatibility/2006">
+        <mc:Choice xmlns:a14="http://schemas.microsoft.com/office/drawing/2010/main" Requires="a14">
           <p:sp>
             <p:nvSpPr>
-              <p:cNvPr id="6" name="TextBox 5">
+              <p:cNvPr id="124" name="TextBox 123">
                 <a:extLst>
                   <a:ext uri="{FF2B5EF4-FFF2-40B4-BE49-F238E27FC236}">
-                    <a16:creationId xmlns:a16="http://schemas.microsoft.com/office/drawing/2014/main" id="{F4E0F3FC-C8A9-5449-8403-E9DE5E878C78}"/>
+                    <a16:creationId xmlns:a16="http://schemas.microsoft.com/office/drawing/2014/main" id="{0BBBAE8F-CEED-184B-B595-7E01ABA56177}"/>
                   </a:ext>
                 </a:extLst>
               </p:cNvPr>
@@ -3040,7 +3017,7 @@
             </p:nvSpPr>
             <p:spPr>
               <a:xfrm>
-                <a:off x="2231150" y="-59539"/>
+                <a:off x="598583" y="4275846"/>
                 <a:ext cx="1931935" cy="1015663"/>
               </a:xfrm>
               <a:prstGeom prst="rect">
@@ -3089,13 +3066,13 @@
             </p:txBody>
           </p:sp>
         </mc:Choice>
-        <mc:Fallback xmlns="">
+        <mc:Fallback>
           <p:sp>
             <p:nvSpPr>
-              <p:cNvPr id="6" name="TextBox 5">
+              <p:cNvPr id="124" name="TextBox 123">
                 <a:extLst>
                   <a:ext uri="{FF2B5EF4-FFF2-40B4-BE49-F238E27FC236}">
-                    <a16:creationId xmlns:a16="http://schemas.microsoft.com/office/drawing/2014/main" id="{F4E0F3FC-C8A9-5449-8403-E9DE5E878C78}"/>
+                    <a16:creationId xmlns:a16="http://schemas.microsoft.com/office/drawing/2014/main" id="{0BBBAE8F-CEED-184B-B595-7E01ABA56177}"/>
                   </a:ext>
                 </a:extLst>
               </p:cNvPr>
@@ -3106,16 +3083,16 @@
             </p:nvSpPr>
             <p:spPr>
               <a:xfrm>
-                <a:off x="2231150" y="-59539"/>
+                <a:off x="598583" y="4275846"/>
                 <a:ext cx="1931935" cy="1015663"/>
               </a:xfrm>
               <a:prstGeom prst="rect">
                 <a:avLst/>
               </a:prstGeom>
               <a:blipFill>
-                <a:blip r:embed="rId4"/>
+                <a:blip r:embed="rId3"/>
                 <a:stretch>
-                  <a:fillRect t="-2500" r="-3268" b="-10000"/>
+                  <a:fillRect t="-2469" r="-3268" b="-8642"/>
                 </a:stretch>
               </a:blipFill>
             </p:spPr>
@@ -3134,374 +3111,12 @@
           </p:sp>
         </mc:Fallback>
       </mc:AlternateContent>
-      <p:grpSp>
-        <p:nvGrpSpPr>
-          <p:cNvPr id="14" name="Group 13">
+      <p:sp>
+        <p:nvSpPr>
+          <p:cNvPr id="125" name="TextBox 124">
             <a:extLst>
               <a:ext uri="{FF2B5EF4-FFF2-40B4-BE49-F238E27FC236}">
-                <a16:creationId xmlns:a16="http://schemas.microsoft.com/office/drawing/2014/main" id="{11A79C72-ED41-2145-9693-58456DACEB19}"/>
-              </a:ext>
-            </a:extLst>
-          </p:cNvPr>
-          <p:cNvGrpSpPr/>
-          <p:nvPr/>
-        </p:nvGrpSpPr>
-        <p:grpSpPr>
-          <a:xfrm>
-            <a:off x="0" y="2611785"/>
-            <a:ext cx="2636536" cy="2635158"/>
-            <a:chOff x="588068" y="2650711"/>
-            <a:chExt cx="2065933" cy="2055060"/>
-          </a:xfrm>
-        </p:grpSpPr>
-        <p:pic>
-          <p:nvPicPr>
-            <p:cNvPr id="13" name="Picture 12"/>
-            <p:cNvPicPr>
-              <a:picLocks noChangeAspect="1"/>
-            </p:cNvPicPr>
-            <p:nvPr/>
-          </p:nvPicPr>
-          <p:blipFill>
-            <a:blip r:embed="rId5">
-              <a:extLst>
-                <a:ext uri="{28A0092B-C50C-407E-A947-70E740481C1C}">
-                  <a14:useLocalDpi xmlns:a14="http://schemas.microsoft.com/office/drawing/2010/main" val="0"/>
-                </a:ext>
-              </a:extLst>
-            </a:blip>
-            <a:stretch>
-              <a:fillRect/>
-            </a:stretch>
-          </p:blipFill>
-          <p:spPr>
-            <a:xfrm>
-              <a:off x="588068" y="2650711"/>
-              <a:ext cx="2065933" cy="2055060"/>
-            </a:xfrm>
-            <a:prstGeom prst="rect">
-              <a:avLst/>
-            </a:prstGeom>
-          </p:spPr>
-        </p:pic>
-        <mc:AlternateContent xmlns:mc="http://schemas.openxmlformats.org/markup-compatibility/2006" xmlns:a14="http://schemas.microsoft.com/office/drawing/2010/main">
-          <mc:Choice Requires="a14">
-            <p:sp>
-              <p:nvSpPr>
-                <p:cNvPr id="7" name="TextBox 6">
-                  <a:extLst>
-                    <a:ext uri="{FF2B5EF4-FFF2-40B4-BE49-F238E27FC236}">
-                      <a16:creationId xmlns:a16="http://schemas.microsoft.com/office/drawing/2014/main" id="{DD2CFD4E-97EE-0141-A62E-D607EFFDD989}"/>
-                    </a:ext>
-                  </a:extLst>
-                </p:cNvPr>
-                <p:cNvSpPr txBox="1"/>
-                <p:nvPr/>
-              </p:nvSpPr>
-              <p:spPr>
-                <a:xfrm>
-                  <a:off x="1580798" y="3883289"/>
-                  <a:ext cx="208387" cy="400110"/>
-                </a:xfrm>
-                <a:prstGeom prst="rect">
-                  <a:avLst/>
-                </a:prstGeom>
-                <a:noFill/>
-              </p:spPr>
-              <p:txBody>
-                <a:bodyPr wrap="square" rtlCol="0">
-                  <a:spAutoFit/>
-                </a:bodyPr>
-                <a:lstStyle/>
-                <a:p>
-                  <a:pPr/>
-                  <a14:m>
-                    <m:oMathPara xmlns:m="http://schemas.openxmlformats.org/officeDocument/2006/math">
-                      <m:oMathParaPr>
-                        <m:jc m:val="centerGroup"/>
-                      </m:oMathParaPr>
-                      <m:oMath xmlns:m="http://schemas.openxmlformats.org/officeDocument/2006/math">
-                        <m:r>
-                          <a:rPr lang="en-US" sz="2000" i="1" smtClean="0">
-                            <a:latin typeface="Cambria Math" panose="02040503050406030204" pitchFamily="18" charset="0"/>
-                            <a:ea typeface="Cambria Math" panose="02040503050406030204" pitchFamily="18" charset="0"/>
-                          </a:rPr>
-                          <m:t>𝛾</m:t>
-                        </m:r>
-                      </m:oMath>
-                    </m:oMathPara>
-                  </a14:m>
-                  <a:endParaRPr lang="en-US" sz="2000" dirty="0"/>
-                </a:p>
-              </p:txBody>
-            </p:sp>
-          </mc:Choice>
-          <mc:Fallback xmlns="">
-            <p:sp>
-              <p:nvSpPr>
-                <p:cNvPr id="7" name="TextBox 6">
-                  <a:extLst>
-                    <a:ext uri="{FF2B5EF4-FFF2-40B4-BE49-F238E27FC236}">
-                      <a16:creationId xmlns:a16="http://schemas.microsoft.com/office/drawing/2014/main" id="{DD2CFD4E-97EE-0141-A62E-D607EFFDD989}"/>
-                    </a:ext>
-                  </a:extLst>
-                </p:cNvPr>
-                <p:cNvSpPr txBox="1">
-                  <a:spLocks noRot="1" noChangeAspect="1" noMove="1" noResize="1" noEditPoints="1" noAdjustHandles="1" noChangeArrowheads="1" noChangeShapeType="1" noTextEdit="1"/>
-                </p:cNvSpPr>
-                <p:nvPr/>
-              </p:nvSpPr>
-              <p:spPr>
-                <a:xfrm>
-                  <a:off x="1580798" y="3883289"/>
-                  <a:ext cx="208387" cy="400110"/>
-                </a:xfrm>
-                <a:prstGeom prst="rect">
-                  <a:avLst/>
-                </a:prstGeom>
-                <a:blipFill>
-                  <a:blip r:embed="rId6"/>
-                  <a:stretch>
-                    <a:fillRect r="-13636"/>
-                  </a:stretch>
-                </a:blipFill>
-              </p:spPr>
-              <p:txBody>
-                <a:bodyPr/>
-                <a:lstStyle/>
-                <a:p>
-                  <a:r>
-                    <a:rPr lang="en-US">
-                      <a:noFill/>
-                    </a:rPr>
-                    <a:t> </a:t>
-                  </a:r>
-                </a:p>
-              </p:txBody>
-            </p:sp>
-          </mc:Fallback>
-        </mc:AlternateContent>
-      </p:grpSp>
-      <p:sp>
-        <p:nvSpPr>
-          <p:cNvPr id="20" name="Rectangle 19">
-            <a:extLst>
-              <a:ext uri="{FF2B5EF4-FFF2-40B4-BE49-F238E27FC236}">
-                <a16:creationId xmlns:a16="http://schemas.microsoft.com/office/drawing/2014/main" id="{DE744771-6D38-6846-98E0-D9515106980F}"/>
-              </a:ext>
-            </a:extLst>
-          </p:cNvPr>
-          <p:cNvSpPr/>
-          <p:nvPr/>
-        </p:nvSpPr>
-        <p:spPr>
-          <a:xfrm>
-            <a:off x="1440689" y="3850277"/>
-            <a:ext cx="95667" cy="71846"/>
-          </a:xfrm>
-          <a:prstGeom prst="rect">
-            <a:avLst/>
-          </a:prstGeom>
-          <a:ln>
-            <a:noFill/>
-          </a:ln>
-        </p:spPr>
-        <p:style>
-          <a:lnRef idx="2">
-            <a:schemeClr val="accent6"/>
-          </a:lnRef>
-          <a:fillRef idx="1">
-            <a:schemeClr val="lt1"/>
-          </a:fillRef>
-          <a:effectRef idx="0">
-            <a:schemeClr val="accent6"/>
-          </a:effectRef>
-          <a:fontRef idx="minor">
-            <a:schemeClr val="dk1"/>
-          </a:fontRef>
-        </p:style>
-        <p:txBody>
-          <a:bodyPr rtlCol="0" anchor="ctr"/>
-          <a:lstStyle/>
-          <a:p>
-            <a:pPr algn="ctr"/>
-            <a:endParaRPr lang="en-US"/>
-          </a:p>
-        </p:txBody>
-      </p:sp>
-      <p:sp>
-        <p:nvSpPr>
-          <p:cNvPr id="8" name="TextBox 7">
-            <a:extLst>
-              <a:ext uri="{FF2B5EF4-FFF2-40B4-BE49-F238E27FC236}">
-                <a16:creationId xmlns:a16="http://schemas.microsoft.com/office/drawing/2014/main" id="{D227EE79-9879-7545-A3CA-3E67B2731846}"/>
-              </a:ext>
-            </a:extLst>
-          </p:cNvPr>
-          <p:cNvSpPr txBox="1"/>
-          <p:nvPr/>
-        </p:nvSpPr>
-        <p:spPr>
-          <a:xfrm>
-            <a:off x="642551" y="4819135"/>
-            <a:ext cx="1787611" cy="477795"/>
-          </a:xfrm>
-          <a:prstGeom prst="rect">
-            <a:avLst/>
-          </a:prstGeom>
-          <a:noFill/>
-        </p:spPr>
-        <p:txBody>
-          <a:bodyPr wrap="square" rtlCol="0">
-            <a:spAutoFit/>
-          </a:bodyPr>
-          <a:lstStyle/>
-          <a:p>
-            <a:endParaRPr lang="en-US" dirty="0"/>
-          </a:p>
-        </p:txBody>
-      </p:sp>
-      <p:sp>
-        <p:nvSpPr>
-          <p:cNvPr id="16" name="TextBox 15">
-            <a:extLst>
-              <a:ext uri="{FF2B5EF4-FFF2-40B4-BE49-F238E27FC236}">
-                <a16:creationId xmlns:a16="http://schemas.microsoft.com/office/drawing/2014/main" id="{8CFE6608-E14D-2F49-A530-02D95B134024}"/>
-              </a:ext>
-            </a:extLst>
-          </p:cNvPr>
-          <p:cNvSpPr txBox="1"/>
-          <p:nvPr/>
-        </p:nvSpPr>
-        <p:spPr>
-          <a:xfrm>
-            <a:off x="9997" y="5138065"/>
-            <a:ext cx="3145522" cy="400110"/>
-          </a:xfrm>
-          <a:prstGeom prst="rect">
-            <a:avLst/>
-          </a:prstGeom>
-          <a:noFill/>
-        </p:spPr>
-        <p:txBody>
-          <a:bodyPr wrap="square" rtlCol="0">
-            <a:spAutoFit/>
-          </a:bodyPr>
-          <a:lstStyle/>
-          <a:p>
-            <a:pPr algn="ctr"/>
-            <a:r>
-              <a:rPr lang="en-US" sz="2000" dirty="0">
-                <a:latin typeface="Times" pitchFamily="2" charset="0"/>
-              </a:rPr>
-              <a:t>Workspace with annotations</a:t>
-            </a:r>
-          </a:p>
-        </p:txBody>
-      </p:sp>
-      <mc:AlternateContent xmlns:mc="http://schemas.openxmlformats.org/markup-compatibility/2006" xmlns:a14="http://schemas.microsoft.com/office/drawing/2010/main">
-        <mc:Choice Requires="a14">
-          <p:sp>
-            <p:nvSpPr>
-              <p:cNvPr id="21" name="TextBox 20">
-                <a:extLst>
-                  <a:ext uri="{FF2B5EF4-FFF2-40B4-BE49-F238E27FC236}">
-                    <a16:creationId xmlns:a16="http://schemas.microsoft.com/office/drawing/2014/main" id="{989D518E-53B8-594D-BBEE-66256154F644}"/>
-                  </a:ext>
-                </a:extLst>
-              </p:cNvPr>
-              <p:cNvSpPr txBox="1"/>
-              <p:nvPr/>
-            </p:nvSpPr>
-            <p:spPr>
-              <a:xfrm>
-                <a:off x="882963" y="3390334"/>
-                <a:ext cx="228330" cy="453029"/>
-              </a:xfrm>
-              <a:prstGeom prst="rect">
-                <a:avLst/>
-              </a:prstGeom>
-              <a:noFill/>
-            </p:spPr>
-            <p:txBody>
-              <a:bodyPr wrap="square" rtlCol="0">
-                <a:spAutoFit/>
-              </a:bodyPr>
-              <a:lstStyle/>
-              <a:p>
-                <a:pPr/>
-                <a14:m>
-                  <m:oMathPara xmlns:m="http://schemas.openxmlformats.org/officeDocument/2006/math">
-                    <m:oMathParaPr>
-                      <m:jc m:val="centerGroup"/>
-                    </m:oMathParaPr>
-                    <m:oMath xmlns:m="http://schemas.openxmlformats.org/officeDocument/2006/math">
-                      <m:r>
-                        <a:rPr lang="en-US" sz="2000" i="1" smtClean="0">
-                          <a:latin typeface="Cambria Math" panose="02040503050406030204" pitchFamily="18" charset="0"/>
-                          <a:ea typeface="Cambria Math" panose="02040503050406030204" pitchFamily="18" charset="0"/>
-                        </a:rPr>
-                        <m:t>𝜓</m:t>
-                      </m:r>
-                    </m:oMath>
-                  </m:oMathPara>
-                </a14:m>
-                <a:endParaRPr lang="en-US" sz="2000" dirty="0"/>
-              </a:p>
-            </p:txBody>
-          </p:sp>
-        </mc:Choice>
-        <mc:Fallback xmlns="">
-          <p:sp>
-            <p:nvSpPr>
-              <p:cNvPr id="21" name="TextBox 20">
-                <a:extLst>
-                  <a:ext uri="{FF2B5EF4-FFF2-40B4-BE49-F238E27FC236}">
-                    <a16:creationId xmlns:a16="http://schemas.microsoft.com/office/drawing/2014/main" id="{989D518E-53B8-594D-BBEE-66256154F644}"/>
-                  </a:ext>
-                </a:extLst>
-              </p:cNvPr>
-              <p:cNvSpPr txBox="1">
-                <a:spLocks noRot="1" noChangeAspect="1" noMove="1" noResize="1" noEditPoints="1" noAdjustHandles="1" noChangeArrowheads="1" noChangeShapeType="1" noTextEdit="1"/>
-              </p:cNvSpPr>
-              <p:nvPr/>
-            </p:nvSpPr>
-            <p:spPr>
-              <a:xfrm>
-                <a:off x="882963" y="3390334"/>
-                <a:ext cx="228330" cy="453029"/>
-              </a:xfrm>
-              <a:prstGeom prst="rect">
-                <a:avLst/>
-              </a:prstGeom>
-              <a:blipFill>
-                <a:blip r:embed="rId7"/>
-                <a:stretch>
-                  <a:fillRect l="-10526" r="-63158"/>
-                </a:stretch>
-              </a:blipFill>
-            </p:spPr>
-            <p:txBody>
-              <a:bodyPr/>
-              <a:lstStyle/>
-              <a:p>
-                <a:r>
-                  <a:rPr lang="en-US">
-                    <a:noFill/>
-                  </a:rPr>
-                  <a:t> </a:t>
-                </a:r>
-              </a:p>
-            </p:txBody>
-          </p:sp>
-        </mc:Fallback>
-      </mc:AlternateContent>
-      <p:sp>
-        <p:nvSpPr>
-          <p:cNvPr id="22" name="TextBox 21">
-            <a:extLst>
-              <a:ext uri="{FF2B5EF4-FFF2-40B4-BE49-F238E27FC236}">
-                <a16:creationId xmlns:a16="http://schemas.microsoft.com/office/drawing/2014/main" id="{69EB5BE3-B613-3A46-BEA2-102708D6728C}"/>
+                <a16:creationId xmlns:a16="http://schemas.microsoft.com/office/drawing/2014/main" id="{05F060C3-7F10-7A49-B65F-4EA039803ED9}"/>
               </a:ext>
             </a:extLst>
           </p:cNvPr>
@@ -3543,10 +3158,10 @@
       </p:sp>
       <p:sp>
         <p:nvSpPr>
-          <p:cNvPr id="26" name="TextBox 25">
+          <p:cNvPr id="126" name="TextBox 125">
             <a:extLst>
               <a:ext uri="{FF2B5EF4-FFF2-40B4-BE49-F238E27FC236}">
-                <a16:creationId xmlns:a16="http://schemas.microsoft.com/office/drawing/2014/main" id="{D90249C8-A288-6441-971E-0F58B2719EE4}"/>
+                <a16:creationId xmlns:a16="http://schemas.microsoft.com/office/drawing/2014/main" id="{DE977D64-E498-CF46-9190-FCD28FB884AA}"/>
               </a:ext>
             </a:extLst>
           </p:cNvPr>
@@ -3588,10 +3203,10 @@
       </p:sp>
       <p:sp>
         <p:nvSpPr>
-          <p:cNvPr id="27" name="TextBox 26">
+          <p:cNvPr id="127" name="TextBox 126">
             <a:extLst>
               <a:ext uri="{FF2B5EF4-FFF2-40B4-BE49-F238E27FC236}">
-                <a16:creationId xmlns:a16="http://schemas.microsoft.com/office/drawing/2014/main" id="{8E595F3B-3EF5-CD4C-8086-AC48A49F2411}"/>
+                <a16:creationId xmlns:a16="http://schemas.microsoft.com/office/drawing/2014/main" id="{645C5479-B2A1-D443-838F-57B9FBCEFA8B}"/>
               </a:ext>
             </a:extLst>
           </p:cNvPr>
@@ -3633,10 +3248,10 @@
       </p:sp>
       <p:sp>
         <p:nvSpPr>
-          <p:cNvPr id="28" name="TextBox 27">
+          <p:cNvPr id="128" name="TextBox 127">
             <a:extLst>
               <a:ext uri="{FF2B5EF4-FFF2-40B4-BE49-F238E27FC236}">
-                <a16:creationId xmlns:a16="http://schemas.microsoft.com/office/drawing/2014/main" id="{B8424CCA-55BF-CE48-AA44-C7E9DAC9F79A}"/>
+                <a16:creationId xmlns:a16="http://schemas.microsoft.com/office/drawing/2014/main" id="{6EA89B08-D51E-AF47-8A93-788C5312970B}"/>
               </a:ext>
             </a:extLst>
           </p:cNvPr>
@@ -3676,12 +3291,71 @@
           </a:p>
         </p:txBody>
       </p:sp>
+      <p:sp>
+        <p:nvSpPr>
+          <p:cNvPr id="129" name="Chord 128">
+            <a:extLst>
+              <a:ext uri="{FF2B5EF4-FFF2-40B4-BE49-F238E27FC236}">
+                <a16:creationId xmlns:a16="http://schemas.microsoft.com/office/drawing/2014/main" id="{0138FEC6-12CA-DC43-91AD-07A4E4072353}"/>
+              </a:ext>
+            </a:extLst>
+          </p:cNvPr>
+          <p:cNvSpPr/>
+          <p:nvPr/>
+        </p:nvSpPr>
+        <p:spPr>
+          <a:xfrm>
+            <a:off x="3607874" y="283959"/>
+            <a:ext cx="2510538" cy="2566721"/>
+          </a:xfrm>
+          <a:prstGeom prst="chord">
+            <a:avLst>
+              <a:gd name="adj1" fmla="val 19816581"/>
+              <a:gd name="adj2" fmla="val 8229464"/>
+            </a:avLst>
+          </a:prstGeom>
+          <a:solidFill>
+            <a:srgbClr val="92D050">
+              <a:alpha val="40000"/>
+            </a:srgbClr>
+          </a:solidFill>
+          <a:ln>
+            <a:solidFill>
+              <a:srgbClr val="00B050"/>
+            </a:solidFill>
+          </a:ln>
+        </p:spPr>
+        <p:style>
+          <a:lnRef idx="2">
+            <a:schemeClr val="accent1">
+              <a:shade val="50000"/>
+            </a:schemeClr>
+          </a:lnRef>
+          <a:fillRef idx="1">
+            <a:schemeClr val="accent1"/>
+          </a:fillRef>
+          <a:effectRef idx="0">
+            <a:schemeClr val="accent1"/>
+          </a:effectRef>
+          <a:fontRef idx="minor">
+            <a:schemeClr val="lt1"/>
+          </a:fontRef>
+        </p:style>
+        <p:txBody>
+          <a:bodyPr rtlCol="0" anchor="ctr"/>
+          <a:lstStyle/>
+          <a:p>
+            <a:pPr algn="ctr"/>
+            <a:endParaRPr lang="en-US"/>
+          </a:p>
+        </p:txBody>
+      </p:sp>
       <p:cxnSp>
         <p:nvCxnSpPr>
-          <p:cNvPr id="37" name="Straight Arrow Connector 36">
+          <p:cNvPr id="130" name="Straight Arrow Connector 129">
             <a:extLst>
               <a:ext uri="{FF2B5EF4-FFF2-40B4-BE49-F238E27FC236}">
-                <a16:creationId xmlns:a16="http://schemas.microsoft.com/office/drawing/2014/main" id="{ACB02D1A-C569-514B-B200-459283121F89}"/>
+                <a16:creationId xmlns:a16="http://schemas.microsoft.com/office/drawing/2014/main" id="{F880EE41-2BE4-FD4C-89D5-B74A3F9FCA41}"/>
               </a:ext>
             </a:extLst>
           </p:cNvPr>
@@ -3721,14 +3395,14 @@
           </a:fontRef>
         </p:style>
       </p:cxnSp>
-      <mc:AlternateContent xmlns:mc="http://schemas.openxmlformats.org/markup-compatibility/2006" xmlns:a14="http://schemas.microsoft.com/office/drawing/2010/main">
-        <mc:Choice Requires="a14">
+      <mc:AlternateContent xmlns:mc="http://schemas.openxmlformats.org/markup-compatibility/2006">
+        <mc:Choice xmlns:a14="http://schemas.microsoft.com/office/drawing/2010/main" Requires="a14">
           <p:sp>
             <p:nvSpPr>
-              <p:cNvPr id="49" name="TextBox 48">
+              <p:cNvPr id="131" name="TextBox 130">
                 <a:extLst>
                   <a:ext uri="{FF2B5EF4-FFF2-40B4-BE49-F238E27FC236}">
-                    <a16:creationId xmlns:a16="http://schemas.microsoft.com/office/drawing/2014/main" id="{295B6608-B55F-044C-B976-0AD4BFD71BDA}"/>
+                    <a16:creationId xmlns:a16="http://schemas.microsoft.com/office/drawing/2014/main" id="{E87BE14D-DE68-094D-B1B9-A595D25C85EB}"/>
                   </a:ext>
                 </a:extLst>
               </p:cNvPr>
@@ -3792,13 +3466,13 @@
             </p:txBody>
           </p:sp>
         </mc:Choice>
-        <mc:Fallback xmlns="">
+        <mc:Fallback>
           <p:sp>
             <p:nvSpPr>
-              <p:cNvPr id="49" name="TextBox 48">
+              <p:cNvPr id="131" name="TextBox 130">
                 <a:extLst>
                   <a:ext uri="{FF2B5EF4-FFF2-40B4-BE49-F238E27FC236}">
-                    <a16:creationId xmlns:a16="http://schemas.microsoft.com/office/drawing/2014/main" id="{295B6608-B55F-044C-B976-0AD4BFD71BDA}"/>
+                    <a16:creationId xmlns:a16="http://schemas.microsoft.com/office/drawing/2014/main" id="{E87BE14D-DE68-094D-B1B9-A595D25C85EB}"/>
                   </a:ext>
                 </a:extLst>
               </p:cNvPr>
@@ -3816,7 +3490,7 @@
                 <a:avLst/>
               </a:prstGeom>
               <a:blipFill>
-                <a:blip r:embed="rId8"/>
+                <a:blip r:embed="rId4"/>
                 <a:stretch>
                   <a:fillRect r="-27273"/>
                 </a:stretch>
@@ -3839,69 +3513,10 @@
       </mc:AlternateContent>
       <p:sp>
         <p:nvSpPr>
-          <p:cNvPr id="11" name="Chord 10">
+          <p:cNvPr id="132" name="Oval 131">
             <a:extLst>
               <a:ext uri="{FF2B5EF4-FFF2-40B4-BE49-F238E27FC236}">
-                <a16:creationId xmlns:a16="http://schemas.microsoft.com/office/drawing/2014/main" id="{D31E04E3-5D95-AA48-A1BE-BBE21F923C24}"/>
-              </a:ext>
-            </a:extLst>
-          </p:cNvPr>
-          <p:cNvSpPr/>
-          <p:nvPr/>
-        </p:nvSpPr>
-        <p:spPr>
-          <a:xfrm>
-            <a:off x="67087" y="2670949"/>
-            <a:ext cx="2485886" cy="2518824"/>
-          </a:xfrm>
-          <a:prstGeom prst="chord">
-            <a:avLst>
-              <a:gd name="adj1" fmla="val 3181303"/>
-              <a:gd name="adj2" fmla="val 9825839"/>
-            </a:avLst>
-          </a:prstGeom>
-          <a:solidFill>
-            <a:srgbClr val="FF0000">
-              <a:alpha val="41000"/>
-            </a:srgbClr>
-          </a:solidFill>
-          <a:ln>
-            <a:solidFill>
-              <a:srgbClr val="FF0000"/>
-            </a:solidFill>
-          </a:ln>
-        </p:spPr>
-        <p:style>
-          <a:lnRef idx="2">
-            <a:schemeClr val="accent1">
-              <a:shade val="50000"/>
-            </a:schemeClr>
-          </a:lnRef>
-          <a:fillRef idx="1">
-            <a:schemeClr val="accent1"/>
-          </a:fillRef>
-          <a:effectRef idx="0">
-            <a:schemeClr val="accent1"/>
-          </a:effectRef>
-          <a:fontRef idx="minor">
-            <a:schemeClr val="lt1"/>
-          </a:fontRef>
-        </p:style>
-        <p:txBody>
-          <a:bodyPr rtlCol="0" anchor="ctr"/>
-          <a:lstStyle/>
-          <a:p>
-            <a:pPr algn="ctr"/>
-            <a:endParaRPr lang="en-US"/>
-          </a:p>
-        </p:txBody>
-      </p:sp>
-      <p:sp>
-        <p:nvSpPr>
-          <p:cNvPr id="52" name="Oval 51">
-            <a:extLst>
-              <a:ext uri="{FF2B5EF4-FFF2-40B4-BE49-F238E27FC236}">
-                <a16:creationId xmlns:a16="http://schemas.microsoft.com/office/drawing/2014/main" id="{8111E18A-881B-4F47-BEF3-14DF7279AE78}"/>
+                <a16:creationId xmlns:a16="http://schemas.microsoft.com/office/drawing/2014/main" id="{05E51C7F-CE0C-6240-900F-2B146BFF58A8}"/>
               </a:ext>
             </a:extLst>
           </p:cNvPr>
@@ -3944,10 +3559,10 @@
       </p:sp>
       <p:sp>
         <p:nvSpPr>
-          <p:cNvPr id="53" name="TextBox 52">
+          <p:cNvPr id="133" name="TextBox 132">
             <a:extLst>
               <a:ext uri="{FF2B5EF4-FFF2-40B4-BE49-F238E27FC236}">
-                <a16:creationId xmlns:a16="http://schemas.microsoft.com/office/drawing/2014/main" id="{AEE83C40-1CAD-8F4A-9D47-D94764A99B9B}"/>
+                <a16:creationId xmlns:a16="http://schemas.microsoft.com/office/drawing/2014/main" id="{57DFF4B3-3CC7-E047-8638-12D34A372441}"/>
               </a:ext>
             </a:extLst>
           </p:cNvPr>
@@ -3981,10 +3596,10 @@
       </p:sp>
       <p:cxnSp>
         <p:nvCxnSpPr>
-          <p:cNvPr id="55" name="Straight Connector 54">
+          <p:cNvPr id="134" name="Straight Connector 133">
             <a:extLst>
               <a:ext uri="{FF2B5EF4-FFF2-40B4-BE49-F238E27FC236}">
-                <a16:creationId xmlns:a16="http://schemas.microsoft.com/office/drawing/2014/main" id="{15DDB010-2584-8C4D-BE60-59FB95A2FF5D}"/>
+                <a16:creationId xmlns:a16="http://schemas.microsoft.com/office/drawing/2014/main" id="{53446AAF-D4DF-844D-9BD2-F4F57D06F939}"/>
               </a:ext>
             </a:extLst>
           </p:cNvPr>
@@ -4019,10 +3634,10 @@
       </p:cxnSp>
       <p:cxnSp>
         <p:nvCxnSpPr>
-          <p:cNvPr id="57" name="Straight Connector 56">
+          <p:cNvPr id="135" name="Straight Connector 134">
             <a:extLst>
               <a:ext uri="{FF2B5EF4-FFF2-40B4-BE49-F238E27FC236}">
-                <a16:creationId xmlns:a16="http://schemas.microsoft.com/office/drawing/2014/main" id="{8B8D38C2-DD6C-3D4C-B93B-75C6B772EA39}"/>
+                <a16:creationId xmlns:a16="http://schemas.microsoft.com/office/drawing/2014/main" id="{971A4C3A-179D-8446-8C2F-295A574EED41}"/>
               </a:ext>
             </a:extLst>
           </p:cNvPr>
@@ -4057,16 +3672,16 @@
       </p:cxnSp>
       <p:cxnSp>
         <p:nvCxnSpPr>
-          <p:cNvPr id="63" name="Straight Connector 62">
+          <p:cNvPr id="136" name="Straight Connector 135">
             <a:extLst>
               <a:ext uri="{FF2B5EF4-FFF2-40B4-BE49-F238E27FC236}">
-                <a16:creationId xmlns:a16="http://schemas.microsoft.com/office/drawing/2014/main" id="{A73781A8-B7EC-9D4A-A146-B917B7432533}"/>
+                <a16:creationId xmlns:a16="http://schemas.microsoft.com/office/drawing/2014/main" id="{3FAA551D-2C3A-AD4F-8D68-0F766B140D0D}"/>
               </a:ext>
             </a:extLst>
           </p:cNvPr>
           <p:cNvCxnSpPr>
             <a:cxnSpLocks/>
-            <a:stCxn id="52" idx="5"/>
+            <a:stCxn id="132" idx="5"/>
           </p:cNvCxnSpPr>
           <p:nvPr/>
         </p:nvCxnSpPr>
@@ -4096,10 +3711,10 @@
       </p:cxnSp>
       <p:cxnSp>
         <p:nvCxnSpPr>
-          <p:cNvPr id="66" name="Straight Connector 65">
+          <p:cNvPr id="137" name="Straight Connector 136">
             <a:extLst>
               <a:ext uri="{FF2B5EF4-FFF2-40B4-BE49-F238E27FC236}">
-                <a16:creationId xmlns:a16="http://schemas.microsoft.com/office/drawing/2014/main" id="{009B08CD-AFE3-654E-815C-71EA99446190}"/>
+                <a16:creationId xmlns:a16="http://schemas.microsoft.com/office/drawing/2014/main" id="{88C16D71-BBE0-BF47-BFB4-D89795C10037}"/>
               </a:ext>
             </a:extLst>
           </p:cNvPr>
@@ -4132,14 +3747,14 @@
           </a:fontRef>
         </p:style>
       </p:cxnSp>
-      <mc:AlternateContent xmlns:mc="http://schemas.openxmlformats.org/markup-compatibility/2006" xmlns:a14="http://schemas.microsoft.com/office/drawing/2010/main">
-        <mc:Choice Requires="a14">
+      <mc:AlternateContent xmlns:mc="http://schemas.openxmlformats.org/markup-compatibility/2006">
+        <mc:Choice xmlns:a14="http://schemas.microsoft.com/office/drawing/2010/main" Requires="a14">
           <p:sp>
             <p:nvSpPr>
-              <p:cNvPr id="69" name="TextBox 68">
+              <p:cNvPr id="138" name="TextBox 137">
                 <a:extLst>
                   <a:ext uri="{FF2B5EF4-FFF2-40B4-BE49-F238E27FC236}">
-                    <a16:creationId xmlns:a16="http://schemas.microsoft.com/office/drawing/2014/main" id="{C3C32A48-F709-DA4C-8F30-049ABD8C76EA}"/>
+                    <a16:creationId xmlns:a16="http://schemas.microsoft.com/office/drawing/2014/main" id="{DB2C300A-0771-FA49-BD16-913FF83A3ACE}"/>
                   </a:ext>
                 </a:extLst>
               </p:cNvPr>
@@ -4184,13 +3799,13 @@
             </p:txBody>
           </p:sp>
         </mc:Choice>
-        <mc:Fallback xmlns="">
+        <mc:Fallback>
           <p:sp>
             <p:nvSpPr>
-              <p:cNvPr id="69" name="TextBox 68">
+              <p:cNvPr id="138" name="TextBox 137">
                 <a:extLst>
                   <a:ext uri="{FF2B5EF4-FFF2-40B4-BE49-F238E27FC236}">
-                    <a16:creationId xmlns:a16="http://schemas.microsoft.com/office/drawing/2014/main" id="{C3C32A48-F709-DA4C-8F30-049ABD8C76EA}"/>
+                    <a16:creationId xmlns:a16="http://schemas.microsoft.com/office/drawing/2014/main" id="{DB2C300A-0771-FA49-BD16-913FF83A3ACE}"/>
                   </a:ext>
                 </a:extLst>
               </p:cNvPr>
@@ -4208,7 +3823,7 @@
                 <a:avLst/>
               </a:prstGeom>
               <a:blipFill>
-                <a:blip r:embed="rId10"/>
+                <a:blip r:embed="rId5"/>
                 <a:stretch>
                   <a:fillRect l="-10526" r="-63158"/>
                 </a:stretch>
@@ -4229,14 +3844,14 @@
           </p:sp>
         </mc:Fallback>
       </mc:AlternateContent>
-      <mc:AlternateContent xmlns:mc="http://schemas.openxmlformats.org/markup-compatibility/2006" xmlns:a14="http://schemas.microsoft.com/office/drawing/2010/main">
-        <mc:Choice Requires="a14">
+      <mc:AlternateContent xmlns:mc="http://schemas.openxmlformats.org/markup-compatibility/2006">
+        <mc:Choice xmlns:a14="http://schemas.microsoft.com/office/drawing/2010/main" Requires="a14">
           <p:sp>
             <p:nvSpPr>
-              <p:cNvPr id="70" name="TextBox 69">
+              <p:cNvPr id="139" name="TextBox 138">
                 <a:extLst>
                   <a:ext uri="{FF2B5EF4-FFF2-40B4-BE49-F238E27FC236}">
-                    <a16:creationId xmlns:a16="http://schemas.microsoft.com/office/drawing/2014/main" id="{48A12F36-261F-B543-BD31-EC2A14E903A5}"/>
+                    <a16:creationId xmlns:a16="http://schemas.microsoft.com/office/drawing/2014/main" id="{1275072B-3720-DF48-A499-BD3280A54C1C}"/>
                   </a:ext>
                 </a:extLst>
               </p:cNvPr>
@@ -4281,13 +3896,13 @@
             </p:txBody>
           </p:sp>
         </mc:Choice>
-        <mc:Fallback xmlns="">
+        <mc:Fallback>
           <p:sp>
             <p:nvSpPr>
-              <p:cNvPr id="70" name="TextBox 69">
+              <p:cNvPr id="139" name="TextBox 138">
                 <a:extLst>
                   <a:ext uri="{FF2B5EF4-FFF2-40B4-BE49-F238E27FC236}">
-                    <a16:creationId xmlns:a16="http://schemas.microsoft.com/office/drawing/2014/main" id="{48A12F36-261F-B543-BD31-EC2A14E903A5}"/>
+                    <a16:creationId xmlns:a16="http://schemas.microsoft.com/office/drawing/2014/main" id="{1275072B-3720-DF48-A499-BD3280A54C1C}"/>
                   </a:ext>
                 </a:extLst>
               </p:cNvPr>
@@ -4305,7 +3920,7 @@
                 <a:avLst/>
               </a:prstGeom>
               <a:blipFill>
-                <a:blip r:embed="rId11"/>
+                <a:blip r:embed="rId6"/>
                 <a:stretch>
                   <a:fillRect r="-31579"/>
                 </a:stretch>
@@ -4328,47 +3943,10 @@
       </mc:AlternateContent>
       <p:sp>
         <p:nvSpPr>
-          <p:cNvPr id="71" name="TextBox 70">
+          <p:cNvPr id="140" name="Arc 139">
             <a:extLst>
               <a:ext uri="{FF2B5EF4-FFF2-40B4-BE49-F238E27FC236}">
-                <a16:creationId xmlns:a16="http://schemas.microsoft.com/office/drawing/2014/main" id="{D4E66649-814C-7240-867C-7A823EF4A349}"/>
-              </a:ext>
-            </a:extLst>
-          </p:cNvPr>
-          <p:cNvSpPr txBox="1"/>
-          <p:nvPr/>
-        </p:nvSpPr>
-        <p:spPr>
-          <a:xfrm>
-            <a:off x="1199322" y="3648392"/>
-            <a:ext cx="333539" cy="331629"/>
-          </a:xfrm>
-          <a:prstGeom prst="rect">
-            <a:avLst/>
-          </a:prstGeom>
-          <a:noFill/>
-        </p:spPr>
-        <p:txBody>
-          <a:bodyPr wrap="square" rtlCol="0">
-            <a:spAutoFit/>
-          </a:bodyPr>
-          <a:lstStyle/>
-          <a:p>
-            <a:r>
-              <a:rPr lang="en-US" i="1" dirty="0">
-                <a:latin typeface="Times" pitchFamily="2" charset="0"/>
-              </a:rPr>
-              <a:t>c</a:t>
-            </a:r>
-          </a:p>
-        </p:txBody>
-      </p:sp>
-      <p:sp>
-        <p:nvSpPr>
-          <p:cNvPr id="73" name="Arc 72">
-            <a:extLst>
-              <a:ext uri="{FF2B5EF4-FFF2-40B4-BE49-F238E27FC236}">
-                <a16:creationId xmlns:a16="http://schemas.microsoft.com/office/drawing/2014/main" id="{DE76266A-2727-4F43-AA1C-5424F08CAA60}"/>
+                <a16:creationId xmlns:a16="http://schemas.microsoft.com/office/drawing/2014/main" id="{739E3DB7-9C7B-FC4D-9403-1F63B1798DD7}"/>
               </a:ext>
             </a:extLst>
           </p:cNvPr>
@@ -4419,10 +3997,10 @@
       </p:sp>
       <p:sp>
         <p:nvSpPr>
-          <p:cNvPr id="74" name="Arc 73">
+          <p:cNvPr id="141" name="Arc 140">
             <a:extLst>
               <a:ext uri="{FF2B5EF4-FFF2-40B4-BE49-F238E27FC236}">
-                <a16:creationId xmlns:a16="http://schemas.microsoft.com/office/drawing/2014/main" id="{6B405471-BA66-C842-B52B-2BE7BBA3F4F7}"/>
+                <a16:creationId xmlns:a16="http://schemas.microsoft.com/office/drawing/2014/main" id="{AF9946CA-199A-EC47-A007-2D5F8F378670}"/>
               </a:ext>
             </a:extLst>
           </p:cNvPr>
@@ -4471,225 +4049,751 @@
           </a:p>
         </p:txBody>
       </p:sp>
-      <p:cxnSp>
-        <p:nvCxnSpPr>
-          <p:cNvPr id="54" name="Straight Arrow Connector 53">
+      <p:grpSp>
+        <p:nvGrpSpPr>
+          <p:cNvPr id="142" name="Group 141">
             <a:extLst>
               <a:ext uri="{FF2B5EF4-FFF2-40B4-BE49-F238E27FC236}">
-                <a16:creationId xmlns:a16="http://schemas.microsoft.com/office/drawing/2014/main" id="{7183056C-2600-2D41-88F5-1094EDC98D61}"/>
+                <a16:creationId xmlns:a16="http://schemas.microsoft.com/office/drawing/2014/main" id="{3676F9A3-0646-9C48-B8F9-76965B19E0CF}"/>
               </a:ext>
             </a:extLst>
           </p:cNvPr>
-          <p:cNvCxnSpPr>
-            <a:cxnSpLocks/>
-          </p:cNvCxnSpPr>
+          <p:cNvGrpSpPr/>
           <p:nvPr/>
-        </p:nvCxnSpPr>
-        <p:spPr>
-          <a:xfrm flipH="1">
-            <a:off x="928409" y="4599838"/>
-            <a:ext cx="160516" cy="529207"/>
+        </p:nvGrpSpPr>
+        <p:grpSpPr>
+          <a:xfrm>
+            <a:off x="605340" y="5598407"/>
+            <a:ext cx="3145522" cy="3282244"/>
+            <a:chOff x="-305843" y="2611785"/>
+            <a:chExt cx="3145522" cy="3282244"/>
           </a:xfrm>
-          <a:prstGeom prst="straightConnector1">
-            <a:avLst/>
-          </a:prstGeom>
-          <a:ln>
-            <a:solidFill>
-              <a:schemeClr val="tx1"/>
-            </a:solidFill>
-            <a:headEnd type="stealth"/>
-            <a:tailEnd type="stealth"/>
-          </a:ln>
-        </p:spPr>
-        <p:style>
-          <a:lnRef idx="1">
-            <a:schemeClr val="accent1"/>
-          </a:lnRef>
-          <a:fillRef idx="0">
-            <a:schemeClr val="accent1"/>
-          </a:fillRef>
-          <a:effectRef idx="0">
-            <a:schemeClr val="accent1"/>
-          </a:effectRef>
-          <a:fontRef idx="minor">
-            <a:schemeClr val="tx1"/>
-          </a:fontRef>
-        </p:style>
-      </p:cxnSp>
-      <p:sp>
-        <p:nvSpPr>
-          <p:cNvPr id="9" name="Rectangle 8">
-            <a:extLst>
-              <a:ext uri="{FF2B5EF4-FFF2-40B4-BE49-F238E27FC236}">
-                <a16:creationId xmlns:a16="http://schemas.microsoft.com/office/drawing/2014/main" id="{F0E52AD6-A98D-4046-8430-E60827B27706}"/>
-              </a:ext>
-            </a:extLst>
-          </p:cNvPr>
-          <p:cNvSpPr/>
-          <p:nvPr/>
-        </p:nvSpPr>
-        <p:spPr>
-          <a:xfrm>
-            <a:off x="1152965" y="3706577"/>
-            <a:ext cx="113953" cy="131903"/>
-          </a:xfrm>
-          <a:prstGeom prst="rect">
-            <a:avLst/>
-          </a:prstGeom>
-          <a:solidFill>
-            <a:schemeClr val="bg1"/>
-          </a:solidFill>
-          <a:ln>
-            <a:noFill/>
-          </a:ln>
-        </p:spPr>
-        <p:style>
-          <a:lnRef idx="2">
-            <a:schemeClr val="accent1">
-              <a:shade val="50000"/>
-            </a:schemeClr>
-          </a:lnRef>
-          <a:fillRef idx="1">
-            <a:schemeClr val="accent1"/>
-          </a:fillRef>
-          <a:effectRef idx="0">
-            <a:schemeClr val="accent1"/>
-          </a:effectRef>
-          <a:fontRef idx="minor">
-            <a:schemeClr val="lt1"/>
-          </a:fontRef>
-        </p:style>
-        <p:txBody>
-          <a:bodyPr rtlCol="0" anchor="ctr"/>
-          <a:lstStyle/>
-          <a:p>
-            <a:pPr algn="ctr"/>
-            <a:endParaRPr lang="en-US"/>
-          </a:p>
-        </p:txBody>
-      </p:sp>
-      <mc:AlternateContent xmlns:mc="http://schemas.openxmlformats.org/markup-compatibility/2006" xmlns:a14="http://schemas.microsoft.com/office/drawing/2010/main">
-        <mc:Choice Requires="a14">
-          <p:sp>
-            <p:nvSpPr>
-              <p:cNvPr id="50" name="TextBox 49">
+        </p:grpSpPr>
+        <p:grpSp>
+          <p:nvGrpSpPr>
+            <p:cNvPr id="143" name="Group 142">
+              <a:extLst>
+                <a:ext uri="{FF2B5EF4-FFF2-40B4-BE49-F238E27FC236}">
+                  <a16:creationId xmlns:a16="http://schemas.microsoft.com/office/drawing/2014/main" id="{1E2734F2-36EC-2344-9494-9153ADBABA22}"/>
+                </a:ext>
+              </a:extLst>
+            </p:cNvPr>
+            <p:cNvGrpSpPr/>
+            <p:nvPr/>
+          </p:nvGrpSpPr>
+          <p:grpSpPr>
+            <a:xfrm>
+              <a:off x="0" y="2611785"/>
+              <a:ext cx="2636536" cy="2635158"/>
+              <a:chOff x="588068" y="2650711"/>
+              <a:chExt cx="2065933" cy="2055060"/>
+            </a:xfrm>
+          </p:grpSpPr>
+          <p:pic>
+            <p:nvPicPr>
+              <p:cNvPr id="152" name="Picture 151">
                 <a:extLst>
                   <a:ext uri="{FF2B5EF4-FFF2-40B4-BE49-F238E27FC236}">
-                    <a16:creationId xmlns:a16="http://schemas.microsoft.com/office/drawing/2014/main" id="{5368003F-B911-B24E-AF85-D4C32F9EB5E9}"/>
+                    <a16:creationId xmlns:a16="http://schemas.microsoft.com/office/drawing/2014/main" id="{0B5CF37D-5E3F-1743-996C-4843563D73AA}"/>
                   </a:ext>
                 </a:extLst>
               </p:cNvPr>
-              <p:cNvSpPr txBox="1"/>
+              <p:cNvPicPr>
+                <a:picLocks noChangeAspect="1"/>
+              </p:cNvPicPr>
               <p:nvPr/>
-            </p:nvSpPr>
+            </p:nvPicPr>
+            <p:blipFill>
+              <a:blip r:embed="rId7">
+                <a:extLst>
+                  <a:ext uri="{28A0092B-C50C-407E-A947-70E740481C1C}">
+                    <a14:useLocalDpi xmlns:a14="http://schemas.microsoft.com/office/drawing/2010/main" val="0"/>
+                  </a:ext>
+                </a:extLst>
+              </a:blip>
+              <a:stretch>
+                <a:fillRect/>
+              </a:stretch>
+            </p:blipFill>
             <p:spPr>
               <a:xfrm>
-                <a:off x="965201" y="4749266"/>
-                <a:ext cx="280028" cy="331629"/>
+                <a:off x="588068" y="2650711"/>
+                <a:ext cx="2065933" cy="2055060"/>
               </a:xfrm>
               <a:prstGeom prst="rect">
                 <a:avLst/>
               </a:prstGeom>
-              <a:noFill/>
             </p:spPr>
-            <p:txBody>
-              <a:bodyPr wrap="square" rtlCol="0">
-                <a:spAutoFit/>
-              </a:bodyPr>
-              <a:lstStyle/>
-              <a:p>
-                <a:pPr/>
-                <a14:m>
-                  <m:oMathPara xmlns:m="http://schemas.openxmlformats.org/officeDocument/2006/math">
-                    <m:oMathParaPr>
-                      <m:jc m:val="centerGroup"/>
-                    </m:oMathParaPr>
-                    <m:oMath xmlns:m="http://schemas.openxmlformats.org/officeDocument/2006/math">
-                      <m:sSub>
-                        <m:sSubPr>
-                          <m:ctrlPr>
-                            <a:rPr lang="en-US" b="0" i="1" smtClean="0">
-                              <a:latin typeface="Cambria Math" panose="02040503050406030204" pitchFamily="18" charset="0"/>
-                            </a:rPr>
-                          </m:ctrlPr>
-                        </m:sSubPr>
-                        <m:e>
+          </p:pic>
+          <mc:AlternateContent xmlns:mc="http://schemas.openxmlformats.org/markup-compatibility/2006" xmlns:a14="http://schemas.microsoft.com/office/drawing/2010/main">
+            <mc:Choice Requires="a14">
+              <p:sp>
+                <p:nvSpPr>
+                  <p:cNvPr id="153" name="TextBox 152">
+                    <a:extLst>
+                      <a:ext uri="{FF2B5EF4-FFF2-40B4-BE49-F238E27FC236}">
+                        <a16:creationId xmlns:a16="http://schemas.microsoft.com/office/drawing/2014/main" id="{DF0FE63F-3582-A543-A517-87278B30FA68}"/>
+                      </a:ext>
+                    </a:extLst>
+                  </p:cNvPr>
+                  <p:cNvSpPr txBox="1"/>
+                  <p:nvPr/>
+                </p:nvSpPr>
+                <p:spPr>
+                  <a:xfrm>
+                    <a:off x="1580798" y="3883289"/>
+                    <a:ext cx="208387" cy="400110"/>
+                  </a:xfrm>
+                  <a:prstGeom prst="rect">
+                    <a:avLst/>
+                  </a:prstGeom>
+                  <a:noFill/>
+                </p:spPr>
+                <p:txBody>
+                  <a:bodyPr wrap="square" rtlCol="0">
+                    <a:spAutoFit/>
+                  </a:bodyPr>
+                  <a:lstStyle/>
+                  <a:p>
+                    <a:pPr/>
+                    <a14:m>
+                      <m:oMathPara xmlns:m="http://schemas.openxmlformats.org/officeDocument/2006/math">
+                        <m:oMathParaPr>
+                          <m:jc m:val="centerGroup"/>
+                        </m:oMathParaPr>
+                        <m:oMath xmlns:m="http://schemas.openxmlformats.org/officeDocument/2006/math">
                           <m:r>
-                            <a:rPr lang="en-US" b="0" i="1" smtClean="0">
-                              <a:latin typeface="Cambria Math" panose="02040503050406030204" pitchFamily="18" charset="0"/>
-                            </a:rPr>
-                            <m:t>𝑑</m:t>
-                          </m:r>
-                        </m:e>
-                        <m:sub>
-                          <m:r>
-                            <a:rPr lang="en-US" b="0" i="1" smtClean="0">
+                            <a:rPr lang="en-US" sz="2000" i="1" smtClean="0">
                               <a:latin typeface="Cambria Math" panose="02040503050406030204" pitchFamily="18" charset="0"/>
                               <a:ea typeface="Cambria Math" panose="02040503050406030204" pitchFamily="18" charset="0"/>
                             </a:rPr>
-                            <m:t>⊥</m:t>
+                            <m:t>𝛾</m:t>
                           </m:r>
-                        </m:sub>
-                      </m:sSub>
+                        </m:oMath>
+                      </m:oMathPara>
+                    </a14:m>
+                    <a:endParaRPr lang="en-US" sz="2000" dirty="0"/>
+                  </a:p>
+                </p:txBody>
+              </p:sp>
+            </mc:Choice>
+            <mc:Fallback xmlns="">
+              <p:sp>
+                <p:nvSpPr>
+                  <p:cNvPr id="7" name="TextBox 6">
+                    <a:extLst>
+                      <a:ext uri="{FF2B5EF4-FFF2-40B4-BE49-F238E27FC236}">
+                        <a16:creationId xmlns:a16="http://schemas.microsoft.com/office/drawing/2014/main" id="{DD2CFD4E-97EE-0141-A62E-D607EFFDD989}"/>
+                      </a:ext>
+                    </a:extLst>
+                  </p:cNvPr>
+                  <p:cNvSpPr txBox="1">
+                    <a:spLocks noRot="1" noChangeAspect="1" noMove="1" noResize="1" noEditPoints="1" noAdjustHandles="1" noChangeArrowheads="1" noChangeShapeType="1" noTextEdit="1"/>
+                  </p:cNvSpPr>
+                  <p:nvPr/>
+                </p:nvSpPr>
+                <p:spPr>
+                  <a:xfrm>
+                    <a:off x="1580798" y="3883289"/>
+                    <a:ext cx="208387" cy="400110"/>
+                  </a:xfrm>
+                  <a:prstGeom prst="rect">
+                    <a:avLst/>
+                  </a:prstGeom>
+                  <a:blipFill>
+                    <a:blip r:embed="rId8"/>
+                    <a:stretch>
+                      <a:fillRect r="-13636"/>
+                    </a:stretch>
+                  </a:blipFill>
+                </p:spPr>
+                <p:txBody>
+                  <a:bodyPr/>
+                  <a:lstStyle/>
+                  <a:p>
+                    <a:r>
+                      <a:rPr lang="en-US">
+                        <a:noFill/>
+                      </a:rPr>
+                      <a:t> </a:t>
+                    </a:r>
+                  </a:p>
+                </p:txBody>
+              </p:sp>
+            </mc:Fallback>
+          </mc:AlternateContent>
+        </p:grpSp>
+        <p:sp>
+          <p:nvSpPr>
+            <p:cNvPr id="144" name="TextBox 143">
+              <a:extLst>
+                <a:ext uri="{FF2B5EF4-FFF2-40B4-BE49-F238E27FC236}">
+                  <a16:creationId xmlns:a16="http://schemas.microsoft.com/office/drawing/2014/main" id="{1CE76D02-1BEB-054D-9772-634B2A3256ED}"/>
+                </a:ext>
+              </a:extLst>
+            </p:cNvPr>
+            <p:cNvSpPr txBox="1"/>
+            <p:nvPr/>
+          </p:nvSpPr>
+          <p:spPr>
+            <a:xfrm>
+              <a:off x="642551" y="4819135"/>
+              <a:ext cx="1787611" cy="477795"/>
+            </a:xfrm>
+            <a:prstGeom prst="rect">
+              <a:avLst/>
+            </a:prstGeom>
+            <a:noFill/>
+          </p:spPr>
+          <p:txBody>
+            <a:bodyPr wrap="square" rtlCol="0">
+              <a:spAutoFit/>
+            </a:bodyPr>
+            <a:lstStyle/>
+            <a:p>
+              <a:endParaRPr lang="en-US" dirty="0"/>
+            </a:p>
+          </p:txBody>
+        </p:sp>
+        <mc:AlternateContent xmlns:mc="http://schemas.openxmlformats.org/markup-compatibility/2006">
+          <mc:Choice xmlns:a14="http://schemas.microsoft.com/office/drawing/2010/main" Requires="a14">
+            <p:sp>
+              <p:nvSpPr>
+                <p:cNvPr id="145" name="TextBox 144">
+                  <a:extLst>
+                    <a:ext uri="{FF2B5EF4-FFF2-40B4-BE49-F238E27FC236}">
+                      <a16:creationId xmlns:a16="http://schemas.microsoft.com/office/drawing/2014/main" id="{85AC8E5A-F0ED-D54A-A286-DEDF24718777}"/>
+                    </a:ext>
+                  </a:extLst>
+                </p:cNvPr>
+                <p:cNvSpPr txBox="1"/>
+                <p:nvPr/>
+              </p:nvSpPr>
+              <p:spPr>
+                <a:xfrm>
+                  <a:off x="-305843" y="5186143"/>
+                  <a:ext cx="3145522" cy="707886"/>
+                </a:xfrm>
+                <a:prstGeom prst="rect">
+                  <a:avLst/>
+                </a:prstGeom>
+                <a:noFill/>
+              </p:spPr>
+              <p:txBody>
+                <a:bodyPr wrap="square" rtlCol="0">
+                  <a:spAutoFit/>
+                </a:bodyPr>
+                <a:lstStyle/>
+                <a:p>
+                  <a:pPr algn="ctr"/>
+                  <a:r>
+                    <a:rPr lang="en-US" sz="2000" dirty="0">
+                      <a:latin typeface="Times" pitchFamily="2" charset="0"/>
+                    </a:rPr>
+                    <a:t>2-move reachable set </a:t>
+                  </a:r>
+                </a:p>
+                <a:p>
+                  <a:pPr algn="ctr"/>
+                  <a:r>
+                    <a:rPr lang="en-US" sz="2000" dirty="0">
+                      <a:latin typeface="Times" pitchFamily="2" charset="0"/>
+                    </a:rPr>
+                    <a:t>for </a:t>
+                  </a:r>
+                  <a14:m>
+                    <m:oMath xmlns:m="http://schemas.openxmlformats.org/officeDocument/2006/math">
+                      <m:r>
+                        <a:rPr lang="en-US" sz="2000" i="1">
+                          <a:latin typeface="Cambria Math" panose="02040503050406030204" pitchFamily="18" charset="0"/>
+                          <a:ea typeface="Cambria Math" panose="02040503050406030204" pitchFamily="18" charset="0"/>
+                        </a:rPr>
+                        <m:t>𝜓</m:t>
+                      </m:r>
+                      <m:r>
+                        <a:rPr lang="en-US" sz="2000" b="0" i="1" smtClean="0">
+                          <a:latin typeface="Cambria Math" panose="02040503050406030204" pitchFamily="18" charset="0"/>
+                          <a:ea typeface="Cambria Math" panose="02040503050406030204" pitchFamily="18" charset="0"/>
+                        </a:rPr>
+                        <m:t>=</m:t>
+                      </m:r>
+                      <m:r>
+                        <a:rPr lang="en-US" sz="2000" i="1">
+                          <a:latin typeface="Cambria Math" panose="02040503050406030204" pitchFamily="18" charset="0"/>
+                          <a:ea typeface="Cambria Math" panose="02040503050406030204" pitchFamily="18" charset="0"/>
+                        </a:rPr>
+                        <m:t>𝜓</m:t>
+                      </m:r>
                     </m:oMath>
-                  </m:oMathPara>
-                </a14:m>
-                <a:endParaRPr lang="en-US" dirty="0"/>
-              </a:p>
-            </p:txBody>
-          </p:sp>
-        </mc:Choice>
-        <mc:Fallback xmlns="">
-          <p:sp>
-            <p:nvSpPr>
-              <p:cNvPr id="50" name="TextBox 49">
-                <a:extLst>
-                  <a:ext uri="{FF2B5EF4-FFF2-40B4-BE49-F238E27FC236}">
-                    <a16:creationId xmlns:a16="http://schemas.microsoft.com/office/drawing/2014/main" id="{5368003F-B911-B24E-AF85-D4C32F9EB5E9}"/>
-                  </a:ext>
-                </a:extLst>
-              </p:cNvPr>
-              <p:cNvSpPr txBox="1">
-                <a:spLocks noRot="1" noChangeAspect="1" noMove="1" noResize="1" noEditPoints="1" noAdjustHandles="1" noChangeArrowheads="1" noChangeShapeType="1" noTextEdit="1"/>
-              </p:cNvSpPr>
-              <p:nvPr/>
-            </p:nvSpPr>
-            <p:spPr>
-              <a:xfrm>
-                <a:off x="965201" y="4749266"/>
-                <a:ext cx="280028" cy="331629"/>
-              </a:xfrm>
-              <a:prstGeom prst="rect">
-                <a:avLst/>
-              </a:prstGeom>
-              <a:blipFill>
-                <a:blip r:embed="rId12"/>
-                <a:stretch>
-                  <a:fillRect r="-26087"/>
-                </a:stretch>
-              </a:blipFill>
-            </p:spPr>
-            <p:txBody>
-              <a:bodyPr/>
-              <a:lstStyle/>
-              <a:p>
-                <a:r>
-                  <a:rPr lang="en-US">
-                    <a:noFill/>
-                  </a:rPr>
-                  <a:t> </a:t>
-                </a:r>
-              </a:p>
-            </p:txBody>
-          </p:sp>
-        </mc:Fallback>
-      </mc:AlternateContent>
-      <p:sp>
-        <p:nvSpPr>
-          <p:cNvPr id="2" name="Oval 1">
+                  </a14:m>
+                  <a:r>
+                    <a:rPr lang="en-US" sz="2000" baseline="-25000" dirty="0">
+                      <a:latin typeface="Times" pitchFamily="2" charset="0"/>
+                    </a:rPr>
+                    <a:t>max</a:t>
+                  </a:r>
+                </a:p>
+              </p:txBody>
+            </p:sp>
+          </mc:Choice>
+          <mc:Fallback>
+            <p:sp>
+              <p:nvSpPr>
+                <p:cNvPr id="145" name="TextBox 144">
+                  <a:extLst>
+                    <a:ext uri="{FF2B5EF4-FFF2-40B4-BE49-F238E27FC236}">
+                      <a16:creationId xmlns:a16="http://schemas.microsoft.com/office/drawing/2014/main" id="{85AC8E5A-F0ED-D54A-A286-DEDF24718777}"/>
+                    </a:ext>
+                  </a:extLst>
+                </p:cNvPr>
+                <p:cNvSpPr txBox="1">
+                  <a:spLocks noRot="1" noChangeAspect="1" noMove="1" noResize="1" noEditPoints="1" noAdjustHandles="1" noChangeArrowheads="1" noChangeShapeType="1" noTextEdit="1"/>
+                </p:cNvSpPr>
+                <p:nvPr/>
+              </p:nvSpPr>
+              <p:spPr>
+                <a:xfrm>
+                  <a:off x="-305843" y="5186143"/>
+                  <a:ext cx="3145522" cy="707886"/>
+                </a:xfrm>
+                <a:prstGeom prst="rect">
+                  <a:avLst/>
+                </a:prstGeom>
+                <a:blipFill>
+                  <a:blip r:embed="rId9"/>
+                  <a:stretch>
+                    <a:fillRect t="-5357" b="-14286"/>
+                  </a:stretch>
+                </a:blipFill>
+              </p:spPr>
+              <p:txBody>
+                <a:bodyPr/>
+                <a:lstStyle/>
+                <a:p>
+                  <a:r>
+                    <a:rPr lang="en-US">
+                      <a:noFill/>
+                    </a:rPr>
+                    <a:t> </a:t>
+                  </a:r>
+                </a:p>
+              </p:txBody>
+            </p:sp>
+          </mc:Fallback>
+        </mc:AlternateContent>
+        <mc:AlternateContent xmlns:mc="http://schemas.openxmlformats.org/markup-compatibility/2006">
+          <mc:Choice xmlns:a14="http://schemas.microsoft.com/office/drawing/2010/main" Requires="a14">
+            <p:sp>
+              <p:nvSpPr>
+                <p:cNvPr id="146" name="TextBox 145">
+                  <a:extLst>
+                    <a:ext uri="{FF2B5EF4-FFF2-40B4-BE49-F238E27FC236}">
+                      <a16:creationId xmlns:a16="http://schemas.microsoft.com/office/drawing/2014/main" id="{D1B7E665-64C9-2E41-923B-62D773950CEF}"/>
+                    </a:ext>
+                  </a:extLst>
+                </p:cNvPr>
+                <p:cNvSpPr txBox="1"/>
+                <p:nvPr/>
+              </p:nvSpPr>
+              <p:spPr>
+                <a:xfrm>
+                  <a:off x="882963" y="3390334"/>
+                  <a:ext cx="228330" cy="453029"/>
+                </a:xfrm>
+                <a:prstGeom prst="rect">
+                  <a:avLst/>
+                </a:prstGeom>
+                <a:noFill/>
+              </p:spPr>
+              <p:txBody>
+                <a:bodyPr wrap="square" rtlCol="0">
+                  <a:spAutoFit/>
+                </a:bodyPr>
+                <a:lstStyle/>
+                <a:p>
+                  <a:pPr/>
+                  <a14:m>
+                    <m:oMathPara xmlns:m="http://schemas.openxmlformats.org/officeDocument/2006/math">
+                      <m:oMathParaPr>
+                        <m:jc m:val="centerGroup"/>
+                      </m:oMathParaPr>
+                      <m:oMath xmlns:m="http://schemas.openxmlformats.org/officeDocument/2006/math">
+                        <m:r>
+                          <a:rPr lang="en-US" sz="2000" i="1" smtClean="0">
+                            <a:latin typeface="Cambria Math" panose="02040503050406030204" pitchFamily="18" charset="0"/>
+                            <a:ea typeface="Cambria Math" panose="02040503050406030204" pitchFamily="18" charset="0"/>
+                          </a:rPr>
+                          <m:t>𝜓</m:t>
+                        </m:r>
+                      </m:oMath>
+                    </m:oMathPara>
+                  </a14:m>
+                  <a:endParaRPr lang="en-US" sz="2000" dirty="0"/>
+                </a:p>
+              </p:txBody>
+            </p:sp>
+          </mc:Choice>
+          <mc:Fallback>
+            <p:sp>
+              <p:nvSpPr>
+                <p:cNvPr id="146" name="TextBox 145">
+                  <a:extLst>
+                    <a:ext uri="{FF2B5EF4-FFF2-40B4-BE49-F238E27FC236}">
+                      <a16:creationId xmlns:a16="http://schemas.microsoft.com/office/drawing/2014/main" id="{D1B7E665-64C9-2E41-923B-62D773950CEF}"/>
+                    </a:ext>
+                  </a:extLst>
+                </p:cNvPr>
+                <p:cNvSpPr txBox="1">
+                  <a:spLocks noRot="1" noChangeAspect="1" noMove="1" noResize="1" noEditPoints="1" noAdjustHandles="1" noChangeArrowheads="1" noChangeShapeType="1" noTextEdit="1"/>
+                </p:cNvSpPr>
+                <p:nvPr/>
+              </p:nvSpPr>
+              <p:spPr>
+                <a:xfrm>
+                  <a:off x="882963" y="3390334"/>
+                  <a:ext cx="228330" cy="453029"/>
+                </a:xfrm>
+                <a:prstGeom prst="rect">
+                  <a:avLst/>
+                </a:prstGeom>
+                <a:blipFill>
+                  <a:blip r:embed="rId10"/>
+                  <a:stretch>
+                    <a:fillRect l="-5263" r="-63158"/>
+                  </a:stretch>
+                </a:blipFill>
+              </p:spPr>
+              <p:txBody>
+                <a:bodyPr/>
+                <a:lstStyle/>
+                <a:p>
+                  <a:r>
+                    <a:rPr lang="en-US">
+                      <a:noFill/>
+                    </a:rPr>
+                    <a:t> </a:t>
+                  </a:r>
+                </a:p>
+              </p:txBody>
+            </p:sp>
+          </mc:Fallback>
+        </mc:AlternateContent>
+        <p:sp>
+          <p:nvSpPr>
+            <p:cNvPr id="147" name="Chord 146">
+              <a:extLst>
+                <a:ext uri="{FF2B5EF4-FFF2-40B4-BE49-F238E27FC236}">
+                  <a16:creationId xmlns:a16="http://schemas.microsoft.com/office/drawing/2014/main" id="{01B91F0A-7842-3349-9A89-27B35B99A43A}"/>
+                </a:ext>
+              </a:extLst>
+            </p:cNvPr>
+            <p:cNvSpPr/>
+            <p:nvPr/>
+          </p:nvSpPr>
+          <p:spPr>
+            <a:xfrm>
+              <a:off x="67087" y="2670949"/>
+              <a:ext cx="2485886" cy="2518824"/>
+            </a:xfrm>
+            <a:prstGeom prst="chord">
+              <a:avLst>
+                <a:gd name="adj1" fmla="val 3130979"/>
+                <a:gd name="adj2" fmla="val 9825839"/>
+              </a:avLst>
+            </a:prstGeom>
+            <a:solidFill>
+              <a:srgbClr val="FF0000">
+                <a:alpha val="41000"/>
+              </a:srgbClr>
+            </a:solidFill>
+            <a:ln>
+              <a:solidFill>
+                <a:srgbClr val="FF0000"/>
+              </a:solidFill>
+            </a:ln>
+          </p:spPr>
+          <p:style>
+            <a:lnRef idx="2">
+              <a:schemeClr val="accent1">
+                <a:shade val="50000"/>
+              </a:schemeClr>
+            </a:lnRef>
+            <a:fillRef idx="1">
+              <a:schemeClr val="accent1"/>
+            </a:fillRef>
+            <a:effectRef idx="0">
+              <a:schemeClr val="accent1"/>
+            </a:effectRef>
+            <a:fontRef idx="minor">
+              <a:schemeClr val="lt1"/>
+            </a:fontRef>
+          </p:style>
+          <p:txBody>
+            <a:bodyPr rtlCol="0" anchor="ctr"/>
+            <a:lstStyle/>
+            <a:p>
+              <a:pPr algn="ctr"/>
+              <a:endParaRPr lang="en-US"/>
+            </a:p>
+          </p:txBody>
+        </p:sp>
+        <p:sp>
+          <p:nvSpPr>
+            <p:cNvPr id="148" name="TextBox 147">
+              <a:extLst>
+                <a:ext uri="{FF2B5EF4-FFF2-40B4-BE49-F238E27FC236}">
+                  <a16:creationId xmlns:a16="http://schemas.microsoft.com/office/drawing/2014/main" id="{52BB6D6B-68A9-834B-9DAA-6C5B39D80483}"/>
+                </a:ext>
+              </a:extLst>
+            </p:cNvPr>
+            <p:cNvSpPr txBox="1"/>
+            <p:nvPr/>
+          </p:nvSpPr>
+          <p:spPr>
+            <a:xfrm>
+              <a:off x="1178380" y="3649440"/>
+              <a:ext cx="333539" cy="331629"/>
+            </a:xfrm>
+            <a:prstGeom prst="rect">
+              <a:avLst/>
+            </a:prstGeom>
+            <a:noFill/>
+          </p:spPr>
+          <p:txBody>
+            <a:bodyPr wrap="square" rtlCol="0">
+              <a:spAutoFit/>
+            </a:bodyPr>
+            <a:lstStyle/>
+            <a:p>
+              <a:r>
+                <a:rPr lang="en-US" i="1" dirty="0">
+                  <a:latin typeface="Times" pitchFamily="2" charset="0"/>
+                </a:rPr>
+                <a:t>c</a:t>
+              </a:r>
+            </a:p>
+          </p:txBody>
+        </p:sp>
+        <p:cxnSp>
+          <p:nvCxnSpPr>
+            <p:cNvPr id="149" name="Straight Arrow Connector 148">
+              <a:extLst>
+                <a:ext uri="{FF2B5EF4-FFF2-40B4-BE49-F238E27FC236}">
+                  <a16:creationId xmlns:a16="http://schemas.microsoft.com/office/drawing/2014/main" id="{9D2FAFD6-B73E-7343-9048-906476D471F4}"/>
+                </a:ext>
+              </a:extLst>
+            </p:cNvPr>
+            <p:cNvCxnSpPr>
+              <a:cxnSpLocks/>
+            </p:cNvCxnSpPr>
+            <p:nvPr/>
+          </p:nvCxnSpPr>
+          <p:spPr>
+            <a:xfrm flipH="1">
+              <a:off x="928409" y="4599838"/>
+              <a:ext cx="160516" cy="529207"/>
+            </a:xfrm>
+            <a:prstGeom prst="straightConnector1">
+              <a:avLst/>
+            </a:prstGeom>
+            <a:ln>
+              <a:solidFill>
+                <a:schemeClr val="tx1"/>
+              </a:solidFill>
+              <a:headEnd type="stealth"/>
+              <a:tailEnd type="stealth"/>
+            </a:ln>
+          </p:spPr>
+          <p:style>
+            <a:lnRef idx="1">
+              <a:schemeClr val="accent1"/>
+            </a:lnRef>
+            <a:fillRef idx="0">
+              <a:schemeClr val="accent1"/>
+            </a:fillRef>
+            <a:effectRef idx="0">
+              <a:schemeClr val="accent1"/>
+            </a:effectRef>
+            <a:fontRef idx="minor">
+              <a:schemeClr val="tx1"/>
+            </a:fontRef>
+          </p:style>
+        </p:cxnSp>
+        <p:sp>
+          <p:nvSpPr>
+            <p:cNvPr id="150" name="Rectangle 149">
+              <a:extLst>
+                <a:ext uri="{FF2B5EF4-FFF2-40B4-BE49-F238E27FC236}">
+                  <a16:creationId xmlns:a16="http://schemas.microsoft.com/office/drawing/2014/main" id="{54C47DAA-3E7C-DC48-9535-0BE390F1C1CE}"/>
+                </a:ext>
+              </a:extLst>
+            </p:cNvPr>
+            <p:cNvSpPr/>
+            <p:nvPr/>
+          </p:nvSpPr>
+          <p:spPr>
+            <a:xfrm>
+              <a:off x="1152965" y="3706577"/>
+              <a:ext cx="113953" cy="131903"/>
+            </a:xfrm>
+            <a:prstGeom prst="rect">
+              <a:avLst/>
+            </a:prstGeom>
+            <a:solidFill>
+              <a:schemeClr val="bg1"/>
+            </a:solidFill>
+            <a:ln>
+              <a:noFill/>
+            </a:ln>
+          </p:spPr>
+          <p:style>
+            <a:lnRef idx="2">
+              <a:schemeClr val="accent1">
+                <a:shade val="50000"/>
+              </a:schemeClr>
+            </a:lnRef>
+            <a:fillRef idx="1">
+              <a:schemeClr val="accent1"/>
+            </a:fillRef>
+            <a:effectRef idx="0">
+              <a:schemeClr val="accent1"/>
+            </a:effectRef>
+            <a:fontRef idx="minor">
+              <a:schemeClr val="lt1"/>
+            </a:fontRef>
+          </p:style>
+          <p:txBody>
+            <a:bodyPr rtlCol="0" anchor="ctr"/>
+            <a:lstStyle/>
+            <a:p>
+              <a:pPr algn="ctr"/>
+              <a:endParaRPr lang="en-US"/>
+            </a:p>
+          </p:txBody>
+        </p:sp>
+        <mc:AlternateContent xmlns:mc="http://schemas.openxmlformats.org/markup-compatibility/2006">
+          <mc:Choice xmlns:a14="http://schemas.microsoft.com/office/drawing/2010/main" Requires="a14">
+            <p:sp>
+              <p:nvSpPr>
+                <p:cNvPr id="151" name="TextBox 150">
+                  <a:extLst>
+                    <a:ext uri="{FF2B5EF4-FFF2-40B4-BE49-F238E27FC236}">
+                      <a16:creationId xmlns:a16="http://schemas.microsoft.com/office/drawing/2014/main" id="{422DC1F8-A983-204A-B7E6-7B69F5D14B9F}"/>
+                    </a:ext>
+                  </a:extLst>
+                </p:cNvPr>
+                <p:cNvSpPr txBox="1"/>
+                <p:nvPr/>
+              </p:nvSpPr>
+              <p:spPr>
+                <a:xfrm>
+                  <a:off x="965201" y="4749266"/>
+                  <a:ext cx="280028" cy="331629"/>
+                </a:xfrm>
+                <a:prstGeom prst="rect">
+                  <a:avLst/>
+                </a:prstGeom>
+                <a:noFill/>
+              </p:spPr>
+              <p:txBody>
+                <a:bodyPr wrap="square" rtlCol="0">
+                  <a:spAutoFit/>
+                </a:bodyPr>
+                <a:lstStyle/>
+                <a:p>
+                  <a:pPr/>
+                  <a14:m>
+                    <m:oMathPara xmlns:m="http://schemas.openxmlformats.org/officeDocument/2006/math">
+                      <m:oMathParaPr>
+                        <m:jc m:val="centerGroup"/>
+                      </m:oMathParaPr>
+                      <m:oMath xmlns:m="http://schemas.openxmlformats.org/officeDocument/2006/math">
+                        <m:sSub>
+                          <m:sSubPr>
+                            <m:ctrlPr>
+                              <a:rPr lang="en-US" b="0" i="1" smtClean="0">
+                                <a:latin typeface="Cambria Math" panose="02040503050406030204" pitchFamily="18" charset="0"/>
+                              </a:rPr>
+                            </m:ctrlPr>
+                          </m:sSubPr>
+                          <m:e>
+                            <m:r>
+                              <a:rPr lang="en-US" b="0" i="1" smtClean="0">
+                                <a:latin typeface="Cambria Math" panose="02040503050406030204" pitchFamily="18" charset="0"/>
+                              </a:rPr>
+                              <m:t>𝑑</m:t>
+                            </m:r>
+                          </m:e>
+                          <m:sub>
+                            <m:r>
+                              <a:rPr lang="en-US" b="0" i="1" smtClean="0">
+                                <a:latin typeface="Cambria Math" panose="02040503050406030204" pitchFamily="18" charset="0"/>
+                                <a:ea typeface="Cambria Math" panose="02040503050406030204" pitchFamily="18" charset="0"/>
+                              </a:rPr>
+                              <m:t>⊥</m:t>
+                            </m:r>
+                          </m:sub>
+                        </m:sSub>
+                      </m:oMath>
+                    </m:oMathPara>
+                  </a14:m>
+                  <a:endParaRPr lang="en-US" dirty="0"/>
+                </a:p>
+              </p:txBody>
+            </p:sp>
+          </mc:Choice>
+          <mc:Fallback>
+            <p:sp>
+              <p:nvSpPr>
+                <p:cNvPr id="151" name="TextBox 150">
+                  <a:extLst>
+                    <a:ext uri="{FF2B5EF4-FFF2-40B4-BE49-F238E27FC236}">
+                      <a16:creationId xmlns:a16="http://schemas.microsoft.com/office/drawing/2014/main" id="{422DC1F8-A983-204A-B7E6-7B69F5D14B9F}"/>
+                    </a:ext>
+                  </a:extLst>
+                </p:cNvPr>
+                <p:cNvSpPr txBox="1">
+                  <a:spLocks noRot="1" noChangeAspect="1" noMove="1" noResize="1" noEditPoints="1" noAdjustHandles="1" noChangeArrowheads="1" noChangeShapeType="1" noTextEdit="1"/>
+                </p:cNvSpPr>
+                <p:nvPr/>
+              </p:nvSpPr>
+              <p:spPr>
+                <a:xfrm>
+                  <a:off x="965201" y="4749266"/>
+                  <a:ext cx="280028" cy="331629"/>
+                </a:xfrm>
+                <a:prstGeom prst="rect">
+                  <a:avLst/>
+                </a:prstGeom>
+                <a:blipFill>
+                  <a:blip r:embed="rId11"/>
+                  <a:stretch>
+                    <a:fillRect r="-21739"/>
+                  </a:stretch>
+                </a:blipFill>
+              </p:spPr>
+              <p:txBody>
+                <a:bodyPr/>
+                <a:lstStyle/>
+                <a:p>
+                  <a:r>
+                    <a:rPr lang="en-US">
+                      <a:noFill/>
+                    </a:rPr>
+                    <a:t> </a:t>
+                  </a:r>
+                </a:p>
+              </p:txBody>
+            </p:sp>
+          </mc:Fallback>
+        </mc:AlternateContent>
+      </p:grpSp>
+      <p:sp>
+        <p:nvSpPr>
+          <p:cNvPr id="154" name="Oval 153">
             <a:extLst>
               <a:ext uri="{FF2B5EF4-FFF2-40B4-BE49-F238E27FC236}">
-                <a16:creationId xmlns:a16="http://schemas.microsoft.com/office/drawing/2014/main" id="{684D3EB0-1EC2-3347-B4E1-9C76B86B0778}"/>
+                <a16:creationId xmlns:a16="http://schemas.microsoft.com/office/drawing/2014/main" id="{B7221EE3-B45F-AF40-B57B-CE53AB8DE817}"/>
               </a:ext>
             </a:extLst>
           </p:cNvPr>
@@ -4738,10 +4842,10 @@
       </p:sp>
       <p:sp>
         <p:nvSpPr>
-          <p:cNvPr id="4" name="TextBox 3">
+          <p:cNvPr id="155" name="TextBox 154">
             <a:extLst>
               <a:ext uri="{FF2B5EF4-FFF2-40B4-BE49-F238E27FC236}">
-                <a16:creationId xmlns:a16="http://schemas.microsoft.com/office/drawing/2014/main" id="{477C822B-8D0B-3E4D-ACF9-75214C231241}"/>
+                <a16:creationId xmlns:a16="http://schemas.microsoft.com/office/drawing/2014/main" id="{291A51CE-7D1B-A645-B7CD-5B73D943880C}"/>
               </a:ext>
             </a:extLst>
           </p:cNvPr>
@@ -4775,10 +4879,10 @@
       </p:sp>
       <p:sp>
         <p:nvSpPr>
-          <p:cNvPr id="12" name="Oval 11">
+          <p:cNvPr id="156" name="Oval 155">
             <a:extLst>
               <a:ext uri="{FF2B5EF4-FFF2-40B4-BE49-F238E27FC236}">
-                <a16:creationId xmlns:a16="http://schemas.microsoft.com/office/drawing/2014/main" id="{2C692EF9-7481-EB4E-9378-AD84075B813D}"/>
+                <a16:creationId xmlns:a16="http://schemas.microsoft.com/office/drawing/2014/main" id="{5D3DB731-7ABC-9549-95F8-E340D788E6B9}"/>
               </a:ext>
             </a:extLst>
           </p:cNvPr>
@@ -4827,10 +4931,10 @@
       </p:sp>
       <p:sp>
         <p:nvSpPr>
-          <p:cNvPr id="15" name="TextBox 14">
+          <p:cNvPr id="157" name="TextBox 156">
             <a:extLst>
               <a:ext uri="{FF2B5EF4-FFF2-40B4-BE49-F238E27FC236}">
-                <a16:creationId xmlns:a16="http://schemas.microsoft.com/office/drawing/2014/main" id="{0B54FC28-14F2-5145-8292-065BA8FA1621}"/>
+                <a16:creationId xmlns:a16="http://schemas.microsoft.com/office/drawing/2014/main" id="{ABFAFDDD-26B2-B74F-8D26-0CA498CDE2EC}"/>
               </a:ext>
             </a:extLst>
           </p:cNvPr>
@@ -4864,10 +4968,10 @@
       </p:sp>
       <p:sp>
         <p:nvSpPr>
-          <p:cNvPr id="17" name="Chord 16">
+          <p:cNvPr id="159" name="Rectangle 158">
             <a:extLst>
               <a:ext uri="{FF2B5EF4-FFF2-40B4-BE49-F238E27FC236}">
-                <a16:creationId xmlns:a16="http://schemas.microsoft.com/office/drawing/2014/main" id="{4E5A8793-E847-244E-9875-491D02A2E7A7}"/>
+                <a16:creationId xmlns:a16="http://schemas.microsoft.com/office/drawing/2014/main" id="{FBCC18AF-6DAE-9A41-A96B-DB3E989CE331}"/>
               </a:ext>
             </a:extLst>
           </p:cNvPr>
@@ -4876,235 +4980,8 @@
         </p:nvSpPr>
         <p:spPr>
           <a:xfrm>
-            <a:off x="165331" y="148281"/>
-            <a:ext cx="2356729" cy="2356413"/>
-          </a:xfrm>
-          <a:prstGeom prst="chord">
-            <a:avLst>
-              <a:gd name="adj1" fmla="val 13627429"/>
-              <a:gd name="adj2" fmla="val 20666529"/>
-            </a:avLst>
-          </a:prstGeom>
-          <a:solidFill>
-            <a:schemeClr val="bg1"/>
-          </a:solidFill>
-          <a:ln>
-            <a:solidFill>
-              <a:schemeClr val="bg1"/>
-            </a:solidFill>
-          </a:ln>
-        </p:spPr>
-        <p:style>
-          <a:lnRef idx="2">
-            <a:schemeClr val="accent1">
-              <a:shade val="50000"/>
-            </a:schemeClr>
-          </a:lnRef>
-          <a:fillRef idx="1">
-            <a:schemeClr val="accent1"/>
-          </a:fillRef>
-          <a:effectRef idx="0">
-            <a:schemeClr val="accent1"/>
-          </a:effectRef>
-          <a:fontRef idx="minor">
-            <a:schemeClr val="lt1"/>
-          </a:fontRef>
-        </p:style>
-        <p:txBody>
-          <a:bodyPr rtlCol="0" anchor="ctr"/>
-          <a:lstStyle/>
-          <a:p>
-            <a:pPr algn="ctr"/>
-            <a:endParaRPr lang="en-US"/>
-          </a:p>
-        </p:txBody>
-      </p:sp>
-      <p:sp>
-        <p:nvSpPr>
-          <p:cNvPr id="41" name="Chord 40">
-            <a:extLst>
-              <a:ext uri="{FF2B5EF4-FFF2-40B4-BE49-F238E27FC236}">
-                <a16:creationId xmlns:a16="http://schemas.microsoft.com/office/drawing/2014/main" id="{1AF47EF5-6357-3246-A7A1-1B85B3D54A92}"/>
-              </a:ext>
-            </a:extLst>
-          </p:cNvPr>
-          <p:cNvSpPr/>
-          <p:nvPr/>
-        </p:nvSpPr>
-        <p:spPr>
-          <a:xfrm>
-            <a:off x="142883" y="171547"/>
-            <a:ext cx="2356729" cy="2356413"/>
-          </a:xfrm>
-          <a:prstGeom prst="chord">
-            <a:avLst>
-              <a:gd name="adj1" fmla="val 6493538"/>
-              <a:gd name="adj2" fmla="val 9801724"/>
-            </a:avLst>
-          </a:prstGeom>
-          <a:solidFill>
-            <a:schemeClr val="bg1"/>
-          </a:solidFill>
-          <a:ln>
-            <a:solidFill>
-              <a:schemeClr val="bg1"/>
-            </a:solidFill>
-          </a:ln>
-        </p:spPr>
-        <p:style>
-          <a:lnRef idx="2">
-            <a:schemeClr val="accent1">
-              <a:shade val="50000"/>
-            </a:schemeClr>
-          </a:lnRef>
-          <a:fillRef idx="1">
-            <a:schemeClr val="accent1"/>
-          </a:fillRef>
-          <a:effectRef idx="0">
-            <a:schemeClr val="accent1"/>
-          </a:effectRef>
-          <a:fontRef idx="minor">
-            <a:schemeClr val="lt1"/>
-          </a:fontRef>
-        </p:style>
-        <p:txBody>
-          <a:bodyPr rtlCol="0" anchor="ctr"/>
-          <a:lstStyle/>
-          <a:p>
-            <a:pPr algn="ctr"/>
-            <a:endParaRPr lang="en-US"/>
-          </a:p>
-        </p:txBody>
-      </p:sp>
-      <p:sp>
-        <p:nvSpPr>
-          <p:cNvPr id="42" name="Chord 41">
-            <a:extLst>
-              <a:ext uri="{FF2B5EF4-FFF2-40B4-BE49-F238E27FC236}">
-                <a16:creationId xmlns:a16="http://schemas.microsoft.com/office/drawing/2014/main" id="{4D590503-FB7D-7E43-B4EE-B79662F7DB38}"/>
-              </a:ext>
-            </a:extLst>
-          </p:cNvPr>
-          <p:cNvSpPr/>
-          <p:nvPr/>
-        </p:nvSpPr>
-        <p:spPr>
-          <a:xfrm>
-            <a:off x="148260" y="150774"/>
-            <a:ext cx="2356729" cy="2356413"/>
-          </a:xfrm>
-          <a:prstGeom prst="chord">
-            <a:avLst>
-              <a:gd name="adj1" fmla="val 2561802"/>
-              <a:gd name="adj2" fmla="val 6186821"/>
-            </a:avLst>
-          </a:prstGeom>
-          <a:solidFill>
-            <a:schemeClr val="bg1"/>
-          </a:solidFill>
-          <a:ln>
-            <a:solidFill>
-              <a:schemeClr val="bg1"/>
-            </a:solidFill>
-          </a:ln>
-        </p:spPr>
-        <p:style>
-          <a:lnRef idx="2">
-            <a:schemeClr val="accent1">
-              <a:shade val="50000"/>
-            </a:schemeClr>
-          </a:lnRef>
-          <a:fillRef idx="1">
-            <a:schemeClr val="accent1"/>
-          </a:fillRef>
-          <a:effectRef idx="0">
-            <a:schemeClr val="accent1"/>
-          </a:effectRef>
-          <a:fontRef idx="minor">
-            <a:schemeClr val="lt1"/>
-          </a:fontRef>
-        </p:style>
-        <p:txBody>
-          <a:bodyPr rtlCol="0" anchor="ctr"/>
-          <a:lstStyle/>
-          <a:p>
-            <a:pPr algn="ctr"/>
-            <a:endParaRPr lang="en-US"/>
-          </a:p>
-        </p:txBody>
-      </p:sp>
-      <p:sp>
-        <p:nvSpPr>
-          <p:cNvPr id="23" name="Triangle 22">
-            <a:extLst>
-              <a:ext uri="{FF2B5EF4-FFF2-40B4-BE49-F238E27FC236}">
-                <a16:creationId xmlns:a16="http://schemas.microsoft.com/office/drawing/2014/main" id="{10EE0FED-5C6A-604D-8A78-FA39A713373A}"/>
-              </a:ext>
-            </a:extLst>
-          </p:cNvPr>
-          <p:cNvSpPr/>
-          <p:nvPr/>
-        </p:nvSpPr>
-        <p:spPr>
-          <a:xfrm rot="20746103">
-            <a:off x="1024639" y="1967807"/>
-            <a:ext cx="1048971" cy="370871"/>
-          </a:xfrm>
-          <a:prstGeom prst="triangle">
-            <a:avLst>
-              <a:gd name="adj" fmla="val 41973"/>
-            </a:avLst>
-          </a:prstGeom>
-          <a:solidFill>
-            <a:schemeClr val="bg1"/>
-          </a:solidFill>
-          <a:ln>
-            <a:solidFill>
-              <a:schemeClr val="bg1"/>
-            </a:solidFill>
-          </a:ln>
-        </p:spPr>
-        <p:style>
-          <a:lnRef idx="2">
-            <a:schemeClr val="accent1">
-              <a:shade val="50000"/>
-            </a:schemeClr>
-          </a:lnRef>
-          <a:fillRef idx="1">
-            <a:schemeClr val="accent1"/>
-          </a:fillRef>
-          <a:effectRef idx="0">
-            <a:schemeClr val="accent1"/>
-          </a:effectRef>
-          <a:fontRef idx="minor">
-            <a:schemeClr val="lt1"/>
-          </a:fontRef>
-        </p:style>
-        <p:txBody>
-          <a:bodyPr rtlCol="0" anchor="ctr"/>
-          <a:lstStyle/>
-          <a:p>
-            <a:pPr algn="ctr"/>
-            <a:endParaRPr lang="en-US"/>
-          </a:p>
-        </p:txBody>
-      </p:sp>
-      <p:sp>
-        <p:nvSpPr>
-          <p:cNvPr id="25" name="Rectangle 24">
-            <a:extLst>
-              <a:ext uri="{FF2B5EF4-FFF2-40B4-BE49-F238E27FC236}">
-                <a16:creationId xmlns:a16="http://schemas.microsoft.com/office/drawing/2014/main" id="{6466C395-F79D-A54B-9A85-5CCD8AE0DFA9}"/>
-              </a:ext>
-            </a:extLst>
-          </p:cNvPr>
-          <p:cNvSpPr/>
-          <p:nvPr/>
-        </p:nvSpPr>
-        <p:spPr>
-          <a:xfrm rot="2658444">
-            <a:off x="149816" y="1774180"/>
-            <a:ext cx="1159993" cy="379251"/>
+            <a:off x="2631991" y="181233"/>
+            <a:ext cx="428369" cy="304800"/>
           </a:xfrm>
           <a:prstGeom prst="rect">
             <a:avLst/>
@@ -5143,12 +5020,1431 @@
           </a:p>
         </p:txBody>
       </p:sp>
-      <p:sp>
-        <p:nvSpPr>
-          <p:cNvPr id="47" name="Rectangle 46">
+      <p:grpSp>
+        <p:nvGrpSpPr>
+          <p:cNvPr id="182" name="Group 181">
             <a:extLst>
               <a:ext uri="{FF2B5EF4-FFF2-40B4-BE49-F238E27FC236}">
-                <a16:creationId xmlns:a16="http://schemas.microsoft.com/office/drawing/2014/main" id="{DDE4FA24-6C03-A944-BA7E-47E1812B8B30}"/>
+                <a16:creationId xmlns:a16="http://schemas.microsoft.com/office/drawing/2014/main" id="{47B75E33-BABE-FF4E-BE7F-0DEE863E7E51}"/>
+              </a:ext>
+            </a:extLst>
+          </p:cNvPr>
+          <p:cNvGrpSpPr/>
+          <p:nvPr/>
+        </p:nvGrpSpPr>
+        <p:grpSpPr>
+          <a:xfrm>
+            <a:off x="4675773" y="5592185"/>
+            <a:ext cx="3145522" cy="3445120"/>
+            <a:chOff x="3360902" y="5554921"/>
+            <a:chExt cx="3145522" cy="3445120"/>
+          </a:xfrm>
+        </p:grpSpPr>
+        <p:pic>
+          <p:nvPicPr>
+            <p:cNvPr id="122" name="Picture 121">
+              <a:extLst>
+                <a:ext uri="{FF2B5EF4-FFF2-40B4-BE49-F238E27FC236}">
+                  <a16:creationId xmlns:a16="http://schemas.microsoft.com/office/drawing/2014/main" id="{E9764BC8-D929-FE4D-98DB-D76032A39081}"/>
+                </a:ext>
+              </a:extLst>
+            </p:cNvPr>
+            <p:cNvPicPr>
+              <a:picLocks noChangeAspect="1"/>
+            </p:cNvPicPr>
+            <p:nvPr/>
+          </p:nvPicPr>
+          <p:blipFill>
+            <a:blip r:embed="rId12"/>
+            <a:stretch>
+              <a:fillRect/>
+            </a:stretch>
+          </p:blipFill>
+          <p:spPr>
+            <a:xfrm>
+              <a:off x="3446362" y="5554921"/>
+              <a:ext cx="2636536" cy="2636536"/>
+            </a:xfrm>
+            <a:prstGeom prst="rect">
+              <a:avLst/>
+            </a:prstGeom>
+          </p:spPr>
+        </p:pic>
+        <p:sp>
+          <p:nvSpPr>
+            <p:cNvPr id="169" name="Chord 168">
+              <a:extLst>
+                <a:ext uri="{FF2B5EF4-FFF2-40B4-BE49-F238E27FC236}">
+                  <a16:creationId xmlns:a16="http://schemas.microsoft.com/office/drawing/2014/main" id="{DCF2E5BA-64C9-3F45-A75C-789F85766458}"/>
+                </a:ext>
+              </a:extLst>
+            </p:cNvPr>
+            <p:cNvSpPr/>
+            <p:nvPr/>
+          </p:nvSpPr>
+          <p:spPr>
+            <a:xfrm>
+              <a:off x="3523223" y="5591474"/>
+              <a:ext cx="2510538" cy="2566721"/>
+            </a:xfrm>
+            <a:prstGeom prst="chord">
+              <a:avLst>
+                <a:gd name="adj1" fmla="val 19816581"/>
+                <a:gd name="adj2" fmla="val 8229464"/>
+              </a:avLst>
+            </a:prstGeom>
+            <a:solidFill>
+              <a:srgbClr val="92D050">
+                <a:alpha val="21000"/>
+              </a:srgbClr>
+            </a:solidFill>
+            <a:ln>
+              <a:solidFill>
+                <a:srgbClr val="00B050"/>
+              </a:solidFill>
+            </a:ln>
+          </p:spPr>
+          <p:style>
+            <a:lnRef idx="2">
+              <a:schemeClr val="accent1">
+                <a:shade val="50000"/>
+              </a:schemeClr>
+            </a:lnRef>
+            <a:fillRef idx="1">
+              <a:schemeClr val="accent1"/>
+            </a:fillRef>
+            <a:effectRef idx="0">
+              <a:schemeClr val="accent1"/>
+            </a:effectRef>
+            <a:fontRef idx="minor">
+              <a:schemeClr val="lt1"/>
+            </a:fontRef>
+          </p:style>
+          <p:txBody>
+            <a:bodyPr rtlCol="0" anchor="ctr"/>
+            <a:lstStyle/>
+            <a:p>
+              <a:pPr algn="ctr"/>
+              <a:endParaRPr lang="en-US"/>
+            </a:p>
+          </p:txBody>
+        </p:sp>
+        <mc:AlternateContent xmlns:mc="http://schemas.openxmlformats.org/markup-compatibility/2006">
+          <mc:Choice xmlns:a14="http://schemas.microsoft.com/office/drawing/2010/main" Requires="a14">
+            <p:sp>
+              <p:nvSpPr>
+                <p:cNvPr id="170" name="TextBox 169">
+                  <a:extLst>
+                    <a:ext uri="{FF2B5EF4-FFF2-40B4-BE49-F238E27FC236}">
+                      <a16:creationId xmlns:a16="http://schemas.microsoft.com/office/drawing/2014/main" id="{E2276E16-E1EF-0A42-9069-68E03A97F838}"/>
+                    </a:ext>
+                  </a:extLst>
+                </p:cNvPr>
+                <p:cNvSpPr txBox="1"/>
+                <p:nvPr/>
+              </p:nvSpPr>
+              <p:spPr>
+                <a:xfrm>
+                  <a:off x="4207583" y="6505828"/>
+                  <a:ext cx="228330" cy="453029"/>
+                </a:xfrm>
+                <a:prstGeom prst="rect">
+                  <a:avLst/>
+                </a:prstGeom>
+                <a:noFill/>
+              </p:spPr>
+              <p:txBody>
+                <a:bodyPr wrap="square" rtlCol="0">
+                  <a:spAutoFit/>
+                </a:bodyPr>
+                <a:lstStyle/>
+                <a:p>
+                  <a:pPr/>
+                  <a14:m>
+                    <m:oMathPara xmlns:m="http://schemas.openxmlformats.org/officeDocument/2006/math">
+                      <m:oMathParaPr>
+                        <m:jc m:val="centerGroup"/>
+                      </m:oMathParaPr>
+                      <m:oMath xmlns:m="http://schemas.openxmlformats.org/officeDocument/2006/math">
+                        <m:r>
+                          <a:rPr lang="en-US" sz="2000" i="1" smtClean="0">
+                            <a:latin typeface="Cambria Math" panose="02040503050406030204" pitchFamily="18" charset="0"/>
+                            <a:ea typeface="Cambria Math" panose="02040503050406030204" pitchFamily="18" charset="0"/>
+                          </a:rPr>
+                          <m:t>𝜓</m:t>
+                        </m:r>
+                      </m:oMath>
+                    </m:oMathPara>
+                  </a14:m>
+                  <a:endParaRPr lang="en-US" sz="2000" dirty="0"/>
+                </a:p>
+              </p:txBody>
+            </p:sp>
+          </mc:Choice>
+          <mc:Fallback>
+            <p:sp>
+              <p:nvSpPr>
+                <p:cNvPr id="170" name="TextBox 169">
+                  <a:extLst>
+                    <a:ext uri="{FF2B5EF4-FFF2-40B4-BE49-F238E27FC236}">
+                      <a16:creationId xmlns:a16="http://schemas.microsoft.com/office/drawing/2014/main" id="{E2276E16-E1EF-0A42-9069-68E03A97F838}"/>
+                    </a:ext>
+                  </a:extLst>
+                </p:cNvPr>
+                <p:cNvSpPr txBox="1">
+                  <a:spLocks noRot="1" noChangeAspect="1" noMove="1" noResize="1" noEditPoints="1" noAdjustHandles="1" noChangeArrowheads="1" noChangeShapeType="1" noTextEdit="1"/>
+                </p:cNvSpPr>
+                <p:nvPr/>
+              </p:nvSpPr>
+              <p:spPr>
+                <a:xfrm>
+                  <a:off x="4207583" y="6505828"/>
+                  <a:ext cx="228330" cy="453029"/>
+                </a:xfrm>
+                <a:prstGeom prst="rect">
+                  <a:avLst/>
+                </a:prstGeom>
+                <a:blipFill>
+                  <a:blip r:embed="rId13"/>
+                  <a:stretch>
+                    <a:fillRect l="-10526" r="-63158"/>
+                  </a:stretch>
+                </a:blipFill>
+              </p:spPr>
+              <p:txBody>
+                <a:bodyPr/>
+                <a:lstStyle/>
+                <a:p>
+                  <a:r>
+                    <a:rPr lang="en-US">
+                      <a:noFill/>
+                    </a:rPr>
+                    <a:t> </a:t>
+                  </a:r>
+                </a:p>
+              </p:txBody>
+            </p:sp>
+          </mc:Fallback>
+        </mc:AlternateContent>
+        <mc:AlternateContent xmlns:mc="http://schemas.openxmlformats.org/markup-compatibility/2006">
+          <mc:Choice xmlns:a14="http://schemas.microsoft.com/office/drawing/2010/main" Requires="a14">
+            <p:sp>
+              <p:nvSpPr>
+                <p:cNvPr id="171" name="TextBox 170">
+                  <a:extLst>
+                    <a:ext uri="{FF2B5EF4-FFF2-40B4-BE49-F238E27FC236}">
+                      <a16:creationId xmlns:a16="http://schemas.microsoft.com/office/drawing/2014/main" id="{EF9CF0DD-0989-B442-9C13-0AD60CDAA0C5}"/>
+                    </a:ext>
+                  </a:extLst>
+                </p:cNvPr>
+                <p:cNvSpPr txBox="1"/>
+                <p:nvPr/>
+              </p:nvSpPr>
+              <p:spPr>
+                <a:xfrm>
+                  <a:off x="4609286" y="7164731"/>
+                  <a:ext cx="265943" cy="513052"/>
+                </a:xfrm>
+                <a:prstGeom prst="rect">
+                  <a:avLst/>
+                </a:prstGeom>
+                <a:noFill/>
+              </p:spPr>
+              <p:txBody>
+                <a:bodyPr wrap="square" rtlCol="0">
+                  <a:spAutoFit/>
+                </a:bodyPr>
+                <a:lstStyle/>
+                <a:p>
+                  <a:pPr/>
+                  <a14:m>
+                    <m:oMathPara xmlns:m="http://schemas.openxmlformats.org/officeDocument/2006/math">
+                      <m:oMathParaPr>
+                        <m:jc m:val="centerGroup"/>
+                      </m:oMathParaPr>
+                      <m:oMath xmlns:m="http://schemas.openxmlformats.org/officeDocument/2006/math">
+                        <m:r>
+                          <a:rPr lang="en-US" sz="2000" i="1" smtClean="0">
+                            <a:latin typeface="Cambria Math" panose="02040503050406030204" pitchFamily="18" charset="0"/>
+                            <a:ea typeface="Cambria Math" panose="02040503050406030204" pitchFamily="18" charset="0"/>
+                          </a:rPr>
+                          <m:t>𝛾</m:t>
+                        </m:r>
+                      </m:oMath>
+                    </m:oMathPara>
+                  </a14:m>
+                  <a:endParaRPr lang="en-US" sz="2000" dirty="0"/>
+                </a:p>
+              </p:txBody>
+            </p:sp>
+          </mc:Choice>
+          <mc:Fallback>
+            <p:sp>
+              <p:nvSpPr>
+                <p:cNvPr id="171" name="TextBox 170">
+                  <a:extLst>
+                    <a:ext uri="{FF2B5EF4-FFF2-40B4-BE49-F238E27FC236}">
+                      <a16:creationId xmlns:a16="http://schemas.microsoft.com/office/drawing/2014/main" id="{EF9CF0DD-0989-B442-9C13-0AD60CDAA0C5}"/>
+                    </a:ext>
+                  </a:extLst>
+                </p:cNvPr>
+                <p:cNvSpPr txBox="1">
+                  <a:spLocks noRot="1" noChangeAspect="1" noMove="1" noResize="1" noEditPoints="1" noAdjustHandles="1" noChangeArrowheads="1" noChangeShapeType="1" noTextEdit="1"/>
+                </p:cNvSpPr>
+                <p:nvPr/>
+              </p:nvSpPr>
+              <p:spPr>
+                <a:xfrm>
+                  <a:off x="4609286" y="7164731"/>
+                  <a:ext cx="265943" cy="513052"/>
+                </a:xfrm>
+                <a:prstGeom prst="rect">
+                  <a:avLst/>
+                </a:prstGeom>
+                <a:blipFill>
+                  <a:blip r:embed="rId14"/>
+                  <a:stretch>
+                    <a:fillRect r="-18182"/>
+                  </a:stretch>
+                </a:blipFill>
+              </p:spPr>
+              <p:txBody>
+                <a:bodyPr/>
+                <a:lstStyle/>
+                <a:p>
+                  <a:r>
+                    <a:rPr lang="en-US">
+                      <a:noFill/>
+                    </a:rPr>
+                    <a:t> </a:t>
+                  </a:r>
+                </a:p>
+              </p:txBody>
+            </p:sp>
+          </mc:Fallback>
+        </mc:AlternateContent>
+        <mc:AlternateContent xmlns:mc="http://schemas.openxmlformats.org/markup-compatibility/2006">
+          <mc:Choice xmlns:a14="http://schemas.microsoft.com/office/drawing/2010/main" Requires="a14">
+            <p:sp>
+              <p:nvSpPr>
+                <p:cNvPr id="172" name="TextBox 171">
+                  <a:extLst>
+                    <a:ext uri="{FF2B5EF4-FFF2-40B4-BE49-F238E27FC236}">
+                      <a16:creationId xmlns:a16="http://schemas.microsoft.com/office/drawing/2014/main" id="{B01EE402-94B4-1B44-84CF-9A3894154E3F}"/>
+                    </a:ext>
+                  </a:extLst>
+                </p:cNvPr>
+                <p:cNvSpPr txBox="1"/>
+                <p:nvPr/>
+              </p:nvSpPr>
+              <p:spPr>
+                <a:xfrm>
+                  <a:off x="5176616" y="7162598"/>
+                  <a:ext cx="280028" cy="331629"/>
+                </a:xfrm>
+                <a:prstGeom prst="rect">
+                  <a:avLst/>
+                </a:prstGeom>
+                <a:noFill/>
+              </p:spPr>
+              <p:txBody>
+                <a:bodyPr wrap="square" rtlCol="0">
+                  <a:spAutoFit/>
+                </a:bodyPr>
+                <a:lstStyle/>
+                <a:p>
+                  <a:pPr/>
+                  <a14:m>
+                    <m:oMathPara xmlns:m="http://schemas.openxmlformats.org/officeDocument/2006/math">
+                      <m:oMathParaPr>
+                        <m:jc m:val="centerGroup"/>
+                      </m:oMathParaPr>
+                      <m:oMath xmlns:m="http://schemas.openxmlformats.org/officeDocument/2006/math">
+                        <m:sSub>
+                          <m:sSubPr>
+                            <m:ctrlPr>
+                              <a:rPr lang="en-US" b="0" i="1" smtClean="0">
+                                <a:latin typeface="Cambria Math" panose="02040503050406030204" pitchFamily="18" charset="0"/>
+                              </a:rPr>
+                            </m:ctrlPr>
+                          </m:sSubPr>
+                          <m:e>
+                            <m:r>
+                              <a:rPr lang="en-US" b="0" i="1" smtClean="0">
+                                <a:latin typeface="Cambria Math" panose="02040503050406030204" pitchFamily="18" charset="0"/>
+                              </a:rPr>
+                              <m:t>𝑑</m:t>
+                            </m:r>
+                          </m:e>
+                          <m:sub>
+                            <m:r>
+                              <a:rPr lang="en-US" b="0" i="1" smtClean="0">
+                                <a:latin typeface="Cambria Math" panose="02040503050406030204" pitchFamily="18" charset="0"/>
+                                <a:ea typeface="Cambria Math" panose="02040503050406030204" pitchFamily="18" charset="0"/>
+                              </a:rPr>
+                              <m:t>⊥</m:t>
+                            </m:r>
+                          </m:sub>
+                        </m:sSub>
+                      </m:oMath>
+                    </m:oMathPara>
+                  </a14:m>
+                  <a:endParaRPr lang="en-US" dirty="0"/>
+                </a:p>
+              </p:txBody>
+            </p:sp>
+          </mc:Choice>
+          <mc:Fallback>
+            <p:sp>
+              <p:nvSpPr>
+                <p:cNvPr id="172" name="TextBox 171">
+                  <a:extLst>
+                    <a:ext uri="{FF2B5EF4-FFF2-40B4-BE49-F238E27FC236}">
+                      <a16:creationId xmlns:a16="http://schemas.microsoft.com/office/drawing/2014/main" id="{B01EE402-94B4-1B44-84CF-9A3894154E3F}"/>
+                    </a:ext>
+                  </a:extLst>
+                </p:cNvPr>
+                <p:cNvSpPr txBox="1">
+                  <a:spLocks noRot="1" noChangeAspect="1" noMove="1" noResize="1" noEditPoints="1" noAdjustHandles="1" noChangeArrowheads="1" noChangeShapeType="1" noTextEdit="1"/>
+                </p:cNvSpPr>
+                <p:nvPr/>
+              </p:nvSpPr>
+              <p:spPr>
+                <a:xfrm>
+                  <a:off x="5176616" y="7162598"/>
+                  <a:ext cx="280028" cy="331629"/>
+                </a:xfrm>
+                <a:prstGeom prst="rect">
+                  <a:avLst/>
+                </a:prstGeom>
+                <a:blipFill>
+                  <a:blip r:embed="rId15"/>
+                  <a:stretch>
+                    <a:fillRect r="-26087"/>
+                  </a:stretch>
+                </a:blipFill>
+              </p:spPr>
+              <p:txBody>
+                <a:bodyPr/>
+                <a:lstStyle/>
+                <a:p>
+                  <a:r>
+                    <a:rPr lang="en-US">
+                      <a:noFill/>
+                    </a:rPr>
+                    <a:t> </a:t>
+                  </a:r>
+                </a:p>
+              </p:txBody>
+            </p:sp>
+          </mc:Fallback>
+        </mc:AlternateContent>
+        <p:cxnSp>
+          <p:nvCxnSpPr>
+            <p:cNvPr id="173" name="Straight Arrow Connector 172">
+              <a:extLst>
+                <a:ext uri="{FF2B5EF4-FFF2-40B4-BE49-F238E27FC236}">
+                  <a16:creationId xmlns:a16="http://schemas.microsoft.com/office/drawing/2014/main" id="{A0A11948-EE90-D546-8476-F82CE8E82906}"/>
+                </a:ext>
+              </a:extLst>
+            </p:cNvPr>
+            <p:cNvCxnSpPr>
+              <a:cxnSpLocks/>
+            </p:cNvCxnSpPr>
+            <p:nvPr/>
+          </p:nvCxnSpPr>
+          <p:spPr>
+            <a:xfrm>
+              <a:off x="4858624" y="6977253"/>
+              <a:ext cx="661114" cy="921911"/>
+            </a:xfrm>
+            <a:prstGeom prst="straightConnector1">
+              <a:avLst/>
+            </a:prstGeom>
+            <a:ln>
+              <a:solidFill>
+                <a:schemeClr val="tx1"/>
+              </a:solidFill>
+              <a:headEnd type="stealth"/>
+              <a:tailEnd type="stealth"/>
+            </a:ln>
+          </p:spPr>
+          <p:style>
+            <a:lnRef idx="1">
+              <a:schemeClr val="accent1"/>
+            </a:lnRef>
+            <a:fillRef idx="0">
+              <a:schemeClr val="accent1"/>
+            </a:fillRef>
+            <a:effectRef idx="0">
+              <a:schemeClr val="accent1"/>
+            </a:effectRef>
+            <a:fontRef idx="minor">
+              <a:schemeClr val="tx1"/>
+            </a:fontRef>
+          </p:style>
+        </p:cxnSp>
+        <mc:AlternateContent xmlns:mc="http://schemas.openxmlformats.org/markup-compatibility/2006">
+          <mc:Choice xmlns:a14="http://schemas.microsoft.com/office/drawing/2010/main" Requires="a14">
+            <p:sp>
+              <p:nvSpPr>
+                <p:cNvPr id="174" name="TextBox 173">
+                  <a:extLst>
+                    <a:ext uri="{FF2B5EF4-FFF2-40B4-BE49-F238E27FC236}">
+                      <a16:creationId xmlns:a16="http://schemas.microsoft.com/office/drawing/2014/main" id="{39D7230B-07F6-0E4A-B589-059FC69CB054}"/>
+                    </a:ext>
+                  </a:extLst>
+                </p:cNvPr>
+                <p:cNvSpPr txBox="1"/>
+                <p:nvPr/>
+              </p:nvSpPr>
+              <p:spPr>
+                <a:xfrm>
+                  <a:off x="3360902" y="8137433"/>
+                  <a:ext cx="3145522" cy="862608"/>
+                </a:xfrm>
+                <a:prstGeom prst="rect">
+                  <a:avLst/>
+                </a:prstGeom>
+                <a:noFill/>
+              </p:spPr>
+              <p:txBody>
+                <a:bodyPr wrap="square" rtlCol="0">
+                  <a:spAutoFit/>
+                </a:bodyPr>
+                <a:lstStyle/>
+                <a:p>
+                  <a:pPr algn="ctr"/>
+                  <a:r>
+                    <a:rPr lang="en-US" sz="2000" dirty="0">
+                      <a:latin typeface="Times" pitchFamily="2" charset="0"/>
+                    </a:rPr>
+                    <a:t>2-move reachable set </a:t>
+                  </a:r>
+                </a:p>
+                <a:p>
+                  <a:pPr algn="ctr"/>
+                  <a:r>
+                    <a:rPr lang="en-US" sz="2000" dirty="0">
+                      <a:latin typeface="Times" pitchFamily="2" charset="0"/>
+                    </a:rPr>
+                    <a:t>for </a:t>
+                  </a:r>
+                  <a14:m>
+                    <m:oMath xmlns:m="http://schemas.openxmlformats.org/officeDocument/2006/math">
+                      <m:r>
+                        <a:rPr lang="en-US" sz="2000" i="1">
+                          <a:latin typeface="Cambria Math" panose="02040503050406030204" pitchFamily="18" charset="0"/>
+                          <a:ea typeface="Cambria Math" panose="02040503050406030204" pitchFamily="18" charset="0"/>
+                        </a:rPr>
+                        <m:t>𝜓</m:t>
+                      </m:r>
+                      <m:r>
+                        <a:rPr lang="en-US" sz="2000" b="0" i="1" smtClean="0">
+                          <a:latin typeface="Cambria Math" panose="02040503050406030204" pitchFamily="18" charset="0"/>
+                          <a:ea typeface="Cambria Math" panose="02040503050406030204" pitchFamily="18" charset="0"/>
+                        </a:rPr>
+                        <m:t>=</m:t>
+                      </m:r>
+                      <m:f>
+                        <m:fPr>
+                          <m:ctrlPr>
+                            <a:rPr lang="en-US" sz="2000" b="0" i="1" smtClean="0">
+                              <a:latin typeface="Cambria Math" panose="02040503050406030204" pitchFamily="18" charset="0"/>
+                              <a:ea typeface="Cambria Math" panose="02040503050406030204" pitchFamily="18" charset="0"/>
+                            </a:rPr>
+                          </m:ctrlPr>
+                        </m:fPr>
+                        <m:num>
+                          <m:r>
+                            <a:rPr lang="en-US" sz="2000" i="1">
+                              <a:latin typeface="Cambria Math" panose="02040503050406030204" pitchFamily="18" charset="0"/>
+                              <a:ea typeface="Cambria Math" panose="02040503050406030204" pitchFamily="18" charset="0"/>
+                            </a:rPr>
+                            <m:t>17</m:t>
+                          </m:r>
+                          <m:r>
+                            <a:rPr lang="en-US" sz="2000" i="1">
+                              <a:latin typeface="Cambria Math" panose="02040503050406030204" pitchFamily="18" charset="0"/>
+                              <a:ea typeface="Cambria Math" panose="02040503050406030204" pitchFamily="18" charset="0"/>
+                            </a:rPr>
+                            <m:t>𝜋</m:t>
+                          </m:r>
+                        </m:num>
+                        <m:den>
+                          <m:r>
+                            <a:rPr lang="en-US" sz="2000" b="0" i="1" smtClean="0">
+                              <a:latin typeface="Cambria Math" panose="02040503050406030204" pitchFamily="18" charset="0"/>
+                              <a:ea typeface="Cambria Math" panose="02040503050406030204" pitchFamily="18" charset="0"/>
+                            </a:rPr>
+                            <m:t>10</m:t>
+                          </m:r>
+                        </m:den>
+                      </m:f>
+                    </m:oMath>
+                  </a14:m>
+                  <a:endParaRPr lang="en-US" sz="2000" baseline="-25000" dirty="0"/>
+                </a:p>
+              </p:txBody>
+            </p:sp>
+          </mc:Choice>
+          <mc:Fallback>
+            <p:sp>
+              <p:nvSpPr>
+                <p:cNvPr id="174" name="TextBox 173">
+                  <a:extLst>
+                    <a:ext uri="{FF2B5EF4-FFF2-40B4-BE49-F238E27FC236}">
+                      <a16:creationId xmlns:a16="http://schemas.microsoft.com/office/drawing/2014/main" id="{39D7230B-07F6-0E4A-B589-059FC69CB054}"/>
+                    </a:ext>
+                  </a:extLst>
+                </p:cNvPr>
+                <p:cNvSpPr txBox="1">
+                  <a:spLocks noRot="1" noChangeAspect="1" noMove="1" noResize="1" noEditPoints="1" noAdjustHandles="1" noChangeArrowheads="1" noChangeShapeType="1" noTextEdit="1"/>
+                </p:cNvSpPr>
+                <p:nvPr/>
+              </p:nvSpPr>
+              <p:spPr>
+                <a:xfrm>
+                  <a:off x="3360902" y="8137433"/>
+                  <a:ext cx="3145522" cy="862608"/>
+                </a:xfrm>
+                <a:prstGeom prst="rect">
+                  <a:avLst/>
+                </a:prstGeom>
+                <a:blipFill>
+                  <a:blip r:embed="rId16"/>
+                  <a:stretch>
+                    <a:fillRect t="-4348" b="-1449"/>
+                  </a:stretch>
+                </a:blipFill>
+              </p:spPr>
+              <p:txBody>
+                <a:bodyPr/>
+                <a:lstStyle/>
+                <a:p>
+                  <a:r>
+                    <a:rPr lang="en-US">
+                      <a:noFill/>
+                    </a:rPr>
+                    <a:t> </a:t>
+                  </a:r>
+                </a:p>
+              </p:txBody>
+            </p:sp>
+          </mc:Fallback>
+        </mc:AlternateContent>
+      </p:grpSp>
+      <p:grpSp>
+        <p:nvGrpSpPr>
+          <p:cNvPr id="180" name="Group 179">
+            <a:extLst>
+              <a:ext uri="{FF2B5EF4-FFF2-40B4-BE49-F238E27FC236}">
+                <a16:creationId xmlns:a16="http://schemas.microsoft.com/office/drawing/2014/main" id="{E1F96F4E-172B-B644-8F7C-34725D7C5688}"/>
+              </a:ext>
+            </a:extLst>
+          </p:cNvPr>
+          <p:cNvGrpSpPr/>
+          <p:nvPr/>
+        </p:nvGrpSpPr>
+        <p:grpSpPr>
+          <a:xfrm>
+            <a:off x="289931" y="1405348"/>
+            <a:ext cx="2583268" cy="2621633"/>
+            <a:chOff x="146105" y="71750"/>
+            <a:chExt cx="2583268" cy="2621633"/>
+          </a:xfrm>
+        </p:grpSpPr>
+        <p:pic>
+          <p:nvPicPr>
+            <p:cNvPr id="160" name="Picture 159">
+              <a:extLst>
+                <a:ext uri="{FF2B5EF4-FFF2-40B4-BE49-F238E27FC236}">
+                  <a16:creationId xmlns:a16="http://schemas.microsoft.com/office/drawing/2014/main" id="{26244795-0D9F-6848-BCF8-CAE76CC2510F}"/>
+                </a:ext>
+              </a:extLst>
+            </p:cNvPr>
+            <p:cNvPicPr>
+              <a:picLocks noChangeAspect="1"/>
+            </p:cNvPicPr>
+            <p:nvPr/>
+          </p:nvPicPr>
+          <p:blipFill>
+            <a:blip r:embed="rId17"/>
+            <a:stretch>
+              <a:fillRect/>
+            </a:stretch>
+          </p:blipFill>
+          <p:spPr>
+            <a:xfrm>
+              <a:off x="146105" y="71750"/>
+              <a:ext cx="2583268" cy="2621633"/>
+            </a:xfrm>
+            <a:prstGeom prst="rect">
+              <a:avLst/>
+            </a:prstGeom>
+          </p:spPr>
+        </p:pic>
+        <p:sp>
+          <p:nvSpPr>
+            <p:cNvPr id="161" name="Chord 160">
+              <a:extLst>
+                <a:ext uri="{FF2B5EF4-FFF2-40B4-BE49-F238E27FC236}">
+                  <a16:creationId xmlns:a16="http://schemas.microsoft.com/office/drawing/2014/main" id="{D5FD9476-59C5-F140-88F5-F8DCADC73897}"/>
+                </a:ext>
+              </a:extLst>
+            </p:cNvPr>
+            <p:cNvSpPr/>
+            <p:nvPr/>
+          </p:nvSpPr>
+          <p:spPr>
+            <a:xfrm>
+              <a:off x="276546" y="222423"/>
+              <a:ext cx="2356729" cy="2356413"/>
+            </a:xfrm>
+            <a:prstGeom prst="chord">
+              <a:avLst>
+                <a:gd name="adj1" fmla="val 13627429"/>
+                <a:gd name="adj2" fmla="val 20666529"/>
+              </a:avLst>
+            </a:prstGeom>
+            <a:solidFill>
+              <a:schemeClr val="bg1"/>
+            </a:solidFill>
+            <a:ln>
+              <a:solidFill>
+                <a:schemeClr val="bg1"/>
+              </a:solidFill>
+            </a:ln>
+          </p:spPr>
+          <p:style>
+            <a:lnRef idx="2">
+              <a:schemeClr val="accent1">
+                <a:shade val="50000"/>
+              </a:schemeClr>
+            </a:lnRef>
+            <a:fillRef idx="1">
+              <a:schemeClr val="accent1"/>
+            </a:fillRef>
+            <a:effectRef idx="0">
+              <a:schemeClr val="accent1"/>
+            </a:effectRef>
+            <a:fontRef idx="minor">
+              <a:schemeClr val="lt1"/>
+            </a:fontRef>
+          </p:style>
+          <p:txBody>
+            <a:bodyPr rtlCol="0" anchor="ctr"/>
+            <a:lstStyle/>
+            <a:p>
+              <a:pPr algn="ctr"/>
+              <a:endParaRPr lang="en-US"/>
+            </a:p>
+          </p:txBody>
+        </p:sp>
+        <p:sp>
+          <p:nvSpPr>
+            <p:cNvPr id="162" name="Chord 161">
+              <a:extLst>
+                <a:ext uri="{FF2B5EF4-FFF2-40B4-BE49-F238E27FC236}">
+                  <a16:creationId xmlns:a16="http://schemas.microsoft.com/office/drawing/2014/main" id="{686733E1-C752-F743-95F4-F0CBBE5E91F9}"/>
+                </a:ext>
+              </a:extLst>
+            </p:cNvPr>
+            <p:cNvSpPr/>
+            <p:nvPr/>
+          </p:nvSpPr>
+          <p:spPr>
+            <a:xfrm>
+              <a:off x="254098" y="245689"/>
+              <a:ext cx="2356729" cy="2356413"/>
+            </a:xfrm>
+            <a:prstGeom prst="chord">
+              <a:avLst>
+                <a:gd name="adj1" fmla="val 6493538"/>
+                <a:gd name="adj2" fmla="val 9801724"/>
+              </a:avLst>
+            </a:prstGeom>
+            <a:solidFill>
+              <a:schemeClr val="bg1"/>
+            </a:solidFill>
+            <a:ln>
+              <a:solidFill>
+                <a:schemeClr val="bg1"/>
+              </a:solidFill>
+            </a:ln>
+          </p:spPr>
+          <p:style>
+            <a:lnRef idx="2">
+              <a:schemeClr val="accent1">
+                <a:shade val="50000"/>
+              </a:schemeClr>
+            </a:lnRef>
+            <a:fillRef idx="1">
+              <a:schemeClr val="accent1"/>
+            </a:fillRef>
+            <a:effectRef idx="0">
+              <a:schemeClr val="accent1"/>
+            </a:effectRef>
+            <a:fontRef idx="minor">
+              <a:schemeClr val="lt1"/>
+            </a:fontRef>
+          </p:style>
+          <p:txBody>
+            <a:bodyPr rtlCol="0" anchor="ctr"/>
+            <a:lstStyle/>
+            <a:p>
+              <a:pPr algn="ctr"/>
+              <a:endParaRPr lang="en-US"/>
+            </a:p>
+          </p:txBody>
+        </p:sp>
+        <p:sp>
+          <p:nvSpPr>
+            <p:cNvPr id="163" name="Chord 162">
+              <a:extLst>
+                <a:ext uri="{FF2B5EF4-FFF2-40B4-BE49-F238E27FC236}">
+                  <a16:creationId xmlns:a16="http://schemas.microsoft.com/office/drawing/2014/main" id="{50DAC8B5-515E-9147-9C57-2B28C798BD62}"/>
+                </a:ext>
+              </a:extLst>
+            </p:cNvPr>
+            <p:cNvSpPr/>
+            <p:nvPr/>
+          </p:nvSpPr>
+          <p:spPr>
+            <a:xfrm>
+              <a:off x="259475" y="224916"/>
+              <a:ext cx="2356729" cy="2356413"/>
+            </a:xfrm>
+            <a:prstGeom prst="chord">
+              <a:avLst>
+                <a:gd name="adj1" fmla="val 2561802"/>
+                <a:gd name="adj2" fmla="val 6186821"/>
+              </a:avLst>
+            </a:prstGeom>
+            <a:solidFill>
+              <a:schemeClr val="bg1"/>
+            </a:solidFill>
+            <a:ln>
+              <a:solidFill>
+                <a:schemeClr val="bg1"/>
+              </a:solidFill>
+            </a:ln>
+          </p:spPr>
+          <p:style>
+            <a:lnRef idx="2">
+              <a:schemeClr val="accent1">
+                <a:shade val="50000"/>
+              </a:schemeClr>
+            </a:lnRef>
+            <a:fillRef idx="1">
+              <a:schemeClr val="accent1"/>
+            </a:fillRef>
+            <a:effectRef idx="0">
+              <a:schemeClr val="accent1"/>
+            </a:effectRef>
+            <a:fontRef idx="minor">
+              <a:schemeClr val="lt1"/>
+            </a:fontRef>
+          </p:style>
+          <p:txBody>
+            <a:bodyPr rtlCol="0" anchor="ctr"/>
+            <a:lstStyle/>
+            <a:p>
+              <a:pPr algn="ctr"/>
+              <a:endParaRPr lang="en-US"/>
+            </a:p>
+          </p:txBody>
+        </p:sp>
+        <p:sp>
+          <p:nvSpPr>
+            <p:cNvPr id="164" name="Triangle 163">
+              <a:extLst>
+                <a:ext uri="{FF2B5EF4-FFF2-40B4-BE49-F238E27FC236}">
+                  <a16:creationId xmlns:a16="http://schemas.microsoft.com/office/drawing/2014/main" id="{476F45EF-2C6D-4A42-AD45-28D3E65EBC10}"/>
+                </a:ext>
+              </a:extLst>
+            </p:cNvPr>
+            <p:cNvSpPr/>
+            <p:nvPr/>
+          </p:nvSpPr>
+          <p:spPr>
+            <a:xfrm rot="20746103">
+              <a:off x="1135854" y="2041949"/>
+              <a:ext cx="1048971" cy="370871"/>
+            </a:xfrm>
+            <a:prstGeom prst="triangle">
+              <a:avLst>
+                <a:gd name="adj" fmla="val 41973"/>
+              </a:avLst>
+            </a:prstGeom>
+            <a:solidFill>
+              <a:schemeClr val="bg1"/>
+            </a:solidFill>
+            <a:ln>
+              <a:solidFill>
+                <a:schemeClr val="bg1"/>
+              </a:solidFill>
+            </a:ln>
+          </p:spPr>
+          <p:style>
+            <a:lnRef idx="2">
+              <a:schemeClr val="accent1">
+                <a:shade val="50000"/>
+              </a:schemeClr>
+            </a:lnRef>
+            <a:fillRef idx="1">
+              <a:schemeClr val="accent1"/>
+            </a:fillRef>
+            <a:effectRef idx="0">
+              <a:schemeClr val="accent1"/>
+            </a:effectRef>
+            <a:fontRef idx="minor">
+              <a:schemeClr val="lt1"/>
+            </a:fontRef>
+          </p:style>
+          <p:txBody>
+            <a:bodyPr rtlCol="0" anchor="ctr"/>
+            <a:lstStyle/>
+            <a:p>
+              <a:pPr algn="ctr"/>
+              <a:endParaRPr lang="en-US"/>
+            </a:p>
+          </p:txBody>
+        </p:sp>
+        <p:sp>
+          <p:nvSpPr>
+            <p:cNvPr id="165" name="Rectangle 164">
+              <a:extLst>
+                <a:ext uri="{FF2B5EF4-FFF2-40B4-BE49-F238E27FC236}">
+                  <a16:creationId xmlns:a16="http://schemas.microsoft.com/office/drawing/2014/main" id="{EE7F3EF6-C432-464F-B8E4-34E71AD7EFE3}"/>
+                </a:ext>
+              </a:extLst>
+            </p:cNvPr>
+            <p:cNvSpPr/>
+            <p:nvPr/>
+          </p:nvSpPr>
+          <p:spPr>
+            <a:xfrm rot="2658444">
+              <a:off x="261031" y="1848322"/>
+              <a:ext cx="1159993" cy="379251"/>
+            </a:xfrm>
+            <a:prstGeom prst="rect">
+              <a:avLst/>
+            </a:prstGeom>
+            <a:solidFill>
+              <a:schemeClr val="bg1"/>
+            </a:solidFill>
+            <a:ln>
+              <a:solidFill>
+                <a:schemeClr val="bg1"/>
+              </a:solidFill>
+            </a:ln>
+          </p:spPr>
+          <p:style>
+            <a:lnRef idx="2">
+              <a:schemeClr val="accent1">
+                <a:shade val="50000"/>
+              </a:schemeClr>
+            </a:lnRef>
+            <a:fillRef idx="1">
+              <a:schemeClr val="accent1"/>
+            </a:fillRef>
+            <a:effectRef idx="0">
+              <a:schemeClr val="accent1"/>
+            </a:effectRef>
+            <a:fontRef idx="minor">
+              <a:schemeClr val="lt1"/>
+            </a:fontRef>
+          </p:style>
+          <p:txBody>
+            <a:bodyPr rtlCol="0" anchor="ctr"/>
+            <a:lstStyle/>
+            <a:p>
+              <a:pPr algn="ctr"/>
+              <a:endParaRPr lang="en-US"/>
+            </a:p>
+          </p:txBody>
+        </p:sp>
+        <p:sp>
+          <p:nvSpPr>
+            <p:cNvPr id="166" name="Rectangle 165">
+              <a:extLst>
+                <a:ext uri="{FF2B5EF4-FFF2-40B4-BE49-F238E27FC236}">
+                  <a16:creationId xmlns:a16="http://schemas.microsoft.com/office/drawing/2014/main" id="{1838012D-8368-9A49-A51D-EBDE3DD4F62C}"/>
+                </a:ext>
+              </a:extLst>
+            </p:cNvPr>
+            <p:cNvSpPr/>
+            <p:nvPr/>
+          </p:nvSpPr>
+          <p:spPr>
+            <a:xfrm rot="2658444">
+              <a:off x="946291" y="1930657"/>
+              <a:ext cx="867468" cy="379251"/>
+            </a:xfrm>
+            <a:prstGeom prst="rect">
+              <a:avLst/>
+            </a:prstGeom>
+            <a:solidFill>
+              <a:schemeClr val="bg1"/>
+            </a:solidFill>
+            <a:ln>
+              <a:solidFill>
+                <a:schemeClr val="bg1"/>
+              </a:solidFill>
+            </a:ln>
+          </p:spPr>
+          <p:style>
+            <a:lnRef idx="2">
+              <a:schemeClr val="accent1">
+                <a:shade val="50000"/>
+              </a:schemeClr>
+            </a:lnRef>
+            <a:fillRef idx="1">
+              <a:schemeClr val="accent1"/>
+            </a:fillRef>
+            <a:effectRef idx="0">
+              <a:schemeClr val="accent1"/>
+            </a:effectRef>
+            <a:fontRef idx="minor">
+              <a:schemeClr val="lt1"/>
+            </a:fontRef>
+          </p:style>
+          <p:txBody>
+            <a:bodyPr rtlCol="0" anchor="ctr"/>
+            <a:lstStyle/>
+            <a:p>
+              <a:pPr algn="ctr"/>
+              <a:endParaRPr lang="en-US"/>
+            </a:p>
+          </p:txBody>
+        </p:sp>
+        <p:cxnSp>
+          <p:nvCxnSpPr>
+            <p:cNvPr id="167" name="Straight Arrow Connector 166">
+              <a:extLst>
+                <a:ext uri="{FF2B5EF4-FFF2-40B4-BE49-F238E27FC236}">
+                  <a16:creationId xmlns:a16="http://schemas.microsoft.com/office/drawing/2014/main" id="{19D503D4-F40C-B743-98AF-690021FB970E}"/>
+                </a:ext>
+              </a:extLst>
+            </p:cNvPr>
+            <p:cNvCxnSpPr/>
+            <p:nvPr/>
+          </p:nvCxnSpPr>
+          <p:spPr>
+            <a:xfrm flipH="1">
+              <a:off x="1106362" y="1839161"/>
+              <a:ext cx="602994" cy="739616"/>
+            </a:xfrm>
+            <a:prstGeom prst="straightConnector1">
+              <a:avLst/>
+            </a:prstGeom>
+            <a:ln w="38100" cmpd="sng">
+              <a:tailEnd type="triangle"/>
+            </a:ln>
+          </p:spPr>
+          <p:style>
+            <a:lnRef idx="1">
+              <a:schemeClr val="accent1"/>
+            </a:lnRef>
+            <a:fillRef idx="0">
+              <a:schemeClr val="accent1"/>
+            </a:fillRef>
+            <a:effectRef idx="0">
+              <a:schemeClr val="accent1"/>
+            </a:effectRef>
+            <a:fontRef idx="minor">
+              <a:schemeClr val="tx1"/>
+            </a:fontRef>
+          </p:style>
+        </p:cxnSp>
+        <p:cxnSp>
+          <p:nvCxnSpPr>
+            <p:cNvPr id="168" name="Straight Arrow Connector 167">
+              <a:extLst>
+                <a:ext uri="{FF2B5EF4-FFF2-40B4-BE49-F238E27FC236}">
+                  <a16:creationId xmlns:a16="http://schemas.microsoft.com/office/drawing/2014/main" id="{29094189-F1A5-2044-99A6-23D6D745F821}"/>
+                </a:ext>
+              </a:extLst>
+            </p:cNvPr>
+            <p:cNvCxnSpPr/>
+            <p:nvPr/>
+          </p:nvCxnSpPr>
+          <p:spPr>
+            <a:xfrm flipH="1">
+              <a:off x="248563" y="1016196"/>
+              <a:ext cx="602994" cy="739616"/>
+            </a:xfrm>
+            <a:prstGeom prst="straightConnector1">
+              <a:avLst/>
+            </a:prstGeom>
+            <a:ln w="38100" cmpd="sng">
+              <a:tailEnd type="triangle"/>
+            </a:ln>
+          </p:spPr>
+          <p:style>
+            <a:lnRef idx="1">
+              <a:schemeClr val="accent1"/>
+            </a:lnRef>
+            <a:fillRef idx="0">
+              <a:schemeClr val="accent1"/>
+            </a:fillRef>
+            <a:effectRef idx="0">
+              <a:schemeClr val="accent1"/>
+            </a:effectRef>
+            <a:fontRef idx="minor">
+              <a:schemeClr val="tx1"/>
+            </a:fontRef>
+          </p:style>
+        </p:cxnSp>
+        <p:cxnSp>
+          <p:nvCxnSpPr>
+            <p:cNvPr id="175" name="Straight Connector 174">
+              <a:extLst>
+                <a:ext uri="{FF2B5EF4-FFF2-40B4-BE49-F238E27FC236}">
+                  <a16:creationId xmlns:a16="http://schemas.microsoft.com/office/drawing/2014/main" id="{9D2A587C-814F-154C-9ADE-223268AE98A3}"/>
+                </a:ext>
+              </a:extLst>
+            </p:cNvPr>
+            <p:cNvCxnSpPr/>
+            <p:nvPr/>
+          </p:nvCxnSpPr>
+          <p:spPr>
+            <a:xfrm>
+              <a:off x="891820" y="973430"/>
+              <a:ext cx="826846" cy="791589"/>
+            </a:xfrm>
+            <a:prstGeom prst="line">
+              <a:avLst/>
+            </a:prstGeom>
+            <a:ln>
+              <a:headEnd type="none"/>
+              <a:tailEnd type="none"/>
+            </a:ln>
+          </p:spPr>
+          <p:style>
+            <a:lnRef idx="1">
+              <a:schemeClr val="dk1"/>
+            </a:lnRef>
+            <a:fillRef idx="0">
+              <a:schemeClr val="dk1"/>
+            </a:fillRef>
+            <a:effectRef idx="0">
+              <a:schemeClr val="dk1"/>
+            </a:effectRef>
+            <a:fontRef idx="minor">
+              <a:schemeClr val="tx1"/>
+            </a:fontRef>
+          </p:style>
+        </p:cxnSp>
+        <mc:AlternateContent xmlns:mc="http://schemas.openxmlformats.org/markup-compatibility/2006">
+          <mc:Choice xmlns:a14="http://schemas.microsoft.com/office/drawing/2010/main" Requires="a14">
+            <p:sp>
+              <p:nvSpPr>
+                <p:cNvPr id="176" name="TextBox 175">
+                  <a:extLst>
+                    <a:ext uri="{FF2B5EF4-FFF2-40B4-BE49-F238E27FC236}">
+                      <a16:creationId xmlns:a16="http://schemas.microsoft.com/office/drawing/2014/main" id="{D49609B6-F612-6B45-99FE-650C11526EFA}"/>
+                    </a:ext>
+                  </a:extLst>
+                </p:cNvPr>
+                <p:cNvSpPr txBox="1"/>
+                <p:nvPr/>
+              </p:nvSpPr>
+              <p:spPr>
+                <a:xfrm>
+                  <a:off x="1024497" y="1285292"/>
+                  <a:ext cx="280028" cy="331629"/>
+                </a:xfrm>
+                <a:prstGeom prst="rect">
+                  <a:avLst/>
+                </a:prstGeom>
+                <a:noFill/>
+              </p:spPr>
+              <p:txBody>
+                <a:bodyPr wrap="square" rtlCol="0">
+                  <a:spAutoFit/>
+                </a:bodyPr>
+                <a:lstStyle/>
+                <a:p>
+                  <a:pPr/>
+                  <a14:m>
+                    <m:oMathPara xmlns:m="http://schemas.openxmlformats.org/officeDocument/2006/math">
+                      <m:oMathParaPr>
+                        <m:jc m:val="centerGroup"/>
+                      </m:oMathParaPr>
+                      <m:oMath xmlns:m="http://schemas.openxmlformats.org/officeDocument/2006/math">
+                        <m:sSub>
+                          <m:sSubPr>
+                            <m:ctrlPr>
+                              <a:rPr lang="en-US" b="0" i="1" smtClean="0">
+                                <a:latin typeface="Cambria Math" panose="02040503050406030204" pitchFamily="18" charset="0"/>
+                              </a:rPr>
+                            </m:ctrlPr>
+                          </m:sSubPr>
+                          <m:e>
+                            <m:r>
+                              <a:rPr lang="en-US" b="0" i="1" smtClean="0">
+                                <a:latin typeface="Cambria Math" panose="02040503050406030204" pitchFamily="18" charset="0"/>
+                              </a:rPr>
+                              <m:t>𝑑</m:t>
+                            </m:r>
+                          </m:e>
+                          <m:sub>
+                            <m:r>
+                              <a:rPr lang="en-US" b="0" i="1" smtClean="0">
+                                <a:latin typeface="Cambria Math" panose="02040503050406030204" pitchFamily="18" charset="0"/>
+                                <a:ea typeface="Cambria Math" panose="02040503050406030204" pitchFamily="18" charset="0"/>
+                              </a:rPr>
+                              <m:t>12</m:t>
+                            </m:r>
+                          </m:sub>
+                        </m:sSub>
+                      </m:oMath>
+                    </m:oMathPara>
+                  </a14:m>
+                  <a:endParaRPr lang="en-US" dirty="0"/>
+                </a:p>
+              </p:txBody>
+            </p:sp>
+          </mc:Choice>
+          <mc:Fallback>
+            <p:sp>
+              <p:nvSpPr>
+                <p:cNvPr id="176" name="TextBox 175">
+                  <a:extLst>
+                    <a:ext uri="{FF2B5EF4-FFF2-40B4-BE49-F238E27FC236}">
+                      <a16:creationId xmlns:a16="http://schemas.microsoft.com/office/drawing/2014/main" id="{D49609B6-F612-6B45-99FE-650C11526EFA}"/>
+                    </a:ext>
+                  </a:extLst>
+                </p:cNvPr>
+                <p:cNvSpPr txBox="1">
+                  <a:spLocks noRot="1" noChangeAspect="1" noMove="1" noResize="1" noEditPoints="1" noAdjustHandles="1" noChangeArrowheads="1" noChangeShapeType="1" noTextEdit="1"/>
+                </p:cNvSpPr>
+                <p:nvPr/>
+              </p:nvSpPr>
+              <p:spPr>
+                <a:xfrm>
+                  <a:off x="1024497" y="1285292"/>
+                  <a:ext cx="280028" cy="331629"/>
+                </a:xfrm>
+                <a:prstGeom prst="rect">
+                  <a:avLst/>
+                </a:prstGeom>
+                <a:blipFill>
+                  <a:blip r:embed="rId18"/>
+                  <a:stretch>
+                    <a:fillRect r="-43478"/>
+                  </a:stretch>
+                </a:blipFill>
+              </p:spPr>
+              <p:txBody>
+                <a:bodyPr/>
+                <a:lstStyle/>
+                <a:p>
+                  <a:r>
+                    <a:rPr lang="en-US">
+                      <a:noFill/>
+                    </a:rPr>
+                    <a:t> </a:t>
+                  </a:r>
+                </a:p>
+              </p:txBody>
+            </p:sp>
+          </mc:Fallback>
+        </mc:AlternateContent>
+        <p:cxnSp>
+          <p:nvCxnSpPr>
+            <p:cNvPr id="177" name="Straight Connector 176">
+              <a:extLst>
+                <a:ext uri="{FF2B5EF4-FFF2-40B4-BE49-F238E27FC236}">
+                  <a16:creationId xmlns:a16="http://schemas.microsoft.com/office/drawing/2014/main" id="{AD666A99-F238-2041-A3E0-96A87E23E3B5}"/>
+                </a:ext>
+              </a:extLst>
+            </p:cNvPr>
+            <p:cNvCxnSpPr>
+              <a:cxnSpLocks/>
+            </p:cNvCxnSpPr>
+            <p:nvPr/>
+          </p:nvCxnSpPr>
+          <p:spPr>
+            <a:xfrm>
+              <a:off x="1741899" y="1782557"/>
+              <a:ext cx="581740" cy="0"/>
+            </a:xfrm>
+            <a:prstGeom prst="line">
+              <a:avLst/>
+            </a:prstGeom>
+          </p:spPr>
+          <p:style>
+            <a:lnRef idx="1">
+              <a:schemeClr val="dk1"/>
+            </a:lnRef>
+            <a:fillRef idx="0">
+              <a:schemeClr val="dk1"/>
+            </a:fillRef>
+            <a:effectRef idx="0">
+              <a:schemeClr val="dk1"/>
+            </a:effectRef>
+            <a:fontRef idx="minor">
+              <a:schemeClr val="tx1"/>
+            </a:fontRef>
+          </p:style>
+        </p:cxnSp>
+        <p:sp>
+          <p:nvSpPr>
+            <p:cNvPr id="178" name="Arc 177">
+              <a:extLst>
+                <a:ext uri="{FF2B5EF4-FFF2-40B4-BE49-F238E27FC236}">
+                  <a16:creationId xmlns:a16="http://schemas.microsoft.com/office/drawing/2014/main" id="{68BB161E-5C70-AC4F-A516-ACD74388D397}"/>
+                </a:ext>
+              </a:extLst>
+            </p:cNvPr>
+            <p:cNvSpPr/>
+            <p:nvPr/>
+          </p:nvSpPr>
+          <p:spPr>
+            <a:xfrm>
+              <a:off x="1496055" y="1534995"/>
+              <a:ext cx="484104" cy="493953"/>
+            </a:xfrm>
+            <a:prstGeom prst="arc">
+              <a:avLst>
+                <a:gd name="adj1" fmla="val 13566781"/>
+                <a:gd name="adj2" fmla="val 54831"/>
+              </a:avLst>
+            </a:prstGeom>
+            <a:ln w="12700">
+              <a:headEnd type="stealth"/>
+            </a:ln>
+          </p:spPr>
+          <p:style>
+            <a:lnRef idx="1">
+              <a:schemeClr val="dk1"/>
+            </a:lnRef>
+            <a:fillRef idx="0">
+              <a:schemeClr val="dk1"/>
+            </a:fillRef>
+            <a:effectRef idx="0">
+              <a:schemeClr val="dk1"/>
+            </a:effectRef>
+            <a:fontRef idx="minor">
+              <a:schemeClr val="tx1"/>
+            </a:fontRef>
+          </p:style>
+          <p:txBody>
+            <a:bodyPr rtlCol="0" anchor="ctr"/>
+            <a:lstStyle/>
+            <a:p>
+              <a:pPr algn="ctr"/>
+              <a:endParaRPr lang="en-US"/>
+            </a:p>
+          </p:txBody>
+        </p:sp>
+        <mc:AlternateContent xmlns:mc="http://schemas.openxmlformats.org/markup-compatibility/2006">
+          <mc:Choice xmlns:a14="http://schemas.microsoft.com/office/drawing/2010/main" Requires="a14">
+            <p:sp>
+              <p:nvSpPr>
+                <p:cNvPr id="179" name="TextBox 178">
+                  <a:extLst>
+                    <a:ext uri="{FF2B5EF4-FFF2-40B4-BE49-F238E27FC236}">
+                      <a16:creationId xmlns:a16="http://schemas.microsoft.com/office/drawing/2014/main" id="{C283AF3D-488E-A943-A331-5E05E4BFDFA2}"/>
+                    </a:ext>
+                  </a:extLst>
+                </p:cNvPr>
+                <p:cNvSpPr txBox="1"/>
+                <p:nvPr/>
+              </p:nvSpPr>
+              <p:spPr>
+                <a:xfrm>
+                  <a:off x="1881987" y="1383542"/>
+                  <a:ext cx="228330" cy="400110"/>
+                </a:xfrm>
+                <a:prstGeom prst="rect">
+                  <a:avLst/>
+                </a:prstGeom>
+                <a:noFill/>
+              </p:spPr>
+              <p:txBody>
+                <a:bodyPr wrap="square" rtlCol="0">
+                  <a:spAutoFit/>
+                </a:bodyPr>
+                <a:lstStyle/>
+                <a:p>
+                  <a:pPr/>
+                  <a14:m>
+                    <m:oMathPara xmlns:m="http://schemas.openxmlformats.org/officeDocument/2006/math">
+                      <m:oMathParaPr>
+                        <m:jc m:val="centerGroup"/>
+                      </m:oMathParaPr>
+                      <m:oMath xmlns:m="http://schemas.openxmlformats.org/officeDocument/2006/math">
+                        <m:r>
+                          <a:rPr lang="en-US" sz="2000" i="1" smtClean="0">
+                            <a:latin typeface="Cambria Math" panose="02040503050406030204" pitchFamily="18" charset="0"/>
+                            <a:ea typeface="Cambria Math" panose="02040503050406030204" pitchFamily="18" charset="0"/>
+                          </a:rPr>
+                          <m:t>𝜃</m:t>
+                        </m:r>
+                      </m:oMath>
+                    </m:oMathPara>
+                  </a14:m>
+                  <a:endParaRPr lang="en-US" sz="2000" dirty="0"/>
+                </a:p>
+              </p:txBody>
+            </p:sp>
+          </mc:Choice>
+          <mc:Fallback>
+            <p:sp>
+              <p:nvSpPr>
+                <p:cNvPr id="179" name="TextBox 178">
+                  <a:extLst>
+                    <a:ext uri="{FF2B5EF4-FFF2-40B4-BE49-F238E27FC236}">
+                      <a16:creationId xmlns:a16="http://schemas.microsoft.com/office/drawing/2014/main" id="{C283AF3D-488E-A943-A331-5E05E4BFDFA2}"/>
+                    </a:ext>
+                  </a:extLst>
+                </p:cNvPr>
+                <p:cNvSpPr txBox="1">
+                  <a:spLocks noRot="1" noChangeAspect="1" noMove="1" noResize="1" noEditPoints="1" noAdjustHandles="1" noChangeArrowheads="1" noChangeShapeType="1" noTextEdit="1"/>
+                </p:cNvSpPr>
+                <p:nvPr/>
+              </p:nvSpPr>
+              <p:spPr>
+                <a:xfrm>
+                  <a:off x="1881987" y="1383542"/>
+                  <a:ext cx="228330" cy="400110"/>
+                </a:xfrm>
+                <a:prstGeom prst="rect">
+                  <a:avLst/>
+                </a:prstGeom>
+                <a:blipFill>
+                  <a:blip r:embed="rId19"/>
+                  <a:stretch>
+                    <a:fillRect r="-44444"/>
+                  </a:stretch>
+                </a:blipFill>
+              </p:spPr>
+              <p:txBody>
+                <a:bodyPr/>
+                <a:lstStyle/>
+                <a:p>
+                  <a:r>
+                    <a:rPr lang="en-US">
+                      <a:noFill/>
+                    </a:rPr>
+                    <a:t> </a:t>
+                  </a:r>
+                </a:p>
+              </p:txBody>
+            </p:sp>
+          </mc:Fallback>
+        </mc:AlternateContent>
+      </p:grpSp>
+      <p:sp>
+        <p:nvSpPr>
+          <p:cNvPr id="183" name="Arc 182">
+            <a:extLst>
+              <a:ext uri="{FF2B5EF4-FFF2-40B4-BE49-F238E27FC236}">
+                <a16:creationId xmlns:a16="http://schemas.microsoft.com/office/drawing/2014/main" id="{9AB07866-018A-0846-97AD-EC6E66F35DC1}"/>
               </a:ext>
             </a:extLst>
           </p:cNvPr>
@@ -5156,80 +6452,150 @@
           <p:nvPr/>
         </p:nvSpPr>
         <p:spPr>
-          <a:xfrm rot="2658444">
-            <a:off x="835076" y="1856515"/>
-            <a:ext cx="867468" cy="379251"/>
+          <a:xfrm>
+            <a:off x="1209433" y="2314134"/>
+            <a:ext cx="779386" cy="775276"/>
+          </a:xfrm>
+          <a:prstGeom prst="arc">
+            <a:avLst>
+              <a:gd name="adj1" fmla="val 6606422"/>
+              <a:gd name="adj2" fmla="val 304571"/>
+            </a:avLst>
+          </a:prstGeom>
+          <a:ln w="12700">
+            <a:headEnd type="stealth"/>
+          </a:ln>
+        </p:spPr>
+        <p:style>
+          <a:lnRef idx="1">
+            <a:schemeClr val="dk1"/>
+          </a:lnRef>
+          <a:fillRef idx="0">
+            <a:schemeClr val="dk1"/>
+          </a:fillRef>
+          <a:effectRef idx="0">
+            <a:schemeClr val="dk1"/>
+          </a:effectRef>
+          <a:fontRef idx="minor">
+            <a:schemeClr val="tx1"/>
+          </a:fontRef>
+        </p:style>
+        <p:txBody>
+          <a:bodyPr rtlCol="0" anchor="ctr"/>
+          <a:lstStyle/>
+          <a:p>
+            <a:pPr algn="ctr"/>
+            <a:endParaRPr lang="en-US"/>
+          </a:p>
+        </p:txBody>
+      </p:sp>
+      <p:cxnSp>
+        <p:nvCxnSpPr>
+          <p:cNvPr id="185" name="Straight Connector 184">
+            <a:extLst>
+              <a:ext uri="{FF2B5EF4-FFF2-40B4-BE49-F238E27FC236}">
+                <a16:creationId xmlns:a16="http://schemas.microsoft.com/office/drawing/2014/main" id="{93F7D770-1D53-524A-BE96-F6C494A6BDD5}"/>
+              </a:ext>
+            </a:extLst>
+          </p:cNvPr>
+          <p:cNvCxnSpPr>
+            <a:cxnSpLocks/>
+          </p:cNvCxnSpPr>
+          <p:nvPr/>
+        </p:nvCxnSpPr>
+        <p:spPr>
+          <a:xfrm>
+            <a:off x="1585514" y="2736415"/>
+            <a:ext cx="581740" cy="0"/>
+          </a:xfrm>
+          <a:prstGeom prst="line">
+            <a:avLst/>
+          </a:prstGeom>
+        </p:spPr>
+        <p:style>
+          <a:lnRef idx="1">
+            <a:schemeClr val="dk1"/>
+          </a:lnRef>
+          <a:fillRef idx="0">
+            <a:schemeClr val="dk1"/>
+          </a:fillRef>
+          <a:effectRef idx="0">
+            <a:schemeClr val="dk1"/>
+          </a:effectRef>
+          <a:fontRef idx="minor">
+            <a:schemeClr val="tx1"/>
+          </a:fontRef>
+        </p:style>
+      </p:cxnSp>
+      <p:sp>
+        <p:nvSpPr>
+          <p:cNvPr id="188" name="TextBox 187">
+            <a:extLst>
+              <a:ext uri="{FF2B5EF4-FFF2-40B4-BE49-F238E27FC236}">
+                <a16:creationId xmlns:a16="http://schemas.microsoft.com/office/drawing/2014/main" id="{0CC27160-6DC0-AA4B-BC83-CF1EF5C736CE}"/>
+              </a:ext>
+            </a:extLst>
+          </p:cNvPr>
+          <p:cNvSpPr txBox="1"/>
+          <p:nvPr/>
+        </p:nvSpPr>
+        <p:spPr>
+          <a:xfrm>
+            <a:off x="1491017" y="2430804"/>
+            <a:ext cx="333539" cy="331629"/>
           </a:xfrm>
           <a:prstGeom prst="rect">
             <a:avLst/>
           </a:prstGeom>
-          <a:solidFill>
-            <a:schemeClr val="bg1"/>
-          </a:solidFill>
-          <a:ln>
-            <a:solidFill>
-              <a:schemeClr val="bg1"/>
-            </a:solidFill>
-          </a:ln>
+          <a:noFill/>
         </p:spPr>
-        <p:style>
-          <a:lnRef idx="2">
-            <a:schemeClr val="accent1">
-              <a:shade val="50000"/>
-            </a:schemeClr>
-          </a:lnRef>
-          <a:fillRef idx="1">
-            <a:schemeClr val="accent1"/>
-          </a:fillRef>
-          <a:effectRef idx="0">
-            <a:schemeClr val="accent1"/>
-          </a:effectRef>
-          <a:fontRef idx="minor">
-            <a:schemeClr val="lt1"/>
-          </a:fontRef>
-        </p:style>
-        <p:txBody>
-          <a:bodyPr rtlCol="0" anchor="ctr"/>
+        <p:txBody>
+          <a:bodyPr wrap="square" rtlCol="0">
+            <a:spAutoFit/>
+          </a:bodyPr>
           <a:lstStyle/>
           <a:p>
-            <a:pPr algn="ctr"/>
-            <a:endParaRPr lang="en-US"/>
+            <a:r>
+              <a:rPr lang="en-US" i="1" dirty="0">
+                <a:latin typeface="Times" pitchFamily="2" charset="0"/>
+              </a:rPr>
+              <a:t>c</a:t>
+            </a:r>
           </a:p>
         </p:txBody>
       </p:sp>
       <p:cxnSp>
         <p:nvCxnSpPr>
-          <p:cNvPr id="30" name="Straight Arrow Connector 29">
+          <p:cNvPr id="189" name="Straight Connector 188">
             <a:extLst>
               <a:ext uri="{FF2B5EF4-FFF2-40B4-BE49-F238E27FC236}">
-                <a16:creationId xmlns:a16="http://schemas.microsoft.com/office/drawing/2014/main" id="{43918408-01F9-5F40-90A9-329780EE4C44}"/>
+                <a16:creationId xmlns:a16="http://schemas.microsoft.com/office/drawing/2014/main" id="{6C23C298-EC6E-164A-B7BA-40CC9A78734F}"/>
               </a:ext>
             </a:extLst>
           </p:cNvPr>
-          <p:cNvCxnSpPr/>
+          <p:cNvCxnSpPr>
+            <a:cxnSpLocks/>
+          </p:cNvCxnSpPr>
           <p:nvPr/>
         </p:nvCxnSpPr>
         <p:spPr>
           <a:xfrm flipH="1">
-            <a:off x="995147" y="1765019"/>
-            <a:ext cx="602994" cy="739616"/>
+            <a:off x="1448641" y="2733437"/>
+            <a:ext cx="134105" cy="390173"/>
           </a:xfrm>
-          <a:prstGeom prst="straightConnector1">
+          <a:prstGeom prst="line">
             <a:avLst/>
           </a:prstGeom>
-          <a:ln w="38100" cmpd="sng">
-            <a:tailEnd type="triangle"/>
-          </a:ln>
         </p:spPr>
         <p:style>
           <a:lnRef idx="1">
-            <a:schemeClr val="accent1"/>
+            <a:schemeClr val="dk1"/>
           </a:lnRef>
           <a:fillRef idx="0">
-            <a:schemeClr val="accent1"/>
+            <a:schemeClr val="dk1"/>
           </a:fillRef>
           <a:effectRef idx="0">
-            <a:schemeClr val="accent1"/>
+            <a:schemeClr val="dk1"/>
           </a:effectRef>
           <a:fontRef idx="minor">
             <a:schemeClr val="tx1"/>
@@ -5238,43 +6604,327 @@
       </p:cxnSp>
       <p:cxnSp>
         <p:nvCxnSpPr>
-          <p:cNvPr id="51" name="Straight Arrow Connector 50">
+          <p:cNvPr id="194" name="Straight Connector 193">
             <a:extLst>
               <a:ext uri="{FF2B5EF4-FFF2-40B4-BE49-F238E27FC236}">
-                <a16:creationId xmlns:a16="http://schemas.microsoft.com/office/drawing/2014/main" id="{871CAC91-E7A4-9343-B7EF-42E50D12C55D}"/>
+                <a16:creationId xmlns:a16="http://schemas.microsoft.com/office/drawing/2014/main" id="{34CC7703-284B-A849-B256-F87A1468B607}"/>
               </a:ext>
             </a:extLst>
           </p:cNvPr>
-          <p:cNvCxnSpPr/>
+          <p:cNvCxnSpPr>
+            <a:cxnSpLocks/>
+          </p:cNvCxnSpPr>
           <p:nvPr/>
         </p:nvCxnSpPr>
         <p:spPr>
           <a:xfrm flipH="1">
-            <a:off x="137348" y="942054"/>
-            <a:ext cx="602994" cy="739616"/>
+            <a:off x="1582746" y="2560979"/>
+            <a:ext cx="547514" cy="170630"/>
           </a:xfrm>
-          <a:prstGeom prst="straightConnector1">
+          <a:prstGeom prst="line">
             <a:avLst/>
           </a:prstGeom>
-          <a:ln w="38100" cmpd="sng">
-            <a:tailEnd type="triangle"/>
-          </a:ln>
         </p:spPr>
         <p:style>
           <a:lnRef idx="1">
-            <a:schemeClr val="accent1"/>
+            <a:schemeClr val="dk1"/>
           </a:lnRef>
           <a:fillRef idx="0">
-            <a:schemeClr val="accent1"/>
+            <a:schemeClr val="dk1"/>
           </a:fillRef>
           <a:effectRef idx="0">
-            <a:schemeClr val="accent1"/>
+            <a:schemeClr val="dk1"/>
           </a:effectRef>
           <a:fontRef idx="minor">
             <a:schemeClr val="tx1"/>
           </a:fontRef>
         </p:style>
       </p:cxnSp>
+      <p:sp>
+        <p:nvSpPr>
+          <p:cNvPr id="201" name="Arc 200">
+            <a:extLst>
+              <a:ext uri="{FF2B5EF4-FFF2-40B4-BE49-F238E27FC236}">
+                <a16:creationId xmlns:a16="http://schemas.microsoft.com/office/drawing/2014/main" id="{8DB0B5E5-C938-7B4C-A927-E7EB1956A73C}"/>
+              </a:ext>
+            </a:extLst>
+          </p:cNvPr>
+          <p:cNvSpPr/>
+          <p:nvPr/>
+        </p:nvSpPr>
+        <p:spPr>
+          <a:xfrm>
+            <a:off x="1628643" y="2468168"/>
+            <a:ext cx="484104" cy="493953"/>
+          </a:xfrm>
+          <a:prstGeom prst="arc">
+            <a:avLst>
+              <a:gd name="adj1" fmla="val 19480864"/>
+              <a:gd name="adj2" fmla="val 178044"/>
+            </a:avLst>
+          </a:prstGeom>
+          <a:ln w="12700">
+            <a:headEnd type="stealth"/>
+          </a:ln>
+        </p:spPr>
+        <p:style>
+          <a:lnRef idx="1">
+            <a:schemeClr val="dk1"/>
+          </a:lnRef>
+          <a:fillRef idx="0">
+            <a:schemeClr val="dk1"/>
+          </a:fillRef>
+          <a:effectRef idx="0">
+            <a:schemeClr val="dk1"/>
+          </a:effectRef>
+          <a:fontRef idx="minor">
+            <a:schemeClr val="tx1"/>
+          </a:fontRef>
+        </p:style>
+        <p:txBody>
+          <a:bodyPr rtlCol="0" anchor="ctr"/>
+          <a:lstStyle/>
+          <a:p>
+            <a:pPr algn="ctr"/>
+            <a:endParaRPr lang="en-US"/>
+          </a:p>
+        </p:txBody>
+      </p:sp>
+      <mc:AlternateContent xmlns:mc="http://schemas.openxmlformats.org/markup-compatibility/2006">
+        <mc:Choice xmlns:a14="http://schemas.microsoft.com/office/drawing/2010/main" Requires="a14">
+          <p:sp>
+            <p:nvSpPr>
+              <p:cNvPr id="202" name="TextBox 201">
+                <a:extLst>
+                  <a:ext uri="{FF2B5EF4-FFF2-40B4-BE49-F238E27FC236}">
+                    <a16:creationId xmlns:a16="http://schemas.microsoft.com/office/drawing/2014/main" id="{439C595E-1D96-9946-88FF-49BD956F5460}"/>
+                  </a:ext>
+                </a:extLst>
+              </p:cNvPr>
+              <p:cNvSpPr txBox="1"/>
+              <p:nvPr/>
+            </p:nvSpPr>
+            <p:spPr>
+              <a:xfrm>
+                <a:off x="1633736" y="2000068"/>
+                <a:ext cx="638174" cy="338554"/>
+              </a:xfrm>
+              <a:prstGeom prst="rect">
+                <a:avLst/>
+              </a:prstGeom>
+              <a:noFill/>
+            </p:spPr>
+            <p:txBody>
+              <a:bodyPr wrap="square" rtlCol="0">
+                <a:spAutoFit/>
+              </a:bodyPr>
+              <a:lstStyle/>
+              <a:p>
+                <a14:m>
+                  <m:oMath xmlns:m="http://schemas.openxmlformats.org/officeDocument/2006/math">
+                    <m:r>
+                      <a:rPr lang="en-US" sz="1600" i="1">
+                        <a:latin typeface="Cambria Math" panose="02040503050406030204" pitchFamily="18" charset="0"/>
+                        <a:ea typeface="Cambria Math" panose="02040503050406030204" pitchFamily="18" charset="0"/>
+                      </a:rPr>
+                      <m:t>𝜓</m:t>
+                    </m:r>
+                  </m:oMath>
+                </a14:m>
+                <a:r>
+                  <a:rPr lang="en-US" sz="1600" baseline="-25000" dirty="0">
+                    <a:latin typeface="Times" pitchFamily="2" charset="0"/>
+                  </a:rPr>
+                  <a:t>max</a:t>
+                </a:r>
+                <a:endParaRPr lang="en-US" dirty="0">
+                  <a:latin typeface="Times" pitchFamily="2" charset="0"/>
+                </a:endParaRPr>
+              </a:p>
+            </p:txBody>
+          </p:sp>
+        </mc:Choice>
+        <mc:Fallback>
+          <p:sp>
+            <p:nvSpPr>
+              <p:cNvPr id="202" name="TextBox 201">
+                <a:extLst>
+                  <a:ext uri="{FF2B5EF4-FFF2-40B4-BE49-F238E27FC236}">
+                    <a16:creationId xmlns:a16="http://schemas.microsoft.com/office/drawing/2014/main" id="{439C595E-1D96-9946-88FF-49BD956F5460}"/>
+                  </a:ext>
+                </a:extLst>
+              </p:cNvPr>
+              <p:cNvSpPr txBox="1">
+                <a:spLocks noRot="1" noChangeAspect="1" noMove="1" noResize="1" noEditPoints="1" noAdjustHandles="1" noChangeArrowheads="1" noChangeShapeType="1" noTextEdit="1"/>
+              </p:cNvSpPr>
+              <p:nvPr/>
+            </p:nvSpPr>
+            <p:spPr>
+              <a:xfrm>
+                <a:off x="1633736" y="2000068"/>
+                <a:ext cx="638174" cy="338554"/>
+              </a:xfrm>
+              <a:prstGeom prst="rect">
+                <a:avLst/>
+              </a:prstGeom>
+              <a:blipFill>
+                <a:blip r:embed="rId20"/>
+                <a:stretch>
+                  <a:fillRect b="-14286"/>
+                </a:stretch>
+              </a:blipFill>
+            </p:spPr>
+            <p:txBody>
+              <a:bodyPr/>
+              <a:lstStyle/>
+              <a:p>
+                <a:r>
+                  <a:rPr lang="en-US">
+                    <a:noFill/>
+                  </a:rPr>
+                  <a:t> </a:t>
+                </a:r>
+              </a:p>
+            </p:txBody>
+          </p:sp>
+        </mc:Fallback>
+      </mc:AlternateContent>
+      <mc:AlternateContent xmlns:mc="http://schemas.openxmlformats.org/markup-compatibility/2006">
+        <mc:Choice xmlns:a14="http://schemas.microsoft.com/office/drawing/2010/main" Requires="a14">
+          <p:sp>
+            <p:nvSpPr>
+              <p:cNvPr id="203" name="TextBox 202">
+                <a:extLst>
+                  <a:ext uri="{FF2B5EF4-FFF2-40B4-BE49-F238E27FC236}">
+                    <a16:creationId xmlns:a16="http://schemas.microsoft.com/office/drawing/2014/main" id="{0A6DB47B-286A-164D-855E-F65674167C3A}"/>
+                  </a:ext>
+                </a:extLst>
+              </p:cNvPr>
+              <p:cNvSpPr txBox="1"/>
+              <p:nvPr/>
+            </p:nvSpPr>
+            <p:spPr>
+              <a:xfrm>
+                <a:off x="2063517" y="2423879"/>
+                <a:ext cx="638174" cy="338554"/>
+              </a:xfrm>
+              <a:prstGeom prst="rect">
+                <a:avLst/>
+              </a:prstGeom>
+              <a:noFill/>
+            </p:spPr>
+            <p:txBody>
+              <a:bodyPr wrap="square" rtlCol="0">
+                <a:spAutoFit/>
+              </a:bodyPr>
+              <a:lstStyle/>
+              <a:p>
+                <a14:m>
+                  <m:oMath xmlns:m="http://schemas.openxmlformats.org/officeDocument/2006/math">
+                    <m:r>
+                      <a:rPr lang="en-US" sz="1600" i="1">
+                        <a:latin typeface="Cambria Math" panose="02040503050406030204" pitchFamily="18" charset="0"/>
+                        <a:ea typeface="Cambria Math" panose="02040503050406030204" pitchFamily="18" charset="0"/>
+                      </a:rPr>
+                      <m:t>𝜓</m:t>
+                    </m:r>
+                  </m:oMath>
+                </a14:m>
+                <a:r>
+                  <a:rPr lang="en-US" sz="1600" baseline="-25000" dirty="0">
+                    <a:latin typeface="Times" pitchFamily="2" charset="0"/>
+                  </a:rPr>
+                  <a:t>min</a:t>
+                </a:r>
+                <a:endParaRPr lang="en-US" dirty="0">
+                  <a:latin typeface="Times" pitchFamily="2" charset="0"/>
+                </a:endParaRPr>
+              </a:p>
+            </p:txBody>
+          </p:sp>
+        </mc:Choice>
+        <mc:Fallback>
+          <p:sp>
+            <p:nvSpPr>
+              <p:cNvPr id="203" name="TextBox 202">
+                <a:extLst>
+                  <a:ext uri="{FF2B5EF4-FFF2-40B4-BE49-F238E27FC236}">
+                    <a16:creationId xmlns:a16="http://schemas.microsoft.com/office/drawing/2014/main" id="{0A6DB47B-286A-164D-855E-F65674167C3A}"/>
+                  </a:ext>
+                </a:extLst>
+              </p:cNvPr>
+              <p:cNvSpPr txBox="1">
+                <a:spLocks noRot="1" noChangeAspect="1" noMove="1" noResize="1" noEditPoints="1" noAdjustHandles="1" noChangeArrowheads="1" noChangeShapeType="1" noTextEdit="1"/>
+              </p:cNvSpPr>
+              <p:nvPr/>
+            </p:nvSpPr>
+            <p:spPr>
+              <a:xfrm>
+                <a:off x="2063517" y="2423879"/>
+                <a:ext cx="638174" cy="338554"/>
+              </a:xfrm>
+              <a:prstGeom prst="rect">
+                <a:avLst/>
+              </a:prstGeom>
+              <a:blipFill>
+                <a:blip r:embed="rId21"/>
+                <a:stretch>
+                  <a:fillRect b="-14286"/>
+                </a:stretch>
+              </a:blipFill>
+            </p:spPr>
+            <p:txBody>
+              <a:bodyPr/>
+              <a:lstStyle/>
+              <a:p>
+                <a:r>
+                  <a:rPr lang="en-US">
+                    <a:noFill/>
+                  </a:rPr>
+                  <a:t> </a:t>
+                </a:r>
+              </a:p>
+            </p:txBody>
+          </p:sp>
+        </mc:Fallback>
+      </mc:AlternateContent>
+      <p:sp>
+        <p:nvSpPr>
+          <p:cNvPr id="204" name="TextBox 203">
+            <a:extLst>
+              <a:ext uri="{FF2B5EF4-FFF2-40B4-BE49-F238E27FC236}">
+                <a16:creationId xmlns:a16="http://schemas.microsoft.com/office/drawing/2014/main" id="{DB64B8D5-5984-C44B-A7E7-D536C7C1F865}"/>
+              </a:ext>
+            </a:extLst>
+          </p:cNvPr>
+          <p:cNvSpPr txBox="1"/>
+          <p:nvPr/>
+        </p:nvSpPr>
+        <p:spPr>
+          <a:xfrm>
+            <a:off x="5902833" y="6661462"/>
+            <a:ext cx="333539" cy="331629"/>
+          </a:xfrm>
+          <a:prstGeom prst="rect">
+            <a:avLst/>
+          </a:prstGeom>
+          <a:noFill/>
+        </p:spPr>
+        <p:txBody>
+          <a:bodyPr wrap="square" rtlCol="0">
+            <a:spAutoFit/>
+          </a:bodyPr>
+          <a:lstStyle/>
+          <a:p>
+            <a:r>
+              <a:rPr lang="en-US" i="1" dirty="0">
+                <a:latin typeface="Times" pitchFamily="2" charset="0"/>
+              </a:rPr>
+              <a:t>c</a:t>
+            </a:r>
+          </a:p>
+        </p:txBody>
+      </p:sp>
     </p:spTree>
     <p:extLst>
       <p:ext uri="{BB962C8B-B14F-4D97-AF65-F5344CB8AC3E}">

--- a/journalWallFriction/pictures/pdf/reachableSetCircle.pptx
+++ b/journalWallFriction/pictures/pdf/reachableSetCircle.pptx
@@ -4330,7 +4330,7 @@
                     <a:rPr lang="en-US" sz="2000" baseline="-25000" dirty="0">
                       <a:latin typeface="Times" pitchFamily="2" charset="0"/>
                     </a:rPr>
-                    <a:t>max</a:t>
+                    <a:t>min</a:t>
                   </a:r>
                 </a:p>
               </p:txBody>
@@ -6654,7 +6654,7 @@
         </p:nvSpPr>
         <p:spPr>
           <a:xfrm>
-            <a:off x="1628643" y="2468168"/>
+            <a:off x="1565143" y="2480868"/>
             <a:ext cx="484104" cy="493953"/>
           </a:xfrm>
           <a:prstGeom prst="arc">
@@ -6723,7 +6723,7 @@
                 <a14:m>
                   <m:oMath xmlns:m="http://schemas.openxmlformats.org/officeDocument/2006/math">
                     <m:r>
-                      <a:rPr lang="en-US" sz="1600" i="1">
+                      <a:rPr lang="en-US" sz="1600" i="1" smtClean="0">
                         <a:latin typeface="Cambria Math" panose="02040503050406030204" pitchFamily="18" charset="0"/>
                         <a:ea typeface="Cambria Math" panose="02040503050406030204" pitchFamily="18" charset="0"/>
                       </a:rPr>
@@ -6735,7 +6735,7 @@
                   <a:rPr lang="en-US" sz="1600" baseline="-25000" dirty="0">
                     <a:latin typeface="Times" pitchFamily="2" charset="0"/>
                   </a:rPr>
-                  <a:t>max</a:t>
+                  <a:t>min</a:t>
                 </a:r>
                 <a:endParaRPr lang="en-US" dirty="0">
                   <a:latin typeface="Times" pitchFamily="2" charset="0"/>
@@ -6805,8 +6805,8 @@
             </p:nvSpPr>
             <p:spPr>
               <a:xfrm>
-                <a:off x="2063517" y="2423879"/>
-                <a:ext cx="638174" cy="338554"/>
+                <a:off x="1991435" y="2466420"/>
+                <a:ext cx="883043" cy="338554"/>
               </a:xfrm>
               <a:prstGeom prst="rect">
                 <a:avLst/>
@@ -6834,8 +6834,25 @@
                   <a:rPr lang="en-US" sz="1600" baseline="-25000" dirty="0">
                     <a:latin typeface="Times" pitchFamily="2" charset="0"/>
                   </a:rPr>
-                  <a:t>min</a:t>
+                  <a:t>max</a:t>
                 </a:r>
+                <a:r>
+                  <a:rPr lang="en-US" sz="1600" dirty="0">
+                    <a:latin typeface="Times" pitchFamily="2" charset="0"/>
+                  </a:rPr>
+                  <a:t>-2</a:t>
+                </a:r>
+                <a14:m>
+                  <m:oMath xmlns:m="http://schemas.openxmlformats.org/officeDocument/2006/math">
+                    <m:r>
+                      <a:rPr lang="en-US" sz="1600" i="1" smtClean="0">
+                        <a:latin typeface="Cambria Math" panose="02040503050406030204" pitchFamily="18" charset="0"/>
+                        <a:ea typeface="Cambria Math" panose="02040503050406030204" pitchFamily="18" charset="0"/>
+                      </a:rPr>
+                      <m:t>𝜋</m:t>
+                    </m:r>
+                  </m:oMath>
+                </a14:m>
                 <a:endParaRPr lang="en-US" dirty="0">
                   <a:latin typeface="Times" pitchFamily="2" charset="0"/>
                 </a:endParaRPr>
@@ -6860,8 +6877,8 @@
             </p:nvSpPr>
             <p:spPr>
               <a:xfrm>
-                <a:off x="2063517" y="2423879"/>
-                <a:ext cx="638174" cy="338554"/>
+                <a:off x="1991435" y="2466420"/>
+                <a:ext cx="883043" cy="338554"/>
               </a:xfrm>
               <a:prstGeom prst="rect">
                 <a:avLst/>
@@ -6869,7 +6886,7 @@
               <a:blipFill>
                 <a:blip r:embed="rId21"/>
                 <a:stretch>
-                  <a:fillRect b="-14286"/>
+                  <a:fillRect b="-21429"/>
                 </a:stretch>
               </a:blipFill>
             </p:spPr>

--- a/journalWallFriction/pictures/pdf/reachableSetCircle.pptx
+++ b/journalWallFriction/pictures/pdf/reachableSetCircle.pptx
@@ -243,7 +243,7 @@
           <a:p>
             <a:fld id="{98BB718C-238A-7041-808F-C250553F956E}" type="datetimeFigureOut">
               <a:rPr lang="en-US" smtClean="0"/>
-              <a:t>5/29/18</a:t>
+              <a:t>5/30/18</a:t>
             </a:fld>
             <a:endParaRPr lang="en-US"/>
           </a:p>
@@ -413,7 +413,7 @@
           <a:p>
             <a:fld id="{98BB718C-238A-7041-808F-C250553F956E}" type="datetimeFigureOut">
               <a:rPr lang="en-US" smtClean="0"/>
-              <a:t>5/29/18</a:t>
+              <a:t>5/30/18</a:t>
             </a:fld>
             <a:endParaRPr lang="en-US"/>
           </a:p>
@@ -593,7 +593,7 @@
           <a:p>
             <a:fld id="{98BB718C-238A-7041-808F-C250553F956E}" type="datetimeFigureOut">
               <a:rPr lang="en-US" smtClean="0"/>
-              <a:t>5/29/18</a:t>
+              <a:t>5/30/18</a:t>
             </a:fld>
             <a:endParaRPr lang="en-US"/>
           </a:p>
@@ -763,7 +763,7 @@
           <a:p>
             <a:fld id="{98BB718C-238A-7041-808F-C250553F956E}" type="datetimeFigureOut">
               <a:rPr lang="en-US" smtClean="0"/>
-              <a:t>5/29/18</a:t>
+              <a:t>5/30/18</a:t>
             </a:fld>
             <a:endParaRPr lang="en-US"/>
           </a:p>
@@ -1007,7 +1007,7 @@
           <a:p>
             <a:fld id="{98BB718C-238A-7041-808F-C250553F956E}" type="datetimeFigureOut">
               <a:rPr lang="en-US" smtClean="0"/>
-              <a:t>5/29/18</a:t>
+              <a:t>5/30/18</a:t>
             </a:fld>
             <a:endParaRPr lang="en-US"/>
           </a:p>
@@ -1239,7 +1239,7 @@
           <a:p>
             <a:fld id="{98BB718C-238A-7041-808F-C250553F956E}" type="datetimeFigureOut">
               <a:rPr lang="en-US" smtClean="0"/>
-              <a:t>5/29/18</a:t>
+              <a:t>5/30/18</a:t>
             </a:fld>
             <a:endParaRPr lang="en-US"/>
           </a:p>
@@ -1606,7 +1606,7 @@
           <a:p>
             <a:fld id="{98BB718C-238A-7041-808F-C250553F956E}" type="datetimeFigureOut">
               <a:rPr lang="en-US" smtClean="0"/>
-              <a:t>5/29/18</a:t>
+              <a:t>5/30/18</a:t>
             </a:fld>
             <a:endParaRPr lang="en-US"/>
           </a:p>
@@ -1724,7 +1724,7 @@
           <a:p>
             <a:fld id="{98BB718C-238A-7041-808F-C250553F956E}" type="datetimeFigureOut">
               <a:rPr lang="en-US" smtClean="0"/>
-              <a:t>5/29/18</a:t>
+              <a:t>5/30/18</a:t>
             </a:fld>
             <a:endParaRPr lang="en-US"/>
           </a:p>
@@ -1819,7 +1819,7 @@
           <a:p>
             <a:fld id="{98BB718C-238A-7041-808F-C250553F956E}" type="datetimeFigureOut">
               <a:rPr lang="en-US" smtClean="0"/>
-              <a:t>5/29/18</a:t>
+              <a:t>5/30/18</a:t>
             </a:fld>
             <a:endParaRPr lang="en-US"/>
           </a:p>
@@ -2096,7 +2096,7 @@
           <a:p>
             <a:fld id="{98BB718C-238A-7041-808F-C250553F956E}" type="datetimeFigureOut">
               <a:rPr lang="en-US" smtClean="0"/>
-              <a:t>5/29/18</a:t>
+              <a:t>5/30/18</a:t>
             </a:fld>
             <a:endParaRPr lang="en-US"/>
           </a:p>
@@ -2353,7 +2353,7 @@
           <a:p>
             <a:fld id="{98BB718C-238A-7041-808F-C250553F956E}" type="datetimeFigureOut">
               <a:rPr lang="en-US" smtClean="0"/>
-              <a:t>5/29/18</a:t>
+              <a:t>5/30/18</a:t>
             </a:fld>
             <a:endParaRPr lang="en-US"/>
           </a:p>
@@ -2566,7 +2566,7 @@
           <a:p>
             <a:fld id="{98BB718C-238A-7041-808F-C250553F956E}" type="datetimeFigureOut">
               <a:rPr lang="en-US" smtClean="0"/>
-              <a:t>5/29/18</a:t>
+              <a:t>5/30/18</a:t>
             </a:fld>
             <a:endParaRPr lang="en-US"/>
           </a:p>
@@ -3001,8 +3001,8 @@
           </a:prstGeom>
         </p:spPr>
       </p:pic>
-      <mc:AlternateContent xmlns:mc="http://schemas.openxmlformats.org/markup-compatibility/2006">
-        <mc:Choice xmlns:a14="http://schemas.microsoft.com/office/drawing/2010/main" Requires="a14">
+      <mc:AlternateContent xmlns:mc="http://schemas.openxmlformats.org/markup-compatibility/2006" xmlns:a14="http://schemas.microsoft.com/office/drawing/2010/main">
+        <mc:Choice Requires="a14">
           <p:sp>
             <p:nvSpPr>
               <p:cNvPr id="124" name="TextBox 123">
@@ -3066,7 +3066,7 @@
             </p:txBody>
           </p:sp>
         </mc:Choice>
-        <mc:Fallback>
+        <mc:Fallback xmlns="">
           <p:sp>
             <p:nvSpPr>
               <p:cNvPr id="124" name="TextBox 123">
@@ -3151,7 +3151,7 @@
                 <a:latin typeface="Times" pitchFamily="2" charset="0"/>
                 <a:cs typeface="Times New Roman" panose="02020603050405020304" pitchFamily="18" charset="0"/>
               </a:rPr>
-              <a:t>1</a:t>
+              <a:t>4</a:t>
             </a:r>
           </a:p>
         </p:txBody>
@@ -3185,7 +3185,7 @@
           <a:lstStyle/>
           <a:p>
             <a:r>
-              <a:rPr lang="en-US" sz="2000" i="1" dirty="0">
+              <a:rPr lang="en-US" sz="2000" i="1">
                 <a:latin typeface="Times" pitchFamily="2" charset="0"/>
                 <a:cs typeface="Times New Roman" panose="02020603050405020304" pitchFamily="18" charset="0"/>
               </a:rPr>
@@ -3196,7 +3196,7 @@
                 <a:latin typeface="Times" pitchFamily="2" charset="0"/>
                 <a:cs typeface="Times New Roman" panose="02020603050405020304" pitchFamily="18" charset="0"/>
               </a:rPr>
-              <a:t>4</a:t>
+              <a:t>3</a:t>
             </a:r>
           </a:p>
         </p:txBody>
@@ -3241,7 +3241,7 @@
                 <a:latin typeface="Times" pitchFamily="2" charset="0"/>
                 <a:cs typeface="Times New Roman" panose="02020603050405020304" pitchFamily="18" charset="0"/>
               </a:rPr>
-              <a:t>3</a:t>
+              <a:t>2</a:t>
             </a:r>
           </a:p>
         </p:txBody>
@@ -3286,7 +3286,7 @@
                 <a:latin typeface="Times" pitchFamily="2" charset="0"/>
                 <a:cs typeface="Times New Roman" panose="02020603050405020304" pitchFamily="18" charset="0"/>
               </a:rPr>
-              <a:t>2</a:t>
+              <a:t>1</a:t>
             </a:r>
           </a:p>
         </p:txBody>
@@ -3395,8 +3395,8 @@
           </a:fontRef>
         </p:style>
       </p:cxnSp>
-      <mc:AlternateContent xmlns:mc="http://schemas.openxmlformats.org/markup-compatibility/2006">
-        <mc:Choice xmlns:a14="http://schemas.microsoft.com/office/drawing/2010/main" Requires="a14">
+      <mc:AlternateContent xmlns:mc="http://schemas.openxmlformats.org/markup-compatibility/2006" xmlns:a14="http://schemas.microsoft.com/office/drawing/2010/main">
+        <mc:Choice Requires="a14">
           <p:sp>
             <p:nvSpPr>
               <p:cNvPr id="131" name="TextBox 130">
@@ -3466,7 +3466,7 @@
             </p:txBody>
           </p:sp>
         </mc:Choice>
-        <mc:Fallback>
+        <mc:Fallback xmlns="">
           <p:sp>
             <p:nvSpPr>
               <p:cNvPr id="131" name="TextBox 130">
@@ -3747,8 +3747,8 @@
           </a:fontRef>
         </p:style>
       </p:cxnSp>
-      <mc:AlternateContent xmlns:mc="http://schemas.openxmlformats.org/markup-compatibility/2006">
-        <mc:Choice xmlns:a14="http://schemas.microsoft.com/office/drawing/2010/main" Requires="a14">
+      <mc:AlternateContent xmlns:mc="http://schemas.openxmlformats.org/markup-compatibility/2006" xmlns:a14="http://schemas.microsoft.com/office/drawing/2010/main">
+        <mc:Choice Requires="a14">
           <p:sp>
             <p:nvSpPr>
               <p:cNvPr id="138" name="TextBox 137">
@@ -3799,7 +3799,7 @@
             </p:txBody>
           </p:sp>
         </mc:Choice>
-        <mc:Fallback>
+        <mc:Fallback xmlns="">
           <p:sp>
             <p:nvSpPr>
               <p:cNvPr id="138" name="TextBox 137">
@@ -3844,8 +3844,8 @@
           </p:sp>
         </mc:Fallback>
       </mc:AlternateContent>
-      <mc:AlternateContent xmlns:mc="http://schemas.openxmlformats.org/markup-compatibility/2006">
-        <mc:Choice xmlns:a14="http://schemas.microsoft.com/office/drawing/2010/main" Requires="a14">
+      <mc:AlternateContent xmlns:mc="http://schemas.openxmlformats.org/markup-compatibility/2006" xmlns:a14="http://schemas.microsoft.com/office/drawing/2010/main">
+        <mc:Choice Requires="a14">
           <p:sp>
             <p:nvSpPr>
               <p:cNvPr id="139" name="TextBox 138">
@@ -3896,7 +3896,7 @@
             </p:txBody>
           </p:sp>
         </mc:Choice>
-        <mc:Fallback>
+        <mc:Fallback xmlns="">
           <p:sp>
             <p:nvSpPr>
               <p:cNvPr id="139" name="TextBox 138">
@@ -4255,8 +4255,8 @@
             </a:p>
           </p:txBody>
         </p:sp>
-        <mc:AlternateContent xmlns:mc="http://schemas.openxmlformats.org/markup-compatibility/2006">
-          <mc:Choice xmlns:a14="http://schemas.microsoft.com/office/drawing/2010/main" Requires="a14">
+        <mc:AlternateContent xmlns:mc="http://schemas.openxmlformats.org/markup-compatibility/2006" xmlns:a14="http://schemas.microsoft.com/office/drawing/2010/main">
+          <mc:Choice Requires="a14">
             <p:sp>
               <p:nvSpPr>
                 <p:cNvPr id="145" name="TextBox 144">
@@ -4336,7 +4336,7 @@
               </p:txBody>
             </p:sp>
           </mc:Choice>
-          <mc:Fallback>
+          <mc:Fallback xmlns="">
             <p:sp>
               <p:nvSpPr>
                 <p:cNvPr id="145" name="TextBox 144">
@@ -4381,8 +4381,8 @@
             </p:sp>
           </mc:Fallback>
         </mc:AlternateContent>
-        <mc:AlternateContent xmlns:mc="http://schemas.openxmlformats.org/markup-compatibility/2006">
-          <mc:Choice xmlns:a14="http://schemas.microsoft.com/office/drawing/2010/main" Requires="a14">
+        <mc:AlternateContent xmlns:mc="http://schemas.openxmlformats.org/markup-compatibility/2006" xmlns:a14="http://schemas.microsoft.com/office/drawing/2010/main">
+          <mc:Choice Requires="a14">
             <p:sp>
               <p:nvSpPr>
                 <p:cNvPr id="146" name="TextBox 145">
@@ -4433,7 +4433,7 @@
               </p:txBody>
             </p:sp>
           </mc:Choice>
-          <mc:Fallback>
+          <mc:Fallback xmlns="">
             <p:sp>
               <p:nvSpPr>
                 <p:cNvPr id="146" name="TextBox 145">
@@ -4671,8 +4671,8 @@
             </a:p>
           </p:txBody>
         </p:sp>
-        <mc:AlternateContent xmlns:mc="http://schemas.openxmlformats.org/markup-compatibility/2006">
-          <mc:Choice xmlns:a14="http://schemas.microsoft.com/office/drawing/2010/main" Requires="a14">
+        <mc:AlternateContent xmlns:mc="http://schemas.openxmlformats.org/markup-compatibility/2006" xmlns:a14="http://schemas.microsoft.com/office/drawing/2010/main">
+          <mc:Choice Requires="a14">
             <p:sp>
               <p:nvSpPr>
                 <p:cNvPr id="151" name="TextBox 150">
@@ -4742,7 +4742,7 @@
               </p:txBody>
             </p:sp>
           </mc:Choice>
-          <mc:Fallback>
+          <mc:Fallback xmlns="">
             <p:sp>
               <p:nvSpPr>
                 <p:cNvPr id="151" name="TextBox 150">
@@ -5129,8 +5129,8 @@
             </a:p>
           </p:txBody>
         </p:sp>
-        <mc:AlternateContent xmlns:mc="http://schemas.openxmlformats.org/markup-compatibility/2006">
-          <mc:Choice xmlns:a14="http://schemas.microsoft.com/office/drawing/2010/main" Requires="a14">
+        <mc:AlternateContent xmlns:mc="http://schemas.openxmlformats.org/markup-compatibility/2006" xmlns:a14="http://schemas.microsoft.com/office/drawing/2010/main">
+          <mc:Choice Requires="a14">
             <p:sp>
               <p:nvSpPr>
                 <p:cNvPr id="170" name="TextBox 169">
@@ -5181,7 +5181,7 @@
               </p:txBody>
             </p:sp>
           </mc:Choice>
-          <mc:Fallback>
+          <mc:Fallback xmlns="">
             <p:sp>
               <p:nvSpPr>
                 <p:cNvPr id="170" name="TextBox 169">
@@ -5226,8 +5226,8 @@
             </p:sp>
           </mc:Fallback>
         </mc:AlternateContent>
-        <mc:AlternateContent xmlns:mc="http://schemas.openxmlformats.org/markup-compatibility/2006">
-          <mc:Choice xmlns:a14="http://schemas.microsoft.com/office/drawing/2010/main" Requires="a14">
+        <mc:AlternateContent xmlns:mc="http://schemas.openxmlformats.org/markup-compatibility/2006" xmlns:a14="http://schemas.microsoft.com/office/drawing/2010/main">
+          <mc:Choice Requires="a14">
             <p:sp>
               <p:nvSpPr>
                 <p:cNvPr id="171" name="TextBox 170">
@@ -5278,7 +5278,7 @@
               </p:txBody>
             </p:sp>
           </mc:Choice>
-          <mc:Fallback>
+          <mc:Fallback xmlns="">
             <p:sp>
               <p:nvSpPr>
                 <p:cNvPr id="171" name="TextBox 170">
@@ -5323,8 +5323,8 @@
             </p:sp>
           </mc:Fallback>
         </mc:AlternateContent>
-        <mc:AlternateContent xmlns:mc="http://schemas.openxmlformats.org/markup-compatibility/2006">
-          <mc:Choice xmlns:a14="http://schemas.microsoft.com/office/drawing/2010/main" Requires="a14">
+        <mc:AlternateContent xmlns:mc="http://schemas.openxmlformats.org/markup-compatibility/2006" xmlns:a14="http://schemas.microsoft.com/office/drawing/2010/main">
+          <mc:Choice Requires="a14">
             <p:sp>
               <p:nvSpPr>
                 <p:cNvPr id="172" name="TextBox 171">
@@ -5394,7 +5394,7 @@
               </p:txBody>
             </p:sp>
           </mc:Choice>
-          <mc:Fallback>
+          <mc:Fallback xmlns="">
             <p:sp>
               <p:nvSpPr>
                 <p:cNvPr id="172" name="TextBox 171">
@@ -5484,8 +5484,8 @@
             </a:fontRef>
           </p:style>
         </p:cxnSp>
-        <mc:AlternateContent xmlns:mc="http://schemas.openxmlformats.org/markup-compatibility/2006">
-          <mc:Choice xmlns:a14="http://schemas.microsoft.com/office/drawing/2010/main" Requires="a14">
+        <mc:AlternateContent xmlns:mc="http://schemas.openxmlformats.org/markup-compatibility/2006" xmlns:a14="http://schemas.microsoft.com/office/drawing/2010/main">
+          <mc:Choice Requires="a14">
             <p:sp>
               <p:nvSpPr>
                 <p:cNvPr id="174" name="TextBox 173">
@@ -5588,7 +5588,7 @@
               </p:txBody>
             </p:sp>
           </mc:Choice>
-          <mc:Fallback>
+          <mc:Fallback xmlns="">
             <p:sp>
               <p:nvSpPr>
                 <p:cNvPr id="174" name="TextBox 173">
@@ -6137,8 +6137,8 @@
             </a:fontRef>
           </p:style>
         </p:cxnSp>
-        <mc:AlternateContent xmlns:mc="http://schemas.openxmlformats.org/markup-compatibility/2006">
-          <mc:Choice xmlns:a14="http://schemas.microsoft.com/office/drawing/2010/main" Requires="a14">
+        <mc:AlternateContent xmlns:mc="http://schemas.openxmlformats.org/markup-compatibility/2006" xmlns:a14="http://schemas.microsoft.com/office/drawing/2010/main">
+          <mc:Choice Requires="a14">
             <p:sp>
               <p:nvSpPr>
                 <p:cNvPr id="176" name="TextBox 175">
@@ -6208,7 +6208,7 @@
               </p:txBody>
             </p:sp>
           </mc:Choice>
-          <mc:Fallback>
+          <mc:Fallback xmlns="">
             <p:sp>
               <p:nvSpPr>
                 <p:cNvPr id="176" name="TextBox 175">
@@ -6341,8 +6341,8 @@
             </a:p>
           </p:txBody>
         </p:sp>
-        <mc:AlternateContent xmlns:mc="http://schemas.openxmlformats.org/markup-compatibility/2006">
-          <mc:Choice xmlns:a14="http://schemas.microsoft.com/office/drawing/2010/main" Requires="a14">
+        <mc:AlternateContent xmlns:mc="http://schemas.openxmlformats.org/markup-compatibility/2006" xmlns:a14="http://schemas.microsoft.com/office/drawing/2010/main">
+          <mc:Choice Requires="a14">
             <p:sp>
               <p:nvSpPr>
                 <p:cNvPr id="179" name="TextBox 178">
@@ -6393,7 +6393,7 @@
               </p:txBody>
             </p:sp>
           </mc:Choice>
-          <mc:Fallback>
+          <mc:Fallback xmlns="">
             <p:sp>
               <p:nvSpPr>
                 <p:cNvPr id="179" name="TextBox 178">
@@ -6690,8 +6690,8 @@
           </a:p>
         </p:txBody>
       </p:sp>
-      <mc:AlternateContent xmlns:mc="http://schemas.openxmlformats.org/markup-compatibility/2006">
-        <mc:Choice xmlns:a14="http://schemas.microsoft.com/office/drawing/2010/main" Requires="a14">
+      <mc:AlternateContent xmlns:mc="http://schemas.openxmlformats.org/markup-compatibility/2006" xmlns:a14="http://schemas.microsoft.com/office/drawing/2010/main">
+        <mc:Choice Requires="a14">
           <p:sp>
             <p:nvSpPr>
               <p:cNvPr id="202" name="TextBox 201">
@@ -6744,7 +6744,7 @@
             </p:txBody>
           </p:sp>
         </mc:Choice>
-        <mc:Fallback>
+        <mc:Fallback xmlns="">
           <p:sp>
             <p:nvSpPr>
               <p:cNvPr id="202" name="TextBox 201">
@@ -6789,8 +6789,8 @@
           </p:sp>
         </mc:Fallback>
       </mc:AlternateContent>
-      <mc:AlternateContent xmlns:mc="http://schemas.openxmlformats.org/markup-compatibility/2006">
-        <mc:Choice xmlns:a14="http://schemas.microsoft.com/office/drawing/2010/main" Requires="a14">
+      <mc:AlternateContent xmlns:mc="http://schemas.openxmlformats.org/markup-compatibility/2006" xmlns:a14="http://schemas.microsoft.com/office/drawing/2010/main">
+        <mc:Choice Requires="a14">
           <p:sp>
             <p:nvSpPr>
               <p:cNvPr id="203" name="TextBox 202">
@@ -6860,7 +6860,7 @@
             </p:txBody>
           </p:sp>
         </mc:Choice>
-        <mc:Fallback>
+        <mc:Fallback xmlns="">
           <p:sp>
             <p:nvSpPr>
               <p:cNvPr id="203" name="TextBox 202">

--- a/journalWallFriction/pictures/pdf/reachableSetCircle.pptx
+++ b/journalWallFriction/pictures/pdf/reachableSetCircle.pptx
@@ -6942,6 +6942,36 @@
           </a:p>
         </p:txBody>
       </p:sp>
+      <p:pic>
+        <p:nvPicPr>
+          <p:cNvPr id="70" name="Picture 69">
+            <a:extLst>
+              <a:ext uri="{FF2B5EF4-FFF2-40B4-BE49-F238E27FC236}">
+                <a16:creationId xmlns:a16="http://schemas.microsoft.com/office/drawing/2014/main" id="{6CFDE236-B00E-B547-A7FD-927EAFADF2AE}"/>
+              </a:ext>
+            </a:extLst>
+          </p:cNvPr>
+          <p:cNvPicPr>
+            <a:picLocks noChangeAspect="1"/>
+          </p:cNvPicPr>
+          <p:nvPr/>
+        </p:nvPicPr>
+        <p:blipFill>
+          <a:blip r:embed="rId22"/>
+          <a:stretch>
+            <a:fillRect/>
+          </a:stretch>
+        </p:blipFill>
+        <p:spPr>
+          <a:xfrm>
+            <a:off x="605340" y="487732"/>
+            <a:ext cx="2044754" cy="804949"/>
+          </a:xfrm>
+          <a:prstGeom prst="rect">
+            <a:avLst/>
+          </a:prstGeom>
+        </p:spPr>
+      </p:pic>
     </p:spTree>
     <p:extLst>
       <p:ext uri="{BB962C8B-B14F-4D97-AF65-F5344CB8AC3E}">
